--- a/01. Dev Workflows & Tools/01. Dev Workflows & Tools.pptx
+++ b/01. Dev Workflows & Tools/01. Dev Workflows & Tools.pptx
@@ -11,9 +11,33 @@
     <p:sldId id="294" r:id="rId5"/>
     <p:sldId id="295" r:id="rId6"/>
     <p:sldId id="290" r:id="rId7"/>
-    <p:sldId id="291" r:id="rId8"/>
-    <p:sldId id="292" r:id="rId9"/>
-    <p:sldId id="288" r:id="rId10"/>
+    <p:sldId id="296" r:id="rId8"/>
+    <p:sldId id="297" r:id="rId9"/>
+    <p:sldId id="298" r:id="rId10"/>
+    <p:sldId id="299" r:id="rId11"/>
+    <p:sldId id="300" r:id="rId12"/>
+    <p:sldId id="301" r:id="rId13"/>
+    <p:sldId id="302" r:id="rId14"/>
+    <p:sldId id="304" r:id="rId15"/>
+    <p:sldId id="303" r:id="rId16"/>
+    <p:sldId id="305" r:id="rId17"/>
+    <p:sldId id="306" r:id="rId18"/>
+    <p:sldId id="291" r:id="rId19"/>
+    <p:sldId id="307" r:id="rId20"/>
+    <p:sldId id="308" r:id="rId21"/>
+    <p:sldId id="309" r:id="rId22"/>
+    <p:sldId id="292" r:id="rId23"/>
+    <p:sldId id="310" r:id="rId24"/>
+    <p:sldId id="311" r:id="rId25"/>
+    <p:sldId id="312" r:id="rId26"/>
+    <p:sldId id="313" r:id="rId27"/>
+    <p:sldId id="314" r:id="rId28"/>
+    <p:sldId id="315" r:id="rId29"/>
+    <p:sldId id="316" r:id="rId30"/>
+    <p:sldId id="317" r:id="rId31"/>
+    <p:sldId id="318" r:id="rId32"/>
+    <p:sldId id="319" r:id="rId33"/>
+    <p:sldId id="320" r:id="rId34"/>
   </p:sldIdLst>
   <p:sldSz cx="12192000" cy="6858000"/>
   <p:notesSz cx="6858000" cy="9144000"/>
@@ -131,21 +155,53 @@
         <p14:section name="Source Control" id="{33AB3F22-29A6-48AC-A565-AB7EB2D15C32}">
           <p14:sldIdLst>
             <p14:sldId id="290"/>
+            <p14:sldId id="296"/>
+            <p14:sldId id="297"/>
+            <p14:sldId id="298"/>
+            <p14:sldId id="299"/>
+            <p14:sldId id="300"/>
+            <p14:sldId id="301"/>
+            <p14:sldId id="302"/>
+            <p14:sldId id="304"/>
+            <p14:sldId id="303"/>
+            <p14:sldId id="305"/>
+            <p14:sldId id="306"/>
           </p14:sldIdLst>
         </p14:section>
         <p14:section name="Hosting" id="{E8FE2512-CDF6-4DD2-BB77-9DD298AD09A4}">
           <p14:sldIdLst>
             <p14:sldId id="291"/>
+            <p14:sldId id="307"/>
+            <p14:sldId id="308"/>
+          </p14:sldIdLst>
+        </p14:section>
+        <p14:section name="Development" id="{8FBC23B9-C85A-414B-8F56-67DC7F2BA204}">
+          <p14:sldIdLst>
+            <p14:sldId id="309"/>
           </p14:sldIdLst>
         </p14:section>
         <p14:section name="Development Automation" id="{22FE0329-A2C1-4D50-8188-C76B1C68BCCC}">
           <p14:sldIdLst>
             <p14:sldId id="292"/>
+            <p14:sldId id="310"/>
+            <p14:sldId id="311"/>
+            <p14:sldId id="312"/>
           </p14:sldIdLst>
         </p14:section>
-        <p14:section name="Template" id="{43566932-E162-4F5D-B29A-8A8B86887EF7}">
+        <p14:section name="Git Workflow" id="{81BA056F-28B9-4937-83C5-BEDC6C1F28C1}">
           <p14:sldIdLst>
-            <p14:sldId id="288"/>
+            <p14:sldId id="313"/>
+            <p14:sldId id="314"/>
+            <p14:sldId id="315"/>
+            <p14:sldId id="316"/>
+            <p14:sldId id="317"/>
+          </p14:sldIdLst>
+        </p14:section>
+        <p14:section name="Resources" id="{45B99023-1F2C-4EA6-BFF3-209A1042E5BC}">
+          <p14:sldIdLst>
+            <p14:sldId id="318"/>
+            <p14:sldId id="319"/>
+            <p14:sldId id="320"/>
           </p14:sldIdLst>
         </p14:section>
       </p14:sectionLst>
@@ -3505,6 +3561,2002 @@
 </p:sld>
 </file>
 
+<file path=ppt/slides/slide10.xml><?xml version="1.0" encoding="utf-8"?>
+<p:sld xmlns:a="http://schemas.openxmlformats.org/drawingml/2006/main" xmlns:r="http://schemas.openxmlformats.org/officeDocument/2006/relationships" xmlns:p="http://schemas.openxmlformats.org/presentationml/2006/main">
+  <p:cSld>
+    <p:bg>
+      <p:bgPr>
+        <a:blipFill dpi="0" rotWithShape="1">
+          <a:blip r:embed="rId2">
+            <a:lum/>
+          </a:blip>
+          <a:srcRect/>
+          <a:stretch>
+            <a:fillRect/>
+          </a:stretch>
+        </a:blipFill>
+        <a:effectLst/>
+      </p:bgPr>
+    </p:bg>
+    <p:spTree>
+      <p:nvGrpSpPr>
+        <p:cNvPr id="1" name=""/>
+        <p:cNvGrpSpPr/>
+        <p:nvPr/>
+      </p:nvGrpSpPr>
+      <p:grpSpPr>
+        <a:xfrm>
+          <a:off x="0" y="0"/>
+          <a:ext cx="0" cy="0"/>
+          <a:chOff x="0" y="0"/>
+          <a:chExt cx="0" cy="0"/>
+        </a:xfrm>
+      </p:grpSpPr>
+      <p:pic>
+        <p:nvPicPr>
+          <p:cNvPr id="5" name="Picture 4">
+            <a:extLst>
+              <a:ext uri="{FF2B5EF4-FFF2-40B4-BE49-F238E27FC236}">
+                <a16:creationId xmlns:a16="http://schemas.microsoft.com/office/drawing/2014/main" id="{6B43DD41-0F21-4B91-B777-A89F8D2DF255}"/>
+              </a:ext>
+            </a:extLst>
+          </p:cNvPr>
+          <p:cNvPicPr>
+            <a:picLocks noChangeAspect="1"/>
+          </p:cNvPicPr>
+          <p:nvPr/>
+        </p:nvPicPr>
+        <p:blipFill>
+          <a:blip r:embed="rId3">
+            <a:extLst>
+              <a:ext uri="{28A0092B-C50C-407E-A947-70E740481C1C}">
+                <a14:useLocalDpi xmlns:a14="http://schemas.microsoft.com/office/drawing/2010/main" val="0"/>
+              </a:ext>
+            </a:extLst>
+          </a:blip>
+          <a:stretch>
+            <a:fillRect/>
+          </a:stretch>
+        </p:blipFill>
+        <p:spPr>
+          <a:xfrm>
+            <a:off x="272336" y="197666"/>
+            <a:ext cx="1251664" cy="1402534"/>
+          </a:xfrm>
+          <a:prstGeom prst="rect">
+            <a:avLst/>
+          </a:prstGeom>
+        </p:spPr>
+      </p:pic>
+      <p:sp>
+        <p:nvSpPr>
+          <p:cNvPr id="6" name="Title 3">
+            <a:extLst>
+              <a:ext uri="{FF2B5EF4-FFF2-40B4-BE49-F238E27FC236}">
+                <a16:creationId xmlns:a16="http://schemas.microsoft.com/office/drawing/2014/main" id="{6AF371E5-6025-4DD6-B3D9-1EA1AF6B36AB}"/>
+              </a:ext>
+            </a:extLst>
+          </p:cNvPr>
+          <p:cNvSpPr>
+            <a:spLocks noGrp="1"/>
+          </p:cNvSpPr>
+          <p:nvPr/>
+        </p:nvSpPr>
+        <p:spPr>
+          <a:xfrm>
+            <a:off x="1524000" y="489420"/>
+            <a:ext cx="9577597" cy="1110780"/>
+          </a:xfrm>
+          <a:prstGeom prst="rect">
+            <a:avLst/>
+          </a:prstGeom>
+        </p:spPr>
+        <p:txBody>
+          <a:bodyPr vert="horz" lIns="108000" tIns="36000" rIns="108000" bIns="36000" rtlCol="0" anchor="ctr" anchorCtr="0">
+            <a:normAutofit/>
+          </a:bodyPr>
+          <a:lstStyle>
+            <a:lvl1pPr algn="l" defTabSz="1218987" rtl="0" eaLnBrk="1" latinLnBrk="0" hangingPunct="1">
+              <a:lnSpc>
+                <a:spcPct val="90000"/>
+              </a:lnSpc>
+              <a:spcBef>
+                <a:spcPct val="0"/>
+              </a:spcBef>
+              <a:buNone/>
+              <a:defRPr sz="4000" b="1" kern="1200">
+                <a:solidFill>
+                  <a:srgbClr val="F3BE60"/>
+                </a:solidFill>
+                <a:effectLst/>
+                <a:latin typeface="+mj-lt"/>
+                <a:ea typeface="+mj-ea"/>
+                <a:cs typeface="+mj-cs"/>
+              </a:defRPr>
+            </a:lvl1pPr>
+          </a:lstStyle>
+          <a:p>
+            <a:r>
+              <a:rPr lang="en-US" dirty="0">
+                <a:solidFill>
+                  <a:srgbClr val="002060"/>
+                </a:solidFill>
+                <a:latin typeface="Source Sans Pro" panose="020B0503030403020204" pitchFamily="34" charset="0"/>
+                <a:ea typeface="Source Sans Pro" panose="020B0503030403020204" pitchFamily="34" charset="0"/>
+              </a:rPr>
+              <a:t>Git</a:t>
+            </a:r>
+          </a:p>
+        </p:txBody>
+      </p:sp>
+      <p:sp>
+        <p:nvSpPr>
+          <p:cNvPr id="7" name="Title 1">
+            <a:extLst>
+              <a:ext uri="{FF2B5EF4-FFF2-40B4-BE49-F238E27FC236}">
+                <a16:creationId xmlns:a16="http://schemas.microsoft.com/office/drawing/2014/main" id="{2591AE5E-B75A-4B5E-8C98-54FDCCE81365}"/>
+              </a:ext>
+            </a:extLst>
+          </p:cNvPr>
+          <p:cNvSpPr>
+            <a:spLocks noGrp="1"/>
+          </p:cNvSpPr>
+          <p:nvPr>
+            <p:ph type="ctrTitle"/>
+          </p:nvPr>
+        </p:nvSpPr>
+        <p:spPr>
+          <a:xfrm>
+            <a:off x="1572586" y="1600200"/>
+            <a:ext cx="9529011" cy="1110780"/>
+          </a:xfrm>
+        </p:spPr>
+        <p:txBody>
+          <a:bodyPr>
+            <a:normAutofit/>
+          </a:bodyPr>
+          <a:lstStyle/>
+          <a:p>
+            <a:pPr algn="l"/>
+            <a:r>
+              <a:rPr lang="en-GB" b="1" dirty="0">
+                <a:solidFill>
+                  <a:srgbClr val="F3BE60"/>
+                </a:solidFill>
+                <a:latin typeface="Source Sans Pro" panose="020B0604020202020204" pitchFamily="34" charset="0"/>
+              </a:rPr>
+              <a:t>commit</a:t>
+            </a:r>
+            <a:endParaRPr lang="bg-BG" b="1" dirty="0">
+              <a:solidFill>
+                <a:srgbClr val="F3BE60"/>
+              </a:solidFill>
+              <a:latin typeface="Source Sans Pro" panose="020B0604020202020204" pitchFamily="34" charset="0"/>
+            </a:endParaRPr>
+          </a:p>
+        </p:txBody>
+      </p:sp>
+    </p:spTree>
+    <p:extLst>
+      <p:ext uri="{BB962C8B-B14F-4D97-AF65-F5344CB8AC3E}">
+        <p14:creationId xmlns:p14="http://schemas.microsoft.com/office/powerpoint/2010/main" val="77080675"/>
+      </p:ext>
+    </p:extLst>
+  </p:cSld>
+  <p:clrMapOvr>
+    <a:masterClrMapping/>
+  </p:clrMapOvr>
+</p:sld>
+</file>
+
+<file path=ppt/slides/slide11.xml><?xml version="1.0" encoding="utf-8"?>
+<p:sld xmlns:a="http://schemas.openxmlformats.org/drawingml/2006/main" xmlns:r="http://schemas.openxmlformats.org/officeDocument/2006/relationships" xmlns:p="http://schemas.openxmlformats.org/presentationml/2006/main">
+  <p:cSld>
+    <p:bg>
+      <p:bgPr>
+        <a:blipFill dpi="0" rotWithShape="1">
+          <a:blip r:embed="rId2">
+            <a:lum/>
+          </a:blip>
+          <a:srcRect/>
+          <a:stretch>
+            <a:fillRect/>
+          </a:stretch>
+        </a:blipFill>
+        <a:effectLst/>
+      </p:bgPr>
+    </p:bg>
+    <p:spTree>
+      <p:nvGrpSpPr>
+        <p:cNvPr id="1" name=""/>
+        <p:cNvGrpSpPr/>
+        <p:nvPr/>
+      </p:nvGrpSpPr>
+      <p:grpSpPr>
+        <a:xfrm>
+          <a:off x="0" y="0"/>
+          <a:ext cx="0" cy="0"/>
+          <a:chOff x="0" y="0"/>
+          <a:chExt cx="0" cy="0"/>
+        </a:xfrm>
+      </p:grpSpPr>
+      <p:pic>
+        <p:nvPicPr>
+          <p:cNvPr id="5" name="Picture 4">
+            <a:extLst>
+              <a:ext uri="{FF2B5EF4-FFF2-40B4-BE49-F238E27FC236}">
+                <a16:creationId xmlns:a16="http://schemas.microsoft.com/office/drawing/2014/main" id="{6B43DD41-0F21-4B91-B777-A89F8D2DF255}"/>
+              </a:ext>
+            </a:extLst>
+          </p:cNvPr>
+          <p:cNvPicPr>
+            <a:picLocks noChangeAspect="1"/>
+          </p:cNvPicPr>
+          <p:nvPr/>
+        </p:nvPicPr>
+        <p:blipFill>
+          <a:blip r:embed="rId3">
+            <a:extLst>
+              <a:ext uri="{28A0092B-C50C-407E-A947-70E740481C1C}">
+                <a14:useLocalDpi xmlns:a14="http://schemas.microsoft.com/office/drawing/2010/main" val="0"/>
+              </a:ext>
+            </a:extLst>
+          </a:blip>
+          <a:stretch>
+            <a:fillRect/>
+          </a:stretch>
+        </p:blipFill>
+        <p:spPr>
+          <a:xfrm>
+            <a:off x="272336" y="197666"/>
+            <a:ext cx="1251664" cy="1402534"/>
+          </a:xfrm>
+          <a:prstGeom prst="rect">
+            <a:avLst/>
+          </a:prstGeom>
+        </p:spPr>
+      </p:pic>
+      <p:sp>
+        <p:nvSpPr>
+          <p:cNvPr id="4" name="Title 1">
+            <a:extLst>
+              <a:ext uri="{FF2B5EF4-FFF2-40B4-BE49-F238E27FC236}">
+                <a16:creationId xmlns:a16="http://schemas.microsoft.com/office/drawing/2014/main" id="{852A3C76-2D24-40B7-96DE-3EF4F7AD4CA1}"/>
+              </a:ext>
+            </a:extLst>
+          </p:cNvPr>
+          <p:cNvSpPr txBox="1">
+            <a:spLocks/>
+          </p:cNvSpPr>
+          <p:nvPr/>
+        </p:nvSpPr>
+        <p:spPr>
+          <a:xfrm>
+            <a:off x="1524000" y="2778135"/>
+            <a:ext cx="9529011" cy="650865"/>
+          </a:xfrm>
+          <a:prstGeom prst="rect">
+            <a:avLst/>
+          </a:prstGeom>
+        </p:spPr>
+        <p:txBody>
+          <a:bodyPr vert="horz" lIns="91440" tIns="45720" rIns="91440" bIns="45720" rtlCol="0" anchor="b">
+            <a:normAutofit lnSpcReduction="10000"/>
+          </a:bodyPr>
+          <a:lstStyle>
+            <a:lvl1pPr algn="ctr" defTabSz="914400" rtl="0" eaLnBrk="1" latinLnBrk="0" hangingPunct="1">
+              <a:lnSpc>
+                <a:spcPct val="90000"/>
+              </a:lnSpc>
+              <a:spcBef>
+                <a:spcPct val="0"/>
+              </a:spcBef>
+              <a:buNone/>
+              <a:defRPr sz="6000" kern="1200">
+                <a:solidFill>
+                  <a:schemeClr val="tx1"/>
+                </a:solidFill>
+                <a:latin typeface="+mj-lt"/>
+                <a:ea typeface="+mj-ea"/>
+                <a:cs typeface="+mj-cs"/>
+              </a:defRPr>
+            </a:lvl1pPr>
+          </a:lstStyle>
+          <a:p>
+            <a:r>
+              <a:rPr lang="en-GB" sz="4400" b="1" dirty="0">
+                <a:solidFill>
+                  <a:schemeClr val="accent1">
+                    <a:lumMod val="50000"/>
+                  </a:schemeClr>
+                </a:solidFill>
+                <a:latin typeface="Source Sans Pro" panose="020B0604020202020204" pitchFamily="34" charset="0"/>
+              </a:rPr>
+              <a:t>Remote Repositories</a:t>
+            </a:r>
+          </a:p>
+        </p:txBody>
+      </p:sp>
+    </p:spTree>
+    <p:extLst>
+      <p:ext uri="{BB962C8B-B14F-4D97-AF65-F5344CB8AC3E}">
+        <p14:creationId xmlns:p14="http://schemas.microsoft.com/office/powerpoint/2010/main" val="19094837"/>
+      </p:ext>
+    </p:extLst>
+  </p:cSld>
+  <p:clrMapOvr>
+    <a:masterClrMapping/>
+  </p:clrMapOvr>
+</p:sld>
+</file>
+
+<file path=ppt/slides/slide12.xml><?xml version="1.0" encoding="utf-8"?>
+<p:sld xmlns:a="http://schemas.openxmlformats.org/drawingml/2006/main" xmlns:r="http://schemas.openxmlformats.org/officeDocument/2006/relationships" xmlns:p="http://schemas.openxmlformats.org/presentationml/2006/main">
+  <p:cSld>
+    <p:bg>
+      <p:bgPr>
+        <a:blipFill dpi="0" rotWithShape="1">
+          <a:blip r:embed="rId2">
+            <a:lum/>
+          </a:blip>
+          <a:srcRect/>
+          <a:stretch>
+            <a:fillRect/>
+          </a:stretch>
+        </a:blipFill>
+        <a:effectLst/>
+      </p:bgPr>
+    </p:bg>
+    <p:spTree>
+      <p:nvGrpSpPr>
+        <p:cNvPr id="1" name=""/>
+        <p:cNvGrpSpPr/>
+        <p:nvPr/>
+      </p:nvGrpSpPr>
+      <p:grpSpPr>
+        <a:xfrm>
+          <a:off x="0" y="0"/>
+          <a:ext cx="0" cy="0"/>
+          <a:chOff x="0" y="0"/>
+          <a:chExt cx="0" cy="0"/>
+        </a:xfrm>
+      </p:grpSpPr>
+      <p:pic>
+        <p:nvPicPr>
+          <p:cNvPr id="5" name="Picture 4">
+            <a:extLst>
+              <a:ext uri="{FF2B5EF4-FFF2-40B4-BE49-F238E27FC236}">
+                <a16:creationId xmlns:a16="http://schemas.microsoft.com/office/drawing/2014/main" id="{6B43DD41-0F21-4B91-B777-A89F8D2DF255}"/>
+              </a:ext>
+            </a:extLst>
+          </p:cNvPr>
+          <p:cNvPicPr>
+            <a:picLocks noChangeAspect="1"/>
+          </p:cNvPicPr>
+          <p:nvPr/>
+        </p:nvPicPr>
+        <p:blipFill>
+          <a:blip r:embed="rId3">
+            <a:extLst>
+              <a:ext uri="{28A0092B-C50C-407E-A947-70E740481C1C}">
+                <a14:useLocalDpi xmlns:a14="http://schemas.microsoft.com/office/drawing/2010/main" val="0"/>
+              </a:ext>
+            </a:extLst>
+          </a:blip>
+          <a:stretch>
+            <a:fillRect/>
+          </a:stretch>
+        </p:blipFill>
+        <p:spPr>
+          <a:xfrm>
+            <a:off x="272336" y="197666"/>
+            <a:ext cx="1251664" cy="1402534"/>
+          </a:xfrm>
+          <a:prstGeom prst="rect">
+            <a:avLst/>
+          </a:prstGeom>
+        </p:spPr>
+      </p:pic>
+      <p:sp>
+        <p:nvSpPr>
+          <p:cNvPr id="6" name="Title 3">
+            <a:extLst>
+              <a:ext uri="{FF2B5EF4-FFF2-40B4-BE49-F238E27FC236}">
+                <a16:creationId xmlns:a16="http://schemas.microsoft.com/office/drawing/2014/main" id="{6AF371E5-6025-4DD6-B3D9-1EA1AF6B36AB}"/>
+              </a:ext>
+            </a:extLst>
+          </p:cNvPr>
+          <p:cNvSpPr>
+            <a:spLocks noGrp="1"/>
+          </p:cNvSpPr>
+          <p:nvPr/>
+        </p:nvSpPr>
+        <p:spPr>
+          <a:xfrm>
+            <a:off x="1524000" y="489420"/>
+            <a:ext cx="9577597" cy="1110780"/>
+          </a:xfrm>
+          <a:prstGeom prst="rect">
+            <a:avLst/>
+          </a:prstGeom>
+        </p:spPr>
+        <p:txBody>
+          <a:bodyPr vert="horz" lIns="108000" tIns="36000" rIns="108000" bIns="36000" rtlCol="0" anchor="ctr" anchorCtr="0">
+            <a:normAutofit/>
+          </a:bodyPr>
+          <a:lstStyle>
+            <a:lvl1pPr algn="l" defTabSz="1218987" rtl="0" eaLnBrk="1" latinLnBrk="0" hangingPunct="1">
+              <a:lnSpc>
+                <a:spcPct val="90000"/>
+              </a:lnSpc>
+              <a:spcBef>
+                <a:spcPct val="0"/>
+              </a:spcBef>
+              <a:buNone/>
+              <a:defRPr sz="4000" b="1" kern="1200">
+                <a:solidFill>
+                  <a:srgbClr val="F3BE60"/>
+                </a:solidFill>
+                <a:effectLst/>
+                <a:latin typeface="+mj-lt"/>
+                <a:ea typeface="+mj-ea"/>
+                <a:cs typeface="+mj-cs"/>
+              </a:defRPr>
+            </a:lvl1pPr>
+          </a:lstStyle>
+          <a:p>
+            <a:r>
+              <a:rPr lang="en-US" dirty="0">
+                <a:solidFill>
+                  <a:srgbClr val="002060"/>
+                </a:solidFill>
+                <a:latin typeface="Source Sans Pro" panose="020B0503030403020204" pitchFamily="34" charset="0"/>
+                <a:ea typeface="Source Sans Pro" panose="020B0503030403020204" pitchFamily="34" charset="0"/>
+              </a:rPr>
+              <a:t>Git</a:t>
+            </a:r>
+          </a:p>
+        </p:txBody>
+      </p:sp>
+      <p:sp>
+        <p:nvSpPr>
+          <p:cNvPr id="7" name="Title 1">
+            <a:extLst>
+              <a:ext uri="{FF2B5EF4-FFF2-40B4-BE49-F238E27FC236}">
+                <a16:creationId xmlns:a16="http://schemas.microsoft.com/office/drawing/2014/main" id="{2591AE5E-B75A-4B5E-8C98-54FDCCE81365}"/>
+              </a:ext>
+            </a:extLst>
+          </p:cNvPr>
+          <p:cNvSpPr>
+            <a:spLocks noGrp="1"/>
+          </p:cNvSpPr>
+          <p:nvPr>
+            <p:ph type="ctrTitle"/>
+          </p:nvPr>
+        </p:nvSpPr>
+        <p:spPr>
+          <a:xfrm>
+            <a:off x="1572586" y="1600200"/>
+            <a:ext cx="9529011" cy="1110780"/>
+          </a:xfrm>
+        </p:spPr>
+        <p:txBody>
+          <a:bodyPr>
+            <a:normAutofit/>
+          </a:bodyPr>
+          <a:lstStyle/>
+          <a:p>
+            <a:pPr algn="l"/>
+            <a:r>
+              <a:rPr lang="en-GB" b="1" dirty="0">
+                <a:solidFill>
+                  <a:srgbClr val="F3BE60"/>
+                </a:solidFill>
+                <a:latin typeface="Source Sans Pro" panose="020B0604020202020204" pitchFamily="34" charset="0"/>
+              </a:rPr>
+              <a:t>clone</a:t>
+            </a:r>
+            <a:endParaRPr lang="bg-BG" b="1" dirty="0">
+              <a:solidFill>
+                <a:srgbClr val="F3BE60"/>
+              </a:solidFill>
+              <a:latin typeface="Source Sans Pro" panose="020B0604020202020204" pitchFamily="34" charset="0"/>
+            </a:endParaRPr>
+          </a:p>
+        </p:txBody>
+      </p:sp>
+    </p:spTree>
+    <p:extLst>
+      <p:ext uri="{BB962C8B-B14F-4D97-AF65-F5344CB8AC3E}">
+        <p14:creationId xmlns:p14="http://schemas.microsoft.com/office/powerpoint/2010/main" val="3883532027"/>
+      </p:ext>
+    </p:extLst>
+  </p:cSld>
+  <p:clrMapOvr>
+    <a:masterClrMapping/>
+  </p:clrMapOvr>
+</p:sld>
+</file>
+
+<file path=ppt/slides/slide13.xml><?xml version="1.0" encoding="utf-8"?>
+<p:sld xmlns:a="http://schemas.openxmlformats.org/drawingml/2006/main" xmlns:r="http://schemas.openxmlformats.org/officeDocument/2006/relationships" xmlns:p="http://schemas.openxmlformats.org/presentationml/2006/main">
+  <p:cSld>
+    <p:bg>
+      <p:bgPr>
+        <a:blipFill dpi="0" rotWithShape="1">
+          <a:blip r:embed="rId2">
+            <a:lum/>
+          </a:blip>
+          <a:srcRect/>
+          <a:stretch>
+            <a:fillRect/>
+          </a:stretch>
+        </a:blipFill>
+        <a:effectLst/>
+      </p:bgPr>
+    </p:bg>
+    <p:spTree>
+      <p:nvGrpSpPr>
+        <p:cNvPr id="1" name=""/>
+        <p:cNvGrpSpPr/>
+        <p:nvPr/>
+      </p:nvGrpSpPr>
+      <p:grpSpPr>
+        <a:xfrm>
+          <a:off x="0" y="0"/>
+          <a:ext cx="0" cy="0"/>
+          <a:chOff x="0" y="0"/>
+          <a:chExt cx="0" cy="0"/>
+        </a:xfrm>
+      </p:grpSpPr>
+      <p:pic>
+        <p:nvPicPr>
+          <p:cNvPr id="5" name="Picture 4">
+            <a:extLst>
+              <a:ext uri="{FF2B5EF4-FFF2-40B4-BE49-F238E27FC236}">
+                <a16:creationId xmlns:a16="http://schemas.microsoft.com/office/drawing/2014/main" id="{6B43DD41-0F21-4B91-B777-A89F8D2DF255}"/>
+              </a:ext>
+            </a:extLst>
+          </p:cNvPr>
+          <p:cNvPicPr>
+            <a:picLocks noChangeAspect="1"/>
+          </p:cNvPicPr>
+          <p:nvPr/>
+        </p:nvPicPr>
+        <p:blipFill>
+          <a:blip r:embed="rId3">
+            <a:extLst>
+              <a:ext uri="{28A0092B-C50C-407E-A947-70E740481C1C}">
+                <a14:useLocalDpi xmlns:a14="http://schemas.microsoft.com/office/drawing/2010/main" val="0"/>
+              </a:ext>
+            </a:extLst>
+          </a:blip>
+          <a:stretch>
+            <a:fillRect/>
+          </a:stretch>
+        </p:blipFill>
+        <p:spPr>
+          <a:xfrm>
+            <a:off x="272336" y="197666"/>
+            <a:ext cx="1251664" cy="1402534"/>
+          </a:xfrm>
+          <a:prstGeom prst="rect">
+            <a:avLst/>
+          </a:prstGeom>
+        </p:spPr>
+      </p:pic>
+      <p:sp>
+        <p:nvSpPr>
+          <p:cNvPr id="6" name="Title 3">
+            <a:extLst>
+              <a:ext uri="{FF2B5EF4-FFF2-40B4-BE49-F238E27FC236}">
+                <a16:creationId xmlns:a16="http://schemas.microsoft.com/office/drawing/2014/main" id="{6AF371E5-6025-4DD6-B3D9-1EA1AF6B36AB}"/>
+              </a:ext>
+            </a:extLst>
+          </p:cNvPr>
+          <p:cNvSpPr>
+            <a:spLocks noGrp="1"/>
+          </p:cNvSpPr>
+          <p:nvPr/>
+        </p:nvSpPr>
+        <p:spPr>
+          <a:xfrm>
+            <a:off x="1524000" y="489420"/>
+            <a:ext cx="9577597" cy="1110780"/>
+          </a:xfrm>
+          <a:prstGeom prst="rect">
+            <a:avLst/>
+          </a:prstGeom>
+        </p:spPr>
+        <p:txBody>
+          <a:bodyPr vert="horz" lIns="108000" tIns="36000" rIns="108000" bIns="36000" rtlCol="0" anchor="ctr" anchorCtr="0">
+            <a:normAutofit/>
+          </a:bodyPr>
+          <a:lstStyle>
+            <a:lvl1pPr algn="l" defTabSz="1218987" rtl="0" eaLnBrk="1" latinLnBrk="0" hangingPunct="1">
+              <a:lnSpc>
+                <a:spcPct val="90000"/>
+              </a:lnSpc>
+              <a:spcBef>
+                <a:spcPct val="0"/>
+              </a:spcBef>
+              <a:buNone/>
+              <a:defRPr sz="4000" b="1" kern="1200">
+                <a:solidFill>
+                  <a:srgbClr val="F3BE60"/>
+                </a:solidFill>
+                <a:effectLst/>
+                <a:latin typeface="+mj-lt"/>
+                <a:ea typeface="+mj-ea"/>
+                <a:cs typeface="+mj-cs"/>
+              </a:defRPr>
+            </a:lvl1pPr>
+          </a:lstStyle>
+          <a:p>
+            <a:r>
+              <a:rPr lang="en-US" dirty="0">
+                <a:solidFill>
+                  <a:srgbClr val="002060"/>
+                </a:solidFill>
+                <a:latin typeface="Source Sans Pro" panose="020B0503030403020204" pitchFamily="34" charset="0"/>
+                <a:ea typeface="Source Sans Pro" panose="020B0503030403020204" pitchFamily="34" charset="0"/>
+              </a:rPr>
+              <a:t>Git</a:t>
+            </a:r>
+          </a:p>
+        </p:txBody>
+      </p:sp>
+      <p:sp>
+        <p:nvSpPr>
+          <p:cNvPr id="7" name="Title 1">
+            <a:extLst>
+              <a:ext uri="{FF2B5EF4-FFF2-40B4-BE49-F238E27FC236}">
+                <a16:creationId xmlns:a16="http://schemas.microsoft.com/office/drawing/2014/main" id="{2591AE5E-B75A-4B5E-8C98-54FDCCE81365}"/>
+              </a:ext>
+            </a:extLst>
+          </p:cNvPr>
+          <p:cNvSpPr>
+            <a:spLocks noGrp="1"/>
+          </p:cNvSpPr>
+          <p:nvPr>
+            <p:ph type="ctrTitle"/>
+          </p:nvPr>
+        </p:nvSpPr>
+        <p:spPr>
+          <a:xfrm>
+            <a:off x="1572586" y="1600200"/>
+            <a:ext cx="9529011" cy="1110780"/>
+          </a:xfrm>
+        </p:spPr>
+        <p:txBody>
+          <a:bodyPr>
+            <a:normAutofit/>
+          </a:bodyPr>
+          <a:lstStyle/>
+          <a:p>
+            <a:pPr algn="l"/>
+            <a:r>
+              <a:rPr lang="en-GB" b="1" dirty="0">
+                <a:solidFill>
+                  <a:srgbClr val="F3BE60"/>
+                </a:solidFill>
+                <a:latin typeface="Source Sans Pro" panose="020B0604020202020204" pitchFamily="34" charset="0"/>
+              </a:rPr>
+              <a:t>push</a:t>
+            </a:r>
+            <a:endParaRPr lang="bg-BG" b="1" dirty="0">
+              <a:solidFill>
+                <a:srgbClr val="F3BE60"/>
+              </a:solidFill>
+              <a:latin typeface="Source Sans Pro" panose="020B0604020202020204" pitchFamily="34" charset="0"/>
+            </a:endParaRPr>
+          </a:p>
+        </p:txBody>
+      </p:sp>
+    </p:spTree>
+    <p:extLst>
+      <p:ext uri="{BB962C8B-B14F-4D97-AF65-F5344CB8AC3E}">
+        <p14:creationId xmlns:p14="http://schemas.microsoft.com/office/powerpoint/2010/main" val="488556641"/>
+      </p:ext>
+    </p:extLst>
+  </p:cSld>
+  <p:clrMapOvr>
+    <a:masterClrMapping/>
+  </p:clrMapOvr>
+</p:sld>
+</file>
+
+<file path=ppt/slides/slide14.xml><?xml version="1.0" encoding="utf-8"?>
+<p:sld xmlns:a="http://schemas.openxmlformats.org/drawingml/2006/main" xmlns:r="http://schemas.openxmlformats.org/officeDocument/2006/relationships" xmlns:p="http://schemas.openxmlformats.org/presentationml/2006/main">
+  <p:cSld>
+    <p:bg>
+      <p:bgPr>
+        <a:blipFill dpi="0" rotWithShape="1">
+          <a:blip r:embed="rId2">
+            <a:lum/>
+          </a:blip>
+          <a:srcRect/>
+          <a:stretch>
+            <a:fillRect/>
+          </a:stretch>
+        </a:blipFill>
+        <a:effectLst/>
+      </p:bgPr>
+    </p:bg>
+    <p:spTree>
+      <p:nvGrpSpPr>
+        <p:cNvPr id="1" name=""/>
+        <p:cNvGrpSpPr/>
+        <p:nvPr/>
+      </p:nvGrpSpPr>
+      <p:grpSpPr>
+        <a:xfrm>
+          <a:off x="0" y="0"/>
+          <a:ext cx="0" cy="0"/>
+          <a:chOff x="0" y="0"/>
+          <a:chExt cx="0" cy="0"/>
+        </a:xfrm>
+      </p:grpSpPr>
+      <p:pic>
+        <p:nvPicPr>
+          <p:cNvPr id="5" name="Picture 4">
+            <a:extLst>
+              <a:ext uri="{FF2B5EF4-FFF2-40B4-BE49-F238E27FC236}">
+                <a16:creationId xmlns:a16="http://schemas.microsoft.com/office/drawing/2014/main" id="{6B43DD41-0F21-4B91-B777-A89F8D2DF255}"/>
+              </a:ext>
+            </a:extLst>
+          </p:cNvPr>
+          <p:cNvPicPr>
+            <a:picLocks noChangeAspect="1"/>
+          </p:cNvPicPr>
+          <p:nvPr/>
+        </p:nvPicPr>
+        <p:blipFill>
+          <a:blip r:embed="rId3">
+            <a:extLst>
+              <a:ext uri="{28A0092B-C50C-407E-A947-70E740481C1C}">
+                <a14:useLocalDpi xmlns:a14="http://schemas.microsoft.com/office/drawing/2010/main" val="0"/>
+              </a:ext>
+            </a:extLst>
+          </a:blip>
+          <a:stretch>
+            <a:fillRect/>
+          </a:stretch>
+        </p:blipFill>
+        <p:spPr>
+          <a:xfrm>
+            <a:off x="272336" y="197666"/>
+            <a:ext cx="1251664" cy="1402534"/>
+          </a:xfrm>
+          <a:prstGeom prst="rect">
+            <a:avLst/>
+          </a:prstGeom>
+        </p:spPr>
+      </p:pic>
+      <p:sp>
+        <p:nvSpPr>
+          <p:cNvPr id="4" name="Title 1">
+            <a:extLst>
+              <a:ext uri="{FF2B5EF4-FFF2-40B4-BE49-F238E27FC236}">
+                <a16:creationId xmlns:a16="http://schemas.microsoft.com/office/drawing/2014/main" id="{852A3C76-2D24-40B7-96DE-3EF4F7AD4CA1}"/>
+              </a:ext>
+            </a:extLst>
+          </p:cNvPr>
+          <p:cNvSpPr txBox="1">
+            <a:spLocks/>
+          </p:cNvSpPr>
+          <p:nvPr/>
+        </p:nvSpPr>
+        <p:spPr>
+          <a:xfrm>
+            <a:off x="1524000" y="2778135"/>
+            <a:ext cx="9529011" cy="650865"/>
+          </a:xfrm>
+          <a:prstGeom prst="rect">
+            <a:avLst/>
+          </a:prstGeom>
+        </p:spPr>
+        <p:txBody>
+          <a:bodyPr vert="horz" lIns="91440" tIns="45720" rIns="91440" bIns="45720" rtlCol="0" anchor="b">
+            <a:normAutofit lnSpcReduction="10000"/>
+          </a:bodyPr>
+          <a:lstStyle>
+            <a:lvl1pPr algn="ctr" defTabSz="914400" rtl="0" eaLnBrk="1" latinLnBrk="0" hangingPunct="1">
+              <a:lnSpc>
+                <a:spcPct val="90000"/>
+              </a:lnSpc>
+              <a:spcBef>
+                <a:spcPct val="0"/>
+              </a:spcBef>
+              <a:buNone/>
+              <a:defRPr sz="6000" kern="1200">
+                <a:solidFill>
+                  <a:schemeClr val="tx1"/>
+                </a:solidFill>
+                <a:latin typeface="+mj-lt"/>
+                <a:ea typeface="+mj-ea"/>
+                <a:cs typeface="+mj-cs"/>
+              </a:defRPr>
+            </a:lvl1pPr>
+          </a:lstStyle>
+          <a:p>
+            <a:r>
+              <a:rPr lang="en-GB" sz="4400" b="1" dirty="0">
+                <a:solidFill>
+                  <a:schemeClr val="accent1">
+                    <a:lumMod val="50000"/>
+                  </a:schemeClr>
+                </a:solidFill>
+                <a:latin typeface="Source Sans Pro" panose="020B0604020202020204" pitchFamily="34" charset="0"/>
+              </a:rPr>
+              <a:t>The Setup</a:t>
+            </a:r>
+            <a:endParaRPr lang="bg-BG" sz="4400" b="1" dirty="0">
+              <a:solidFill>
+                <a:schemeClr val="accent1">
+                  <a:lumMod val="50000"/>
+                </a:schemeClr>
+              </a:solidFill>
+              <a:latin typeface="Source Sans Pro" panose="020B0604020202020204" pitchFamily="34" charset="0"/>
+            </a:endParaRPr>
+          </a:p>
+        </p:txBody>
+      </p:sp>
+    </p:spTree>
+    <p:extLst>
+      <p:ext uri="{BB962C8B-B14F-4D97-AF65-F5344CB8AC3E}">
+        <p14:creationId xmlns:p14="http://schemas.microsoft.com/office/powerpoint/2010/main" val="3748645326"/>
+      </p:ext>
+    </p:extLst>
+  </p:cSld>
+  <p:clrMapOvr>
+    <a:masterClrMapping/>
+  </p:clrMapOvr>
+</p:sld>
+</file>
+
+<file path=ppt/slides/slide15.xml><?xml version="1.0" encoding="utf-8"?>
+<p:sld xmlns:a="http://schemas.openxmlformats.org/drawingml/2006/main" xmlns:r="http://schemas.openxmlformats.org/officeDocument/2006/relationships" xmlns:p="http://schemas.openxmlformats.org/presentationml/2006/main">
+  <p:cSld>
+    <p:bg>
+      <p:bgPr>
+        <a:blipFill dpi="0" rotWithShape="1">
+          <a:blip r:embed="rId2">
+            <a:lum/>
+          </a:blip>
+          <a:srcRect/>
+          <a:stretch>
+            <a:fillRect/>
+          </a:stretch>
+        </a:blipFill>
+        <a:effectLst/>
+      </p:bgPr>
+    </p:bg>
+    <p:spTree>
+      <p:nvGrpSpPr>
+        <p:cNvPr id="1" name=""/>
+        <p:cNvGrpSpPr/>
+        <p:nvPr/>
+      </p:nvGrpSpPr>
+      <p:grpSpPr>
+        <a:xfrm>
+          <a:off x="0" y="0"/>
+          <a:ext cx="0" cy="0"/>
+          <a:chOff x="0" y="0"/>
+          <a:chExt cx="0" cy="0"/>
+        </a:xfrm>
+      </p:grpSpPr>
+      <p:pic>
+        <p:nvPicPr>
+          <p:cNvPr id="5" name="Picture 4">
+            <a:extLst>
+              <a:ext uri="{FF2B5EF4-FFF2-40B4-BE49-F238E27FC236}">
+                <a16:creationId xmlns:a16="http://schemas.microsoft.com/office/drawing/2014/main" id="{6B43DD41-0F21-4B91-B777-A89F8D2DF255}"/>
+              </a:ext>
+            </a:extLst>
+          </p:cNvPr>
+          <p:cNvPicPr>
+            <a:picLocks noChangeAspect="1"/>
+          </p:cNvPicPr>
+          <p:nvPr/>
+        </p:nvPicPr>
+        <p:blipFill>
+          <a:blip r:embed="rId3">
+            <a:extLst>
+              <a:ext uri="{28A0092B-C50C-407E-A947-70E740481C1C}">
+                <a14:useLocalDpi xmlns:a14="http://schemas.microsoft.com/office/drawing/2010/main" val="0"/>
+              </a:ext>
+            </a:extLst>
+          </a:blip>
+          <a:stretch>
+            <a:fillRect/>
+          </a:stretch>
+        </p:blipFill>
+        <p:spPr>
+          <a:xfrm>
+            <a:off x="272336" y="197666"/>
+            <a:ext cx="1251664" cy="1402534"/>
+          </a:xfrm>
+          <a:prstGeom prst="rect">
+            <a:avLst/>
+          </a:prstGeom>
+        </p:spPr>
+      </p:pic>
+      <p:sp>
+        <p:nvSpPr>
+          <p:cNvPr id="6" name="Title 3">
+            <a:extLst>
+              <a:ext uri="{FF2B5EF4-FFF2-40B4-BE49-F238E27FC236}">
+                <a16:creationId xmlns:a16="http://schemas.microsoft.com/office/drawing/2014/main" id="{6AF371E5-6025-4DD6-B3D9-1EA1AF6B36AB}"/>
+              </a:ext>
+            </a:extLst>
+          </p:cNvPr>
+          <p:cNvSpPr>
+            <a:spLocks noGrp="1"/>
+          </p:cNvSpPr>
+          <p:nvPr/>
+        </p:nvSpPr>
+        <p:spPr>
+          <a:xfrm>
+            <a:off x="1524000" y="489420"/>
+            <a:ext cx="9577597" cy="1110780"/>
+          </a:xfrm>
+          <a:prstGeom prst="rect">
+            <a:avLst/>
+          </a:prstGeom>
+        </p:spPr>
+        <p:txBody>
+          <a:bodyPr vert="horz" lIns="108000" tIns="36000" rIns="108000" bIns="36000" rtlCol="0" anchor="ctr" anchorCtr="0">
+            <a:normAutofit/>
+          </a:bodyPr>
+          <a:lstStyle>
+            <a:lvl1pPr algn="l" defTabSz="1218987" rtl="0" eaLnBrk="1" latinLnBrk="0" hangingPunct="1">
+              <a:lnSpc>
+                <a:spcPct val="90000"/>
+              </a:lnSpc>
+              <a:spcBef>
+                <a:spcPct val="0"/>
+              </a:spcBef>
+              <a:buNone/>
+              <a:defRPr sz="4000" b="1" kern="1200">
+                <a:solidFill>
+                  <a:srgbClr val="F3BE60"/>
+                </a:solidFill>
+                <a:effectLst/>
+                <a:latin typeface="+mj-lt"/>
+                <a:ea typeface="+mj-ea"/>
+                <a:cs typeface="+mj-cs"/>
+              </a:defRPr>
+            </a:lvl1pPr>
+          </a:lstStyle>
+          <a:p>
+            <a:r>
+              <a:rPr lang="en-US" dirty="0">
+                <a:solidFill>
+                  <a:srgbClr val="002060"/>
+                </a:solidFill>
+                <a:latin typeface="Source Sans Pro" panose="020B0503030403020204" pitchFamily="34" charset="0"/>
+                <a:ea typeface="Source Sans Pro" panose="020B0503030403020204" pitchFamily="34" charset="0"/>
+              </a:rPr>
+              <a:t>Part 2 - Setup Code Repository - Task 1</a:t>
+            </a:r>
+          </a:p>
+        </p:txBody>
+      </p:sp>
+      <p:sp>
+        <p:nvSpPr>
+          <p:cNvPr id="7" name="Title 1">
+            <a:extLst>
+              <a:ext uri="{FF2B5EF4-FFF2-40B4-BE49-F238E27FC236}">
+                <a16:creationId xmlns:a16="http://schemas.microsoft.com/office/drawing/2014/main" id="{2591AE5E-B75A-4B5E-8C98-54FDCCE81365}"/>
+              </a:ext>
+            </a:extLst>
+          </p:cNvPr>
+          <p:cNvSpPr>
+            <a:spLocks noGrp="1"/>
+          </p:cNvSpPr>
+          <p:nvPr>
+            <p:ph type="ctrTitle"/>
+          </p:nvPr>
+        </p:nvSpPr>
+        <p:spPr>
+          <a:xfrm>
+            <a:off x="1572586" y="1600200"/>
+            <a:ext cx="9529011" cy="981635"/>
+          </a:xfrm>
+        </p:spPr>
+        <p:txBody>
+          <a:bodyPr>
+            <a:normAutofit/>
+          </a:bodyPr>
+          <a:lstStyle/>
+          <a:p>
+            <a:pPr algn="l"/>
+            <a:r>
+              <a:rPr lang="en-GB" b="1" dirty="0">
+                <a:solidFill>
+                  <a:srgbClr val="F3BE60"/>
+                </a:solidFill>
+                <a:latin typeface="Source Sans Pro" panose="020B0604020202020204" pitchFamily="34" charset="0"/>
+              </a:rPr>
+              <a:t>Create GitHub Account</a:t>
+            </a:r>
+          </a:p>
+        </p:txBody>
+      </p:sp>
+      <p:sp>
+        <p:nvSpPr>
+          <p:cNvPr id="9" name="Title 1">
+            <a:extLst>
+              <a:ext uri="{FF2B5EF4-FFF2-40B4-BE49-F238E27FC236}">
+                <a16:creationId xmlns:a16="http://schemas.microsoft.com/office/drawing/2014/main" id="{6C189533-7A35-4821-82FB-837083D00113}"/>
+              </a:ext>
+            </a:extLst>
+          </p:cNvPr>
+          <p:cNvSpPr txBox="1">
+            <a:spLocks/>
+          </p:cNvSpPr>
+          <p:nvPr/>
+        </p:nvSpPr>
+        <p:spPr>
+          <a:xfrm>
+            <a:off x="1572586" y="2894756"/>
+            <a:ext cx="9529011" cy="534244"/>
+          </a:xfrm>
+          <a:prstGeom prst="rect">
+            <a:avLst/>
+          </a:prstGeom>
+        </p:spPr>
+        <p:txBody>
+          <a:bodyPr vert="horz" lIns="91440" tIns="45720" rIns="91440" bIns="45720" rtlCol="0" anchor="b">
+            <a:normAutofit/>
+          </a:bodyPr>
+          <a:lstStyle>
+            <a:lvl1pPr algn="ctr" defTabSz="914400" rtl="0" eaLnBrk="1" latinLnBrk="0" hangingPunct="1">
+              <a:lnSpc>
+                <a:spcPct val="90000"/>
+              </a:lnSpc>
+              <a:spcBef>
+                <a:spcPct val="0"/>
+              </a:spcBef>
+              <a:buNone/>
+              <a:defRPr sz="6000" kern="1200">
+                <a:solidFill>
+                  <a:schemeClr val="tx1"/>
+                </a:solidFill>
+                <a:latin typeface="+mj-lt"/>
+                <a:ea typeface="+mj-ea"/>
+                <a:cs typeface="+mj-cs"/>
+              </a:defRPr>
+            </a:lvl1pPr>
+          </a:lstStyle>
+          <a:p>
+            <a:pPr algn="l"/>
+            <a:r>
+              <a:rPr lang="en-GB" sz="2800" b="1" dirty="0">
+                <a:solidFill>
+                  <a:srgbClr val="F3BE60"/>
+                </a:solidFill>
+                <a:latin typeface="Source Sans Pro" panose="020B0604020202020204" pitchFamily="34" charset="0"/>
+                <a:hlinkClick r:id="rId4">
+                  <a:extLst>
+                    <a:ext uri="{A12FA001-AC4F-418D-AE19-62706E023703}">
+                      <ahyp:hlinkClr xmlns:ahyp="http://schemas.microsoft.com/office/drawing/2018/hyperlinkcolor" val="tx"/>
+                    </a:ext>
+                  </a:extLst>
+                </a:hlinkClick>
+              </a:rPr>
+              <a:t>https://github.com/</a:t>
+            </a:r>
+            <a:endParaRPr lang="en-GB" sz="2800" b="1" dirty="0">
+              <a:solidFill>
+                <a:srgbClr val="F3BE60"/>
+              </a:solidFill>
+              <a:latin typeface="Source Sans Pro" panose="020B0604020202020204" pitchFamily="34" charset="0"/>
+            </a:endParaRPr>
+          </a:p>
+        </p:txBody>
+      </p:sp>
+    </p:spTree>
+    <p:extLst>
+      <p:ext uri="{BB962C8B-B14F-4D97-AF65-F5344CB8AC3E}">
+        <p14:creationId xmlns:p14="http://schemas.microsoft.com/office/powerpoint/2010/main" val="2800064814"/>
+      </p:ext>
+    </p:extLst>
+  </p:cSld>
+  <p:clrMapOvr>
+    <a:masterClrMapping/>
+  </p:clrMapOvr>
+</p:sld>
+</file>
+
+<file path=ppt/slides/slide16.xml><?xml version="1.0" encoding="utf-8"?>
+<p:sld xmlns:a="http://schemas.openxmlformats.org/drawingml/2006/main" xmlns:r="http://schemas.openxmlformats.org/officeDocument/2006/relationships" xmlns:p="http://schemas.openxmlformats.org/presentationml/2006/main">
+  <p:cSld>
+    <p:bg>
+      <p:bgPr>
+        <a:blipFill dpi="0" rotWithShape="1">
+          <a:blip r:embed="rId2">
+            <a:lum/>
+          </a:blip>
+          <a:srcRect/>
+          <a:stretch>
+            <a:fillRect/>
+          </a:stretch>
+        </a:blipFill>
+        <a:effectLst/>
+      </p:bgPr>
+    </p:bg>
+    <p:spTree>
+      <p:nvGrpSpPr>
+        <p:cNvPr id="1" name=""/>
+        <p:cNvGrpSpPr/>
+        <p:nvPr/>
+      </p:nvGrpSpPr>
+      <p:grpSpPr>
+        <a:xfrm>
+          <a:off x="0" y="0"/>
+          <a:ext cx="0" cy="0"/>
+          <a:chOff x="0" y="0"/>
+          <a:chExt cx="0" cy="0"/>
+        </a:xfrm>
+      </p:grpSpPr>
+      <p:pic>
+        <p:nvPicPr>
+          <p:cNvPr id="5" name="Picture 4">
+            <a:extLst>
+              <a:ext uri="{FF2B5EF4-FFF2-40B4-BE49-F238E27FC236}">
+                <a16:creationId xmlns:a16="http://schemas.microsoft.com/office/drawing/2014/main" id="{6B43DD41-0F21-4B91-B777-A89F8D2DF255}"/>
+              </a:ext>
+            </a:extLst>
+          </p:cNvPr>
+          <p:cNvPicPr>
+            <a:picLocks noChangeAspect="1"/>
+          </p:cNvPicPr>
+          <p:nvPr/>
+        </p:nvPicPr>
+        <p:blipFill>
+          <a:blip r:embed="rId3">
+            <a:extLst>
+              <a:ext uri="{28A0092B-C50C-407E-A947-70E740481C1C}">
+                <a14:useLocalDpi xmlns:a14="http://schemas.microsoft.com/office/drawing/2010/main" val="0"/>
+              </a:ext>
+            </a:extLst>
+          </a:blip>
+          <a:stretch>
+            <a:fillRect/>
+          </a:stretch>
+        </p:blipFill>
+        <p:spPr>
+          <a:xfrm>
+            <a:off x="272336" y="197666"/>
+            <a:ext cx="1251664" cy="1402534"/>
+          </a:xfrm>
+          <a:prstGeom prst="rect">
+            <a:avLst/>
+          </a:prstGeom>
+        </p:spPr>
+      </p:pic>
+      <p:sp>
+        <p:nvSpPr>
+          <p:cNvPr id="6" name="Title 3">
+            <a:extLst>
+              <a:ext uri="{FF2B5EF4-FFF2-40B4-BE49-F238E27FC236}">
+                <a16:creationId xmlns:a16="http://schemas.microsoft.com/office/drawing/2014/main" id="{6AF371E5-6025-4DD6-B3D9-1EA1AF6B36AB}"/>
+              </a:ext>
+            </a:extLst>
+          </p:cNvPr>
+          <p:cNvSpPr>
+            <a:spLocks noGrp="1"/>
+          </p:cNvSpPr>
+          <p:nvPr/>
+        </p:nvSpPr>
+        <p:spPr>
+          <a:xfrm>
+            <a:off x="1524000" y="489420"/>
+            <a:ext cx="9577597" cy="1110780"/>
+          </a:xfrm>
+          <a:prstGeom prst="rect">
+            <a:avLst/>
+          </a:prstGeom>
+        </p:spPr>
+        <p:txBody>
+          <a:bodyPr vert="horz" lIns="108000" tIns="36000" rIns="108000" bIns="36000" rtlCol="0" anchor="ctr" anchorCtr="0">
+            <a:normAutofit/>
+          </a:bodyPr>
+          <a:lstStyle>
+            <a:lvl1pPr algn="l" defTabSz="1218987" rtl="0" eaLnBrk="1" latinLnBrk="0" hangingPunct="1">
+              <a:lnSpc>
+                <a:spcPct val="90000"/>
+              </a:lnSpc>
+              <a:spcBef>
+                <a:spcPct val="0"/>
+              </a:spcBef>
+              <a:buNone/>
+              <a:defRPr sz="4000" b="1" kern="1200">
+                <a:solidFill>
+                  <a:srgbClr val="F3BE60"/>
+                </a:solidFill>
+                <a:effectLst/>
+                <a:latin typeface="+mj-lt"/>
+                <a:ea typeface="+mj-ea"/>
+                <a:cs typeface="+mj-cs"/>
+              </a:defRPr>
+            </a:lvl1pPr>
+          </a:lstStyle>
+          <a:p>
+            <a:r>
+              <a:rPr lang="en-US" dirty="0">
+                <a:solidFill>
+                  <a:srgbClr val="002060"/>
+                </a:solidFill>
+                <a:latin typeface="Source Sans Pro" panose="020B0503030403020204" pitchFamily="34" charset="0"/>
+                <a:ea typeface="Source Sans Pro" panose="020B0503030403020204" pitchFamily="34" charset="0"/>
+              </a:rPr>
+              <a:t>Part 2 - Setup Code Repository - Task 2</a:t>
+            </a:r>
+          </a:p>
+        </p:txBody>
+      </p:sp>
+      <p:sp>
+        <p:nvSpPr>
+          <p:cNvPr id="7" name="Title 1">
+            <a:extLst>
+              <a:ext uri="{FF2B5EF4-FFF2-40B4-BE49-F238E27FC236}">
+                <a16:creationId xmlns:a16="http://schemas.microsoft.com/office/drawing/2014/main" id="{2591AE5E-B75A-4B5E-8C98-54FDCCE81365}"/>
+              </a:ext>
+            </a:extLst>
+          </p:cNvPr>
+          <p:cNvSpPr>
+            <a:spLocks noGrp="1"/>
+          </p:cNvSpPr>
+          <p:nvPr>
+            <p:ph type="ctrTitle"/>
+          </p:nvPr>
+        </p:nvSpPr>
+        <p:spPr>
+          <a:xfrm>
+            <a:off x="1572586" y="1600200"/>
+            <a:ext cx="9529011" cy="981635"/>
+          </a:xfrm>
+        </p:spPr>
+        <p:txBody>
+          <a:bodyPr>
+            <a:normAutofit/>
+          </a:bodyPr>
+          <a:lstStyle/>
+          <a:p>
+            <a:pPr algn="l"/>
+            <a:r>
+              <a:rPr lang="en-GB" b="1" dirty="0">
+                <a:solidFill>
+                  <a:srgbClr val="F3BE60"/>
+                </a:solidFill>
+                <a:latin typeface="Source Sans Pro" panose="020B0604020202020204" pitchFamily="34" charset="0"/>
+              </a:rPr>
+              <a:t>Create Repository</a:t>
+            </a:r>
+          </a:p>
+        </p:txBody>
+      </p:sp>
+      <p:sp>
+        <p:nvSpPr>
+          <p:cNvPr id="9" name="Title 1">
+            <a:extLst>
+              <a:ext uri="{FF2B5EF4-FFF2-40B4-BE49-F238E27FC236}">
+                <a16:creationId xmlns:a16="http://schemas.microsoft.com/office/drawing/2014/main" id="{6C189533-7A35-4821-82FB-837083D00113}"/>
+              </a:ext>
+            </a:extLst>
+          </p:cNvPr>
+          <p:cNvSpPr txBox="1">
+            <a:spLocks/>
+          </p:cNvSpPr>
+          <p:nvPr/>
+        </p:nvSpPr>
+        <p:spPr>
+          <a:xfrm>
+            <a:off x="1572586" y="2894756"/>
+            <a:ext cx="9529011" cy="534244"/>
+          </a:xfrm>
+          <a:prstGeom prst="rect">
+            <a:avLst/>
+          </a:prstGeom>
+        </p:spPr>
+        <p:txBody>
+          <a:bodyPr vert="horz" lIns="91440" tIns="45720" rIns="91440" bIns="45720" rtlCol="0" anchor="b">
+            <a:normAutofit/>
+          </a:bodyPr>
+          <a:lstStyle>
+            <a:lvl1pPr algn="ctr" defTabSz="914400" rtl="0" eaLnBrk="1" latinLnBrk="0" hangingPunct="1">
+              <a:lnSpc>
+                <a:spcPct val="90000"/>
+              </a:lnSpc>
+              <a:spcBef>
+                <a:spcPct val="0"/>
+              </a:spcBef>
+              <a:buNone/>
+              <a:defRPr sz="6000" kern="1200">
+                <a:solidFill>
+                  <a:schemeClr val="tx1"/>
+                </a:solidFill>
+                <a:latin typeface="+mj-lt"/>
+                <a:ea typeface="+mj-ea"/>
+                <a:cs typeface="+mj-cs"/>
+              </a:defRPr>
+            </a:lvl1pPr>
+          </a:lstStyle>
+          <a:p>
+            <a:pPr algn="l"/>
+            <a:r>
+              <a:rPr lang="en-GB" sz="2800" b="1" dirty="0">
+                <a:solidFill>
+                  <a:srgbClr val="F3BE60"/>
+                </a:solidFill>
+                <a:latin typeface="Source Sans Pro" panose="020B0604020202020204" pitchFamily="34" charset="0"/>
+                <a:hlinkClick r:id="rId4">
+                  <a:extLst>
+                    <a:ext uri="{A12FA001-AC4F-418D-AE19-62706E023703}">
+                      <ahyp:hlinkClr xmlns:ahyp="http://schemas.microsoft.com/office/drawing/2018/hyperlinkcolor" val="tx"/>
+                    </a:ext>
+                  </a:extLst>
+                </a:hlinkClick>
+              </a:rPr>
+              <a:t>https://github.com/</a:t>
+            </a:r>
+            <a:endParaRPr lang="en-GB" sz="2800" b="1" dirty="0">
+              <a:solidFill>
+                <a:srgbClr val="F3BE60"/>
+              </a:solidFill>
+              <a:latin typeface="Source Sans Pro" panose="020B0604020202020204" pitchFamily="34" charset="0"/>
+            </a:endParaRPr>
+          </a:p>
+        </p:txBody>
+      </p:sp>
+    </p:spTree>
+    <p:extLst>
+      <p:ext uri="{BB962C8B-B14F-4D97-AF65-F5344CB8AC3E}">
+        <p14:creationId xmlns:p14="http://schemas.microsoft.com/office/powerpoint/2010/main" val="1724789636"/>
+      </p:ext>
+    </p:extLst>
+  </p:cSld>
+  <p:clrMapOvr>
+    <a:masterClrMapping/>
+  </p:clrMapOvr>
+</p:sld>
+</file>
+
+<file path=ppt/slides/slide17.xml><?xml version="1.0" encoding="utf-8"?>
+<p:sld xmlns:a="http://schemas.openxmlformats.org/drawingml/2006/main" xmlns:r="http://schemas.openxmlformats.org/officeDocument/2006/relationships" xmlns:p="http://schemas.openxmlformats.org/presentationml/2006/main">
+  <p:cSld>
+    <p:bg>
+      <p:bgPr>
+        <a:blipFill dpi="0" rotWithShape="1">
+          <a:blip r:embed="rId2">
+            <a:lum/>
+          </a:blip>
+          <a:srcRect/>
+          <a:stretch>
+            <a:fillRect/>
+          </a:stretch>
+        </a:blipFill>
+        <a:effectLst/>
+      </p:bgPr>
+    </p:bg>
+    <p:spTree>
+      <p:nvGrpSpPr>
+        <p:cNvPr id="1" name=""/>
+        <p:cNvGrpSpPr/>
+        <p:nvPr/>
+      </p:nvGrpSpPr>
+      <p:grpSpPr>
+        <a:xfrm>
+          <a:off x="0" y="0"/>
+          <a:ext cx="0" cy="0"/>
+          <a:chOff x="0" y="0"/>
+          <a:chExt cx="0" cy="0"/>
+        </a:xfrm>
+      </p:grpSpPr>
+      <p:pic>
+        <p:nvPicPr>
+          <p:cNvPr id="5" name="Picture 4">
+            <a:extLst>
+              <a:ext uri="{FF2B5EF4-FFF2-40B4-BE49-F238E27FC236}">
+                <a16:creationId xmlns:a16="http://schemas.microsoft.com/office/drawing/2014/main" id="{6B43DD41-0F21-4B91-B777-A89F8D2DF255}"/>
+              </a:ext>
+            </a:extLst>
+          </p:cNvPr>
+          <p:cNvPicPr>
+            <a:picLocks noChangeAspect="1"/>
+          </p:cNvPicPr>
+          <p:nvPr/>
+        </p:nvPicPr>
+        <p:blipFill>
+          <a:blip r:embed="rId3">
+            <a:extLst>
+              <a:ext uri="{28A0092B-C50C-407E-A947-70E740481C1C}">
+                <a14:useLocalDpi xmlns:a14="http://schemas.microsoft.com/office/drawing/2010/main" val="0"/>
+              </a:ext>
+            </a:extLst>
+          </a:blip>
+          <a:stretch>
+            <a:fillRect/>
+          </a:stretch>
+        </p:blipFill>
+        <p:spPr>
+          <a:xfrm>
+            <a:off x="272336" y="197666"/>
+            <a:ext cx="1251664" cy="1402534"/>
+          </a:xfrm>
+          <a:prstGeom prst="rect">
+            <a:avLst/>
+          </a:prstGeom>
+        </p:spPr>
+      </p:pic>
+      <p:sp>
+        <p:nvSpPr>
+          <p:cNvPr id="6" name="Title 3">
+            <a:extLst>
+              <a:ext uri="{FF2B5EF4-FFF2-40B4-BE49-F238E27FC236}">
+                <a16:creationId xmlns:a16="http://schemas.microsoft.com/office/drawing/2014/main" id="{6AF371E5-6025-4DD6-B3D9-1EA1AF6B36AB}"/>
+              </a:ext>
+            </a:extLst>
+          </p:cNvPr>
+          <p:cNvSpPr>
+            <a:spLocks noGrp="1"/>
+          </p:cNvSpPr>
+          <p:nvPr/>
+        </p:nvSpPr>
+        <p:spPr>
+          <a:xfrm>
+            <a:off x="1524000" y="489420"/>
+            <a:ext cx="9577597" cy="1110780"/>
+          </a:xfrm>
+          <a:prstGeom prst="rect">
+            <a:avLst/>
+          </a:prstGeom>
+        </p:spPr>
+        <p:txBody>
+          <a:bodyPr vert="horz" lIns="108000" tIns="36000" rIns="108000" bIns="36000" rtlCol="0" anchor="ctr" anchorCtr="0">
+            <a:normAutofit/>
+          </a:bodyPr>
+          <a:lstStyle>
+            <a:lvl1pPr algn="l" defTabSz="1218987" rtl="0" eaLnBrk="1" latinLnBrk="0" hangingPunct="1">
+              <a:lnSpc>
+                <a:spcPct val="90000"/>
+              </a:lnSpc>
+              <a:spcBef>
+                <a:spcPct val="0"/>
+              </a:spcBef>
+              <a:buNone/>
+              <a:defRPr sz="4000" b="1" kern="1200">
+                <a:solidFill>
+                  <a:srgbClr val="F3BE60"/>
+                </a:solidFill>
+                <a:effectLst/>
+                <a:latin typeface="+mj-lt"/>
+                <a:ea typeface="+mj-ea"/>
+                <a:cs typeface="+mj-cs"/>
+              </a:defRPr>
+            </a:lvl1pPr>
+          </a:lstStyle>
+          <a:p>
+            <a:r>
+              <a:rPr lang="en-US" dirty="0">
+                <a:solidFill>
+                  <a:srgbClr val="002060"/>
+                </a:solidFill>
+                <a:latin typeface="Source Sans Pro" panose="020B0503030403020204" pitchFamily="34" charset="0"/>
+                <a:ea typeface="Source Sans Pro" panose="020B0503030403020204" pitchFamily="34" charset="0"/>
+              </a:rPr>
+              <a:t>Part 2 - Setup Code Repository - Task 3</a:t>
+            </a:r>
+          </a:p>
+        </p:txBody>
+      </p:sp>
+      <p:sp>
+        <p:nvSpPr>
+          <p:cNvPr id="7" name="Title 1">
+            <a:extLst>
+              <a:ext uri="{FF2B5EF4-FFF2-40B4-BE49-F238E27FC236}">
+                <a16:creationId xmlns:a16="http://schemas.microsoft.com/office/drawing/2014/main" id="{2591AE5E-B75A-4B5E-8C98-54FDCCE81365}"/>
+              </a:ext>
+            </a:extLst>
+          </p:cNvPr>
+          <p:cNvSpPr>
+            <a:spLocks noGrp="1"/>
+          </p:cNvSpPr>
+          <p:nvPr>
+            <p:ph type="ctrTitle"/>
+          </p:nvPr>
+        </p:nvSpPr>
+        <p:spPr>
+          <a:xfrm>
+            <a:off x="1572586" y="1600200"/>
+            <a:ext cx="9529011" cy="981635"/>
+          </a:xfrm>
+        </p:spPr>
+        <p:txBody>
+          <a:bodyPr>
+            <a:normAutofit/>
+          </a:bodyPr>
+          <a:lstStyle/>
+          <a:p>
+            <a:pPr algn="l"/>
+            <a:r>
+              <a:rPr lang="en-GB" b="1" dirty="0">
+                <a:solidFill>
+                  <a:srgbClr val="F3BE60"/>
+                </a:solidFill>
+                <a:latin typeface="Source Sans Pro" panose="020B0604020202020204" pitchFamily="34" charset="0"/>
+              </a:rPr>
+              <a:t>Initial Commit</a:t>
+            </a:r>
+          </a:p>
+        </p:txBody>
+      </p:sp>
+      <p:sp>
+        <p:nvSpPr>
+          <p:cNvPr id="9" name="Title 1">
+            <a:extLst>
+              <a:ext uri="{FF2B5EF4-FFF2-40B4-BE49-F238E27FC236}">
+                <a16:creationId xmlns:a16="http://schemas.microsoft.com/office/drawing/2014/main" id="{6C189533-7A35-4821-82FB-837083D00113}"/>
+              </a:ext>
+            </a:extLst>
+          </p:cNvPr>
+          <p:cNvSpPr txBox="1">
+            <a:spLocks/>
+          </p:cNvSpPr>
+          <p:nvPr/>
+        </p:nvSpPr>
+        <p:spPr>
+          <a:xfrm>
+            <a:off x="1572586" y="2894756"/>
+            <a:ext cx="9529011" cy="534244"/>
+          </a:xfrm>
+          <a:prstGeom prst="rect">
+            <a:avLst/>
+          </a:prstGeom>
+        </p:spPr>
+        <p:txBody>
+          <a:bodyPr vert="horz" lIns="91440" tIns="45720" rIns="91440" bIns="45720" rtlCol="0" anchor="b">
+            <a:normAutofit/>
+          </a:bodyPr>
+          <a:lstStyle>
+            <a:lvl1pPr algn="ctr" defTabSz="914400" rtl="0" eaLnBrk="1" latinLnBrk="0" hangingPunct="1">
+              <a:lnSpc>
+                <a:spcPct val="90000"/>
+              </a:lnSpc>
+              <a:spcBef>
+                <a:spcPct val="0"/>
+              </a:spcBef>
+              <a:buNone/>
+              <a:defRPr sz="6000" kern="1200">
+                <a:solidFill>
+                  <a:schemeClr val="tx1"/>
+                </a:solidFill>
+                <a:latin typeface="+mj-lt"/>
+                <a:ea typeface="+mj-ea"/>
+                <a:cs typeface="+mj-cs"/>
+              </a:defRPr>
+            </a:lvl1pPr>
+          </a:lstStyle>
+          <a:p>
+            <a:pPr algn="l"/>
+            <a:r>
+              <a:rPr lang="en-GB" sz="2800" b="1" dirty="0">
+                <a:solidFill>
+                  <a:srgbClr val="F3BE60"/>
+                </a:solidFill>
+                <a:latin typeface="Source Sans Pro" panose="020B0604020202020204" pitchFamily="34" charset="0"/>
+                <a:hlinkClick r:id="rId4">
+                  <a:extLst>
+                    <a:ext uri="{A12FA001-AC4F-418D-AE19-62706E023703}">
+                      <ahyp:hlinkClr xmlns:ahyp="http://schemas.microsoft.com/office/drawing/2018/hyperlinkcolor" val="tx"/>
+                    </a:ext>
+                  </a:extLst>
+                </a:hlinkClick>
+              </a:rPr>
+              <a:t>https://github.com/</a:t>
+            </a:r>
+            <a:endParaRPr lang="en-GB" sz="2800" b="1" dirty="0">
+              <a:solidFill>
+                <a:srgbClr val="F3BE60"/>
+              </a:solidFill>
+              <a:latin typeface="Source Sans Pro" panose="020B0604020202020204" pitchFamily="34" charset="0"/>
+            </a:endParaRPr>
+          </a:p>
+        </p:txBody>
+      </p:sp>
+    </p:spTree>
+    <p:extLst>
+      <p:ext uri="{BB962C8B-B14F-4D97-AF65-F5344CB8AC3E}">
+        <p14:creationId xmlns:p14="http://schemas.microsoft.com/office/powerpoint/2010/main" val="1473439341"/>
+      </p:ext>
+    </p:extLst>
+  </p:cSld>
+  <p:clrMapOvr>
+    <a:masterClrMapping/>
+  </p:clrMapOvr>
+</p:sld>
+</file>
+
+<file path=ppt/slides/slide18.xml><?xml version="1.0" encoding="utf-8"?>
+<p:sld xmlns:a="http://schemas.openxmlformats.org/drawingml/2006/main" xmlns:r="http://schemas.openxmlformats.org/officeDocument/2006/relationships" xmlns:p="http://schemas.openxmlformats.org/presentationml/2006/main">
+  <p:cSld>
+    <p:bg>
+      <p:bgPr>
+        <a:blipFill dpi="0" rotWithShape="1">
+          <a:blip r:embed="rId2">
+            <a:lum/>
+          </a:blip>
+          <a:srcRect/>
+          <a:stretch>
+            <a:fillRect/>
+          </a:stretch>
+        </a:blipFill>
+        <a:effectLst/>
+      </p:bgPr>
+    </p:bg>
+    <p:spTree>
+      <p:nvGrpSpPr>
+        <p:cNvPr id="1" name=""/>
+        <p:cNvGrpSpPr/>
+        <p:nvPr/>
+      </p:nvGrpSpPr>
+      <p:grpSpPr>
+        <a:xfrm>
+          <a:off x="0" y="0"/>
+          <a:ext cx="0" cy="0"/>
+          <a:chOff x="0" y="0"/>
+          <a:chExt cx="0" cy="0"/>
+        </a:xfrm>
+      </p:grpSpPr>
+      <p:sp>
+        <p:nvSpPr>
+          <p:cNvPr id="2" name="Title 1">
+            <a:extLst>
+              <a:ext uri="{FF2B5EF4-FFF2-40B4-BE49-F238E27FC236}">
+                <a16:creationId xmlns:a16="http://schemas.microsoft.com/office/drawing/2014/main" id="{F533C787-D925-4018-B654-B08DDAB85464}"/>
+              </a:ext>
+            </a:extLst>
+          </p:cNvPr>
+          <p:cNvSpPr>
+            <a:spLocks noGrp="1"/>
+          </p:cNvSpPr>
+          <p:nvPr>
+            <p:ph type="ctrTitle"/>
+          </p:nvPr>
+        </p:nvSpPr>
+        <p:spPr>
+          <a:xfrm>
+            <a:off x="1524000" y="3239425"/>
+            <a:ext cx="9529011" cy="1038057"/>
+          </a:xfrm>
+        </p:spPr>
+        <p:txBody>
+          <a:bodyPr>
+            <a:normAutofit/>
+          </a:bodyPr>
+          <a:lstStyle/>
+          <a:p>
+            <a:r>
+              <a:rPr lang="en-GB" b="1" dirty="0">
+                <a:solidFill>
+                  <a:srgbClr val="F3BE60"/>
+                </a:solidFill>
+                <a:latin typeface="Source Sans Pro" panose="020B0604020202020204" pitchFamily="34" charset="0"/>
+              </a:rPr>
+              <a:t>GitHub</a:t>
+            </a:r>
+            <a:endParaRPr lang="bg-BG" b="1" dirty="0">
+              <a:solidFill>
+                <a:srgbClr val="F3BE60"/>
+              </a:solidFill>
+              <a:latin typeface="Source Sans Pro" panose="020B0604020202020204" pitchFamily="34" charset="0"/>
+            </a:endParaRPr>
+          </a:p>
+        </p:txBody>
+      </p:sp>
+      <p:pic>
+        <p:nvPicPr>
+          <p:cNvPr id="5" name="Picture 4">
+            <a:extLst>
+              <a:ext uri="{FF2B5EF4-FFF2-40B4-BE49-F238E27FC236}">
+                <a16:creationId xmlns:a16="http://schemas.microsoft.com/office/drawing/2014/main" id="{6B43DD41-0F21-4B91-B777-A89F8D2DF255}"/>
+              </a:ext>
+            </a:extLst>
+          </p:cNvPr>
+          <p:cNvPicPr>
+            <a:picLocks noChangeAspect="1"/>
+          </p:cNvPicPr>
+          <p:nvPr/>
+        </p:nvPicPr>
+        <p:blipFill>
+          <a:blip r:embed="rId3">
+            <a:extLst>
+              <a:ext uri="{28A0092B-C50C-407E-A947-70E740481C1C}">
+                <a14:useLocalDpi xmlns:a14="http://schemas.microsoft.com/office/drawing/2010/main" val="0"/>
+              </a:ext>
+            </a:extLst>
+          </a:blip>
+          <a:stretch>
+            <a:fillRect/>
+          </a:stretch>
+        </p:blipFill>
+        <p:spPr>
+          <a:xfrm>
+            <a:off x="272336" y="197666"/>
+            <a:ext cx="1251664" cy="1402534"/>
+          </a:xfrm>
+          <a:prstGeom prst="rect">
+            <a:avLst/>
+          </a:prstGeom>
+        </p:spPr>
+      </p:pic>
+      <p:sp>
+        <p:nvSpPr>
+          <p:cNvPr id="4" name="Title 1">
+            <a:extLst>
+              <a:ext uri="{FF2B5EF4-FFF2-40B4-BE49-F238E27FC236}">
+                <a16:creationId xmlns:a16="http://schemas.microsoft.com/office/drawing/2014/main" id="{852A3C76-2D24-40B7-96DE-3EF4F7AD4CA1}"/>
+              </a:ext>
+            </a:extLst>
+          </p:cNvPr>
+          <p:cNvSpPr txBox="1">
+            <a:spLocks/>
+          </p:cNvSpPr>
+          <p:nvPr/>
+        </p:nvSpPr>
+        <p:spPr>
+          <a:xfrm>
+            <a:off x="1524000" y="2448682"/>
+            <a:ext cx="9529011" cy="650865"/>
+          </a:xfrm>
+          <a:prstGeom prst="rect">
+            <a:avLst/>
+          </a:prstGeom>
+        </p:spPr>
+        <p:txBody>
+          <a:bodyPr vert="horz" lIns="91440" tIns="45720" rIns="91440" bIns="45720" rtlCol="0" anchor="b">
+            <a:normAutofit lnSpcReduction="10000"/>
+          </a:bodyPr>
+          <a:lstStyle>
+            <a:lvl1pPr algn="ctr" defTabSz="914400" rtl="0" eaLnBrk="1" latinLnBrk="0" hangingPunct="1">
+              <a:lnSpc>
+                <a:spcPct val="90000"/>
+              </a:lnSpc>
+              <a:spcBef>
+                <a:spcPct val="0"/>
+              </a:spcBef>
+              <a:buNone/>
+              <a:defRPr sz="6000" kern="1200">
+                <a:solidFill>
+                  <a:schemeClr val="tx1"/>
+                </a:solidFill>
+                <a:latin typeface="+mj-lt"/>
+                <a:ea typeface="+mj-ea"/>
+                <a:cs typeface="+mj-cs"/>
+              </a:defRPr>
+            </a:lvl1pPr>
+          </a:lstStyle>
+          <a:p>
+            <a:r>
+              <a:rPr lang="en-GB" sz="4400" b="1" dirty="0">
+                <a:solidFill>
+                  <a:schemeClr val="accent1">
+                    <a:lumMod val="50000"/>
+                  </a:schemeClr>
+                </a:solidFill>
+                <a:latin typeface="Source Sans Pro" panose="020B0604020202020204" pitchFamily="34" charset="0"/>
+              </a:rPr>
+              <a:t>Hosting</a:t>
+            </a:r>
+            <a:endParaRPr lang="bg-BG" sz="4400" b="1" dirty="0">
+              <a:solidFill>
+                <a:schemeClr val="accent1">
+                  <a:lumMod val="50000"/>
+                </a:schemeClr>
+              </a:solidFill>
+              <a:latin typeface="Source Sans Pro" panose="020B0604020202020204" pitchFamily="34" charset="0"/>
+            </a:endParaRPr>
+          </a:p>
+        </p:txBody>
+      </p:sp>
+    </p:spTree>
+    <p:extLst>
+      <p:ext uri="{BB962C8B-B14F-4D97-AF65-F5344CB8AC3E}">
+        <p14:creationId xmlns:p14="http://schemas.microsoft.com/office/powerpoint/2010/main" val="2725039762"/>
+      </p:ext>
+    </p:extLst>
+  </p:cSld>
+  <p:clrMapOvr>
+    <a:masterClrMapping/>
+  </p:clrMapOvr>
+</p:sld>
+</file>
+
+<file path=ppt/slides/slide19.xml><?xml version="1.0" encoding="utf-8"?>
+<p:sld xmlns:a="http://schemas.openxmlformats.org/drawingml/2006/main" xmlns:r="http://schemas.openxmlformats.org/officeDocument/2006/relationships" xmlns:p="http://schemas.openxmlformats.org/presentationml/2006/main">
+  <p:cSld>
+    <p:bg>
+      <p:bgPr>
+        <a:blipFill dpi="0" rotWithShape="1">
+          <a:blip r:embed="rId2">
+            <a:lum/>
+          </a:blip>
+          <a:srcRect/>
+          <a:stretch>
+            <a:fillRect/>
+          </a:stretch>
+        </a:blipFill>
+        <a:effectLst/>
+      </p:bgPr>
+    </p:bg>
+    <p:spTree>
+      <p:nvGrpSpPr>
+        <p:cNvPr id="1" name=""/>
+        <p:cNvGrpSpPr/>
+        <p:nvPr/>
+      </p:nvGrpSpPr>
+      <p:grpSpPr>
+        <a:xfrm>
+          <a:off x="0" y="0"/>
+          <a:ext cx="0" cy="0"/>
+          <a:chOff x="0" y="0"/>
+          <a:chExt cx="0" cy="0"/>
+        </a:xfrm>
+      </p:grpSpPr>
+      <p:pic>
+        <p:nvPicPr>
+          <p:cNvPr id="5" name="Picture 4">
+            <a:extLst>
+              <a:ext uri="{FF2B5EF4-FFF2-40B4-BE49-F238E27FC236}">
+                <a16:creationId xmlns:a16="http://schemas.microsoft.com/office/drawing/2014/main" id="{6B43DD41-0F21-4B91-B777-A89F8D2DF255}"/>
+              </a:ext>
+            </a:extLst>
+          </p:cNvPr>
+          <p:cNvPicPr>
+            <a:picLocks noChangeAspect="1"/>
+          </p:cNvPicPr>
+          <p:nvPr/>
+        </p:nvPicPr>
+        <p:blipFill>
+          <a:blip r:embed="rId3">
+            <a:extLst>
+              <a:ext uri="{28A0092B-C50C-407E-A947-70E740481C1C}">
+                <a14:useLocalDpi xmlns:a14="http://schemas.microsoft.com/office/drawing/2010/main" val="0"/>
+              </a:ext>
+            </a:extLst>
+          </a:blip>
+          <a:stretch>
+            <a:fillRect/>
+          </a:stretch>
+        </p:blipFill>
+        <p:spPr>
+          <a:xfrm>
+            <a:off x="272336" y="197666"/>
+            <a:ext cx="1251664" cy="1402534"/>
+          </a:xfrm>
+          <a:prstGeom prst="rect">
+            <a:avLst/>
+          </a:prstGeom>
+        </p:spPr>
+      </p:pic>
+      <p:sp>
+        <p:nvSpPr>
+          <p:cNvPr id="6" name="Title 3">
+            <a:extLst>
+              <a:ext uri="{FF2B5EF4-FFF2-40B4-BE49-F238E27FC236}">
+                <a16:creationId xmlns:a16="http://schemas.microsoft.com/office/drawing/2014/main" id="{6AF371E5-6025-4DD6-B3D9-1EA1AF6B36AB}"/>
+              </a:ext>
+            </a:extLst>
+          </p:cNvPr>
+          <p:cNvSpPr>
+            <a:spLocks noGrp="1"/>
+          </p:cNvSpPr>
+          <p:nvPr/>
+        </p:nvSpPr>
+        <p:spPr>
+          <a:xfrm>
+            <a:off x="1524000" y="489420"/>
+            <a:ext cx="9577597" cy="1110780"/>
+          </a:xfrm>
+          <a:prstGeom prst="rect">
+            <a:avLst/>
+          </a:prstGeom>
+        </p:spPr>
+        <p:txBody>
+          <a:bodyPr vert="horz" lIns="108000" tIns="36000" rIns="108000" bIns="36000" rtlCol="0" anchor="ctr" anchorCtr="0">
+            <a:normAutofit/>
+          </a:bodyPr>
+          <a:lstStyle>
+            <a:lvl1pPr algn="l" defTabSz="1218987" rtl="0" eaLnBrk="1" latinLnBrk="0" hangingPunct="1">
+              <a:lnSpc>
+                <a:spcPct val="90000"/>
+              </a:lnSpc>
+              <a:spcBef>
+                <a:spcPct val="0"/>
+              </a:spcBef>
+              <a:buNone/>
+              <a:defRPr sz="4000" b="1" kern="1200">
+                <a:solidFill>
+                  <a:srgbClr val="F3BE60"/>
+                </a:solidFill>
+                <a:effectLst/>
+                <a:latin typeface="+mj-lt"/>
+                <a:ea typeface="+mj-ea"/>
+                <a:cs typeface="+mj-cs"/>
+              </a:defRPr>
+            </a:lvl1pPr>
+          </a:lstStyle>
+          <a:p>
+            <a:r>
+              <a:rPr lang="en-US" dirty="0">
+                <a:solidFill>
+                  <a:srgbClr val="002060"/>
+                </a:solidFill>
+                <a:latin typeface="Source Sans Pro" panose="020B0503030403020204" pitchFamily="34" charset="0"/>
+                <a:ea typeface="Source Sans Pro" panose="020B0503030403020204" pitchFamily="34" charset="0"/>
+              </a:rPr>
+              <a:t>Part 3 - Setup GitHub Site - Task 1</a:t>
+            </a:r>
+          </a:p>
+        </p:txBody>
+      </p:sp>
+      <p:sp>
+        <p:nvSpPr>
+          <p:cNvPr id="7" name="Title 1">
+            <a:extLst>
+              <a:ext uri="{FF2B5EF4-FFF2-40B4-BE49-F238E27FC236}">
+                <a16:creationId xmlns:a16="http://schemas.microsoft.com/office/drawing/2014/main" id="{2591AE5E-B75A-4B5E-8C98-54FDCCE81365}"/>
+              </a:ext>
+            </a:extLst>
+          </p:cNvPr>
+          <p:cNvSpPr>
+            <a:spLocks noGrp="1"/>
+          </p:cNvSpPr>
+          <p:nvPr>
+            <p:ph type="ctrTitle"/>
+          </p:nvPr>
+        </p:nvSpPr>
+        <p:spPr>
+          <a:xfrm>
+            <a:off x="2065063" y="2938182"/>
+            <a:ext cx="8061873" cy="981635"/>
+          </a:xfrm>
+        </p:spPr>
+        <p:txBody>
+          <a:bodyPr>
+            <a:normAutofit/>
+          </a:bodyPr>
+          <a:lstStyle/>
+          <a:p>
+            <a:pPr algn="l"/>
+            <a:r>
+              <a:rPr lang="en-GB" b="1" dirty="0">
+                <a:solidFill>
+                  <a:srgbClr val="F3BE60"/>
+                </a:solidFill>
+                <a:latin typeface="Source Sans Pro" panose="020B0604020202020204" pitchFamily="34" charset="0"/>
+              </a:rPr>
+              <a:t>Jekyll compiles in Docs</a:t>
+            </a:r>
+          </a:p>
+        </p:txBody>
+      </p:sp>
+    </p:spTree>
+    <p:extLst>
+      <p:ext uri="{BB962C8B-B14F-4D97-AF65-F5344CB8AC3E}">
+        <p14:creationId xmlns:p14="http://schemas.microsoft.com/office/powerpoint/2010/main" val="3683125041"/>
+      </p:ext>
+    </p:extLst>
+  </p:cSld>
+  <p:clrMapOvr>
+    <a:masterClrMapping/>
+  </p:clrMapOvr>
+</p:sld>
+</file>
+
 <file path=ppt/slides/slide2.xml><?xml version="1.0" encoding="utf-8"?>
 <p:sld xmlns:a="http://schemas.openxmlformats.org/drawingml/2006/main" xmlns:r="http://schemas.openxmlformats.org/officeDocument/2006/relationships" xmlns:p="http://schemas.openxmlformats.org/presentationml/2006/main">
   <p:cSld>
@@ -3691,6 +5743,2123 @@
     <p:extLst>
       <p:ext uri="{BB962C8B-B14F-4D97-AF65-F5344CB8AC3E}">
         <p14:creationId xmlns:p14="http://schemas.microsoft.com/office/powerpoint/2010/main" val="3614242104"/>
+      </p:ext>
+    </p:extLst>
+  </p:cSld>
+  <p:clrMapOvr>
+    <a:masterClrMapping/>
+  </p:clrMapOvr>
+</p:sld>
+</file>
+
+<file path=ppt/slides/slide20.xml><?xml version="1.0" encoding="utf-8"?>
+<p:sld xmlns:a="http://schemas.openxmlformats.org/drawingml/2006/main" xmlns:r="http://schemas.openxmlformats.org/officeDocument/2006/relationships" xmlns:p="http://schemas.openxmlformats.org/presentationml/2006/main">
+  <p:cSld>
+    <p:bg>
+      <p:bgPr>
+        <a:blipFill dpi="0" rotWithShape="1">
+          <a:blip r:embed="rId2">
+            <a:lum/>
+          </a:blip>
+          <a:srcRect/>
+          <a:stretch>
+            <a:fillRect/>
+          </a:stretch>
+        </a:blipFill>
+        <a:effectLst/>
+      </p:bgPr>
+    </p:bg>
+    <p:spTree>
+      <p:nvGrpSpPr>
+        <p:cNvPr id="1" name=""/>
+        <p:cNvGrpSpPr/>
+        <p:nvPr/>
+      </p:nvGrpSpPr>
+      <p:grpSpPr>
+        <a:xfrm>
+          <a:off x="0" y="0"/>
+          <a:ext cx="0" cy="0"/>
+          <a:chOff x="0" y="0"/>
+          <a:chExt cx="0" cy="0"/>
+        </a:xfrm>
+      </p:grpSpPr>
+      <p:pic>
+        <p:nvPicPr>
+          <p:cNvPr id="5" name="Picture 4">
+            <a:extLst>
+              <a:ext uri="{FF2B5EF4-FFF2-40B4-BE49-F238E27FC236}">
+                <a16:creationId xmlns:a16="http://schemas.microsoft.com/office/drawing/2014/main" id="{6B43DD41-0F21-4B91-B777-A89F8D2DF255}"/>
+              </a:ext>
+            </a:extLst>
+          </p:cNvPr>
+          <p:cNvPicPr>
+            <a:picLocks noChangeAspect="1"/>
+          </p:cNvPicPr>
+          <p:nvPr/>
+        </p:nvPicPr>
+        <p:blipFill>
+          <a:blip r:embed="rId3">
+            <a:extLst>
+              <a:ext uri="{28A0092B-C50C-407E-A947-70E740481C1C}">
+                <a14:useLocalDpi xmlns:a14="http://schemas.microsoft.com/office/drawing/2010/main" val="0"/>
+              </a:ext>
+            </a:extLst>
+          </a:blip>
+          <a:stretch>
+            <a:fillRect/>
+          </a:stretch>
+        </p:blipFill>
+        <p:spPr>
+          <a:xfrm>
+            <a:off x="272336" y="197666"/>
+            <a:ext cx="1251664" cy="1402534"/>
+          </a:xfrm>
+          <a:prstGeom prst="rect">
+            <a:avLst/>
+          </a:prstGeom>
+        </p:spPr>
+      </p:pic>
+      <p:sp>
+        <p:nvSpPr>
+          <p:cNvPr id="6" name="Title 3">
+            <a:extLst>
+              <a:ext uri="{FF2B5EF4-FFF2-40B4-BE49-F238E27FC236}">
+                <a16:creationId xmlns:a16="http://schemas.microsoft.com/office/drawing/2014/main" id="{6AF371E5-6025-4DD6-B3D9-1EA1AF6B36AB}"/>
+              </a:ext>
+            </a:extLst>
+          </p:cNvPr>
+          <p:cNvSpPr>
+            <a:spLocks noGrp="1"/>
+          </p:cNvSpPr>
+          <p:nvPr/>
+        </p:nvSpPr>
+        <p:spPr>
+          <a:xfrm>
+            <a:off x="1524000" y="489420"/>
+            <a:ext cx="9577597" cy="1110780"/>
+          </a:xfrm>
+          <a:prstGeom prst="rect">
+            <a:avLst/>
+          </a:prstGeom>
+        </p:spPr>
+        <p:txBody>
+          <a:bodyPr vert="horz" lIns="108000" tIns="36000" rIns="108000" bIns="36000" rtlCol="0" anchor="ctr" anchorCtr="0">
+            <a:normAutofit/>
+          </a:bodyPr>
+          <a:lstStyle>
+            <a:lvl1pPr algn="l" defTabSz="1218987" rtl="0" eaLnBrk="1" latinLnBrk="0" hangingPunct="1">
+              <a:lnSpc>
+                <a:spcPct val="90000"/>
+              </a:lnSpc>
+              <a:spcBef>
+                <a:spcPct val="0"/>
+              </a:spcBef>
+              <a:buNone/>
+              <a:defRPr sz="4000" b="1" kern="1200">
+                <a:solidFill>
+                  <a:srgbClr val="F3BE60"/>
+                </a:solidFill>
+                <a:effectLst/>
+                <a:latin typeface="+mj-lt"/>
+                <a:ea typeface="+mj-ea"/>
+                <a:cs typeface="+mj-cs"/>
+              </a:defRPr>
+            </a:lvl1pPr>
+          </a:lstStyle>
+          <a:p>
+            <a:r>
+              <a:rPr lang="en-US" dirty="0">
+                <a:solidFill>
+                  <a:srgbClr val="002060"/>
+                </a:solidFill>
+                <a:latin typeface="Source Sans Pro" panose="020B0503030403020204" pitchFamily="34" charset="0"/>
+                <a:ea typeface="Source Sans Pro" panose="020B0503030403020204" pitchFamily="34" charset="0"/>
+              </a:rPr>
+              <a:t>Part 3 - Setup GitHub Site - Task 2</a:t>
+            </a:r>
+          </a:p>
+        </p:txBody>
+      </p:sp>
+      <p:sp>
+        <p:nvSpPr>
+          <p:cNvPr id="7" name="Title 1">
+            <a:extLst>
+              <a:ext uri="{FF2B5EF4-FFF2-40B4-BE49-F238E27FC236}">
+                <a16:creationId xmlns:a16="http://schemas.microsoft.com/office/drawing/2014/main" id="{2591AE5E-B75A-4B5E-8C98-54FDCCE81365}"/>
+              </a:ext>
+            </a:extLst>
+          </p:cNvPr>
+          <p:cNvSpPr>
+            <a:spLocks noGrp="1"/>
+          </p:cNvSpPr>
+          <p:nvPr>
+            <p:ph type="ctrTitle"/>
+          </p:nvPr>
+        </p:nvSpPr>
+        <p:spPr>
+          <a:xfrm>
+            <a:off x="1524000" y="2594161"/>
+            <a:ext cx="9577597" cy="1669677"/>
+          </a:xfrm>
+        </p:spPr>
+        <p:txBody>
+          <a:bodyPr>
+            <a:normAutofit fontScale="90000"/>
+          </a:bodyPr>
+          <a:lstStyle/>
+          <a:p>
+            <a:r>
+              <a:rPr lang="en-GB" b="1" dirty="0">
+                <a:solidFill>
+                  <a:srgbClr val="F3BE60"/>
+                </a:solidFill>
+                <a:latin typeface="Source Sans Pro" panose="020B0604020202020204" pitchFamily="34" charset="0"/>
+              </a:rPr>
+              <a:t>GitHub Repository configuration</a:t>
+            </a:r>
+          </a:p>
+        </p:txBody>
+      </p:sp>
+    </p:spTree>
+    <p:extLst>
+      <p:ext uri="{BB962C8B-B14F-4D97-AF65-F5344CB8AC3E}">
+        <p14:creationId xmlns:p14="http://schemas.microsoft.com/office/powerpoint/2010/main" val="2018967691"/>
+      </p:ext>
+    </p:extLst>
+  </p:cSld>
+  <p:clrMapOvr>
+    <a:masterClrMapping/>
+  </p:clrMapOvr>
+</p:sld>
+</file>
+
+<file path=ppt/slides/slide21.xml><?xml version="1.0" encoding="utf-8"?>
+<p:sld xmlns:a="http://schemas.openxmlformats.org/drawingml/2006/main" xmlns:r="http://schemas.openxmlformats.org/officeDocument/2006/relationships" xmlns:p="http://schemas.openxmlformats.org/presentationml/2006/main">
+  <p:cSld>
+    <p:bg>
+      <p:bgPr>
+        <a:blipFill dpi="0" rotWithShape="1">
+          <a:blip r:embed="rId2">
+            <a:lum/>
+          </a:blip>
+          <a:srcRect/>
+          <a:stretch>
+            <a:fillRect/>
+          </a:stretch>
+        </a:blipFill>
+        <a:effectLst/>
+      </p:bgPr>
+    </p:bg>
+    <p:spTree>
+      <p:nvGrpSpPr>
+        <p:cNvPr id="1" name=""/>
+        <p:cNvGrpSpPr/>
+        <p:nvPr/>
+      </p:nvGrpSpPr>
+      <p:grpSpPr>
+        <a:xfrm>
+          <a:off x="0" y="0"/>
+          <a:ext cx="0" cy="0"/>
+          <a:chOff x="0" y="0"/>
+          <a:chExt cx="0" cy="0"/>
+        </a:xfrm>
+      </p:grpSpPr>
+      <p:pic>
+        <p:nvPicPr>
+          <p:cNvPr id="5" name="Picture 4">
+            <a:extLst>
+              <a:ext uri="{FF2B5EF4-FFF2-40B4-BE49-F238E27FC236}">
+                <a16:creationId xmlns:a16="http://schemas.microsoft.com/office/drawing/2014/main" id="{6B43DD41-0F21-4B91-B777-A89F8D2DF255}"/>
+              </a:ext>
+            </a:extLst>
+          </p:cNvPr>
+          <p:cNvPicPr>
+            <a:picLocks noChangeAspect="1"/>
+          </p:cNvPicPr>
+          <p:nvPr/>
+        </p:nvPicPr>
+        <p:blipFill>
+          <a:blip r:embed="rId3">
+            <a:extLst>
+              <a:ext uri="{28A0092B-C50C-407E-A947-70E740481C1C}">
+                <a14:useLocalDpi xmlns:a14="http://schemas.microsoft.com/office/drawing/2010/main" val="0"/>
+              </a:ext>
+            </a:extLst>
+          </a:blip>
+          <a:stretch>
+            <a:fillRect/>
+          </a:stretch>
+        </p:blipFill>
+        <p:spPr>
+          <a:xfrm>
+            <a:off x="272336" y="197666"/>
+            <a:ext cx="1251664" cy="1402534"/>
+          </a:xfrm>
+          <a:prstGeom prst="rect">
+            <a:avLst/>
+          </a:prstGeom>
+        </p:spPr>
+      </p:pic>
+      <p:sp>
+        <p:nvSpPr>
+          <p:cNvPr id="6" name="Title 3">
+            <a:extLst>
+              <a:ext uri="{FF2B5EF4-FFF2-40B4-BE49-F238E27FC236}">
+                <a16:creationId xmlns:a16="http://schemas.microsoft.com/office/drawing/2014/main" id="{6AF371E5-6025-4DD6-B3D9-1EA1AF6B36AB}"/>
+              </a:ext>
+            </a:extLst>
+          </p:cNvPr>
+          <p:cNvSpPr>
+            <a:spLocks noGrp="1"/>
+          </p:cNvSpPr>
+          <p:nvPr/>
+        </p:nvSpPr>
+        <p:spPr>
+          <a:xfrm>
+            <a:off x="1524000" y="489420"/>
+            <a:ext cx="10040471" cy="1110780"/>
+          </a:xfrm>
+          <a:prstGeom prst="rect">
+            <a:avLst/>
+          </a:prstGeom>
+        </p:spPr>
+        <p:txBody>
+          <a:bodyPr vert="horz" lIns="108000" tIns="36000" rIns="108000" bIns="36000" rtlCol="0" anchor="ctr" anchorCtr="0">
+            <a:normAutofit/>
+          </a:bodyPr>
+          <a:lstStyle>
+            <a:lvl1pPr algn="l" defTabSz="1218987" rtl="0" eaLnBrk="1" latinLnBrk="0" hangingPunct="1">
+              <a:lnSpc>
+                <a:spcPct val="90000"/>
+              </a:lnSpc>
+              <a:spcBef>
+                <a:spcPct val="0"/>
+              </a:spcBef>
+              <a:buNone/>
+              <a:defRPr sz="4000" b="1" kern="1200">
+                <a:solidFill>
+                  <a:srgbClr val="F3BE60"/>
+                </a:solidFill>
+                <a:effectLst/>
+                <a:latin typeface="+mj-lt"/>
+                <a:ea typeface="+mj-ea"/>
+                <a:cs typeface="+mj-cs"/>
+              </a:defRPr>
+            </a:lvl1pPr>
+          </a:lstStyle>
+          <a:p>
+            <a:r>
+              <a:rPr lang="en-US" dirty="0">
+                <a:solidFill>
+                  <a:srgbClr val="002060"/>
+                </a:solidFill>
+                <a:latin typeface="Source Sans Pro" panose="020B0503030403020204" pitchFamily="34" charset="0"/>
+                <a:ea typeface="Source Sans Pro" panose="020B0503030403020204" pitchFamily="34" charset="0"/>
+              </a:rPr>
+              <a:t>Part 4 - Start Development - Task 1 of 1000</a:t>
+            </a:r>
+          </a:p>
+        </p:txBody>
+      </p:sp>
+      <p:sp>
+        <p:nvSpPr>
+          <p:cNvPr id="7" name="Title 1">
+            <a:extLst>
+              <a:ext uri="{FF2B5EF4-FFF2-40B4-BE49-F238E27FC236}">
+                <a16:creationId xmlns:a16="http://schemas.microsoft.com/office/drawing/2014/main" id="{2591AE5E-B75A-4B5E-8C98-54FDCCE81365}"/>
+              </a:ext>
+            </a:extLst>
+          </p:cNvPr>
+          <p:cNvSpPr>
+            <a:spLocks noGrp="1"/>
+          </p:cNvSpPr>
+          <p:nvPr>
+            <p:ph type="ctrTitle"/>
+          </p:nvPr>
+        </p:nvSpPr>
+        <p:spPr>
+          <a:xfrm>
+            <a:off x="1307201" y="2873609"/>
+            <a:ext cx="9577597" cy="1110781"/>
+          </a:xfrm>
+        </p:spPr>
+        <p:txBody>
+          <a:bodyPr>
+            <a:normAutofit/>
+          </a:bodyPr>
+          <a:lstStyle/>
+          <a:p>
+            <a:r>
+              <a:rPr lang="en-GB" b="1" dirty="0">
+                <a:solidFill>
+                  <a:srgbClr val="F3BE60"/>
+                </a:solidFill>
+                <a:latin typeface="Source Sans Pro" panose="020B0604020202020204" pitchFamily="34" charset="0"/>
+              </a:rPr>
+              <a:t>Go Nuts!</a:t>
+            </a:r>
+          </a:p>
+        </p:txBody>
+      </p:sp>
+    </p:spTree>
+    <p:extLst>
+      <p:ext uri="{BB962C8B-B14F-4D97-AF65-F5344CB8AC3E}">
+        <p14:creationId xmlns:p14="http://schemas.microsoft.com/office/powerpoint/2010/main" val="2692339911"/>
+      </p:ext>
+    </p:extLst>
+  </p:cSld>
+  <p:clrMapOvr>
+    <a:masterClrMapping/>
+  </p:clrMapOvr>
+</p:sld>
+</file>
+
+<file path=ppt/slides/slide22.xml><?xml version="1.0" encoding="utf-8"?>
+<p:sld xmlns:a="http://schemas.openxmlformats.org/drawingml/2006/main" xmlns:r="http://schemas.openxmlformats.org/officeDocument/2006/relationships" xmlns:p="http://schemas.openxmlformats.org/presentationml/2006/main">
+  <p:cSld>
+    <p:bg>
+      <p:bgPr>
+        <a:blipFill dpi="0" rotWithShape="1">
+          <a:blip r:embed="rId2">
+            <a:lum/>
+          </a:blip>
+          <a:srcRect/>
+          <a:stretch>
+            <a:fillRect/>
+          </a:stretch>
+        </a:blipFill>
+        <a:effectLst/>
+      </p:bgPr>
+    </p:bg>
+    <p:spTree>
+      <p:nvGrpSpPr>
+        <p:cNvPr id="1" name=""/>
+        <p:cNvGrpSpPr/>
+        <p:nvPr/>
+      </p:nvGrpSpPr>
+      <p:grpSpPr>
+        <a:xfrm>
+          <a:off x="0" y="0"/>
+          <a:ext cx="0" cy="0"/>
+          <a:chOff x="0" y="0"/>
+          <a:chExt cx="0" cy="0"/>
+        </a:xfrm>
+      </p:grpSpPr>
+      <p:sp>
+        <p:nvSpPr>
+          <p:cNvPr id="2" name="Title 1">
+            <a:extLst>
+              <a:ext uri="{FF2B5EF4-FFF2-40B4-BE49-F238E27FC236}">
+                <a16:creationId xmlns:a16="http://schemas.microsoft.com/office/drawing/2014/main" id="{F533C787-D925-4018-B654-B08DDAB85464}"/>
+              </a:ext>
+            </a:extLst>
+          </p:cNvPr>
+          <p:cNvSpPr>
+            <a:spLocks noGrp="1"/>
+          </p:cNvSpPr>
+          <p:nvPr>
+            <p:ph type="ctrTitle"/>
+          </p:nvPr>
+        </p:nvSpPr>
+        <p:spPr>
+          <a:xfrm>
+            <a:off x="1524000" y="2641955"/>
+            <a:ext cx="9529011" cy="2480057"/>
+          </a:xfrm>
+        </p:spPr>
+        <p:txBody>
+          <a:bodyPr>
+            <a:normAutofit fontScale="90000"/>
+          </a:bodyPr>
+          <a:lstStyle/>
+          <a:p>
+            <a:r>
+              <a:rPr lang="en-GB" b="1" dirty="0">
+                <a:solidFill>
+                  <a:srgbClr val="F3BE60"/>
+                </a:solidFill>
+                <a:latin typeface="Source Sans Pro" panose="020B0604020202020204" pitchFamily="34" charset="0"/>
+              </a:rPr>
+              <a:t>Nodejs</a:t>
+            </a:r>
+            <a:br>
+              <a:rPr lang="en-GB" b="1" dirty="0">
+                <a:solidFill>
+                  <a:srgbClr val="F3BE60"/>
+                </a:solidFill>
+                <a:latin typeface="Source Sans Pro" panose="020B0604020202020204" pitchFamily="34" charset="0"/>
+              </a:rPr>
+            </a:br>
+            <a:r>
+              <a:rPr lang="en-GB" b="1" dirty="0">
+                <a:solidFill>
+                  <a:srgbClr val="F3BE60"/>
+                </a:solidFill>
+                <a:latin typeface="Source Sans Pro" panose="020B0604020202020204" pitchFamily="34" charset="0"/>
+              </a:rPr>
+              <a:t>Gulp</a:t>
+            </a:r>
+            <a:br>
+              <a:rPr lang="en-GB" b="1" dirty="0">
+                <a:solidFill>
+                  <a:srgbClr val="F3BE60"/>
+                </a:solidFill>
+                <a:latin typeface="Source Sans Pro" panose="020B0604020202020204" pitchFamily="34" charset="0"/>
+              </a:rPr>
+            </a:br>
+            <a:r>
+              <a:rPr lang="en-GB" b="1" dirty="0">
+                <a:solidFill>
+                  <a:srgbClr val="F3BE60"/>
+                </a:solidFill>
+                <a:latin typeface="Source Sans Pro" panose="020B0604020202020204" pitchFamily="34" charset="0"/>
+              </a:rPr>
+              <a:t>BrowserSync</a:t>
+            </a:r>
+            <a:endParaRPr lang="bg-BG" b="1" dirty="0">
+              <a:solidFill>
+                <a:srgbClr val="F3BE60"/>
+              </a:solidFill>
+              <a:latin typeface="Source Sans Pro" panose="020B0604020202020204" pitchFamily="34" charset="0"/>
+            </a:endParaRPr>
+          </a:p>
+        </p:txBody>
+      </p:sp>
+      <p:pic>
+        <p:nvPicPr>
+          <p:cNvPr id="5" name="Picture 4">
+            <a:extLst>
+              <a:ext uri="{FF2B5EF4-FFF2-40B4-BE49-F238E27FC236}">
+                <a16:creationId xmlns:a16="http://schemas.microsoft.com/office/drawing/2014/main" id="{6B43DD41-0F21-4B91-B777-A89F8D2DF255}"/>
+              </a:ext>
+            </a:extLst>
+          </p:cNvPr>
+          <p:cNvPicPr>
+            <a:picLocks noChangeAspect="1"/>
+          </p:cNvPicPr>
+          <p:nvPr/>
+        </p:nvPicPr>
+        <p:blipFill>
+          <a:blip r:embed="rId3">
+            <a:extLst>
+              <a:ext uri="{28A0092B-C50C-407E-A947-70E740481C1C}">
+                <a14:useLocalDpi xmlns:a14="http://schemas.microsoft.com/office/drawing/2010/main" val="0"/>
+              </a:ext>
+            </a:extLst>
+          </a:blip>
+          <a:stretch>
+            <a:fillRect/>
+          </a:stretch>
+        </p:blipFill>
+        <p:spPr>
+          <a:xfrm>
+            <a:off x="272336" y="197666"/>
+            <a:ext cx="1251664" cy="1402534"/>
+          </a:xfrm>
+          <a:prstGeom prst="rect">
+            <a:avLst/>
+          </a:prstGeom>
+        </p:spPr>
+      </p:pic>
+      <p:sp>
+        <p:nvSpPr>
+          <p:cNvPr id="4" name="Title 1">
+            <a:extLst>
+              <a:ext uri="{FF2B5EF4-FFF2-40B4-BE49-F238E27FC236}">
+                <a16:creationId xmlns:a16="http://schemas.microsoft.com/office/drawing/2014/main" id="{852A3C76-2D24-40B7-96DE-3EF4F7AD4CA1}"/>
+              </a:ext>
+            </a:extLst>
+          </p:cNvPr>
+          <p:cNvSpPr txBox="1">
+            <a:spLocks/>
+          </p:cNvSpPr>
+          <p:nvPr/>
+        </p:nvSpPr>
+        <p:spPr>
+          <a:xfrm>
+            <a:off x="1524000" y="1851212"/>
+            <a:ext cx="9529011" cy="650865"/>
+          </a:xfrm>
+          <a:prstGeom prst="rect">
+            <a:avLst/>
+          </a:prstGeom>
+        </p:spPr>
+        <p:txBody>
+          <a:bodyPr vert="horz" lIns="91440" tIns="45720" rIns="91440" bIns="45720" rtlCol="0" anchor="b">
+            <a:normAutofit lnSpcReduction="10000"/>
+          </a:bodyPr>
+          <a:lstStyle>
+            <a:lvl1pPr algn="ctr" defTabSz="914400" rtl="0" eaLnBrk="1" latinLnBrk="0" hangingPunct="1">
+              <a:lnSpc>
+                <a:spcPct val="90000"/>
+              </a:lnSpc>
+              <a:spcBef>
+                <a:spcPct val="0"/>
+              </a:spcBef>
+              <a:buNone/>
+              <a:defRPr sz="6000" kern="1200">
+                <a:solidFill>
+                  <a:schemeClr val="tx1"/>
+                </a:solidFill>
+                <a:latin typeface="+mj-lt"/>
+                <a:ea typeface="+mj-ea"/>
+                <a:cs typeface="+mj-cs"/>
+              </a:defRPr>
+            </a:lvl1pPr>
+          </a:lstStyle>
+          <a:p>
+            <a:r>
+              <a:rPr lang="en-GB" sz="4400" b="1" dirty="0">
+                <a:solidFill>
+                  <a:schemeClr val="accent1">
+                    <a:lumMod val="50000"/>
+                  </a:schemeClr>
+                </a:solidFill>
+                <a:latin typeface="Source Sans Pro" panose="020B0604020202020204" pitchFamily="34" charset="0"/>
+              </a:rPr>
+              <a:t>Development Automation</a:t>
+            </a:r>
+            <a:endParaRPr lang="bg-BG" sz="4400" b="1" dirty="0">
+              <a:solidFill>
+                <a:schemeClr val="accent1">
+                  <a:lumMod val="50000"/>
+                </a:schemeClr>
+              </a:solidFill>
+              <a:latin typeface="Source Sans Pro" panose="020B0604020202020204" pitchFamily="34" charset="0"/>
+            </a:endParaRPr>
+          </a:p>
+        </p:txBody>
+      </p:sp>
+    </p:spTree>
+    <p:extLst>
+      <p:ext uri="{BB962C8B-B14F-4D97-AF65-F5344CB8AC3E}">
+        <p14:creationId xmlns:p14="http://schemas.microsoft.com/office/powerpoint/2010/main" val="2437071485"/>
+      </p:ext>
+    </p:extLst>
+  </p:cSld>
+  <p:clrMapOvr>
+    <a:masterClrMapping/>
+  </p:clrMapOvr>
+</p:sld>
+</file>
+
+<file path=ppt/slides/slide23.xml><?xml version="1.0" encoding="utf-8"?>
+<p:sld xmlns:a="http://schemas.openxmlformats.org/drawingml/2006/main" xmlns:r="http://schemas.openxmlformats.org/officeDocument/2006/relationships" xmlns:p="http://schemas.openxmlformats.org/presentationml/2006/main">
+  <p:cSld>
+    <p:bg>
+      <p:bgPr>
+        <a:blipFill dpi="0" rotWithShape="1">
+          <a:blip r:embed="rId2">
+            <a:lum/>
+          </a:blip>
+          <a:srcRect/>
+          <a:stretch>
+            <a:fillRect/>
+          </a:stretch>
+        </a:blipFill>
+        <a:effectLst/>
+      </p:bgPr>
+    </p:bg>
+    <p:spTree>
+      <p:nvGrpSpPr>
+        <p:cNvPr id="1" name=""/>
+        <p:cNvGrpSpPr/>
+        <p:nvPr/>
+      </p:nvGrpSpPr>
+      <p:grpSpPr>
+        <a:xfrm>
+          <a:off x="0" y="0"/>
+          <a:ext cx="0" cy="0"/>
+          <a:chOff x="0" y="0"/>
+          <a:chExt cx="0" cy="0"/>
+        </a:xfrm>
+      </p:grpSpPr>
+      <p:pic>
+        <p:nvPicPr>
+          <p:cNvPr id="5" name="Picture 4">
+            <a:extLst>
+              <a:ext uri="{FF2B5EF4-FFF2-40B4-BE49-F238E27FC236}">
+                <a16:creationId xmlns:a16="http://schemas.microsoft.com/office/drawing/2014/main" id="{6B43DD41-0F21-4B91-B777-A89F8D2DF255}"/>
+              </a:ext>
+            </a:extLst>
+          </p:cNvPr>
+          <p:cNvPicPr>
+            <a:picLocks noChangeAspect="1"/>
+          </p:cNvPicPr>
+          <p:nvPr/>
+        </p:nvPicPr>
+        <p:blipFill>
+          <a:blip r:embed="rId3">
+            <a:extLst>
+              <a:ext uri="{28A0092B-C50C-407E-A947-70E740481C1C}">
+                <a14:useLocalDpi xmlns:a14="http://schemas.microsoft.com/office/drawing/2010/main" val="0"/>
+              </a:ext>
+            </a:extLst>
+          </a:blip>
+          <a:stretch>
+            <a:fillRect/>
+          </a:stretch>
+        </p:blipFill>
+        <p:spPr>
+          <a:xfrm>
+            <a:off x="272336" y="197666"/>
+            <a:ext cx="1251664" cy="1402534"/>
+          </a:xfrm>
+          <a:prstGeom prst="rect">
+            <a:avLst/>
+          </a:prstGeom>
+        </p:spPr>
+      </p:pic>
+      <p:sp>
+        <p:nvSpPr>
+          <p:cNvPr id="6" name="Title 3">
+            <a:extLst>
+              <a:ext uri="{FF2B5EF4-FFF2-40B4-BE49-F238E27FC236}">
+                <a16:creationId xmlns:a16="http://schemas.microsoft.com/office/drawing/2014/main" id="{6AF371E5-6025-4DD6-B3D9-1EA1AF6B36AB}"/>
+              </a:ext>
+            </a:extLst>
+          </p:cNvPr>
+          <p:cNvSpPr>
+            <a:spLocks noGrp="1"/>
+          </p:cNvSpPr>
+          <p:nvPr/>
+        </p:nvSpPr>
+        <p:spPr>
+          <a:xfrm>
+            <a:off x="1524000" y="489420"/>
+            <a:ext cx="10040471" cy="1110780"/>
+          </a:xfrm>
+          <a:prstGeom prst="rect">
+            <a:avLst/>
+          </a:prstGeom>
+        </p:spPr>
+        <p:txBody>
+          <a:bodyPr vert="horz" lIns="108000" tIns="36000" rIns="108000" bIns="36000" rtlCol="0" anchor="ctr" anchorCtr="0">
+            <a:normAutofit/>
+          </a:bodyPr>
+          <a:lstStyle>
+            <a:lvl1pPr algn="l" defTabSz="1218987" rtl="0" eaLnBrk="1" latinLnBrk="0" hangingPunct="1">
+              <a:lnSpc>
+                <a:spcPct val="90000"/>
+              </a:lnSpc>
+              <a:spcBef>
+                <a:spcPct val="0"/>
+              </a:spcBef>
+              <a:buNone/>
+              <a:defRPr sz="4000" b="1" kern="1200">
+                <a:solidFill>
+                  <a:srgbClr val="F3BE60"/>
+                </a:solidFill>
+                <a:effectLst/>
+                <a:latin typeface="+mj-lt"/>
+                <a:ea typeface="+mj-ea"/>
+                <a:cs typeface="+mj-cs"/>
+              </a:defRPr>
+            </a:lvl1pPr>
+          </a:lstStyle>
+          <a:p>
+            <a:r>
+              <a:rPr lang="en-US" dirty="0">
+                <a:solidFill>
+                  <a:srgbClr val="002060"/>
+                </a:solidFill>
+                <a:latin typeface="Source Sans Pro" panose="020B0503030403020204" pitchFamily="34" charset="0"/>
+                <a:ea typeface="Source Sans Pro" panose="020B0503030403020204" pitchFamily="34" charset="0"/>
+              </a:rPr>
+              <a:t>Part 5 - Dev Automation - Task 1</a:t>
+            </a:r>
+          </a:p>
+        </p:txBody>
+      </p:sp>
+      <p:sp>
+        <p:nvSpPr>
+          <p:cNvPr id="7" name="Title 1">
+            <a:extLst>
+              <a:ext uri="{FF2B5EF4-FFF2-40B4-BE49-F238E27FC236}">
+                <a16:creationId xmlns:a16="http://schemas.microsoft.com/office/drawing/2014/main" id="{2591AE5E-B75A-4B5E-8C98-54FDCCE81365}"/>
+              </a:ext>
+            </a:extLst>
+          </p:cNvPr>
+          <p:cNvSpPr>
+            <a:spLocks noGrp="1"/>
+          </p:cNvSpPr>
+          <p:nvPr>
+            <p:ph type="ctrTitle"/>
+          </p:nvPr>
+        </p:nvSpPr>
+        <p:spPr>
+          <a:xfrm>
+            <a:off x="1307201" y="2873609"/>
+            <a:ext cx="9577597" cy="1110781"/>
+          </a:xfrm>
+        </p:spPr>
+        <p:txBody>
+          <a:bodyPr>
+            <a:normAutofit/>
+          </a:bodyPr>
+          <a:lstStyle/>
+          <a:p>
+            <a:r>
+              <a:rPr lang="en-GB" b="1" dirty="0">
+                <a:solidFill>
+                  <a:srgbClr val="F3BE60"/>
+                </a:solidFill>
+                <a:latin typeface="Source Sans Pro" panose="020B0604020202020204" pitchFamily="34" charset="0"/>
+              </a:rPr>
+              <a:t>Install Nodejs</a:t>
+            </a:r>
+          </a:p>
+        </p:txBody>
+      </p:sp>
+    </p:spTree>
+    <p:extLst>
+      <p:ext uri="{BB962C8B-B14F-4D97-AF65-F5344CB8AC3E}">
+        <p14:creationId xmlns:p14="http://schemas.microsoft.com/office/powerpoint/2010/main" val="2320170557"/>
+      </p:ext>
+    </p:extLst>
+  </p:cSld>
+  <p:clrMapOvr>
+    <a:masterClrMapping/>
+  </p:clrMapOvr>
+</p:sld>
+</file>
+
+<file path=ppt/slides/slide24.xml><?xml version="1.0" encoding="utf-8"?>
+<p:sld xmlns:a="http://schemas.openxmlformats.org/drawingml/2006/main" xmlns:r="http://schemas.openxmlformats.org/officeDocument/2006/relationships" xmlns:p="http://schemas.openxmlformats.org/presentationml/2006/main">
+  <p:cSld>
+    <p:bg>
+      <p:bgPr>
+        <a:blipFill dpi="0" rotWithShape="1">
+          <a:blip r:embed="rId2">
+            <a:lum/>
+          </a:blip>
+          <a:srcRect/>
+          <a:stretch>
+            <a:fillRect/>
+          </a:stretch>
+        </a:blipFill>
+        <a:effectLst/>
+      </p:bgPr>
+    </p:bg>
+    <p:spTree>
+      <p:nvGrpSpPr>
+        <p:cNvPr id="1" name=""/>
+        <p:cNvGrpSpPr/>
+        <p:nvPr/>
+      </p:nvGrpSpPr>
+      <p:grpSpPr>
+        <a:xfrm>
+          <a:off x="0" y="0"/>
+          <a:ext cx="0" cy="0"/>
+          <a:chOff x="0" y="0"/>
+          <a:chExt cx="0" cy="0"/>
+        </a:xfrm>
+      </p:grpSpPr>
+      <p:pic>
+        <p:nvPicPr>
+          <p:cNvPr id="5" name="Picture 4">
+            <a:extLst>
+              <a:ext uri="{FF2B5EF4-FFF2-40B4-BE49-F238E27FC236}">
+                <a16:creationId xmlns:a16="http://schemas.microsoft.com/office/drawing/2014/main" id="{6B43DD41-0F21-4B91-B777-A89F8D2DF255}"/>
+              </a:ext>
+            </a:extLst>
+          </p:cNvPr>
+          <p:cNvPicPr>
+            <a:picLocks noChangeAspect="1"/>
+          </p:cNvPicPr>
+          <p:nvPr/>
+        </p:nvPicPr>
+        <p:blipFill>
+          <a:blip r:embed="rId3">
+            <a:extLst>
+              <a:ext uri="{28A0092B-C50C-407E-A947-70E740481C1C}">
+                <a14:useLocalDpi xmlns:a14="http://schemas.microsoft.com/office/drawing/2010/main" val="0"/>
+              </a:ext>
+            </a:extLst>
+          </a:blip>
+          <a:stretch>
+            <a:fillRect/>
+          </a:stretch>
+        </p:blipFill>
+        <p:spPr>
+          <a:xfrm>
+            <a:off x="272336" y="197666"/>
+            <a:ext cx="1251664" cy="1402534"/>
+          </a:xfrm>
+          <a:prstGeom prst="rect">
+            <a:avLst/>
+          </a:prstGeom>
+        </p:spPr>
+      </p:pic>
+      <p:sp>
+        <p:nvSpPr>
+          <p:cNvPr id="6" name="Title 3">
+            <a:extLst>
+              <a:ext uri="{FF2B5EF4-FFF2-40B4-BE49-F238E27FC236}">
+                <a16:creationId xmlns:a16="http://schemas.microsoft.com/office/drawing/2014/main" id="{6AF371E5-6025-4DD6-B3D9-1EA1AF6B36AB}"/>
+              </a:ext>
+            </a:extLst>
+          </p:cNvPr>
+          <p:cNvSpPr>
+            <a:spLocks noGrp="1"/>
+          </p:cNvSpPr>
+          <p:nvPr/>
+        </p:nvSpPr>
+        <p:spPr>
+          <a:xfrm>
+            <a:off x="1524000" y="489420"/>
+            <a:ext cx="10040471" cy="1110780"/>
+          </a:xfrm>
+          <a:prstGeom prst="rect">
+            <a:avLst/>
+          </a:prstGeom>
+        </p:spPr>
+        <p:txBody>
+          <a:bodyPr vert="horz" lIns="108000" tIns="36000" rIns="108000" bIns="36000" rtlCol="0" anchor="ctr" anchorCtr="0">
+            <a:normAutofit/>
+          </a:bodyPr>
+          <a:lstStyle>
+            <a:lvl1pPr algn="l" defTabSz="1218987" rtl="0" eaLnBrk="1" latinLnBrk="0" hangingPunct="1">
+              <a:lnSpc>
+                <a:spcPct val="90000"/>
+              </a:lnSpc>
+              <a:spcBef>
+                <a:spcPct val="0"/>
+              </a:spcBef>
+              <a:buNone/>
+              <a:defRPr sz="4000" b="1" kern="1200">
+                <a:solidFill>
+                  <a:srgbClr val="F3BE60"/>
+                </a:solidFill>
+                <a:effectLst/>
+                <a:latin typeface="+mj-lt"/>
+                <a:ea typeface="+mj-ea"/>
+                <a:cs typeface="+mj-cs"/>
+              </a:defRPr>
+            </a:lvl1pPr>
+          </a:lstStyle>
+          <a:p>
+            <a:r>
+              <a:rPr lang="en-US" dirty="0">
+                <a:solidFill>
+                  <a:srgbClr val="002060"/>
+                </a:solidFill>
+                <a:latin typeface="Source Sans Pro" panose="020B0503030403020204" pitchFamily="34" charset="0"/>
+                <a:ea typeface="Source Sans Pro" panose="020B0503030403020204" pitchFamily="34" charset="0"/>
+              </a:rPr>
+              <a:t>Part 5 - Dev Automation - Task 2</a:t>
+            </a:r>
+          </a:p>
+        </p:txBody>
+      </p:sp>
+      <p:sp>
+        <p:nvSpPr>
+          <p:cNvPr id="7" name="Title 1">
+            <a:extLst>
+              <a:ext uri="{FF2B5EF4-FFF2-40B4-BE49-F238E27FC236}">
+                <a16:creationId xmlns:a16="http://schemas.microsoft.com/office/drawing/2014/main" id="{2591AE5E-B75A-4B5E-8C98-54FDCCE81365}"/>
+              </a:ext>
+            </a:extLst>
+          </p:cNvPr>
+          <p:cNvSpPr>
+            <a:spLocks noGrp="1"/>
+          </p:cNvSpPr>
+          <p:nvPr>
+            <p:ph type="ctrTitle"/>
+          </p:nvPr>
+        </p:nvSpPr>
+        <p:spPr>
+          <a:xfrm>
+            <a:off x="1307201" y="2873609"/>
+            <a:ext cx="9577597" cy="1110781"/>
+          </a:xfrm>
+        </p:spPr>
+        <p:txBody>
+          <a:bodyPr>
+            <a:normAutofit/>
+          </a:bodyPr>
+          <a:lstStyle/>
+          <a:p>
+            <a:r>
+              <a:rPr lang="en-GB" b="1" dirty="0">
+                <a:solidFill>
+                  <a:srgbClr val="F3BE60"/>
+                </a:solidFill>
+                <a:latin typeface="Source Sans Pro" panose="020B0604020202020204" pitchFamily="34" charset="0"/>
+              </a:rPr>
+              <a:t>Install Gulp</a:t>
+            </a:r>
+          </a:p>
+        </p:txBody>
+      </p:sp>
+    </p:spTree>
+    <p:extLst>
+      <p:ext uri="{BB962C8B-B14F-4D97-AF65-F5344CB8AC3E}">
+        <p14:creationId xmlns:p14="http://schemas.microsoft.com/office/powerpoint/2010/main" val="4192737785"/>
+      </p:ext>
+    </p:extLst>
+  </p:cSld>
+  <p:clrMapOvr>
+    <a:masterClrMapping/>
+  </p:clrMapOvr>
+</p:sld>
+</file>
+
+<file path=ppt/slides/slide25.xml><?xml version="1.0" encoding="utf-8"?>
+<p:sld xmlns:a="http://schemas.openxmlformats.org/drawingml/2006/main" xmlns:r="http://schemas.openxmlformats.org/officeDocument/2006/relationships" xmlns:p="http://schemas.openxmlformats.org/presentationml/2006/main">
+  <p:cSld>
+    <p:bg>
+      <p:bgPr>
+        <a:blipFill dpi="0" rotWithShape="1">
+          <a:blip r:embed="rId2">
+            <a:lum/>
+          </a:blip>
+          <a:srcRect/>
+          <a:stretch>
+            <a:fillRect/>
+          </a:stretch>
+        </a:blipFill>
+        <a:effectLst/>
+      </p:bgPr>
+    </p:bg>
+    <p:spTree>
+      <p:nvGrpSpPr>
+        <p:cNvPr id="1" name=""/>
+        <p:cNvGrpSpPr/>
+        <p:nvPr/>
+      </p:nvGrpSpPr>
+      <p:grpSpPr>
+        <a:xfrm>
+          <a:off x="0" y="0"/>
+          <a:ext cx="0" cy="0"/>
+          <a:chOff x="0" y="0"/>
+          <a:chExt cx="0" cy="0"/>
+        </a:xfrm>
+      </p:grpSpPr>
+      <p:pic>
+        <p:nvPicPr>
+          <p:cNvPr id="5" name="Picture 4">
+            <a:extLst>
+              <a:ext uri="{FF2B5EF4-FFF2-40B4-BE49-F238E27FC236}">
+                <a16:creationId xmlns:a16="http://schemas.microsoft.com/office/drawing/2014/main" id="{6B43DD41-0F21-4B91-B777-A89F8D2DF255}"/>
+              </a:ext>
+            </a:extLst>
+          </p:cNvPr>
+          <p:cNvPicPr>
+            <a:picLocks noChangeAspect="1"/>
+          </p:cNvPicPr>
+          <p:nvPr/>
+        </p:nvPicPr>
+        <p:blipFill>
+          <a:blip r:embed="rId3">
+            <a:extLst>
+              <a:ext uri="{28A0092B-C50C-407E-A947-70E740481C1C}">
+                <a14:useLocalDpi xmlns:a14="http://schemas.microsoft.com/office/drawing/2010/main" val="0"/>
+              </a:ext>
+            </a:extLst>
+          </a:blip>
+          <a:stretch>
+            <a:fillRect/>
+          </a:stretch>
+        </p:blipFill>
+        <p:spPr>
+          <a:xfrm>
+            <a:off x="272336" y="197666"/>
+            <a:ext cx="1251664" cy="1402534"/>
+          </a:xfrm>
+          <a:prstGeom prst="rect">
+            <a:avLst/>
+          </a:prstGeom>
+        </p:spPr>
+      </p:pic>
+      <p:sp>
+        <p:nvSpPr>
+          <p:cNvPr id="6" name="Title 3">
+            <a:extLst>
+              <a:ext uri="{FF2B5EF4-FFF2-40B4-BE49-F238E27FC236}">
+                <a16:creationId xmlns:a16="http://schemas.microsoft.com/office/drawing/2014/main" id="{6AF371E5-6025-4DD6-B3D9-1EA1AF6B36AB}"/>
+              </a:ext>
+            </a:extLst>
+          </p:cNvPr>
+          <p:cNvSpPr>
+            <a:spLocks noGrp="1"/>
+          </p:cNvSpPr>
+          <p:nvPr/>
+        </p:nvSpPr>
+        <p:spPr>
+          <a:xfrm>
+            <a:off x="1524000" y="489420"/>
+            <a:ext cx="10040471" cy="1110780"/>
+          </a:xfrm>
+          <a:prstGeom prst="rect">
+            <a:avLst/>
+          </a:prstGeom>
+        </p:spPr>
+        <p:txBody>
+          <a:bodyPr vert="horz" lIns="108000" tIns="36000" rIns="108000" bIns="36000" rtlCol="0" anchor="ctr" anchorCtr="0">
+            <a:normAutofit/>
+          </a:bodyPr>
+          <a:lstStyle>
+            <a:lvl1pPr algn="l" defTabSz="1218987" rtl="0" eaLnBrk="1" latinLnBrk="0" hangingPunct="1">
+              <a:lnSpc>
+                <a:spcPct val="90000"/>
+              </a:lnSpc>
+              <a:spcBef>
+                <a:spcPct val="0"/>
+              </a:spcBef>
+              <a:buNone/>
+              <a:defRPr sz="4000" b="1" kern="1200">
+                <a:solidFill>
+                  <a:srgbClr val="F3BE60"/>
+                </a:solidFill>
+                <a:effectLst/>
+                <a:latin typeface="+mj-lt"/>
+                <a:ea typeface="+mj-ea"/>
+                <a:cs typeface="+mj-cs"/>
+              </a:defRPr>
+            </a:lvl1pPr>
+          </a:lstStyle>
+          <a:p>
+            <a:r>
+              <a:rPr lang="en-US" dirty="0">
+                <a:solidFill>
+                  <a:srgbClr val="002060"/>
+                </a:solidFill>
+                <a:latin typeface="Source Sans Pro" panose="020B0503030403020204" pitchFamily="34" charset="0"/>
+                <a:ea typeface="Source Sans Pro" panose="020B0503030403020204" pitchFamily="34" charset="0"/>
+              </a:rPr>
+              <a:t>Part 5 - Dev Automation - Task 3</a:t>
+            </a:r>
+          </a:p>
+        </p:txBody>
+      </p:sp>
+      <p:sp>
+        <p:nvSpPr>
+          <p:cNvPr id="7" name="Title 1">
+            <a:extLst>
+              <a:ext uri="{FF2B5EF4-FFF2-40B4-BE49-F238E27FC236}">
+                <a16:creationId xmlns:a16="http://schemas.microsoft.com/office/drawing/2014/main" id="{2591AE5E-B75A-4B5E-8C98-54FDCCE81365}"/>
+              </a:ext>
+            </a:extLst>
+          </p:cNvPr>
+          <p:cNvSpPr>
+            <a:spLocks noGrp="1"/>
+          </p:cNvSpPr>
+          <p:nvPr>
+            <p:ph type="ctrTitle"/>
+          </p:nvPr>
+        </p:nvSpPr>
+        <p:spPr>
+          <a:xfrm>
+            <a:off x="1307201" y="2873609"/>
+            <a:ext cx="9577597" cy="1110781"/>
+          </a:xfrm>
+        </p:spPr>
+        <p:txBody>
+          <a:bodyPr>
+            <a:normAutofit/>
+          </a:bodyPr>
+          <a:lstStyle/>
+          <a:p>
+            <a:r>
+              <a:rPr lang="en-GB" b="1" dirty="0">
+                <a:solidFill>
+                  <a:srgbClr val="F3BE60"/>
+                </a:solidFill>
+                <a:latin typeface="Source Sans Pro" panose="020B0604020202020204" pitchFamily="34" charset="0"/>
+              </a:rPr>
+              <a:t>Install BrowserSync</a:t>
+            </a:r>
+          </a:p>
+        </p:txBody>
+      </p:sp>
+    </p:spTree>
+    <p:extLst>
+      <p:ext uri="{BB962C8B-B14F-4D97-AF65-F5344CB8AC3E}">
+        <p14:creationId xmlns:p14="http://schemas.microsoft.com/office/powerpoint/2010/main" val="1913399581"/>
+      </p:ext>
+    </p:extLst>
+  </p:cSld>
+  <p:clrMapOvr>
+    <a:masterClrMapping/>
+  </p:clrMapOvr>
+</p:sld>
+</file>
+
+<file path=ppt/slides/slide26.xml><?xml version="1.0" encoding="utf-8"?>
+<p:sld xmlns:a="http://schemas.openxmlformats.org/drawingml/2006/main" xmlns:r="http://schemas.openxmlformats.org/officeDocument/2006/relationships" xmlns:p="http://schemas.openxmlformats.org/presentationml/2006/main">
+  <p:cSld>
+    <p:bg>
+      <p:bgPr>
+        <a:blipFill dpi="0" rotWithShape="1">
+          <a:blip r:embed="rId2">
+            <a:lum/>
+          </a:blip>
+          <a:srcRect/>
+          <a:stretch>
+            <a:fillRect/>
+          </a:stretch>
+        </a:blipFill>
+        <a:effectLst/>
+      </p:bgPr>
+    </p:bg>
+    <p:spTree>
+      <p:nvGrpSpPr>
+        <p:cNvPr id="1" name=""/>
+        <p:cNvGrpSpPr/>
+        <p:nvPr/>
+      </p:nvGrpSpPr>
+      <p:grpSpPr>
+        <a:xfrm>
+          <a:off x="0" y="0"/>
+          <a:ext cx="0" cy="0"/>
+          <a:chOff x="0" y="0"/>
+          <a:chExt cx="0" cy="0"/>
+        </a:xfrm>
+      </p:grpSpPr>
+      <p:pic>
+        <p:nvPicPr>
+          <p:cNvPr id="5" name="Picture 4">
+            <a:extLst>
+              <a:ext uri="{FF2B5EF4-FFF2-40B4-BE49-F238E27FC236}">
+                <a16:creationId xmlns:a16="http://schemas.microsoft.com/office/drawing/2014/main" id="{6B43DD41-0F21-4B91-B777-A89F8D2DF255}"/>
+              </a:ext>
+            </a:extLst>
+          </p:cNvPr>
+          <p:cNvPicPr>
+            <a:picLocks noChangeAspect="1"/>
+          </p:cNvPicPr>
+          <p:nvPr/>
+        </p:nvPicPr>
+        <p:blipFill>
+          <a:blip r:embed="rId3">
+            <a:extLst>
+              <a:ext uri="{28A0092B-C50C-407E-A947-70E740481C1C}">
+                <a14:useLocalDpi xmlns:a14="http://schemas.microsoft.com/office/drawing/2010/main" val="0"/>
+              </a:ext>
+            </a:extLst>
+          </a:blip>
+          <a:stretch>
+            <a:fillRect/>
+          </a:stretch>
+        </p:blipFill>
+        <p:spPr>
+          <a:xfrm>
+            <a:off x="272336" y="197666"/>
+            <a:ext cx="1251664" cy="1402534"/>
+          </a:xfrm>
+          <a:prstGeom prst="rect">
+            <a:avLst/>
+          </a:prstGeom>
+        </p:spPr>
+      </p:pic>
+      <p:sp>
+        <p:nvSpPr>
+          <p:cNvPr id="6" name="Title 3">
+            <a:extLst>
+              <a:ext uri="{FF2B5EF4-FFF2-40B4-BE49-F238E27FC236}">
+                <a16:creationId xmlns:a16="http://schemas.microsoft.com/office/drawing/2014/main" id="{6AF371E5-6025-4DD6-B3D9-1EA1AF6B36AB}"/>
+              </a:ext>
+            </a:extLst>
+          </p:cNvPr>
+          <p:cNvSpPr>
+            <a:spLocks noGrp="1"/>
+          </p:cNvSpPr>
+          <p:nvPr/>
+        </p:nvSpPr>
+        <p:spPr>
+          <a:xfrm>
+            <a:off x="1524000" y="489420"/>
+            <a:ext cx="10040471" cy="1110780"/>
+          </a:xfrm>
+          <a:prstGeom prst="rect">
+            <a:avLst/>
+          </a:prstGeom>
+        </p:spPr>
+        <p:txBody>
+          <a:bodyPr vert="horz" lIns="108000" tIns="36000" rIns="108000" bIns="36000" rtlCol="0" anchor="ctr" anchorCtr="0">
+            <a:normAutofit/>
+          </a:bodyPr>
+          <a:lstStyle>
+            <a:lvl1pPr algn="l" defTabSz="1218987" rtl="0" eaLnBrk="1" latinLnBrk="0" hangingPunct="1">
+              <a:lnSpc>
+                <a:spcPct val="90000"/>
+              </a:lnSpc>
+              <a:spcBef>
+                <a:spcPct val="0"/>
+              </a:spcBef>
+              <a:buNone/>
+              <a:defRPr sz="4000" b="1" kern="1200">
+                <a:solidFill>
+                  <a:srgbClr val="F3BE60"/>
+                </a:solidFill>
+                <a:effectLst/>
+                <a:latin typeface="+mj-lt"/>
+                <a:ea typeface="+mj-ea"/>
+                <a:cs typeface="+mj-cs"/>
+              </a:defRPr>
+            </a:lvl1pPr>
+          </a:lstStyle>
+          <a:p>
+            <a:r>
+              <a:rPr lang="en-US" dirty="0">
+                <a:solidFill>
+                  <a:srgbClr val="002060"/>
+                </a:solidFill>
+                <a:latin typeface="Source Sans Pro" panose="020B0503030403020204" pitchFamily="34" charset="0"/>
+                <a:ea typeface="Source Sans Pro" panose="020B0503030403020204" pitchFamily="34" charset="0"/>
+              </a:rPr>
+              <a:t>Part 6 - Git Workflow - Task 1</a:t>
+            </a:r>
+          </a:p>
+        </p:txBody>
+      </p:sp>
+      <p:sp>
+        <p:nvSpPr>
+          <p:cNvPr id="7" name="Title 1">
+            <a:extLst>
+              <a:ext uri="{FF2B5EF4-FFF2-40B4-BE49-F238E27FC236}">
+                <a16:creationId xmlns:a16="http://schemas.microsoft.com/office/drawing/2014/main" id="{2591AE5E-B75A-4B5E-8C98-54FDCCE81365}"/>
+              </a:ext>
+            </a:extLst>
+          </p:cNvPr>
+          <p:cNvSpPr>
+            <a:spLocks noGrp="1"/>
+          </p:cNvSpPr>
+          <p:nvPr>
+            <p:ph type="ctrTitle"/>
+          </p:nvPr>
+        </p:nvSpPr>
+        <p:spPr>
+          <a:xfrm>
+            <a:off x="1524000" y="1517677"/>
+            <a:ext cx="9577597" cy="748553"/>
+          </a:xfrm>
+        </p:spPr>
+        <p:txBody>
+          <a:bodyPr>
+            <a:normAutofit fontScale="90000"/>
+          </a:bodyPr>
+          <a:lstStyle/>
+          <a:p>
+            <a:pPr algn="l"/>
+            <a:r>
+              <a:rPr lang="en-GB" sz="4800" b="1" dirty="0">
+                <a:solidFill>
+                  <a:srgbClr val="F3BE60"/>
+                </a:solidFill>
+                <a:latin typeface="Source Sans Pro" panose="020B0604020202020204" pitchFamily="34" charset="0"/>
+              </a:rPr>
+              <a:t>Make a change</a:t>
+            </a:r>
+          </a:p>
+        </p:txBody>
+      </p:sp>
+      <p:sp>
+        <p:nvSpPr>
+          <p:cNvPr id="8" name="Title 1">
+            <a:extLst>
+              <a:ext uri="{FF2B5EF4-FFF2-40B4-BE49-F238E27FC236}">
+                <a16:creationId xmlns:a16="http://schemas.microsoft.com/office/drawing/2014/main" id="{8776499A-722F-4995-A1B0-F061C9C49EC0}"/>
+              </a:ext>
+            </a:extLst>
+          </p:cNvPr>
+          <p:cNvSpPr txBox="1">
+            <a:spLocks/>
+          </p:cNvSpPr>
+          <p:nvPr/>
+        </p:nvSpPr>
+        <p:spPr>
+          <a:xfrm>
+            <a:off x="1523999" y="2545934"/>
+            <a:ext cx="9577597" cy="748553"/>
+          </a:xfrm>
+          <a:prstGeom prst="rect">
+            <a:avLst/>
+          </a:prstGeom>
+        </p:spPr>
+        <p:txBody>
+          <a:bodyPr vert="horz" lIns="91440" tIns="45720" rIns="91440" bIns="45720" rtlCol="0" anchor="b">
+            <a:normAutofit fontScale="97500"/>
+          </a:bodyPr>
+          <a:lstStyle>
+            <a:lvl1pPr algn="ctr" defTabSz="914400" rtl="0" eaLnBrk="1" latinLnBrk="0" hangingPunct="1">
+              <a:lnSpc>
+                <a:spcPct val="90000"/>
+              </a:lnSpc>
+              <a:spcBef>
+                <a:spcPct val="0"/>
+              </a:spcBef>
+              <a:buNone/>
+              <a:defRPr sz="6000" kern="1200">
+                <a:solidFill>
+                  <a:schemeClr val="tx1"/>
+                </a:solidFill>
+                <a:latin typeface="+mj-lt"/>
+                <a:ea typeface="+mj-ea"/>
+                <a:cs typeface="+mj-cs"/>
+              </a:defRPr>
+            </a:lvl1pPr>
+          </a:lstStyle>
+          <a:p>
+            <a:pPr algn="l"/>
+            <a:r>
+              <a:rPr lang="en-US" sz="2400" dirty="0">
+                <a:solidFill>
+                  <a:srgbClr val="002060"/>
+                </a:solidFill>
+                <a:latin typeface="Source Sans Pro" panose="020B0604020202020204" pitchFamily="34" charset="0"/>
+              </a:rPr>
+              <a:t>Change in git speak is a set of changes that constitute a meaningful update to the project</a:t>
+            </a:r>
+            <a:endParaRPr lang="en-GB" sz="2400" dirty="0">
+              <a:solidFill>
+                <a:srgbClr val="002060"/>
+              </a:solidFill>
+              <a:latin typeface="Source Sans Pro" panose="020B0604020202020204" pitchFamily="34" charset="0"/>
+            </a:endParaRPr>
+          </a:p>
+        </p:txBody>
+      </p:sp>
+    </p:spTree>
+    <p:extLst>
+      <p:ext uri="{BB962C8B-B14F-4D97-AF65-F5344CB8AC3E}">
+        <p14:creationId xmlns:p14="http://schemas.microsoft.com/office/powerpoint/2010/main" val="138233376"/>
+      </p:ext>
+    </p:extLst>
+  </p:cSld>
+  <p:clrMapOvr>
+    <a:masterClrMapping/>
+  </p:clrMapOvr>
+</p:sld>
+</file>
+
+<file path=ppt/slides/slide27.xml><?xml version="1.0" encoding="utf-8"?>
+<p:sld xmlns:a="http://schemas.openxmlformats.org/drawingml/2006/main" xmlns:r="http://schemas.openxmlformats.org/officeDocument/2006/relationships" xmlns:p="http://schemas.openxmlformats.org/presentationml/2006/main">
+  <p:cSld>
+    <p:bg>
+      <p:bgPr>
+        <a:blipFill dpi="0" rotWithShape="1">
+          <a:blip r:embed="rId2">
+            <a:lum/>
+          </a:blip>
+          <a:srcRect/>
+          <a:stretch>
+            <a:fillRect/>
+          </a:stretch>
+        </a:blipFill>
+        <a:effectLst/>
+      </p:bgPr>
+    </p:bg>
+    <p:spTree>
+      <p:nvGrpSpPr>
+        <p:cNvPr id="1" name=""/>
+        <p:cNvGrpSpPr/>
+        <p:nvPr/>
+      </p:nvGrpSpPr>
+      <p:grpSpPr>
+        <a:xfrm>
+          <a:off x="0" y="0"/>
+          <a:ext cx="0" cy="0"/>
+          <a:chOff x="0" y="0"/>
+          <a:chExt cx="0" cy="0"/>
+        </a:xfrm>
+      </p:grpSpPr>
+      <p:pic>
+        <p:nvPicPr>
+          <p:cNvPr id="5" name="Picture 4">
+            <a:extLst>
+              <a:ext uri="{FF2B5EF4-FFF2-40B4-BE49-F238E27FC236}">
+                <a16:creationId xmlns:a16="http://schemas.microsoft.com/office/drawing/2014/main" id="{6B43DD41-0F21-4B91-B777-A89F8D2DF255}"/>
+              </a:ext>
+            </a:extLst>
+          </p:cNvPr>
+          <p:cNvPicPr>
+            <a:picLocks noChangeAspect="1"/>
+          </p:cNvPicPr>
+          <p:nvPr/>
+        </p:nvPicPr>
+        <p:blipFill>
+          <a:blip r:embed="rId3">
+            <a:extLst>
+              <a:ext uri="{28A0092B-C50C-407E-A947-70E740481C1C}">
+                <a14:useLocalDpi xmlns:a14="http://schemas.microsoft.com/office/drawing/2010/main" val="0"/>
+              </a:ext>
+            </a:extLst>
+          </a:blip>
+          <a:stretch>
+            <a:fillRect/>
+          </a:stretch>
+        </p:blipFill>
+        <p:spPr>
+          <a:xfrm>
+            <a:off x="272336" y="197666"/>
+            <a:ext cx="1251664" cy="1402534"/>
+          </a:xfrm>
+          <a:prstGeom prst="rect">
+            <a:avLst/>
+          </a:prstGeom>
+        </p:spPr>
+      </p:pic>
+      <p:sp>
+        <p:nvSpPr>
+          <p:cNvPr id="6" name="Title 3">
+            <a:extLst>
+              <a:ext uri="{FF2B5EF4-FFF2-40B4-BE49-F238E27FC236}">
+                <a16:creationId xmlns:a16="http://schemas.microsoft.com/office/drawing/2014/main" id="{6AF371E5-6025-4DD6-B3D9-1EA1AF6B36AB}"/>
+              </a:ext>
+            </a:extLst>
+          </p:cNvPr>
+          <p:cNvSpPr>
+            <a:spLocks noGrp="1"/>
+          </p:cNvSpPr>
+          <p:nvPr/>
+        </p:nvSpPr>
+        <p:spPr>
+          <a:xfrm>
+            <a:off x="1524000" y="489420"/>
+            <a:ext cx="10040471" cy="1110780"/>
+          </a:xfrm>
+          <a:prstGeom prst="rect">
+            <a:avLst/>
+          </a:prstGeom>
+        </p:spPr>
+        <p:txBody>
+          <a:bodyPr vert="horz" lIns="108000" tIns="36000" rIns="108000" bIns="36000" rtlCol="0" anchor="ctr" anchorCtr="0">
+            <a:normAutofit/>
+          </a:bodyPr>
+          <a:lstStyle>
+            <a:lvl1pPr algn="l" defTabSz="1218987" rtl="0" eaLnBrk="1" latinLnBrk="0" hangingPunct="1">
+              <a:lnSpc>
+                <a:spcPct val="90000"/>
+              </a:lnSpc>
+              <a:spcBef>
+                <a:spcPct val="0"/>
+              </a:spcBef>
+              <a:buNone/>
+              <a:defRPr sz="4000" b="1" kern="1200">
+                <a:solidFill>
+                  <a:srgbClr val="F3BE60"/>
+                </a:solidFill>
+                <a:effectLst/>
+                <a:latin typeface="+mj-lt"/>
+                <a:ea typeface="+mj-ea"/>
+                <a:cs typeface="+mj-cs"/>
+              </a:defRPr>
+            </a:lvl1pPr>
+          </a:lstStyle>
+          <a:p>
+            <a:r>
+              <a:rPr lang="en-US" dirty="0">
+                <a:solidFill>
+                  <a:srgbClr val="002060"/>
+                </a:solidFill>
+                <a:latin typeface="Source Sans Pro" panose="020B0503030403020204" pitchFamily="34" charset="0"/>
+                <a:ea typeface="Source Sans Pro" panose="020B0503030403020204" pitchFamily="34" charset="0"/>
+              </a:rPr>
+              <a:t>Part 6 - Git Workflow - Task 2</a:t>
+            </a:r>
+          </a:p>
+        </p:txBody>
+      </p:sp>
+      <p:sp>
+        <p:nvSpPr>
+          <p:cNvPr id="7" name="Title 1">
+            <a:extLst>
+              <a:ext uri="{FF2B5EF4-FFF2-40B4-BE49-F238E27FC236}">
+                <a16:creationId xmlns:a16="http://schemas.microsoft.com/office/drawing/2014/main" id="{2591AE5E-B75A-4B5E-8C98-54FDCCE81365}"/>
+              </a:ext>
+            </a:extLst>
+          </p:cNvPr>
+          <p:cNvSpPr>
+            <a:spLocks noGrp="1"/>
+          </p:cNvSpPr>
+          <p:nvPr>
+            <p:ph type="ctrTitle"/>
+          </p:nvPr>
+        </p:nvSpPr>
+        <p:spPr>
+          <a:xfrm>
+            <a:off x="1524000" y="1517677"/>
+            <a:ext cx="9577597" cy="748553"/>
+          </a:xfrm>
+        </p:spPr>
+        <p:txBody>
+          <a:bodyPr>
+            <a:normAutofit fontScale="90000"/>
+          </a:bodyPr>
+          <a:lstStyle/>
+          <a:p>
+            <a:pPr algn="l"/>
+            <a:r>
+              <a:rPr lang="en-GB" sz="4800" b="1" dirty="0">
+                <a:solidFill>
+                  <a:srgbClr val="F3BE60"/>
+                </a:solidFill>
+                <a:latin typeface="Source Sans Pro" panose="020B0604020202020204" pitchFamily="34" charset="0"/>
+              </a:rPr>
+              <a:t>Stage the files</a:t>
+            </a:r>
+          </a:p>
+        </p:txBody>
+      </p:sp>
+      <p:sp>
+        <p:nvSpPr>
+          <p:cNvPr id="8" name="Title 1">
+            <a:extLst>
+              <a:ext uri="{FF2B5EF4-FFF2-40B4-BE49-F238E27FC236}">
+                <a16:creationId xmlns:a16="http://schemas.microsoft.com/office/drawing/2014/main" id="{8776499A-722F-4995-A1B0-F061C9C49EC0}"/>
+              </a:ext>
+            </a:extLst>
+          </p:cNvPr>
+          <p:cNvSpPr txBox="1">
+            <a:spLocks/>
+          </p:cNvSpPr>
+          <p:nvPr/>
+        </p:nvSpPr>
+        <p:spPr>
+          <a:xfrm>
+            <a:off x="1524000" y="2545934"/>
+            <a:ext cx="9577597" cy="748553"/>
+          </a:xfrm>
+          <a:prstGeom prst="rect">
+            <a:avLst/>
+          </a:prstGeom>
+        </p:spPr>
+        <p:txBody>
+          <a:bodyPr vert="horz" lIns="91440" tIns="45720" rIns="91440" bIns="45720" rtlCol="0" anchor="b">
+            <a:normAutofit fontScale="97500"/>
+          </a:bodyPr>
+          <a:lstStyle>
+            <a:lvl1pPr algn="ctr" defTabSz="914400" rtl="0" eaLnBrk="1" latinLnBrk="0" hangingPunct="1">
+              <a:lnSpc>
+                <a:spcPct val="90000"/>
+              </a:lnSpc>
+              <a:spcBef>
+                <a:spcPct val="0"/>
+              </a:spcBef>
+              <a:buNone/>
+              <a:defRPr sz="6000" kern="1200">
+                <a:solidFill>
+                  <a:schemeClr val="tx1"/>
+                </a:solidFill>
+                <a:latin typeface="+mj-lt"/>
+                <a:ea typeface="+mj-ea"/>
+                <a:cs typeface="+mj-cs"/>
+              </a:defRPr>
+            </a:lvl1pPr>
+          </a:lstStyle>
+          <a:p>
+            <a:pPr algn="l"/>
+            <a:r>
+              <a:rPr lang="en-US" sz="2400" dirty="0">
+                <a:solidFill>
+                  <a:srgbClr val="002060"/>
+                </a:solidFill>
+                <a:latin typeface="Source Sans Pro" panose="020B0604020202020204" pitchFamily="34" charset="0"/>
+              </a:rPr>
+              <a:t>Staging the files means add the files you would like to commit</a:t>
+            </a:r>
+          </a:p>
+          <a:p>
+            <a:pPr algn="l"/>
+            <a:endParaRPr lang="en-US" sz="2400" dirty="0">
+              <a:solidFill>
+                <a:srgbClr val="002060"/>
+              </a:solidFill>
+              <a:latin typeface="Source Sans Pro" panose="020B0604020202020204" pitchFamily="34" charset="0"/>
+            </a:endParaRPr>
+          </a:p>
+        </p:txBody>
+      </p:sp>
+    </p:spTree>
+    <p:extLst>
+      <p:ext uri="{BB962C8B-B14F-4D97-AF65-F5344CB8AC3E}">
+        <p14:creationId xmlns:p14="http://schemas.microsoft.com/office/powerpoint/2010/main" val="976100457"/>
+      </p:ext>
+    </p:extLst>
+  </p:cSld>
+  <p:clrMapOvr>
+    <a:masterClrMapping/>
+  </p:clrMapOvr>
+</p:sld>
+</file>
+
+<file path=ppt/slides/slide28.xml><?xml version="1.0" encoding="utf-8"?>
+<p:sld xmlns:a="http://schemas.openxmlformats.org/drawingml/2006/main" xmlns:r="http://schemas.openxmlformats.org/officeDocument/2006/relationships" xmlns:p="http://schemas.openxmlformats.org/presentationml/2006/main">
+  <p:cSld>
+    <p:bg>
+      <p:bgPr>
+        <a:blipFill dpi="0" rotWithShape="1">
+          <a:blip r:embed="rId2">
+            <a:lum/>
+          </a:blip>
+          <a:srcRect/>
+          <a:stretch>
+            <a:fillRect/>
+          </a:stretch>
+        </a:blipFill>
+        <a:effectLst/>
+      </p:bgPr>
+    </p:bg>
+    <p:spTree>
+      <p:nvGrpSpPr>
+        <p:cNvPr id="1" name=""/>
+        <p:cNvGrpSpPr/>
+        <p:nvPr/>
+      </p:nvGrpSpPr>
+      <p:grpSpPr>
+        <a:xfrm>
+          <a:off x="0" y="0"/>
+          <a:ext cx="0" cy="0"/>
+          <a:chOff x="0" y="0"/>
+          <a:chExt cx="0" cy="0"/>
+        </a:xfrm>
+      </p:grpSpPr>
+      <p:pic>
+        <p:nvPicPr>
+          <p:cNvPr id="5" name="Picture 4">
+            <a:extLst>
+              <a:ext uri="{FF2B5EF4-FFF2-40B4-BE49-F238E27FC236}">
+                <a16:creationId xmlns:a16="http://schemas.microsoft.com/office/drawing/2014/main" id="{6B43DD41-0F21-4B91-B777-A89F8D2DF255}"/>
+              </a:ext>
+            </a:extLst>
+          </p:cNvPr>
+          <p:cNvPicPr>
+            <a:picLocks noChangeAspect="1"/>
+          </p:cNvPicPr>
+          <p:nvPr/>
+        </p:nvPicPr>
+        <p:blipFill>
+          <a:blip r:embed="rId3">
+            <a:extLst>
+              <a:ext uri="{28A0092B-C50C-407E-A947-70E740481C1C}">
+                <a14:useLocalDpi xmlns:a14="http://schemas.microsoft.com/office/drawing/2010/main" val="0"/>
+              </a:ext>
+            </a:extLst>
+          </a:blip>
+          <a:stretch>
+            <a:fillRect/>
+          </a:stretch>
+        </p:blipFill>
+        <p:spPr>
+          <a:xfrm>
+            <a:off x="272336" y="197666"/>
+            <a:ext cx="1251664" cy="1402534"/>
+          </a:xfrm>
+          <a:prstGeom prst="rect">
+            <a:avLst/>
+          </a:prstGeom>
+        </p:spPr>
+      </p:pic>
+      <p:sp>
+        <p:nvSpPr>
+          <p:cNvPr id="6" name="Title 3">
+            <a:extLst>
+              <a:ext uri="{FF2B5EF4-FFF2-40B4-BE49-F238E27FC236}">
+                <a16:creationId xmlns:a16="http://schemas.microsoft.com/office/drawing/2014/main" id="{6AF371E5-6025-4DD6-B3D9-1EA1AF6B36AB}"/>
+              </a:ext>
+            </a:extLst>
+          </p:cNvPr>
+          <p:cNvSpPr>
+            <a:spLocks noGrp="1"/>
+          </p:cNvSpPr>
+          <p:nvPr/>
+        </p:nvSpPr>
+        <p:spPr>
+          <a:xfrm>
+            <a:off x="1524000" y="489420"/>
+            <a:ext cx="10040471" cy="1110780"/>
+          </a:xfrm>
+          <a:prstGeom prst="rect">
+            <a:avLst/>
+          </a:prstGeom>
+        </p:spPr>
+        <p:txBody>
+          <a:bodyPr vert="horz" lIns="108000" tIns="36000" rIns="108000" bIns="36000" rtlCol="0" anchor="ctr" anchorCtr="0">
+            <a:normAutofit/>
+          </a:bodyPr>
+          <a:lstStyle>
+            <a:lvl1pPr algn="l" defTabSz="1218987" rtl="0" eaLnBrk="1" latinLnBrk="0" hangingPunct="1">
+              <a:lnSpc>
+                <a:spcPct val="90000"/>
+              </a:lnSpc>
+              <a:spcBef>
+                <a:spcPct val="0"/>
+              </a:spcBef>
+              <a:buNone/>
+              <a:defRPr sz="4000" b="1" kern="1200">
+                <a:solidFill>
+                  <a:srgbClr val="F3BE60"/>
+                </a:solidFill>
+                <a:effectLst/>
+                <a:latin typeface="+mj-lt"/>
+                <a:ea typeface="+mj-ea"/>
+                <a:cs typeface="+mj-cs"/>
+              </a:defRPr>
+            </a:lvl1pPr>
+          </a:lstStyle>
+          <a:p>
+            <a:r>
+              <a:rPr lang="en-US" dirty="0">
+                <a:solidFill>
+                  <a:srgbClr val="002060"/>
+                </a:solidFill>
+                <a:latin typeface="Source Sans Pro" panose="020B0503030403020204" pitchFamily="34" charset="0"/>
+                <a:ea typeface="Source Sans Pro" panose="020B0503030403020204" pitchFamily="34" charset="0"/>
+              </a:rPr>
+              <a:t>Part 6 - Git Workflow - Task 3</a:t>
+            </a:r>
+          </a:p>
+        </p:txBody>
+      </p:sp>
+      <p:sp>
+        <p:nvSpPr>
+          <p:cNvPr id="7" name="Title 1">
+            <a:extLst>
+              <a:ext uri="{FF2B5EF4-FFF2-40B4-BE49-F238E27FC236}">
+                <a16:creationId xmlns:a16="http://schemas.microsoft.com/office/drawing/2014/main" id="{2591AE5E-B75A-4B5E-8C98-54FDCCE81365}"/>
+              </a:ext>
+            </a:extLst>
+          </p:cNvPr>
+          <p:cNvSpPr>
+            <a:spLocks noGrp="1"/>
+          </p:cNvSpPr>
+          <p:nvPr>
+            <p:ph type="ctrTitle"/>
+          </p:nvPr>
+        </p:nvSpPr>
+        <p:spPr>
+          <a:xfrm>
+            <a:off x="1524000" y="1517677"/>
+            <a:ext cx="9577597" cy="748553"/>
+          </a:xfrm>
+        </p:spPr>
+        <p:txBody>
+          <a:bodyPr>
+            <a:normAutofit fontScale="90000"/>
+          </a:bodyPr>
+          <a:lstStyle/>
+          <a:p>
+            <a:pPr algn="l"/>
+            <a:r>
+              <a:rPr lang="en-GB" sz="4800" b="1" dirty="0">
+                <a:solidFill>
+                  <a:srgbClr val="F3BE60"/>
+                </a:solidFill>
+                <a:latin typeface="Source Sans Pro" panose="020B0604020202020204" pitchFamily="34" charset="0"/>
+              </a:rPr>
+              <a:t>Commit the change</a:t>
+            </a:r>
+          </a:p>
+        </p:txBody>
+      </p:sp>
+      <p:sp>
+        <p:nvSpPr>
+          <p:cNvPr id="8" name="Title 1">
+            <a:extLst>
+              <a:ext uri="{FF2B5EF4-FFF2-40B4-BE49-F238E27FC236}">
+                <a16:creationId xmlns:a16="http://schemas.microsoft.com/office/drawing/2014/main" id="{8776499A-722F-4995-A1B0-F061C9C49EC0}"/>
+              </a:ext>
+            </a:extLst>
+          </p:cNvPr>
+          <p:cNvSpPr txBox="1">
+            <a:spLocks/>
+          </p:cNvSpPr>
+          <p:nvPr/>
+        </p:nvSpPr>
+        <p:spPr>
+          <a:xfrm>
+            <a:off x="1524000" y="2411421"/>
+            <a:ext cx="9577597" cy="883066"/>
+          </a:xfrm>
+          <a:prstGeom prst="rect">
+            <a:avLst/>
+          </a:prstGeom>
+        </p:spPr>
+        <p:txBody>
+          <a:bodyPr vert="horz" lIns="91440" tIns="45720" rIns="91440" bIns="45720" rtlCol="0" anchor="b">
+            <a:normAutofit fontScale="97500"/>
+          </a:bodyPr>
+          <a:lstStyle>
+            <a:lvl1pPr algn="ctr" defTabSz="914400" rtl="0" eaLnBrk="1" latinLnBrk="0" hangingPunct="1">
+              <a:lnSpc>
+                <a:spcPct val="90000"/>
+              </a:lnSpc>
+              <a:spcBef>
+                <a:spcPct val="0"/>
+              </a:spcBef>
+              <a:buNone/>
+              <a:defRPr sz="6000" kern="1200">
+                <a:solidFill>
+                  <a:schemeClr val="tx1"/>
+                </a:solidFill>
+                <a:latin typeface="+mj-lt"/>
+                <a:ea typeface="+mj-ea"/>
+                <a:cs typeface="+mj-cs"/>
+              </a:defRPr>
+            </a:lvl1pPr>
+          </a:lstStyle>
+          <a:p>
+            <a:pPr algn="l"/>
+            <a:r>
+              <a:rPr lang="en-US" sz="2400" dirty="0">
+                <a:solidFill>
+                  <a:srgbClr val="002060"/>
+                </a:solidFill>
+                <a:latin typeface="Source Sans Pro" panose="020B0604020202020204" pitchFamily="34" charset="0"/>
+              </a:rPr>
+              <a:t>Commiting is recording the changes to the permanent record of the repository</a:t>
+            </a:r>
+          </a:p>
+        </p:txBody>
+      </p:sp>
+    </p:spTree>
+    <p:extLst>
+      <p:ext uri="{BB962C8B-B14F-4D97-AF65-F5344CB8AC3E}">
+        <p14:creationId xmlns:p14="http://schemas.microsoft.com/office/powerpoint/2010/main" val="758108902"/>
+      </p:ext>
+    </p:extLst>
+  </p:cSld>
+  <p:clrMapOvr>
+    <a:masterClrMapping/>
+  </p:clrMapOvr>
+</p:sld>
+</file>
+
+<file path=ppt/slides/slide29.xml><?xml version="1.0" encoding="utf-8"?>
+<p:sld xmlns:a="http://schemas.openxmlformats.org/drawingml/2006/main" xmlns:r="http://schemas.openxmlformats.org/officeDocument/2006/relationships" xmlns:p="http://schemas.openxmlformats.org/presentationml/2006/main">
+  <p:cSld>
+    <p:bg>
+      <p:bgPr>
+        <a:blipFill dpi="0" rotWithShape="1">
+          <a:blip r:embed="rId2">
+            <a:lum/>
+          </a:blip>
+          <a:srcRect/>
+          <a:stretch>
+            <a:fillRect/>
+          </a:stretch>
+        </a:blipFill>
+        <a:effectLst/>
+      </p:bgPr>
+    </p:bg>
+    <p:spTree>
+      <p:nvGrpSpPr>
+        <p:cNvPr id="1" name=""/>
+        <p:cNvGrpSpPr/>
+        <p:nvPr/>
+      </p:nvGrpSpPr>
+      <p:grpSpPr>
+        <a:xfrm>
+          <a:off x="0" y="0"/>
+          <a:ext cx="0" cy="0"/>
+          <a:chOff x="0" y="0"/>
+          <a:chExt cx="0" cy="0"/>
+        </a:xfrm>
+      </p:grpSpPr>
+      <p:pic>
+        <p:nvPicPr>
+          <p:cNvPr id="5" name="Picture 4">
+            <a:extLst>
+              <a:ext uri="{FF2B5EF4-FFF2-40B4-BE49-F238E27FC236}">
+                <a16:creationId xmlns:a16="http://schemas.microsoft.com/office/drawing/2014/main" id="{6B43DD41-0F21-4B91-B777-A89F8D2DF255}"/>
+              </a:ext>
+            </a:extLst>
+          </p:cNvPr>
+          <p:cNvPicPr>
+            <a:picLocks noChangeAspect="1"/>
+          </p:cNvPicPr>
+          <p:nvPr/>
+        </p:nvPicPr>
+        <p:blipFill>
+          <a:blip r:embed="rId3">
+            <a:extLst>
+              <a:ext uri="{28A0092B-C50C-407E-A947-70E740481C1C}">
+                <a14:useLocalDpi xmlns:a14="http://schemas.microsoft.com/office/drawing/2010/main" val="0"/>
+              </a:ext>
+            </a:extLst>
+          </a:blip>
+          <a:stretch>
+            <a:fillRect/>
+          </a:stretch>
+        </p:blipFill>
+        <p:spPr>
+          <a:xfrm>
+            <a:off x="272336" y="197666"/>
+            <a:ext cx="1251664" cy="1402534"/>
+          </a:xfrm>
+          <a:prstGeom prst="rect">
+            <a:avLst/>
+          </a:prstGeom>
+        </p:spPr>
+      </p:pic>
+      <p:sp>
+        <p:nvSpPr>
+          <p:cNvPr id="6" name="Title 3">
+            <a:extLst>
+              <a:ext uri="{FF2B5EF4-FFF2-40B4-BE49-F238E27FC236}">
+                <a16:creationId xmlns:a16="http://schemas.microsoft.com/office/drawing/2014/main" id="{6AF371E5-6025-4DD6-B3D9-1EA1AF6B36AB}"/>
+              </a:ext>
+            </a:extLst>
+          </p:cNvPr>
+          <p:cNvSpPr>
+            <a:spLocks noGrp="1"/>
+          </p:cNvSpPr>
+          <p:nvPr/>
+        </p:nvSpPr>
+        <p:spPr>
+          <a:xfrm>
+            <a:off x="1524000" y="489420"/>
+            <a:ext cx="10040471" cy="1110780"/>
+          </a:xfrm>
+          <a:prstGeom prst="rect">
+            <a:avLst/>
+          </a:prstGeom>
+        </p:spPr>
+        <p:txBody>
+          <a:bodyPr vert="horz" lIns="108000" tIns="36000" rIns="108000" bIns="36000" rtlCol="0" anchor="ctr" anchorCtr="0">
+            <a:normAutofit/>
+          </a:bodyPr>
+          <a:lstStyle>
+            <a:lvl1pPr algn="l" defTabSz="1218987" rtl="0" eaLnBrk="1" latinLnBrk="0" hangingPunct="1">
+              <a:lnSpc>
+                <a:spcPct val="90000"/>
+              </a:lnSpc>
+              <a:spcBef>
+                <a:spcPct val="0"/>
+              </a:spcBef>
+              <a:buNone/>
+              <a:defRPr sz="4000" b="1" kern="1200">
+                <a:solidFill>
+                  <a:srgbClr val="F3BE60"/>
+                </a:solidFill>
+                <a:effectLst/>
+                <a:latin typeface="+mj-lt"/>
+                <a:ea typeface="+mj-ea"/>
+                <a:cs typeface="+mj-cs"/>
+              </a:defRPr>
+            </a:lvl1pPr>
+          </a:lstStyle>
+          <a:p>
+            <a:r>
+              <a:rPr lang="en-US" dirty="0">
+                <a:solidFill>
+                  <a:srgbClr val="002060"/>
+                </a:solidFill>
+                <a:latin typeface="Source Sans Pro" panose="020B0503030403020204" pitchFamily="34" charset="0"/>
+                <a:ea typeface="Source Sans Pro" panose="020B0503030403020204" pitchFamily="34" charset="0"/>
+              </a:rPr>
+              <a:t>Part 6 - Git Workflow - Task 4</a:t>
+            </a:r>
+          </a:p>
+        </p:txBody>
+      </p:sp>
+      <p:sp>
+        <p:nvSpPr>
+          <p:cNvPr id="7" name="Title 1">
+            <a:extLst>
+              <a:ext uri="{FF2B5EF4-FFF2-40B4-BE49-F238E27FC236}">
+                <a16:creationId xmlns:a16="http://schemas.microsoft.com/office/drawing/2014/main" id="{2591AE5E-B75A-4B5E-8C98-54FDCCE81365}"/>
+              </a:ext>
+            </a:extLst>
+          </p:cNvPr>
+          <p:cNvSpPr>
+            <a:spLocks noGrp="1"/>
+          </p:cNvSpPr>
+          <p:nvPr>
+            <p:ph type="ctrTitle"/>
+          </p:nvPr>
+        </p:nvSpPr>
+        <p:spPr>
+          <a:xfrm>
+            <a:off x="1524000" y="1517677"/>
+            <a:ext cx="9577597" cy="748553"/>
+          </a:xfrm>
+        </p:spPr>
+        <p:txBody>
+          <a:bodyPr>
+            <a:normAutofit fontScale="90000"/>
+          </a:bodyPr>
+          <a:lstStyle/>
+          <a:p>
+            <a:pPr algn="l"/>
+            <a:r>
+              <a:rPr lang="en-GB" sz="4800" b="1" dirty="0">
+                <a:solidFill>
+                  <a:srgbClr val="F3BE60"/>
+                </a:solidFill>
+                <a:latin typeface="Source Sans Pro" panose="020B0604020202020204" pitchFamily="34" charset="0"/>
+              </a:rPr>
+              <a:t>Push changes</a:t>
+            </a:r>
+          </a:p>
+        </p:txBody>
+      </p:sp>
+      <p:sp>
+        <p:nvSpPr>
+          <p:cNvPr id="8" name="Title 1">
+            <a:extLst>
+              <a:ext uri="{FF2B5EF4-FFF2-40B4-BE49-F238E27FC236}">
+                <a16:creationId xmlns:a16="http://schemas.microsoft.com/office/drawing/2014/main" id="{8776499A-722F-4995-A1B0-F061C9C49EC0}"/>
+              </a:ext>
+            </a:extLst>
+          </p:cNvPr>
+          <p:cNvSpPr txBox="1">
+            <a:spLocks/>
+          </p:cNvSpPr>
+          <p:nvPr/>
+        </p:nvSpPr>
+        <p:spPr>
+          <a:xfrm>
+            <a:off x="1523999" y="2266230"/>
+            <a:ext cx="9577597" cy="883066"/>
+          </a:xfrm>
+          <a:prstGeom prst="rect">
+            <a:avLst/>
+          </a:prstGeom>
+        </p:spPr>
+        <p:txBody>
+          <a:bodyPr vert="horz" lIns="91440" tIns="45720" rIns="91440" bIns="45720" rtlCol="0" anchor="b">
+            <a:normAutofit fontScale="97500"/>
+          </a:bodyPr>
+          <a:lstStyle>
+            <a:lvl1pPr algn="ctr" defTabSz="914400" rtl="0" eaLnBrk="1" latinLnBrk="0" hangingPunct="1">
+              <a:lnSpc>
+                <a:spcPct val="90000"/>
+              </a:lnSpc>
+              <a:spcBef>
+                <a:spcPct val="0"/>
+              </a:spcBef>
+              <a:buNone/>
+              <a:defRPr sz="6000" kern="1200">
+                <a:solidFill>
+                  <a:schemeClr val="tx1"/>
+                </a:solidFill>
+                <a:latin typeface="+mj-lt"/>
+                <a:ea typeface="+mj-ea"/>
+                <a:cs typeface="+mj-cs"/>
+              </a:defRPr>
+            </a:lvl1pPr>
+          </a:lstStyle>
+          <a:p>
+            <a:pPr algn="l"/>
+            <a:r>
+              <a:rPr lang="en-US" sz="2400" dirty="0">
+                <a:solidFill>
+                  <a:srgbClr val="002060"/>
+                </a:solidFill>
+                <a:latin typeface="Source Sans Pro" panose="020B0604020202020204" pitchFamily="34" charset="0"/>
+              </a:rPr>
+              <a:t>Pushing the changes from your local repository to the one on GitHub</a:t>
+            </a:r>
+          </a:p>
+        </p:txBody>
+      </p:sp>
+    </p:spTree>
+    <p:extLst>
+      <p:ext uri="{BB962C8B-B14F-4D97-AF65-F5344CB8AC3E}">
+        <p14:creationId xmlns:p14="http://schemas.microsoft.com/office/powerpoint/2010/main" val="4124967815"/>
       </p:ext>
     </p:extLst>
   </p:cSld>
@@ -3840,6 +8009,1623 @@
     <p:extLst>
       <p:ext uri="{BB962C8B-B14F-4D97-AF65-F5344CB8AC3E}">
         <p14:creationId xmlns:p14="http://schemas.microsoft.com/office/powerpoint/2010/main" val="2520198432"/>
+      </p:ext>
+    </p:extLst>
+  </p:cSld>
+  <p:clrMapOvr>
+    <a:masterClrMapping/>
+  </p:clrMapOvr>
+</p:sld>
+</file>
+
+<file path=ppt/slides/slide30.xml><?xml version="1.0" encoding="utf-8"?>
+<p:sld xmlns:a="http://schemas.openxmlformats.org/drawingml/2006/main" xmlns:r="http://schemas.openxmlformats.org/officeDocument/2006/relationships" xmlns:p="http://schemas.openxmlformats.org/presentationml/2006/main">
+  <p:cSld>
+    <p:bg>
+      <p:bgPr>
+        <a:blipFill dpi="0" rotWithShape="1">
+          <a:blip r:embed="rId2">
+            <a:lum/>
+          </a:blip>
+          <a:srcRect/>
+          <a:stretch>
+            <a:fillRect/>
+          </a:stretch>
+        </a:blipFill>
+        <a:effectLst/>
+      </p:bgPr>
+    </p:bg>
+    <p:spTree>
+      <p:nvGrpSpPr>
+        <p:cNvPr id="1" name=""/>
+        <p:cNvGrpSpPr/>
+        <p:nvPr/>
+      </p:nvGrpSpPr>
+      <p:grpSpPr>
+        <a:xfrm>
+          <a:off x="0" y="0"/>
+          <a:ext cx="0" cy="0"/>
+          <a:chOff x="0" y="0"/>
+          <a:chExt cx="0" cy="0"/>
+        </a:xfrm>
+      </p:grpSpPr>
+      <p:pic>
+        <p:nvPicPr>
+          <p:cNvPr id="5" name="Picture 4">
+            <a:extLst>
+              <a:ext uri="{FF2B5EF4-FFF2-40B4-BE49-F238E27FC236}">
+                <a16:creationId xmlns:a16="http://schemas.microsoft.com/office/drawing/2014/main" id="{6B43DD41-0F21-4B91-B777-A89F8D2DF255}"/>
+              </a:ext>
+            </a:extLst>
+          </p:cNvPr>
+          <p:cNvPicPr>
+            <a:picLocks noChangeAspect="1"/>
+          </p:cNvPicPr>
+          <p:nvPr/>
+        </p:nvPicPr>
+        <p:blipFill>
+          <a:blip r:embed="rId3">
+            <a:extLst>
+              <a:ext uri="{28A0092B-C50C-407E-A947-70E740481C1C}">
+                <a14:useLocalDpi xmlns:a14="http://schemas.microsoft.com/office/drawing/2010/main" val="0"/>
+              </a:ext>
+            </a:extLst>
+          </a:blip>
+          <a:stretch>
+            <a:fillRect/>
+          </a:stretch>
+        </p:blipFill>
+        <p:spPr>
+          <a:xfrm>
+            <a:off x="272336" y="197666"/>
+            <a:ext cx="1251664" cy="1402534"/>
+          </a:xfrm>
+          <a:prstGeom prst="rect">
+            <a:avLst/>
+          </a:prstGeom>
+        </p:spPr>
+      </p:pic>
+      <p:sp>
+        <p:nvSpPr>
+          <p:cNvPr id="6" name="Title 3">
+            <a:extLst>
+              <a:ext uri="{FF2B5EF4-FFF2-40B4-BE49-F238E27FC236}">
+                <a16:creationId xmlns:a16="http://schemas.microsoft.com/office/drawing/2014/main" id="{6AF371E5-6025-4DD6-B3D9-1EA1AF6B36AB}"/>
+              </a:ext>
+            </a:extLst>
+          </p:cNvPr>
+          <p:cNvSpPr>
+            <a:spLocks noGrp="1"/>
+          </p:cNvSpPr>
+          <p:nvPr/>
+        </p:nvSpPr>
+        <p:spPr>
+          <a:xfrm>
+            <a:off x="1524000" y="489420"/>
+            <a:ext cx="10040471" cy="1110780"/>
+          </a:xfrm>
+          <a:prstGeom prst="rect">
+            <a:avLst/>
+          </a:prstGeom>
+        </p:spPr>
+        <p:txBody>
+          <a:bodyPr vert="horz" lIns="108000" tIns="36000" rIns="108000" bIns="36000" rtlCol="0" anchor="ctr" anchorCtr="0">
+            <a:normAutofit/>
+          </a:bodyPr>
+          <a:lstStyle>
+            <a:lvl1pPr algn="l" defTabSz="1218987" rtl="0" eaLnBrk="1" latinLnBrk="0" hangingPunct="1">
+              <a:lnSpc>
+                <a:spcPct val="90000"/>
+              </a:lnSpc>
+              <a:spcBef>
+                <a:spcPct val="0"/>
+              </a:spcBef>
+              <a:buNone/>
+              <a:defRPr sz="4000" b="1" kern="1200">
+                <a:solidFill>
+                  <a:srgbClr val="F3BE60"/>
+                </a:solidFill>
+                <a:effectLst/>
+                <a:latin typeface="+mj-lt"/>
+                <a:ea typeface="+mj-ea"/>
+                <a:cs typeface="+mj-cs"/>
+              </a:defRPr>
+            </a:lvl1pPr>
+          </a:lstStyle>
+          <a:p>
+            <a:r>
+              <a:rPr lang="en-US" dirty="0">
+                <a:solidFill>
+                  <a:srgbClr val="002060"/>
+                </a:solidFill>
+                <a:latin typeface="Source Sans Pro" panose="020B0503030403020204" pitchFamily="34" charset="0"/>
+                <a:ea typeface="Source Sans Pro" panose="020B0503030403020204" pitchFamily="34" charset="0"/>
+              </a:rPr>
+              <a:t>Part 6 - Git Workflow - Task 5</a:t>
+            </a:r>
+          </a:p>
+        </p:txBody>
+      </p:sp>
+      <p:sp>
+        <p:nvSpPr>
+          <p:cNvPr id="7" name="Title 1">
+            <a:extLst>
+              <a:ext uri="{FF2B5EF4-FFF2-40B4-BE49-F238E27FC236}">
+                <a16:creationId xmlns:a16="http://schemas.microsoft.com/office/drawing/2014/main" id="{2591AE5E-B75A-4B5E-8C98-54FDCCE81365}"/>
+              </a:ext>
+            </a:extLst>
+          </p:cNvPr>
+          <p:cNvSpPr>
+            <a:spLocks noGrp="1"/>
+          </p:cNvSpPr>
+          <p:nvPr>
+            <p:ph type="ctrTitle"/>
+          </p:nvPr>
+        </p:nvSpPr>
+        <p:spPr>
+          <a:xfrm>
+            <a:off x="1524000" y="1517677"/>
+            <a:ext cx="9577597" cy="748553"/>
+          </a:xfrm>
+        </p:spPr>
+        <p:txBody>
+          <a:bodyPr>
+            <a:normAutofit fontScale="90000"/>
+          </a:bodyPr>
+          <a:lstStyle/>
+          <a:p>
+            <a:pPr algn="l"/>
+            <a:r>
+              <a:rPr lang="en-GB" sz="4800" b="1" dirty="0">
+                <a:solidFill>
+                  <a:srgbClr val="F3BE60"/>
+                </a:solidFill>
+                <a:latin typeface="Source Sans Pro" panose="020B0604020202020204" pitchFamily="34" charset="0"/>
+              </a:rPr>
+              <a:t>Start from Task 1</a:t>
+            </a:r>
+          </a:p>
+        </p:txBody>
+      </p:sp>
+      <p:sp>
+        <p:nvSpPr>
+          <p:cNvPr id="8" name="Title 1">
+            <a:extLst>
+              <a:ext uri="{FF2B5EF4-FFF2-40B4-BE49-F238E27FC236}">
+                <a16:creationId xmlns:a16="http://schemas.microsoft.com/office/drawing/2014/main" id="{8776499A-722F-4995-A1B0-F061C9C49EC0}"/>
+              </a:ext>
+            </a:extLst>
+          </p:cNvPr>
+          <p:cNvSpPr txBox="1">
+            <a:spLocks/>
+          </p:cNvSpPr>
+          <p:nvPr/>
+        </p:nvSpPr>
+        <p:spPr>
+          <a:xfrm>
+            <a:off x="1523999" y="2628456"/>
+            <a:ext cx="9577597" cy="520839"/>
+          </a:xfrm>
+          <a:prstGeom prst="rect">
+            <a:avLst/>
+          </a:prstGeom>
+        </p:spPr>
+        <p:txBody>
+          <a:bodyPr vert="horz" lIns="91440" tIns="45720" rIns="91440" bIns="45720" rtlCol="0" anchor="b">
+            <a:normAutofit fontScale="97500"/>
+          </a:bodyPr>
+          <a:lstStyle>
+            <a:lvl1pPr algn="ctr" defTabSz="914400" rtl="0" eaLnBrk="1" latinLnBrk="0" hangingPunct="1">
+              <a:lnSpc>
+                <a:spcPct val="90000"/>
+              </a:lnSpc>
+              <a:spcBef>
+                <a:spcPct val="0"/>
+              </a:spcBef>
+              <a:buNone/>
+              <a:defRPr sz="6000" kern="1200">
+                <a:solidFill>
+                  <a:schemeClr val="tx1"/>
+                </a:solidFill>
+                <a:latin typeface="+mj-lt"/>
+                <a:ea typeface="+mj-ea"/>
+                <a:cs typeface="+mj-cs"/>
+              </a:defRPr>
+            </a:lvl1pPr>
+          </a:lstStyle>
+          <a:p>
+            <a:pPr algn="l"/>
+            <a:r>
+              <a:rPr lang="en-US" sz="2400" dirty="0">
+                <a:solidFill>
+                  <a:srgbClr val="002060"/>
+                </a:solidFill>
+                <a:latin typeface="Source Sans Pro" panose="020B0604020202020204" pitchFamily="34" charset="0"/>
+              </a:rPr>
+              <a:t>Go make the best website you can!</a:t>
+            </a:r>
+          </a:p>
+        </p:txBody>
+      </p:sp>
+    </p:spTree>
+    <p:extLst>
+      <p:ext uri="{BB962C8B-B14F-4D97-AF65-F5344CB8AC3E}">
+        <p14:creationId xmlns:p14="http://schemas.microsoft.com/office/powerpoint/2010/main" val="2127610186"/>
+      </p:ext>
+    </p:extLst>
+  </p:cSld>
+  <p:clrMapOvr>
+    <a:masterClrMapping/>
+  </p:clrMapOvr>
+</p:sld>
+</file>
+
+<file path=ppt/slides/slide31.xml><?xml version="1.0" encoding="utf-8"?>
+<p:sld xmlns:a="http://schemas.openxmlformats.org/drawingml/2006/main" xmlns:r="http://schemas.openxmlformats.org/officeDocument/2006/relationships" xmlns:p="http://schemas.openxmlformats.org/presentationml/2006/main">
+  <p:cSld>
+    <p:bg>
+      <p:bgPr>
+        <a:blipFill dpi="0" rotWithShape="1">
+          <a:blip r:embed="rId2">
+            <a:lum/>
+          </a:blip>
+          <a:srcRect/>
+          <a:stretch>
+            <a:fillRect/>
+          </a:stretch>
+        </a:blipFill>
+        <a:effectLst/>
+      </p:bgPr>
+    </p:bg>
+    <p:spTree>
+      <p:nvGrpSpPr>
+        <p:cNvPr id="1" name=""/>
+        <p:cNvGrpSpPr/>
+        <p:nvPr/>
+      </p:nvGrpSpPr>
+      <p:grpSpPr>
+        <a:xfrm>
+          <a:off x="0" y="0"/>
+          <a:ext cx="0" cy="0"/>
+          <a:chOff x="0" y="0"/>
+          <a:chExt cx="0" cy="0"/>
+        </a:xfrm>
+      </p:grpSpPr>
+      <p:pic>
+        <p:nvPicPr>
+          <p:cNvPr id="5" name="Picture 4">
+            <a:extLst>
+              <a:ext uri="{FF2B5EF4-FFF2-40B4-BE49-F238E27FC236}">
+                <a16:creationId xmlns:a16="http://schemas.microsoft.com/office/drawing/2014/main" id="{6B43DD41-0F21-4B91-B777-A89F8D2DF255}"/>
+              </a:ext>
+            </a:extLst>
+          </p:cNvPr>
+          <p:cNvPicPr>
+            <a:picLocks noChangeAspect="1"/>
+          </p:cNvPicPr>
+          <p:nvPr/>
+        </p:nvPicPr>
+        <p:blipFill>
+          <a:blip r:embed="rId3">
+            <a:extLst>
+              <a:ext uri="{28A0092B-C50C-407E-A947-70E740481C1C}">
+                <a14:useLocalDpi xmlns:a14="http://schemas.microsoft.com/office/drawing/2010/main" val="0"/>
+              </a:ext>
+            </a:extLst>
+          </a:blip>
+          <a:stretch>
+            <a:fillRect/>
+          </a:stretch>
+        </p:blipFill>
+        <p:spPr>
+          <a:xfrm>
+            <a:off x="272336" y="197666"/>
+            <a:ext cx="1251664" cy="1402534"/>
+          </a:xfrm>
+          <a:prstGeom prst="rect">
+            <a:avLst/>
+          </a:prstGeom>
+        </p:spPr>
+      </p:pic>
+      <p:sp>
+        <p:nvSpPr>
+          <p:cNvPr id="6" name="Title 3">
+            <a:extLst>
+              <a:ext uri="{FF2B5EF4-FFF2-40B4-BE49-F238E27FC236}">
+                <a16:creationId xmlns:a16="http://schemas.microsoft.com/office/drawing/2014/main" id="{6AF371E5-6025-4DD6-B3D9-1EA1AF6B36AB}"/>
+              </a:ext>
+            </a:extLst>
+          </p:cNvPr>
+          <p:cNvSpPr>
+            <a:spLocks noGrp="1"/>
+          </p:cNvSpPr>
+          <p:nvPr/>
+        </p:nvSpPr>
+        <p:spPr>
+          <a:xfrm>
+            <a:off x="1524000" y="489420"/>
+            <a:ext cx="10040471" cy="1110780"/>
+          </a:xfrm>
+          <a:prstGeom prst="rect">
+            <a:avLst/>
+          </a:prstGeom>
+        </p:spPr>
+        <p:txBody>
+          <a:bodyPr vert="horz" lIns="108000" tIns="36000" rIns="108000" bIns="36000" rtlCol="0" anchor="ctr" anchorCtr="0">
+            <a:normAutofit/>
+          </a:bodyPr>
+          <a:lstStyle>
+            <a:lvl1pPr algn="l" defTabSz="1218987" rtl="0" eaLnBrk="1" latinLnBrk="0" hangingPunct="1">
+              <a:lnSpc>
+                <a:spcPct val="90000"/>
+              </a:lnSpc>
+              <a:spcBef>
+                <a:spcPct val="0"/>
+              </a:spcBef>
+              <a:buNone/>
+              <a:defRPr sz="4000" b="1" kern="1200">
+                <a:solidFill>
+                  <a:srgbClr val="F3BE60"/>
+                </a:solidFill>
+                <a:effectLst/>
+                <a:latin typeface="+mj-lt"/>
+                <a:ea typeface="+mj-ea"/>
+                <a:cs typeface="+mj-cs"/>
+              </a:defRPr>
+            </a:lvl1pPr>
+          </a:lstStyle>
+          <a:p>
+            <a:r>
+              <a:rPr lang="en-US" dirty="0">
+                <a:latin typeface="Source Sans Pro" panose="020B0503030403020204" pitchFamily="34" charset="0"/>
+                <a:ea typeface="Source Sans Pro" panose="020B0503030403020204" pitchFamily="34" charset="0"/>
+              </a:rPr>
+              <a:t>Tools</a:t>
+            </a:r>
+            <a:endParaRPr lang="en-US" dirty="0">
+              <a:solidFill>
+                <a:srgbClr val="002060"/>
+              </a:solidFill>
+              <a:latin typeface="Source Sans Pro" panose="020B0503030403020204" pitchFamily="34" charset="0"/>
+              <a:ea typeface="Source Sans Pro" panose="020B0503030403020204" pitchFamily="34" charset="0"/>
+            </a:endParaRPr>
+          </a:p>
+        </p:txBody>
+      </p:sp>
+      <p:sp>
+        <p:nvSpPr>
+          <p:cNvPr id="9" name="Content Placeholder 4">
+            <a:extLst>
+              <a:ext uri="{FF2B5EF4-FFF2-40B4-BE49-F238E27FC236}">
+                <a16:creationId xmlns:a16="http://schemas.microsoft.com/office/drawing/2014/main" id="{B6C27FC4-82C8-4925-9BDD-7219055F9256}"/>
+              </a:ext>
+            </a:extLst>
+          </p:cNvPr>
+          <p:cNvSpPr>
+            <a:spLocks noGrp="1"/>
+          </p:cNvSpPr>
+          <p:nvPr/>
+        </p:nvSpPr>
+        <p:spPr>
+          <a:xfrm>
+            <a:off x="1523999" y="1600200"/>
+            <a:ext cx="10058401" cy="4613978"/>
+          </a:xfrm>
+          <a:prstGeom prst="rect">
+            <a:avLst/>
+          </a:prstGeom>
+        </p:spPr>
+        <p:txBody>
+          <a:bodyPr vert="horz" lIns="108000" tIns="36000" rIns="108000" bIns="36000" rtlCol="0">
+            <a:normAutofit/>
+          </a:bodyPr>
+          <a:lstStyle>
+            <a:lvl1pPr marL="304747" indent="-304747" algn="l" defTabSz="1218987" rtl="0" eaLnBrk="1" latinLnBrk="0" hangingPunct="1">
+              <a:lnSpc>
+                <a:spcPct val="105000"/>
+              </a:lnSpc>
+              <a:spcBef>
+                <a:spcPts val="600"/>
+              </a:spcBef>
+              <a:spcAft>
+                <a:spcPts val="600"/>
+              </a:spcAft>
+              <a:buClr>
+                <a:srgbClr val="F2B254"/>
+              </a:buClr>
+              <a:buSzPct val="100000"/>
+              <a:buFont typeface="Wingdings" panose="05000000000000000000" pitchFamily="2" charset="2"/>
+              <a:buChar char="§"/>
+              <a:defRPr sz="3400" b="0" kern="1200">
+                <a:solidFill>
+                  <a:schemeClr val="tx1"/>
+                </a:solidFill>
+                <a:latin typeface="+mn-lt"/>
+                <a:ea typeface="+mn-ea"/>
+                <a:cs typeface="+mn-cs"/>
+              </a:defRPr>
+            </a:lvl1pPr>
+            <a:lvl2pPr marL="609493" indent="-231606" algn="l" defTabSz="1218987" rtl="0" eaLnBrk="1" latinLnBrk="0" hangingPunct="1">
+              <a:lnSpc>
+                <a:spcPct val="105000"/>
+              </a:lnSpc>
+              <a:spcBef>
+                <a:spcPts val="600"/>
+              </a:spcBef>
+              <a:spcAft>
+                <a:spcPts val="600"/>
+              </a:spcAft>
+              <a:buClr>
+                <a:schemeClr val="accent1"/>
+              </a:buClr>
+              <a:buSzPct val="80000"/>
+              <a:buFont typeface="Wingdings" panose="05000000000000000000" pitchFamily="2" charset="2"/>
+              <a:buChar char="§"/>
+              <a:defRPr sz="3200" b="0" kern="1200">
+                <a:solidFill>
+                  <a:schemeClr val="tx1"/>
+                </a:solidFill>
+                <a:latin typeface="+mn-lt"/>
+                <a:ea typeface="+mn-ea"/>
+                <a:cs typeface="+mn-cs"/>
+              </a:defRPr>
+            </a:lvl2pPr>
+            <a:lvl3pPr marL="914240" indent="-231606" algn="l" defTabSz="1218987" rtl="0" eaLnBrk="1" latinLnBrk="0" hangingPunct="1">
+              <a:lnSpc>
+                <a:spcPct val="105000"/>
+              </a:lnSpc>
+              <a:spcBef>
+                <a:spcPts val="600"/>
+              </a:spcBef>
+              <a:spcAft>
+                <a:spcPts val="600"/>
+              </a:spcAft>
+              <a:buClr>
+                <a:srgbClr val="EF9A1D"/>
+              </a:buClr>
+              <a:buSzPct val="80000"/>
+              <a:buFont typeface="Wingdings" panose="05000000000000000000" pitchFamily="2" charset="2"/>
+              <a:buChar char="§"/>
+              <a:defRPr sz="3000" b="0" kern="1200">
+                <a:solidFill>
+                  <a:schemeClr val="tx1"/>
+                </a:solidFill>
+                <a:latin typeface="+mn-lt"/>
+                <a:ea typeface="+mn-ea"/>
+                <a:cs typeface="+mn-cs"/>
+              </a:defRPr>
+            </a:lvl3pPr>
+            <a:lvl4pPr marL="1218987" indent="-231606" algn="l" defTabSz="1218987" rtl="0" eaLnBrk="1" latinLnBrk="0" hangingPunct="1">
+              <a:lnSpc>
+                <a:spcPct val="105000"/>
+              </a:lnSpc>
+              <a:spcBef>
+                <a:spcPts val="600"/>
+              </a:spcBef>
+              <a:spcAft>
+                <a:spcPts val="600"/>
+              </a:spcAft>
+              <a:buClr>
+                <a:srgbClr val="ED9411"/>
+              </a:buClr>
+              <a:buSzPct val="80000"/>
+              <a:buFont typeface="Wingdings" panose="05000000000000000000" pitchFamily="2" charset="2"/>
+              <a:buChar char="§"/>
+              <a:defRPr sz="2800" b="0" kern="1200">
+                <a:solidFill>
+                  <a:schemeClr val="tx1"/>
+                </a:solidFill>
+                <a:latin typeface="+mn-lt"/>
+                <a:ea typeface="+mn-ea"/>
+                <a:cs typeface="+mn-cs"/>
+              </a:defRPr>
+            </a:lvl4pPr>
+            <a:lvl5pPr marL="1523733" indent="-231606" algn="l" defTabSz="1218987" rtl="0" eaLnBrk="1" latinLnBrk="0" hangingPunct="1">
+              <a:lnSpc>
+                <a:spcPct val="105000"/>
+              </a:lnSpc>
+              <a:spcBef>
+                <a:spcPts val="600"/>
+              </a:spcBef>
+              <a:spcAft>
+                <a:spcPts val="600"/>
+              </a:spcAft>
+              <a:buClr>
+                <a:srgbClr val="E28D10"/>
+              </a:buClr>
+              <a:buSzPct val="80000"/>
+              <a:buFont typeface="Wingdings" panose="05000000000000000000" pitchFamily="2" charset="2"/>
+              <a:buChar char="§"/>
+              <a:defRPr sz="2600" b="0" kern="1200">
+                <a:solidFill>
+                  <a:schemeClr val="tx1"/>
+                </a:solidFill>
+                <a:latin typeface="+mn-lt"/>
+                <a:ea typeface="+mn-ea"/>
+                <a:cs typeface="+mn-cs"/>
+              </a:defRPr>
+            </a:lvl5pPr>
+            <a:lvl6pPr marL="1828480" indent="-231606" algn="l" defTabSz="1218987" rtl="0" eaLnBrk="1" latinLnBrk="0" hangingPunct="1">
+              <a:lnSpc>
+                <a:spcPct val="90000"/>
+              </a:lnSpc>
+              <a:spcBef>
+                <a:spcPts val="800"/>
+              </a:spcBef>
+              <a:buClr>
+                <a:schemeClr val="accent1"/>
+              </a:buClr>
+              <a:buSzPct val="80000"/>
+              <a:buFont typeface="Arial" pitchFamily="34" charset="0"/>
+              <a:buChar char="•"/>
+              <a:defRPr sz="2000" kern="1200">
+                <a:solidFill>
+                  <a:schemeClr val="tx1"/>
+                </a:solidFill>
+                <a:latin typeface="+mn-lt"/>
+                <a:ea typeface="+mn-ea"/>
+                <a:cs typeface="+mn-cs"/>
+              </a:defRPr>
+            </a:lvl6pPr>
+            <a:lvl7pPr marL="2133227" indent="-231606" algn="l" defTabSz="1218987" rtl="0" eaLnBrk="1" latinLnBrk="0" hangingPunct="1">
+              <a:lnSpc>
+                <a:spcPct val="90000"/>
+              </a:lnSpc>
+              <a:spcBef>
+                <a:spcPts val="800"/>
+              </a:spcBef>
+              <a:buClr>
+                <a:schemeClr val="accent1"/>
+              </a:buClr>
+              <a:buSzPct val="80000"/>
+              <a:buFont typeface="Arial" pitchFamily="34" charset="0"/>
+              <a:buChar char="•"/>
+              <a:defRPr sz="2000" kern="1200">
+                <a:solidFill>
+                  <a:schemeClr val="tx1"/>
+                </a:solidFill>
+                <a:latin typeface="+mn-lt"/>
+                <a:ea typeface="+mn-ea"/>
+                <a:cs typeface="+mn-cs"/>
+              </a:defRPr>
+            </a:lvl7pPr>
+            <a:lvl8pPr marL="2437972" indent="-231606" algn="l" defTabSz="1218987" rtl="0" eaLnBrk="1" latinLnBrk="0" hangingPunct="1">
+              <a:lnSpc>
+                <a:spcPct val="90000"/>
+              </a:lnSpc>
+              <a:spcBef>
+                <a:spcPts val="800"/>
+              </a:spcBef>
+              <a:buClr>
+                <a:schemeClr val="accent1"/>
+              </a:buClr>
+              <a:buSzPct val="80000"/>
+              <a:buFont typeface="Arial" pitchFamily="34" charset="0"/>
+              <a:buChar char="•"/>
+              <a:defRPr sz="2000" kern="1200" baseline="0">
+                <a:solidFill>
+                  <a:schemeClr val="tx1"/>
+                </a:solidFill>
+                <a:latin typeface="+mn-lt"/>
+                <a:ea typeface="+mn-ea"/>
+                <a:cs typeface="+mn-cs"/>
+              </a:defRPr>
+            </a:lvl8pPr>
+            <a:lvl9pPr marL="2742720" indent="-231606" algn="l" defTabSz="1218987" rtl="0" eaLnBrk="1" latinLnBrk="0" hangingPunct="1">
+              <a:lnSpc>
+                <a:spcPct val="90000"/>
+              </a:lnSpc>
+              <a:spcBef>
+                <a:spcPts val="800"/>
+              </a:spcBef>
+              <a:buClr>
+                <a:schemeClr val="accent1"/>
+              </a:buClr>
+              <a:buSzPct val="80000"/>
+              <a:buFont typeface="Arial" pitchFamily="34" charset="0"/>
+              <a:buChar char="•"/>
+              <a:defRPr sz="2000" kern="1200" baseline="0">
+                <a:solidFill>
+                  <a:schemeClr val="tx1"/>
+                </a:solidFill>
+                <a:latin typeface="+mn-lt"/>
+                <a:ea typeface="+mn-ea"/>
+                <a:cs typeface="+mn-cs"/>
+              </a:defRPr>
+            </a:lvl9pPr>
+          </a:lstStyle>
+          <a:p>
+            <a:r>
+              <a:rPr lang="en-US" sz="3200" b="1" dirty="0">
+                <a:solidFill>
+                  <a:srgbClr val="F3BE60"/>
+                </a:solidFill>
+                <a:latin typeface="Source Sans Pro" panose="020B0503030403020204" pitchFamily="34" charset="0"/>
+                <a:ea typeface="Source Sans Pro" panose="020B0503030403020204" pitchFamily="34" charset="0"/>
+                <a:hlinkClick r:id="rId4">
+                  <a:extLst>
+                    <a:ext uri="{A12FA001-AC4F-418D-AE19-62706E023703}">
+                      <ahyp:hlinkClr xmlns:ahyp="http://schemas.microsoft.com/office/drawing/2018/hyperlinkcolor" val="tx"/>
+                    </a:ext>
+                  </a:extLst>
+                </a:hlinkClick>
+              </a:rPr>
+              <a:t>https://jekyllrb.com/</a:t>
+            </a:r>
+            <a:endParaRPr lang="en-US" sz="3200" b="1" dirty="0">
+              <a:solidFill>
+                <a:srgbClr val="F3BE60"/>
+              </a:solidFill>
+              <a:latin typeface="Source Sans Pro" panose="020B0503030403020204" pitchFamily="34" charset="0"/>
+              <a:ea typeface="Source Sans Pro" panose="020B0503030403020204" pitchFamily="34" charset="0"/>
+            </a:endParaRPr>
+          </a:p>
+          <a:p>
+            <a:r>
+              <a:rPr lang="en-US" sz="3200" b="1" dirty="0">
+                <a:solidFill>
+                  <a:srgbClr val="F3BE60"/>
+                </a:solidFill>
+                <a:latin typeface="Source Sans Pro" panose="020B0503030403020204" pitchFamily="34" charset="0"/>
+                <a:ea typeface="Source Sans Pro" panose="020B0503030403020204" pitchFamily="34" charset="0"/>
+                <a:hlinkClick r:id="rId5">
+                  <a:extLst>
+                    <a:ext uri="{A12FA001-AC4F-418D-AE19-62706E023703}">
+                      <ahyp:hlinkClr xmlns:ahyp="http://schemas.microsoft.com/office/drawing/2018/hyperlinkcolor" val="tx"/>
+                    </a:ext>
+                  </a:extLst>
+                </a:hlinkClick>
+              </a:rPr>
+              <a:t>https://browsersync.io/</a:t>
+            </a:r>
+            <a:endParaRPr lang="en-US" sz="3200" b="1" dirty="0">
+              <a:solidFill>
+                <a:srgbClr val="F3BE60"/>
+              </a:solidFill>
+              <a:latin typeface="Source Sans Pro" panose="020B0503030403020204" pitchFamily="34" charset="0"/>
+              <a:ea typeface="Source Sans Pro" panose="020B0503030403020204" pitchFamily="34" charset="0"/>
+            </a:endParaRPr>
+          </a:p>
+          <a:p>
+            <a:r>
+              <a:rPr lang="en-US" sz="3200" b="1" dirty="0">
+                <a:solidFill>
+                  <a:srgbClr val="F3BE60"/>
+                </a:solidFill>
+                <a:latin typeface="Source Sans Pro" panose="020B0503030403020204" pitchFamily="34" charset="0"/>
+                <a:ea typeface="Source Sans Pro" panose="020B0503030403020204" pitchFamily="34" charset="0"/>
+                <a:hlinkClick r:id="rId6">
+                  <a:extLst>
+                    <a:ext uri="{A12FA001-AC4F-418D-AE19-62706E023703}">
+                      <ahyp:hlinkClr xmlns:ahyp="http://schemas.microsoft.com/office/drawing/2018/hyperlinkcolor" val="tx"/>
+                    </a:ext>
+                  </a:extLst>
+                </a:hlinkClick>
+              </a:rPr>
+              <a:t>https://gulpjs.com/</a:t>
+            </a:r>
+            <a:endParaRPr lang="en-US" sz="3200" b="1" dirty="0">
+              <a:solidFill>
+                <a:srgbClr val="F3BE60"/>
+              </a:solidFill>
+              <a:latin typeface="Source Sans Pro" panose="020B0503030403020204" pitchFamily="34" charset="0"/>
+              <a:ea typeface="Source Sans Pro" panose="020B0503030403020204" pitchFamily="34" charset="0"/>
+            </a:endParaRPr>
+          </a:p>
+          <a:p>
+            <a:endParaRPr lang="en-US" sz="2400" dirty="0">
+              <a:solidFill>
+                <a:schemeClr val="accent1">
+                  <a:lumMod val="50000"/>
+                </a:schemeClr>
+              </a:solidFill>
+              <a:latin typeface="Source Sans Pro" panose="020B0503030403020204" pitchFamily="34" charset="0"/>
+              <a:ea typeface="Source Sans Pro" panose="020B0503030403020204" pitchFamily="34" charset="0"/>
+            </a:endParaRPr>
+          </a:p>
+          <a:p>
+            <a:endParaRPr lang="en-US" sz="2400" dirty="0">
+              <a:solidFill>
+                <a:schemeClr val="accent1">
+                  <a:lumMod val="50000"/>
+                </a:schemeClr>
+              </a:solidFill>
+              <a:latin typeface="Source Sans Pro" panose="020B0503030403020204" pitchFamily="34" charset="0"/>
+              <a:ea typeface="Source Sans Pro" panose="020B0503030403020204" pitchFamily="34" charset="0"/>
+            </a:endParaRPr>
+          </a:p>
+        </p:txBody>
+      </p:sp>
+    </p:spTree>
+    <p:extLst>
+      <p:ext uri="{BB962C8B-B14F-4D97-AF65-F5344CB8AC3E}">
+        <p14:creationId xmlns:p14="http://schemas.microsoft.com/office/powerpoint/2010/main" val="435825293"/>
+      </p:ext>
+    </p:extLst>
+  </p:cSld>
+  <p:clrMapOvr>
+    <a:masterClrMapping/>
+  </p:clrMapOvr>
+</p:sld>
+</file>
+
+<file path=ppt/slides/slide32.xml><?xml version="1.0" encoding="utf-8"?>
+<p:sld xmlns:a="http://schemas.openxmlformats.org/drawingml/2006/main" xmlns:r="http://schemas.openxmlformats.org/officeDocument/2006/relationships" xmlns:p="http://schemas.openxmlformats.org/presentationml/2006/main">
+  <p:cSld>
+    <p:bg>
+      <p:bgPr>
+        <a:blipFill dpi="0" rotWithShape="1">
+          <a:blip r:embed="rId2">
+            <a:lum/>
+          </a:blip>
+          <a:srcRect/>
+          <a:stretch>
+            <a:fillRect/>
+          </a:stretch>
+        </a:blipFill>
+        <a:effectLst/>
+      </p:bgPr>
+    </p:bg>
+    <p:spTree>
+      <p:nvGrpSpPr>
+        <p:cNvPr id="1" name=""/>
+        <p:cNvGrpSpPr/>
+        <p:nvPr/>
+      </p:nvGrpSpPr>
+      <p:grpSpPr>
+        <a:xfrm>
+          <a:off x="0" y="0"/>
+          <a:ext cx="0" cy="0"/>
+          <a:chOff x="0" y="0"/>
+          <a:chExt cx="0" cy="0"/>
+        </a:xfrm>
+      </p:grpSpPr>
+      <p:pic>
+        <p:nvPicPr>
+          <p:cNvPr id="5" name="Picture 4">
+            <a:extLst>
+              <a:ext uri="{FF2B5EF4-FFF2-40B4-BE49-F238E27FC236}">
+                <a16:creationId xmlns:a16="http://schemas.microsoft.com/office/drawing/2014/main" id="{6B43DD41-0F21-4B91-B777-A89F8D2DF255}"/>
+              </a:ext>
+            </a:extLst>
+          </p:cNvPr>
+          <p:cNvPicPr>
+            <a:picLocks noChangeAspect="1"/>
+          </p:cNvPicPr>
+          <p:nvPr/>
+        </p:nvPicPr>
+        <p:blipFill>
+          <a:blip r:embed="rId3">
+            <a:extLst>
+              <a:ext uri="{28A0092B-C50C-407E-A947-70E740481C1C}">
+                <a14:useLocalDpi xmlns:a14="http://schemas.microsoft.com/office/drawing/2010/main" val="0"/>
+              </a:ext>
+            </a:extLst>
+          </a:blip>
+          <a:stretch>
+            <a:fillRect/>
+          </a:stretch>
+        </p:blipFill>
+        <p:spPr>
+          <a:xfrm>
+            <a:off x="272336" y="197666"/>
+            <a:ext cx="1251664" cy="1402534"/>
+          </a:xfrm>
+          <a:prstGeom prst="rect">
+            <a:avLst/>
+          </a:prstGeom>
+        </p:spPr>
+      </p:pic>
+      <p:sp>
+        <p:nvSpPr>
+          <p:cNvPr id="6" name="Title 3">
+            <a:extLst>
+              <a:ext uri="{FF2B5EF4-FFF2-40B4-BE49-F238E27FC236}">
+                <a16:creationId xmlns:a16="http://schemas.microsoft.com/office/drawing/2014/main" id="{6AF371E5-6025-4DD6-B3D9-1EA1AF6B36AB}"/>
+              </a:ext>
+            </a:extLst>
+          </p:cNvPr>
+          <p:cNvSpPr>
+            <a:spLocks noGrp="1"/>
+          </p:cNvSpPr>
+          <p:nvPr/>
+        </p:nvSpPr>
+        <p:spPr>
+          <a:xfrm>
+            <a:off x="1524000" y="489420"/>
+            <a:ext cx="10040471" cy="1110780"/>
+          </a:xfrm>
+          <a:prstGeom prst="rect">
+            <a:avLst/>
+          </a:prstGeom>
+        </p:spPr>
+        <p:txBody>
+          <a:bodyPr vert="horz" lIns="108000" tIns="36000" rIns="108000" bIns="36000" rtlCol="0" anchor="ctr" anchorCtr="0">
+            <a:normAutofit/>
+          </a:bodyPr>
+          <a:lstStyle>
+            <a:lvl1pPr algn="l" defTabSz="1218987" rtl="0" eaLnBrk="1" latinLnBrk="0" hangingPunct="1">
+              <a:lnSpc>
+                <a:spcPct val="90000"/>
+              </a:lnSpc>
+              <a:spcBef>
+                <a:spcPct val="0"/>
+              </a:spcBef>
+              <a:buNone/>
+              <a:defRPr sz="4000" b="1" kern="1200">
+                <a:solidFill>
+                  <a:srgbClr val="F3BE60"/>
+                </a:solidFill>
+                <a:effectLst/>
+                <a:latin typeface="+mj-lt"/>
+                <a:ea typeface="+mj-ea"/>
+                <a:cs typeface="+mj-cs"/>
+              </a:defRPr>
+            </a:lvl1pPr>
+          </a:lstStyle>
+          <a:p>
+            <a:r>
+              <a:rPr lang="en-US" dirty="0">
+                <a:latin typeface="Source Sans Pro" panose="020B0503030403020204" pitchFamily="34" charset="0"/>
+                <a:ea typeface="Source Sans Pro" panose="020B0503030403020204" pitchFamily="34" charset="0"/>
+              </a:rPr>
+              <a:t>Git</a:t>
+            </a:r>
+            <a:endParaRPr lang="en-US" dirty="0">
+              <a:solidFill>
+                <a:srgbClr val="002060"/>
+              </a:solidFill>
+              <a:latin typeface="Source Sans Pro" panose="020B0503030403020204" pitchFamily="34" charset="0"/>
+              <a:ea typeface="Source Sans Pro" panose="020B0503030403020204" pitchFamily="34" charset="0"/>
+            </a:endParaRPr>
+          </a:p>
+        </p:txBody>
+      </p:sp>
+      <p:sp>
+        <p:nvSpPr>
+          <p:cNvPr id="9" name="Content Placeholder 4">
+            <a:extLst>
+              <a:ext uri="{FF2B5EF4-FFF2-40B4-BE49-F238E27FC236}">
+                <a16:creationId xmlns:a16="http://schemas.microsoft.com/office/drawing/2014/main" id="{B6C27FC4-82C8-4925-9BDD-7219055F9256}"/>
+              </a:ext>
+            </a:extLst>
+          </p:cNvPr>
+          <p:cNvSpPr>
+            <a:spLocks noGrp="1"/>
+          </p:cNvSpPr>
+          <p:nvPr/>
+        </p:nvSpPr>
+        <p:spPr>
+          <a:xfrm>
+            <a:off x="1523999" y="1600200"/>
+            <a:ext cx="10058401" cy="4613978"/>
+          </a:xfrm>
+          <a:prstGeom prst="rect">
+            <a:avLst/>
+          </a:prstGeom>
+        </p:spPr>
+        <p:txBody>
+          <a:bodyPr vert="horz" lIns="108000" tIns="36000" rIns="108000" bIns="36000" rtlCol="0">
+            <a:normAutofit/>
+          </a:bodyPr>
+          <a:lstStyle>
+            <a:lvl1pPr marL="304747" indent="-304747" algn="l" defTabSz="1218987" rtl="0" eaLnBrk="1" latinLnBrk="0" hangingPunct="1">
+              <a:lnSpc>
+                <a:spcPct val="105000"/>
+              </a:lnSpc>
+              <a:spcBef>
+                <a:spcPts val="600"/>
+              </a:spcBef>
+              <a:spcAft>
+                <a:spcPts val="600"/>
+              </a:spcAft>
+              <a:buClr>
+                <a:srgbClr val="F2B254"/>
+              </a:buClr>
+              <a:buSzPct val="100000"/>
+              <a:buFont typeface="Wingdings" panose="05000000000000000000" pitchFamily="2" charset="2"/>
+              <a:buChar char="§"/>
+              <a:defRPr sz="3400" b="0" kern="1200">
+                <a:solidFill>
+                  <a:schemeClr val="tx1"/>
+                </a:solidFill>
+                <a:latin typeface="+mn-lt"/>
+                <a:ea typeface="+mn-ea"/>
+                <a:cs typeface="+mn-cs"/>
+              </a:defRPr>
+            </a:lvl1pPr>
+            <a:lvl2pPr marL="609493" indent="-231606" algn="l" defTabSz="1218987" rtl="0" eaLnBrk="1" latinLnBrk="0" hangingPunct="1">
+              <a:lnSpc>
+                <a:spcPct val="105000"/>
+              </a:lnSpc>
+              <a:spcBef>
+                <a:spcPts val="600"/>
+              </a:spcBef>
+              <a:spcAft>
+                <a:spcPts val="600"/>
+              </a:spcAft>
+              <a:buClr>
+                <a:schemeClr val="accent1"/>
+              </a:buClr>
+              <a:buSzPct val="80000"/>
+              <a:buFont typeface="Wingdings" panose="05000000000000000000" pitchFamily="2" charset="2"/>
+              <a:buChar char="§"/>
+              <a:defRPr sz="3200" b="0" kern="1200">
+                <a:solidFill>
+                  <a:schemeClr val="tx1"/>
+                </a:solidFill>
+                <a:latin typeface="+mn-lt"/>
+                <a:ea typeface="+mn-ea"/>
+                <a:cs typeface="+mn-cs"/>
+              </a:defRPr>
+            </a:lvl2pPr>
+            <a:lvl3pPr marL="914240" indent="-231606" algn="l" defTabSz="1218987" rtl="0" eaLnBrk="1" latinLnBrk="0" hangingPunct="1">
+              <a:lnSpc>
+                <a:spcPct val="105000"/>
+              </a:lnSpc>
+              <a:spcBef>
+                <a:spcPts val="600"/>
+              </a:spcBef>
+              <a:spcAft>
+                <a:spcPts val="600"/>
+              </a:spcAft>
+              <a:buClr>
+                <a:srgbClr val="EF9A1D"/>
+              </a:buClr>
+              <a:buSzPct val="80000"/>
+              <a:buFont typeface="Wingdings" panose="05000000000000000000" pitchFamily="2" charset="2"/>
+              <a:buChar char="§"/>
+              <a:defRPr sz="3000" b="0" kern="1200">
+                <a:solidFill>
+                  <a:schemeClr val="tx1"/>
+                </a:solidFill>
+                <a:latin typeface="+mn-lt"/>
+                <a:ea typeface="+mn-ea"/>
+                <a:cs typeface="+mn-cs"/>
+              </a:defRPr>
+            </a:lvl3pPr>
+            <a:lvl4pPr marL="1218987" indent="-231606" algn="l" defTabSz="1218987" rtl="0" eaLnBrk="1" latinLnBrk="0" hangingPunct="1">
+              <a:lnSpc>
+                <a:spcPct val="105000"/>
+              </a:lnSpc>
+              <a:spcBef>
+                <a:spcPts val="600"/>
+              </a:spcBef>
+              <a:spcAft>
+                <a:spcPts val="600"/>
+              </a:spcAft>
+              <a:buClr>
+                <a:srgbClr val="ED9411"/>
+              </a:buClr>
+              <a:buSzPct val="80000"/>
+              <a:buFont typeface="Wingdings" panose="05000000000000000000" pitchFamily="2" charset="2"/>
+              <a:buChar char="§"/>
+              <a:defRPr sz="2800" b="0" kern="1200">
+                <a:solidFill>
+                  <a:schemeClr val="tx1"/>
+                </a:solidFill>
+                <a:latin typeface="+mn-lt"/>
+                <a:ea typeface="+mn-ea"/>
+                <a:cs typeface="+mn-cs"/>
+              </a:defRPr>
+            </a:lvl4pPr>
+            <a:lvl5pPr marL="1523733" indent="-231606" algn="l" defTabSz="1218987" rtl="0" eaLnBrk="1" latinLnBrk="0" hangingPunct="1">
+              <a:lnSpc>
+                <a:spcPct val="105000"/>
+              </a:lnSpc>
+              <a:spcBef>
+                <a:spcPts val="600"/>
+              </a:spcBef>
+              <a:spcAft>
+                <a:spcPts val="600"/>
+              </a:spcAft>
+              <a:buClr>
+                <a:srgbClr val="E28D10"/>
+              </a:buClr>
+              <a:buSzPct val="80000"/>
+              <a:buFont typeface="Wingdings" panose="05000000000000000000" pitchFamily="2" charset="2"/>
+              <a:buChar char="§"/>
+              <a:defRPr sz="2600" b="0" kern="1200">
+                <a:solidFill>
+                  <a:schemeClr val="tx1"/>
+                </a:solidFill>
+                <a:latin typeface="+mn-lt"/>
+                <a:ea typeface="+mn-ea"/>
+                <a:cs typeface="+mn-cs"/>
+              </a:defRPr>
+            </a:lvl5pPr>
+            <a:lvl6pPr marL="1828480" indent="-231606" algn="l" defTabSz="1218987" rtl="0" eaLnBrk="1" latinLnBrk="0" hangingPunct="1">
+              <a:lnSpc>
+                <a:spcPct val="90000"/>
+              </a:lnSpc>
+              <a:spcBef>
+                <a:spcPts val="800"/>
+              </a:spcBef>
+              <a:buClr>
+                <a:schemeClr val="accent1"/>
+              </a:buClr>
+              <a:buSzPct val="80000"/>
+              <a:buFont typeface="Arial" pitchFamily="34" charset="0"/>
+              <a:buChar char="•"/>
+              <a:defRPr sz="2000" kern="1200">
+                <a:solidFill>
+                  <a:schemeClr val="tx1"/>
+                </a:solidFill>
+                <a:latin typeface="+mn-lt"/>
+                <a:ea typeface="+mn-ea"/>
+                <a:cs typeface="+mn-cs"/>
+              </a:defRPr>
+            </a:lvl6pPr>
+            <a:lvl7pPr marL="2133227" indent="-231606" algn="l" defTabSz="1218987" rtl="0" eaLnBrk="1" latinLnBrk="0" hangingPunct="1">
+              <a:lnSpc>
+                <a:spcPct val="90000"/>
+              </a:lnSpc>
+              <a:spcBef>
+                <a:spcPts val="800"/>
+              </a:spcBef>
+              <a:buClr>
+                <a:schemeClr val="accent1"/>
+              </a:buClr>
+              <a:buSzPct val="80000"/>
+              <a:buFont typeface="Arial" pitchFamily="34" charset="0"/>
+              <a:buChar char="•"/>
+              <a:defRPr sz="2000" kern="1200">
+                <a:solidFill>
+                  <a:schemeClr val="tx1"/>
+                </a:solidFill>
+                <a:latin typeface="+mn-lt"/>
+                <a:ea typeface="+mn-ea"/>
+                <a:cs typeface="+mn-cs"/>
+              </a:defRPr>
+            </a:lvl7pPr>
+            <a:lvl8pPr marL="2437972" indent="-231606" algn="l" defTabSz="1218987" rtl="0" eaLnBrk="1" latinLnBrk="0" hangingPunct="1">
+              <a:lnSpc>
+                <a:spcPct val="90000"/>
+              </a:lnSpc>
+              <a:spcBef>
+                <a:spcPts val="800"/>
+              </a:spcBef>
+              <a:buClr>
+                <a:schemeClr val="accent1"/>
+              </a:buClr>
+              <a:buSzPct val="80000"/>
+              <a:buFont typeface="Arial" pitchFamily="34" charset="0"/>
+              <a:buChar char="•"/>
+              <a:defRPr sz="2000" kern="1200" baseline="0">
+                <a:solidFill>
+                  <a:schemeClr val="tx1"/>
+                </a:solidFill>
+                <a:latin typeface="+mn-lt"/>
+                <a:ea typeface="+mn-ea"/>
+                <a:cs typeface="+mn-cs"/>
+              </a:defRPr>
+            </a:lvl8pPr>
+            <a:lvl9pPr marL="2742720" indent="-231606" algn="l" defTabSz="1218987" rtl="0" eaLnBrk="1" latinLnBrk="0" hangingPunct="1">
+              <a:lnSpc>
+                <a:spcPct val="90000"/>
+              </a:lnSpc>
+              <a:spcBef>
+                <a:spcPts val="800"/>
+              </a:spcBef>
+              <a:buClr>
+                <a:schemeClr val="accent1"/>
+              </a:buClr>
+              <a:buSzPct val="80000"/>
+              <a:buFont typeface="Arial" pitchFamily="34" charset="0"/>
+              <a:buChar char="•"/>
+              <a:defRPr sz="2000" kern="1200" baseline="0">
+                <a:solidFill>
+                  <a:schemeClr val="tx1"/>
+                </a:solidFill>
+                <a:latin typeface="+mn-lt"/>
+                <a:ea typeface="+mn-ea"/>
+                <a:cs typeface="+mn-cs"/>
+              </a:defRPr>
+            </a:lvl9pPr>
+          </a:lstStyle>
+          <a:p>
+            <a:r>
+              <a:rPr lang="en-US" sz="3200" b="1" dirty="0">
+                <a:solidFill>
+                  <a:srgbClr val="F3BE60"/>
+                </a:solidFill>
+                <a:latin typeface="Source Sans Pro" panose="020B0503030403020204" pitchFamily="34" charset="0"/>
+                <a:ea typeface="Source Sans Pro" panose="020B0503030403020204" pitchFamily="34" charset="0"/>
+                <a:hlinkClick r:id="rId4">
+                  <a:extLst>
+                    <a:ext uri="{A12FA001-AC4F-418D-AE19-62706E023703}">
+                      <ahyp:hlinkClr xmlns:ahyp="http://schemas.microsoft.com/office/drawing/2018/hyperlinkcolor" val="tx"/>
+                    </a:ext>
+                  </a:extLst>
+                </a:hlinkClick>
+              </a:rPr>
+              <a:t>http://git-scm.com</a:t>
+            </a:r>
+            <a:endParaRPr lang="en-US" sz="3200" b="1" dirty="0">
+              <a:solidFill>
+                <a:srgbClr val="F3BE60"/>
+              </a:solidFill>
+              <a:latin typeface="Source Sans Pro" panose="020B0503030403020204" pitchFamily="34" charset="0"/>
+              <a:ea typeface="Source Sans Pro" panose="020B0503030403020204" pitchFamily="34" charset="0"/>
+            </a:endParaRPr>
+          </a:p>
+          <a:p>
+            <a:r>
+              <a:rPr lang="en-US" sz="3200" b="1" dirty="0">
+                <a:solidFill>
+                  <a:srgbClr val="F3BE60"/>
+                </a:solidFill>
+                <a:latin typeface="Source Sans Pro" panose="020B0503030403020204" pitchFamily="34" charset="0"/>
+                <a:ea typeface="Source Sans Pro" panose="020B0503030403020204" pitchFamily="34" charset="0"/>
+                <a:hlinkClick r:id="rId5">
+                  <a:extLst>
+                    <a:ext uri="{A12FA001-AC4F-418D-AE19-62706E023703}">
+                      <ahyp:hlinkClr xmlns:ahyp="http://schemas.microsoft.com/office/drawing/2018/hyperlinkcolor" val="tx"/>
+                    </a:ext>
+                  </a:extLst>
+                </a:hlinkClick>
+              </a:rPr>
+              <a:t>https://git-scm.com/book/en/v2</a:t>
+            </a:r>
+            <a:endParaRPr lang="en-US" sz="3200" b="1" dirty="0">
+              <a:solidFill>
+                <a:srgbClr val="F3BE60"/>
+              </a:solidFill>
+              <a:latin typeface="Source Sans Pro" panose="020B0503030403020204" pitchFamily="34" charset="0"/>
+              <a:ea typeface="Source Sans Pro" panose="020B0503030403020204" pitchFamily="34" charset="0"/>
+            </a:endParaRPr>
+          </a:p>
+          <a:p>
+            <a:r>
+              <a:rPr lang="en-US" sz="3200" b="1" dirty="0">
+                <a:solidFill>
+                  <a:srgbClr val="F3BE60"/>
+                </a:solidFill>
+                <a:latin typeface="Source Sans Pro" panose="020B0503030403020204" pitchFamily="34" charset="0"/>
+                <a:ea typeface="Source Sans Pro" panose="020B0503030403020204" pitchFamily="34" charset="0"/>
+                <a:hlinkClick r:id="rId6">
+                  <a:extLst>
+                    <a:ext uri="{A12FA001-AC4F-418D-AE19-62706E023703}">
+                      <ahyp:hlinkClr xmlns:ahyp="http://schemas.microsoft.com/office/drawing/2018/hyperlinkcolor" val="tx"/>
+                    </a:ext>
+                  </a:extLst>
+                </a:hlinkClick>
+              </a:rPr>
+              <a:t>https://git-scm.com/book/bg/v2</a:t>
+            </a:r>
+            <a:endParaRPr lang="en-US" sz="3200" dirty="0">
+              <a:solidFill>
+                <a:srgbClr val="F3BE60"/>
+              </a:solidFill>
+              <a:latin typeface="Source Sans Pro" panose="020B0503030403020204" pitchFamily="34" charset="0"/>
+              <a:ea typeface="Source Sans Pro" panose="020B0503030403020204" pitchFamily="34" charset="0"/>
+            </a:endParaRPr>
+          </a:p>
+          <a:p>
+            <a:endParaRPr lang="en-US" sz="2400" dirty="0">
+              <a:solidFill>
+                <a:schemeClr val="accent1">
+                  <a:lumMod val="50000"/>
+                </a:schemeClr>
+              </a:solidFill>
+              <a:latin typeface="Source Sans Pro" panose="020B0503030403020204" pitchFamily="34" charset="0"/>
+              <a:ea typeface="Source Sans Pro" panose="020B0503030403020204" pitchFamily="34" charset="0"/>
+            </a:endParaRPr>
+          </a:p>
+        </p:txBody>
+      </p:sp>
+    </p:spTree>
+    <p:extLst>
+      <p:ext uri="{BB962C8B-B14F-4D97-AF65-F5344CB8AC3E}">
+        <p14:creationId xmlns:p14="http://schemas.microsoft.com/office/powerpoint/2010/main" val="2886193636"/>
+      </p:ext>
+    </p:extLst>
+  </p:cSld>
+  <p:clrMapOvr>
+    <a:masterClrMapping/>
+  </p:clrMapOvr>
+</p:sld>
+</file>
+
+<file path=ppt/slides/slide33.xml><?xml version="1.0" encoding="utf-8"?>
+<p:sld xmlns:a="http://schemas.openxmlformats.org/drawingml/2006/main" xmlns:r="http://schemas.openxmlformats.org/officeDocument/2006/relationships" xmlns:p="http://schemas.openxmlformats.org/presentationml/2006/main">
+  <p:cSld>
+    <p:bg>
+      <p:bgPr>
+        <a:blipFill dpi="0" rotWithShape="1">
+          <a:blip r:embed="rId2">
+            <a:lum/>
+          </a:blip>
+          <a:srcRect/>
+          <a:stretch>
+            <a:fillRect/>
+          </a:stretch>
+        </a:blipFill>
+        <a:effectLst/>
+      </p:bgPr>
+    </p:bg>
+    <p:spTree>
+      <p:nvGrpSpPr>
+        <p:cNvPr id="1" name=""/>
+        <p:cNvGrpSpPr/>
+        <p:nvPr/>
+      </p:nvGrpSpPr>
+      <p:grpSpPr>
+        <a:xfrm>
+          <a:off x="0" y="0"/>
+          <a:ext cx="0" cy="0"/>
+          <a:chOff x="0" y="0"/>
+          <a:chExt cx="0" cy="0"/>
+        </a:xfrm>
+      </p:grpSpPr>
+      <p:pic>
+        <p:nvPicPr>
+          <p:cNvPr id="5" name="Picture 4">
+            <a:extLst>
+              <a:ext uri="{FF2B5EF4-FFF2-40B4-BE49-F238E27FC236}">
+                <a16:creationId xmlns:a16="http://schemas.microsoft.com/office/drawing/2014/main" id="{6B43DD41-0F21-4B91-B777-A89F8D2DF255}"/>
+              </a:ext>
+            </a:extLst>
+          </p:cNvPr>
+          <p:cNvPicPr>
+            <a:picLocks noChangeAspect="1"/>
+          </p:cNvPicPr>
+          <p:nvPr/>
+        </p:nvPicPr>
+        <p:blipFill>
+          <a:blip r:embed="rId3">
+            <a:extLst>
+              <a:ext uri="{28A0092B-C50C-407E-A947-70E740481C1C}">
+                <a14:useLocalDpi xmlns:a14="http://schemas.microsoft.com/office/drawing/2010/main" val="0"/>
+              </a:ext>
+            </a:extLst>
+          </a:blip>
+          <a:stretch>
+            <a:fillRect/>
+          </a:stretch>
+        </p:blipFill>
+        <p:spPr>
+          <a:xfrm>
+            <a:off x="272336" y="197666"/>
+            <a:ext cx="1251664" cy="1402534"/>
+          </a:xfrm>
+          <a:prstGeom prst="rect">
+            <a:avLst/>
+          </a:prstGeom>
+        </p:spPr>
+      </p:pic>
+      <p:sp>
+        <p:nvSpPr>
+          <p:cNvPr id="6" name="Title 3">
+            <a:extLst>
+              <a:ext uri="{FF2B5EF4-FFF2-40B4-BE49-F238E27FC236}">
+                <a16:creationId xmlns:a16="http://schemas.microsoft.com/office/drawing/2014/main" id="{6AF371E5-6025-4DD6-B3D9-1EA1AF6B36AB}"/>
+              </a:ext>
+            </a:extLst>
+          </p:cNvPr>
+          <p:cNvSpPr>
+            <a:spLocks noGrp="1"/>
+          </p:cNvSpPr>
+          <p:nvPr/>
+        </p:nvSpPr>
+        <p:spPr>
+          <a:xfrm>
+            <a:off x="1524000" y="489420"/>
+            <a:ext cx="10040471" cy="1110780"/>
+          </a:xfrm>
+          <a:prstGeom prst="rect">
+            <a:avLst/>
+          </a:prstGeom>
+        </p:spPr>
+        <p:txBody>
+          <a:bodyPr vert="horz" lIns="108000" tIns="36000" rIns="108000" bIns="36000" rtlCol="0" anchor="ctr" anchorCtr="0">
+            <a:normAutofit/>
+          </a:bodyPr>
+          <a:lstStyle>
+            <a:lvl1pPr algn="l" defTabSz="1218987" rtl="0" eaLnBrk="1" latinLnBrk="0" hangingPunct="1">
+              <a:lnSpc>
+                <a:spcPct val="90000"/>
+              </a:lnSpc>
+              <a:spcBef>
+                <a:spcPct val="0"/>
+              </a:spcBef>
+              <a:buNone/>
+              <a:defRPr sz="4000" b="1" kern="1200">
+                <a:solidFill>
+                  <a:srgbClr val="F3BE60"/>
+                </a:solidFill>
+                <a:effectLst/>
+                <a:latin typeface="+mj-lt"/>
+                <a:ea typeface="+mj-ea"/>
+                <a:cs typeface="+mj-cs"/>
+              </a:defRPr>
+            </a:lvl1pPr>
+          </a:lstStyle>
+          <a:p>
+            <a:r>
+              <a:rPr lang="en-US" dirty="0">
+                <a:latin typeface="Source Sans Pro" panose="020B0503030403020204" pitchFamily="34" charset="0"/>
+                <a:ea typeface="Source Sans Pro" panose="020B0503030403020204" pitchFamily="34" charset="0"/>
+              </a:rPr>
+              <a:t>Git Hosting</a:t>
+            </a:r>
+          </a:p>
+        </p:txBody>
+      </p:sp>
+      <p:sp>
+        <p:nvSpPr>
+          <p:cNvPr id="9" name="Content Placeholder 4">
+            <a:extLst>
+              <a:ext uri="{FF2B5EF4-FFF2-40B4-BE49-F238E27FC236}">
+                <a16:creationId xmlns:a16="http://schemas.microsoft.com/office/drawing/2014/main" id="{B6C27FC4-82C8-4925-9BDD-7219055F9256}"/>
+              </a:ext>
+            </a:extLst>
+          </p:cNvPr>
+          <p:cNvSpPr>
+            <a:spLocks noGrp="1"/>
+          </p:cNvSpPr>
+          <p:nvPr/>
+        </p:nvSpPr>
+        <p:spPr>
+          <a:xfrm>
+            <a:off x="1523999" y="1600200"/>
+            <a:ext cx="10058401" cy="4613978"/>
+          </a:xfrm>
+          <a:prstGeom prst="rect">
+            <a:avLst/>
+          </a:prstGeom>
+        </p:spPr>
+        <p:txBody>
+          <a:bodyPr vert="horz" lIns="108000" tIns="36000" rIns="108000" bIns="36000" rtlCol="0">
+            <a:normAutofit/>
+          </a:bodyPr>
+          <a:lstStyle>
+            <a:lvl1pPr marL="304747" indent="-304747" algn="l" defTabSz="1218987" rtl="0" eaLnBrk="1" latinLnBrk="0" hangingPunct="1">
+              <a:lnSpc>
+                <a:spcPct val="105000"/>
+              </a:lnSpc>
+              <a:spcBef>
+                <a:spcPts val="600"/>
+              </a:spcBef>
+              <a:spcAft>
+                <a:spcPts val="600"/>
+              </a:spcAft>
+              <a:buClr>
+                <a:srgbClr val="F2B254"/>
+              </a:buClr>
+              <a:buSzPct val="100000"/>
+              <a:buFont typeface="Wingdings" panose="05000000000000000000" pitchFamily="2" charset="2"/>
+              <a:buChar char="§"/>
+              <a:defRPr sz="3400" b="0" kern="1200">
+                <a:solidFill>
+                  <a:schemeClr val="tx1"/>
+                </a:solidFill>
+                <a:latin typeface="+mn-lt"/>
+                <a:ea typeface="+mn-ea"/>
+                <a:cs typeface="+mn-cs"/>
+              </a:defRPr>
+            </a:lvl1pPr>
+            <a:lvl2pPr marL="609493" indent="-231606" algn="l" defTabSz="1218987" rtl="0" eaLnBrk="1" latinLnBrk="0" hangingPunct="1">
+              <a:lnSpc>
+                <a:spcPct val="105000"/>
+              </a:lnSpc>
+              <a:spcBef>
+                <a:spcPts val="600"/>
+              </a:spcBef>
+              <a:spcAft>
+                <a:spcPts val="600"/>
+              </a:spcAft>
+              <a:buClr>
+                <a:schemeClr val="accent1"/>
+              </a:buClr>
+              <a:buSzPct val="80000"/>
+              <a:buFont typeface="Wingdings" panose="05000000000000000000" pitchFamily="2" charset="2"/>
+              <a:buChar char="§"/>
+              <a:defRPr sz="3200" b="0" kern="1200">
+                <a:solidFill>
+                  <a:schemeClr val="tx1"/>
+                </a:solidFill>
+                <a:latin typeface="+mn-lt"/>
+                <a:ea typeface="+mn-ea"/>
+                <a:cs typeface="+mn-cs"/>
+              </a:defRPr>
+            </a:lvl2pPr>
+            <a:lvl3pPr marL="914240" indent="-231606" algn="l" defTabSz="1218987" rtl="0" eaLnBrk="1" latinLnBrk="0" hangingPunct="1">
+              <a:lnSpc>
+                <a:spcPct val="105000"/>
+              </a:lnSpc>
+              <a:spcBef>
+                <a:spcPts val="600"/>
+              </a:spcBef>
+              <a:spcAft>
+                <a:spcPts val="600"/>
+              </a:spcAft>
+              <a:buClr>
+                <a:srgbClr val="EF9A1D"/>
+              </a:buClr>
+              <a:buSzPct val="80000"/>
+              <a:buFont typeface="Wingdings" panose="05000000000000000000" pitchFamily="2" charset="2"/>
+              <a:buChar char="§"/>
+              <a:defRPr sz="3000" b="0" kern="1200">
+                <a:solidFill>
+                  <a:schemeClr val="tx1"/>
+                </a:solidFill>
+                <a:latin typeface="+mn-lt"/>
+                <a:ea typeface="+mn-ea"/>
+                <a:cs typeface="+mn-cs"/>
+              </a:defRPr>
+            </a:lvl3pPr>
+            <a:lvl4pPr marL="1218987" indent="-231606" algn="l" defTabSz="1218987" rtl="0" eaLnBrk="1" latinLnBrk="0" hangingPunct="1">
+              <a:lnSpc>
+                <a:spcPct val="105000"/>
+              </a:lnSpc>
+              <a:spcBef>
+                <a:spcPts val="600"/>
+              </a:spcBef>
+              <a:spcAft>
+                <a:spcPts val="600"/>
+              </a:spcAft>
+              <a:buClr>
+                <a:srgbClr val="ED9411"/>
+              </a:buClr>
+              <a:buSzPct val="80000"/>
+              <a:buFont typeface="Wingdings" panose="05000000000000000000" pitchFamily="2" charset="2"/>
+              <a:buChar char="§"/>
+              <a:defRPr sz="2800" b="0" kern="1200">
+                <a:solidFill>
+                  <a:schemeClr val="tx1"/>
+                </a:solidFill>
+                <a:latin typeface="+mn-lt"/>
+                <a:ea typeface="+mn-ea"/>
+                <a:cs typeface="+mn-cs"/>
+              </a:defRPr>
+            </a:lvl4pPr>
+            <a:lvl5pPr marL="1523733" indent="-231606" algn="l" defTabSz="1218987" rtl="0" eaLnBrk="1" latinLnBrk="0" hangingPunct="1">
+              <a:lnSpc>
+                <a:spcPct val="105000"/>
+              </a:lnSpc>
+              <a:spcBef>
+                <a:spcPts val="600"/>
+              </a:spcBef>
+              <a:spcAft>
+                <a:spcPts val="600"/>
+              </a:spcAft>
+              <a:buClr>
+                <a:srgbClr val="E28D10"/>
+              </a:buClr>
+              <a:buSzPct val="80000"/>
+              <a:buFont typeface="Wingdings" panose="05000000000000000000" pitchFamily="2" charset="2"/>
+              <a:buChar char="§"/>
+              <a:defRPr sz="2600" b="0" kern="1200">
+                <a:solidFill>
+                  <a:schemeClr val="tx1"/>
+                </a:solidFill>
+                <a:latin typeface="+mn-lt"/>
+                <a:ea typeface="+mn-ea"/>
+                <a:cs typeface="+mn-cs"/>
+              </a:defRPr>
+            </a:lvl5pPr>
+            <a:lvl6pPr marL="1828480" indent="-231606" algn="l" defTabSz="1218987" rtl="0" eaLnBrk="1" latinLnBrk="0" hangingPunct="1">
+              <a:lnSpc>
+                <a:spcPct val="90000"/>
+              </a:lnSpc>
+              <a:spcBef>
+                <a:spcPts val="800"/>
+              </a:spcBef>
+              <a:buClr>
+                <a:schemeClr val="accent1"/>
+              </a:buClr>
+              <a:buSzPct val="80000"/>
+              <a:buFont typeface="Arial" pitchFamily="34" charset="0"/>
+              <a:buChar char="•"/>
+              <a:defRPr sz="2000" kern="1200">
+                <a:solidFill>
+                  <a:schemeClr val="tx1"/>
+                </a:solidFill>
+                <a:latin typeface="+mn-lt"/>
+                <a:ea typeface="+mn-ea"/>
+                <a:cs typeface="+mn-cs"/>
+              </a:defRPr>
+            </a:lvl6pPr>
+            <a:lvl7pPr marL="2133227" indent="-231606" algn="l" defTabSz="1218987" rtl="0" eaLnBrk="1" latinLnBrk="0" hangingPunct="1">
+              <a:lnSpc>
+                <a:spcPct val="90000"/>
+              </a:lnSpc>
+              <a:spcBef>
+                <a:spcPts val="800"/>
+              </a:spcBef>
+              <a:buClr>
+                <a:schemeClr val="accent1"/>
+              </a:buClr>
+              <a:buSzPct val="80000"/>
+              <a:buFont typeface="Arial" pitchFamily="34" charset="0"/>
+              <a:buChar char="•"/>
+              <a:defRPr sz="2000" kern="1200">
+                <a:solidFill>
+                  <a:schemeClr val="tx1"/>
+                </a:solidFill>
+                <a:latin typeface="+mn-lt"/>
+                <a:ea typeface="+mn-ea"/>
+                <a:cs typeface="+mn-cs"/>
+              </a:defRPr>
+            </a:lvl7pPr>
+            <a:lvl8pPr marL="2437972" indent="-231606" algn="l" defTabSz="1218987" rtl="0" eaLnBrk="1" latinLnBrk="0" hangingPunct="1">
+              <a:lnSpc>
+                <a:spcPct val="90000"/>
+              </a:lnSpc>
+              <a:spcBef>
+                <a:spcPts val="800"/>
+              </a:spcBef>
+              <a:buClr>
+                <a:schemeClr val="accent1"/>
+              </a:buClr>
+              <a:buSzPct val="80000"/>
+              <a:buFont typeface="Arial" pitchFamily="34" charset="0"/>
+              <a:buChar char="•"/>
+              <a:defRPr sz="2000" kern="1200" baseline="0">
+                <a:solidFill>
+                  <a:schemeClr val="tx1"/>
+                </a:solidFill>
+                <a:latin typeface="+mn-lt"/>
+                <a:ea typeface="+mn-ea"/>
+                <a:cs typeface="+mn-cs"/>
+              </a:defRPr>
+            </a:lvl8pPr>
+            <a:lvl9pPr marL="2742720" indent="-231606" algn="l" defTabSz="1218987" rtl="0" eaLnBrk="1" latinLnBrk="0" hangingPunct="1">
+              <a:lnSpc>
+                <a:spcPct val="90000"/>
+              </a:lnSpc>
+              <a:spcBef>
+                <a:spcPts val="800"/>
+              </a:spcBef>
+              <a:buClr>
+                <a:schemeClr val="accent1"/>
+              </a:buClr>
+              <a:buSzPct val="80000"/>
+              <a:buFont typeface="Arial" pitchFamily="34" charset="0"/>
+              <a:buChar char="•"/>
+              <a:defRPr sz="2000" kern="1200" baseline="0">
+                <a:solidFill>
+                  <a:schemeClr val="tx1"/>
+                </a:solidFill>
+                <a:latin typeface="+mn-lt"/>
+                <a:ea typeface="+mn-ea"/>
+                <a:cs typeface="+mn-cs"/>
+              </a:defRPr>
+            </a:lvl9pPr>
+          </a:lstStyle>
+          <a:p>
+            <a:r>
+              <a:rPr lang="en-US" sz="3200" b="1" dirty="0">
+                <a:solidFill>
+                  <a:srgbClr val="F3BE60"/>
+                </a:solidFill>
+                <a:latin typeface="Source Sans Pro" panose="020B0503030403020204" pitchFamily="34" charset="0"/>
+                <a:ea typeface="Source Sans Pro" panose="020B0503030403020204" pitchFamily="34" charset="0"/>
+                <a:hlinkClick r:id="rId4">
+                  <a:extLst>
+                    <a:ext uri="{A12FA001-AC4F-418D-AE19-62706E023703}">
+                      <ahyp:hlinkClr xmlns:ahyp="http://schemas.microsoft.com/office/drawing/2018/hyperlinkcolor" val="tx"/>
+                    </a:ext>
+                  </a:extLst>
+                </a:hlinkClick>
+              </a:rPr>
+              <a:t>https://github.com/</a:t>
+            </a:r>
+            <a:endParaRPr lang="en-US" sz="3200" b="1" dirty="0">
+              <a:solidFill>
+                <a:srgbClr val="F3BE60"/>
+              </a:solidFill>
+              <a:latin typeface="Source Sans Pro" panose="020B0503030403020204" pitchFamily="34" charset="0"/>
+              <a:ea typeface="Source Sans Pro" panose="020B0503030403020204" pitchFamily="34" charset="0"/>
+            </a:endParaRPr>
+          </a:p>
+        </p:txBody>
+      </p:sp>
+    </p:spTree>
+    <p:extLst>
+      <p:ext uri="{BB962C8B-B14F-4D97-AF65-F5344CB8AC3E}">
+        <p14:creationId xmlns:p14="http://schemas.microsoft.com/office/powerpoint/2010/main" val="956983046"/>
       </p:ext>
     </p:extLst>
   </p:cSld>
@@ -4226,25 +10012,8 @@
                 <a:latin typeface="Source Sans Pro" panose="020B0503030403020204" pitchFamily="34" charset="0"/>
                 <a:ea typeface="Source Sans Pro" panose="020B0503030403020204" pitchFamily="34" charset="0"/>
               </a:rPr>
-              <a:t>Part 1 – Setup CMS – </a:t>
-            </a:r>
-            <a:r>
-              <a:rPr lang="en-US">
-                <a:solidFill>
-                  <a:srgbClr val="002060"/>
-                </a:solidFill>
-                <a:latin typeface="Source Sans Pro" panose="020B0503030403020204" pitchFamily="34" charset="0"/>
-                <a:ea typeface="Source Sans Pro" panose="020B0503030403020204" pitchFamily="34" charset="0"/>
-              </a:rPr>
-              <a:t>Task 2</a:t>
-            </a:r>
-            <a:endParaRPr lang="en-US" dirty="0">
-              <a:solidFill>
-                <a:srgbClr val="002060"/>
-              </a:solidFill>
-              <a:latin typeface="Source Sans Pro" panose="020B0503030403020204" pitchFamily="34" charset="0"/>
-              <a:ea typeface="Source Sans Pro" panose="020B0503030403020204" pitchFamily="34" charset="0"/>
-            </a:endParaRPr>
+              <a:t>Part 1 – Setup CMS – Task 2</a:t>
+            </a:r>
           </a:p>
         </p:txBody>
       </p:sp>
@@ -4267,12 +10036,12 @@
         <p:spPr>
           <a:xfrm>
             <a:off x="1572586" y="1600200"/>
-            <a:ext cx="9529011" cy="1110780"/>
+            <a:ext cx="9529011" cy="981635"/>
           </a:xfrm>
         </p:spPr>
         <p:txBody>
           <a:bodyPr>
-            <a:normAutofit/>
+            <a:normAutofit fontScale="90000"/>
           </a:bodyPr>
           <a:lstStyle/>
           <a:p>
@@ -4284,7 +10053,7 @@
                 </a:solidFill>
                 <a:latin typeface="Source Sans Pro" panose="020B0604020202020204" pitchFamily="34" charset="0"/>
               </a:rPr>
-              <a:t>Install Jekyll</a:t>
+              <a:t>Cleanup Jekyll HTML and CSS</a:t>
             </a:r>
             <a:endParaRPr lang="bg-BG" b="1" dirty="0">
               <a:solidFill>
@@ -4600,52 +10369,6 @@
           <a:chExt cx="0" cy="0"/>
         </a:xfrm>
       </p:grpSpPr>
-      <p:sp>
-        <p:nvSpPr>
-          <p:cNvPr id="2" name="Title 1">
-            <a:extLst>
-              <a:ext uri="{FF2B5EF4-FFF2-40B4-BE49-F238E27FC236}">
-                <a16:creationId xmlns:a16="http://schemas.microsoft.com/office/drawing/2014/main" id="{F533C787-D925-4018-B654-B08DDAB85464}"/>
-              </a:ext>
-            </a:extLst>
-          </p:cNvPr>
-          <p:cNvSpPr>
-            <a:spLocks noGrp="1"/>
-          </p:cNvSpPr>
-          <p:nvPr>
-            <p:ph type="ctrTitle"/>
-          </p:nvPr>
-        </p:nvSpPr>
-        <p:spPr>
-          <a:xfrm>
-            <a:off x="1524000" y="3239425"/>
-            <a:ext cx="9529011" cy="1038057"/>
-          </a:xfrm>
-        </p:spPr>
-        <p:txBody>
-          <a:bodyPr>
-            <a:normAutofit/>
-          </a:bodyPr>
-          <a:lstStyle/>
-          <a:p>
-            <a:r>
-              <a:rPr lang="en-GB" b="1" dirty="0">
-                <a:solidFill>
-                  <a:srgbClr val="F3BE60"/>
-                </a:solidFill>
-                <a:latin typeface="Source Sans Pro" panose="020B0604020202020204" pitchFamily="34" charset="0"/>
-              </a:rPr>
-              <a:t>GitHub</a:t>
-            </a:r>
-            <a:endParaRPr lang="bg-BG" b="1" dirty="0">
-              <a:solidFill>
-                <a:srgbClr val="F3BE60"/>
-              </a:solidFill>
-              <a:latin typeface="Source Sans Pro" panose="020B0604020202020204" pitchFamily="34" charset="0"/>
-            </a:endParaRPr>
-          </a:p>
-        </p:txBody>
-      </p:sp>
       <p:pic>
         <p:nvPicPr>
           <p:cNvPr id="5" name="Picture 4">
@@ -4698,7 +10421,7 @@
         </p:nvSpPr>
         <p:spPr>
           <a:xfrm>
-            <a:off x="1524000" y="2448682"/>
+            <a:off x="1524000" y="2778135"/>
             <a:ext cx="9529011" cy="650865"/>
           </a:xfrm>
           <a:prstGeom prst="rect">
@@ -4738,7 +10461,7 @@
                 </a:solidFill>
                 <a:latin typeface="Source Sans Pro" panose="020B0604020202020204" pitchFamily="34" charset="0"/>
               </a:rPr>
-              <a:t>Hosting</a:t>
+              <a:t>Git</a:t>
             </a:r>
             <a:endParaRPr lang="bg-BG" sz="4400" b="1" dirty="0">
               <a:solidFill>
@@ -4754,7 +10477,7 @@
     </p:spTree>
     <p:extLst>
       <p:ext uri="{BB962C8B-B14F-4D97-AF65-F5344CB8AC3E}">
-        <p14:creationId xmlns:p14="http://schemas.microsoft.com/office/powerpoint/2010/main" val="2725039762"/>
+        <p14:creationId xmlns:p14="http://schemas.microsoft.com/office/powerpoint/2010/main" val="4270623802"/>
       </p:ext>
     </p:extLst>
   </p:cSld>
@@ -4795,86 +10518,6 @@
           <a:chExt cx="0" cy="0"/>
         </a:xfrm>
       </p:grpSpPr>
-      <p:sp>
-        <p:nvSpPr>
-          <p:cNvPr id="2" name="Title 1">
-            <a:extLst>
-              <a:ext uri="{FF2B5EF4-FFF2-40B4-BE49-F238E27FC236}">
-                <a16:creationId xmlns:a16="http://schemas.microsoft.com/office/drawing/2014/main" id="{F533C787-D925-4018-B654-B08DDAB85464}"/>
-              </a:ext>
-            </a:extLst>
-          </p:cNvPr>
-          <p:cNvSpPr>
-            <a:spLocks noGrp="1"/>
-          </p:cNvSpPr>
-          <p:nvPr>
-            <p:ph type="ctrTitle"/>
-          </p:nvPr>
-        </p:nvSpPr>
-        <p:spPr>
-          <a:xfrm>
-            <a:off x="1524000" y="2641955"/>
-            <a:ext cx="9529011" cy="2480057"/>
-          </a:xfrm>
-        </p:spPr>
-        <p:txBody>
-          <a:bodyPr>
-            <a:normAutofit fontScale="90000"/>
-          </a:bodyPr>
-          <a:lstStyle/>
-          <a:p>
-            <a:r>
-              <a:rPr lang="en-GB" b="1" dirty="0">
-                <a:solidFill>
-                  <a:srgbClr val="F3BE60"/>
-                </a:solidFill>
-                <a:latin typeface="Source Sans Pro" panose="020B0604020202020204" pitchFamily="34" charset="0"/>
-              </a:rPr>
-              <a:t>Nodejs</a:t>
-            </a:r>
-            <a:br>
-              <a:rPr lang="en-GB" b="1" dirty="0">
-                <a:solidFill>
-                  <a:srgbClr val="F3BE60"/>
-                </a:solidFill>
-                <a:latin typeface="Source Sans Pro" panose="020B0604020202020204" pitchFamily="34" charset="0"/>
-              </a:rPr>
-            </a:br>
-            <a:r>
-              <a:rPr lang="en-GB" b="1" dirty="0">
-                <a:solidFill>
-                  <a:srgbClr val="F3BE60"/>
-                </a:solidFill>
-                <a:latin typeface="Source Sans Pro" panose="020B0604020202020204" pitchFamily="34" charset="0"/>
-              </a:rPr>
-              <a:t>Gulp</a:t>
-            </a:r>
-            <a:br>
-              <a:rPr lang="en-GB" b="1" dirty="0">
-                <a:solidFill>
-                  <a:srgbClr val="F3BE60"/>
-                </a:solidFill>
-                <a:latin typeface="Source Sans Pro" panose="020B0604020202020204" pitchFamily="34" charset="0"/>
-              </a:rPr>
-            </a:br>
-            <a:r>
-              <a:rPr lang="en-GB" b="1" dirty="0">
-                <a:solidFill>
-                  <a:srgbClr val="F3BE60"/>
-                </a:solidFill>
-                <a:latin typeface="Source Sans Pro" panose="020B0604020202020204" pitchFamily="34" charset="0"/>
-              </a:rPr>
-              <a:t>BrowserSync</a:t>
-            </a:r>
-            <a:endParaRPr lang="bg-BG" b="1" dirty="0">
-              <a:solidFill>
-                <a:srgbClr val="F3BE60"/>
-              </a:solidFill>
-              <a:latin typeface="Source Sans Pro" panose="020B0604020202020204" pitchFamily="34" charset="0"/>
-            </a:endParaRPr>
-          </a:p>
-        </p:txBody>
-      </p:sp>
       <p:pic>
         <p:nvPicPr>
           <p:cNvPr id="5" name="Picture 4">
@@ -4913,33 +10556,33 @@
       </p:pic>
       <p:sp>
         <p:nvSpPr>
-          <p:cNvPr id="4" name="Title 1">
-            <a:extLst>
-              <a:ext uri="{FF2B5EF4-FFF2-40B4-BE49-F238E27FC236}">
-                <a16:creationId xmlns:a16="http://schemas.microsoft.com/office/drawing/2014/main" id="{852A3C76-2D24-40B7-96DE-3EF4F7AD4CA1}"/>
-              </a:ext>
-            </a:extLst>
-          </p:cNvPr>
-          <p:cNvSpPr txBox="1">
-            <a:spLocks/>
+          <p:cNvPr id="6" name="Title 3">
+            <a:extLst>
+              <a:ext uri="{FF2B5EF4-FFF2-40B4-BE49-F238E27FC236}">
+                <a16:creationId xmlns:a16="http://schemas.microsoft.com/office/drawing/2014/main" id="{6AF371E5-6025-4DD6-B3D9-1EA1AF6B36AB}"/>
+              </a:ext>
+            </a:extLst>
+          </p:cNvPr>
+          <p:cNvSpPr>
+            <a:spLocks noGrp="1"/>
           </p:cNvSpPr>
           <p:nvPr/>
         </p:nvSpPr>
         <p:spPr>
           <a:xfrm>
-            <a:off x="1524000" y="1851212"/>
-            <a:ext cx="9529011" cy="650865"/>
+            <a:off x="1524000" y="489420"/>
+            <a:ext cx="9577597" cy="1110780"/>
           </a:xfrm>
           <a:prstGeom prst="rect">
             <a:avLst/>
           </a:prstGeom>
         </p:spPr>
         <p:txBody>
-          <a:bodyPr vert="horz" lIns="91440" tIns="45720" rIns="91440" bIns="45720" rtlCol="0" anchor="b">
-            <a:normAutofit lnSpcReduction="10000"/>
+          <a:bodyPr vert="horz" lIns="108000" tIns="36000" rIns="108000" bIns="36000" rtlCol="0" anchor="ctr" anchorCtr="0">
+            <a:normAutofit/>
           </a:bodyPr>
           <a:lstStyle>
-            <a:lvl1pPr algn="ctr" defTabSz="914400" rtl="0" eaLnBrk="1" latinLnBrk="0" hangingPunct="1">
+            <a:lvl1pPr algn="l" defTabSz="1218987" rtl="0" eaLnBrk="1" latinLnBrk="0" hangingPunct="1">
               <a:lnSpc>
                 <a:spcPct val="90000"/>
               </a:lnSpc>
@@ -4947,10 +10590,11 @@
                 <a:spcPct val="0"/>
               </a:spcBef>
               <a:buNone/>
-              <a:defRPr sz="6000" kern="1200">
-                <a:solidFill>
-                  <a:schemeClr val="tx1"/>
-                </a:solidFill>
+              <a:defRPr sz="4000" b="1" kern="1200">
+                <a:solidFill>
+                  <a:srgbClr val="F3BE60"/>
+                </a:solidFill>
+                <a:effectLst/>
                 <a:latin typeface="+mj-lt"/>
                 <a:ea typeface="+mj-ea"/>
                 <a:cs typeface="+mj-cs"/>
@@ -4959,21 +10603,59 @@
           </a:lstStyle>
           <a:p>
             <a:r>
-              <a:rPr lang="en-GB" sz="4400" b="1" dirty="0">
-                <a:solidFill>
-                  <a:schemeClr val="accent1">
-                    <a:lumMod val="50000"/>
-                  </a:schemeClr>
+              <a:rPr lang="en-US" dirty="0">
+                <a:solidFill>
+                  <a:srgbClr val="002060"/>
+                </a:solidFill>
+                <a:latin typeface="Source Sans Pro" panose="020B0503030403020204" pitchFamily="34" charset="0"/>
+                <a:ea typeface="Source Sans Pro" panose="020B0503030403020204" pitchFamily="34" charset="0"/>
+              </a:rPr>
+              <a:t>Git</a:t>
+            </a:r>
+          </a:p>
+        </p:txBody>
+      </p:sp>
+      <p:sp>
+        <p:nvSpPr>
+          <p:cNvPr id="7" name="Title 1">
+            <a:extLst>
+              <a:ext uri="{FF2B5EF4-FFF2-40B4-BE49-F238E27FC236}">
+                <a16:creationId xmlns:a16="http://schemas.microsoft.com/office/drawing/2014/main" id="{2591AE5E-B75A-4B5E-8C98-54FDCCE81365}"/>
+              </a:ext>
+            </a:extLst>
+          </p:cNvPr>
+          <p:cNvSpPr>
+            <a:spLocks noGrp="1"/>
+          </p:cNvSpPr>
+          <p:nvPr>
+            <p:ph type="ctrTitle"/>
+          </p:nvPr>
+        </p:nvSpPr>
+        <p:spPr>
+          <a:xfrm>
+            <a:off x="1572586" y="1600200"/>
+            <a:ext cx="9529011" cy="1110780"/>
+          </a:xfrm>
+        </p:spPr>
+        <p:txBody>
+          <a:bodyPr>
+            <a:normAutofit/>
+          </a:bodyPr>
+          <a:lstStyle/>
+          <a:p>
+            <a:pPr algn="l"/>
+            <a:r>
+              <a:rPr lang="en-GB" b="1" dirty="0">
+                <a:solidFill>
+                  <a:srgbClr val="F3BE60"/>
                 </a:solidFill>
                 <a:latin typeface="Source Sans Pro" panose="020B0604020202020204" pitchFamily="34" charset="0"/>
               </a:rPr>
-              <a:t>Development Automation</a:t>
-            </a:r>
-            <a:endParaRPr lang="bg-BG" sz="4400" b="1" dirty="0">
+              <a:t>init</a:t>
+            </a:r>
+            <a:endParaRPr lang="bg-BG" b="1" dirty="0">
               <a:solidFill>
-                <a:schemeClr val="accent1">
-                  <a:lumMod val="50000"/>
-                </a:schemeClr>
+                <a:srgbClr val="F3BE60"/>
               </a:solidFill>
               <a:latin typeface="Source Sans Pro" panose="020B0604020202020204" pitchFamily="34" charset="0"/>
             </a:endParaRPr>
@@ -4983,7 +10665,7 @@
     </p:spTree>
     <p:extLst>
       <p:ext uri="{BB962C8B-B14F-4D97-AF65-F5344CB8AC3E}">
-        <p14:creationId xmlns:p14="http://schemas.microsoft.com/office/powerpoint/2010/main" val="2437071485"/>
+        <p14:creationId xmlns:p14="http://schemas.microsoft.com/office/powerpoint/2010/main" val="1426400827"/>
       </p:ext>
     </p:extLst>
   </p:cSld>
@@ -5110,81 +10792,60 @@
           <a:p>
             <a:r>
               <a:rPr lang="en-US" dirty="0">
+                <a:solidFill>
+                  <a:srgbClr val="002060"/>
+                </a:solidFill>
                 <a:latin typeface="Source Sans Pro" panose="020B0503030403020204" pitchFamily="34" charset="0"/>
                 <a:ea typeface="Source Sans Pro" panose="020B0503030403020204" pitchFamily="34" charset="0"/>
               </a:rPr>
-              <a:t>…</a:t>
-            </a:r>
-          </a:p>
-        </p:txBody>
-      </p:sp>
-      <p:sp>
-        <p:nvSpPr>
-          <p:cNvPr id="8" name="TextBox 7">
-            <a:extLst>
-              <a:ext uri="{FF2B5EF4-FFF2-40B4-BE49-F238E27FC236}">
-                <a16:creationId xmlns:a16="http://schemas.microsoft.com/office/drawing/2014/main" id="{0631B10C-D68B-43D8-859F-1B7C189D2175}"/>
-              </a:ext>
-            </a:extLst>
-          </p:cNvPr>
-          <p:cNvSpPr txBox="1"/>
-          <p:nvPr/>
-        </p:nvSpPr>
-        <p:spPr>
-          <a:xfrm>
-            <a:off x="1524000" y="1600200"/>
-            <a:ext cx="9577598" cy="369332"/>
-          </a:xfrm>
-          <a:prstGeom prst="rect">
-            <a:avLst/>
-          </a:prstGeom>
-          <a:solidFill>
-            <a:schemeClr val="accent4">
-              <a:lumMod val="20000"/>
-              <a:lumOff val="80000"/>
-            </a:schemeClr>
-          </a:solidFill>
-        </p:spPr>
-        <p:style>
-          <a:lnRef idx="1">
-            <a:schemeClr val="accent4"/>
-          </a:lnRef>
-          <a:fillRef idx="2">
-            <a:schemeClr val="accent4"/>
-          </a:fillRef>
-          <a:effectRef idx="1">
-            <a:schemeClr val="accent4"/>
-          </a:effectRef>
-          <a:fontRef idx="minor">
-            <a:schemeClr val="dk1"/>
-          </a:fontRef>
-        </p:style>
-        <p:txBody>
-          <a:bodyPr wrap="square" rtlCol="0">
-            <a:spAutoFit/>
+              <a:t>Git</a:t>
+            </a:r>
+          </a:p>
+        </p:txBody>
+      </p:sp>
+      <p:sp>
+        <p:nvSpPr>
+          <p:cNvPr id="7" name="Title 1">
+            <a:extLst>
+              <a:ext uri="{FF2B5EF4-FFF2-40B4-BE49-F238E27FC236}">
+                <a16:creationId xmlns:a16="http://schemas.microsoft.com/office/drawing/2014/main" id="{2591AE5E-B75A-4B5E-8C98-54FDCCE81365}"/>
+              </a:ext>
+            </a:extLst>
+          </p:cNvPr>
+          <p:cNvSpPr>
+            <a:spLocks noGrp="1"/>
+          </p:cNvSpPr>
+          <p:nvPr>
+            <p:ph type="ctrTitle"/>
+          </p:nvPr>
+        </p:nvSpPr>
+        <p:spPr>
+          <a:xfrm>
+            <a:off x="1572586" y="1600200"/>
+            <a:ext cx="9529011" cy="1110780"/>
+          </a:xfrm>
+        </p:spPr>
+        <p:txBody>
+          <a:bodyPr>
+            <a:normAutofit/>
           </a:bodyPr>
           <a:lstStyle/>
           <a:p>
-            <a:r>
-              <a:rPr lang="en-US" dirty="0">
-                <a:solidFill>
-                  <a:schemeClr val="accent1">
-                    <a:lumMod val="50000"/>
-                  </a:schemeClr>
-                </a:solidFill>
-                <a:latin typeface="Source Sans Pro" panose="020B0503030403020204" pitchFamily="34" charset="0"/>
-                <a:ea typeface="Source Sans Pro" panose="020B0503030403020204" pitchFamily="34" charset="0"/>
+            <a:pPr algn="l"/>
+            <a:r>
+              <a:rPr lang="en-GB" b="1" dirty="0">
+                <a:solidFill>
+                  <a:srgbClr val="F3BE60"/>
+                </a:solidFill>
+                <a:latin typeface="Source Sans Pro" panose="020B0604020202020204" pitchFamily="34" charset="0"/>
               </a:rPr>
-              <a:t>…</a:t>
-            </a:r>
-            <a:endParaRPr lang="bg-BG" dirty="0">
+              <a:t>add</a:t>
+            </a:r>
+            <a:endParaRPr lang="bg-BG" b="1" dirty="0">
               <a:solidFill>
-                <a:schemeClr val="accent1">
-                  <a:lumMod val="50000"/>
-                </a:schemeClr>
+                <a:srgbClr val="F3BE60"/>
               </a:solidFill>
-              <a:latin typeface="Source Sans Pro" panose="020B0503030403020204" pitchFamily="34" charset="0"/>
-              <a:ea typeface="Source Sans Pro" panose="020B0503030403020204" pitchFamily="34" charset="0"/>
+              <a:latin typeface="Source Sans Pro" panose="020B0604020202020204" pitchFamily="34" charset="0"/>
             </a:endParaRPr>
           </a:p>
         </p:txBody>
@@ -5192,7 +10853,7 @@
     </p:spTree>
     <p:extLst>
       <p:ext uri="{BB962C8B-B14F-4D97-AF65-F5344CB8AC3E}">
-        <p14:creationId xmlns:p14="http://schemas.microsoft.com/office/powerpoint/2010/main" val="3201185771"/>
+        <p14:creationId xmlns:p14="http://schemas.microsoft.com/office/powerpoint/2010/main" val="2982027154"/>
       </p:ext>
     </p:extLst>
   </p:cSld>

--- a/01. Dev Workflows & Tools/01. Dev Workflows & Tools.pptx
+++ b/01. Dev Workflows & Tools/01. Dev Workflows & Tools.pptx
@@ -45,38 +45,37 @@
     <p:sldId id="325" r:id="rId39"/>
     <p:sldId id="326" r:id="rId40"/>
     <p:sldId id="327" r:id="rId41"/>
-    <p:sldId id="328" r:id="rId42"/>
-    <p:sldId id="329" r:id="rId43"/>
-    <p:sldId id="330" r:id="rId44"/>
-    <p:sldId id="331" r:id="rId45"/>
-    <p:sldId id="332" r:id="rId46"/>
-    <p:sldId id="333" r:id="rId47"/>
-    <p:sldId id="334" r:id="rId48"/>
-    <p:sldId id="335" r:id="rId49"/>
-    <p:sldId id="336" r:id="rId50"/>
-    <p:sldId id="337" r:id="rId51"/>
-    <p:sldId id="338" r:id="rId52"/>
-    <p:sldId id="339" r:id="rId53"/>
-    <p:sldId id="340" r:id="rId54"/>
-    <p:sldId id="341" r:id="rId55"/>
-    <p:sldId id="342" r:id="rId56"/>
-    <p:sldId id="343" r:id="rId57"/>
-    <p:sldId id="344" r:id="rId58"/>
-    <p:sldId id="345" r:id="rId59"/>
-    <p:sldId id="346" r:id="rId60"/>
-    <p:sldId id="347" r:id="rId61"/>
-    <p:sldId id="348" r:id="rId62"/>
-    <p:sldId id="349" r:id="rId63"/>
-    <p:sldId id="350" r:id="rId64"/>
-    <p:sldId id="351" r:id="rId65"/>
-    <p:sldId id="352" r:id="rId66"/>
-    <p:sldId id="353" r:id="rId67"/>
-    <p:sldId id="354" r:id="rId68"/>
-    <p:sldId id="355" r:id="rId69"/>
-    <p:sldId id="356" r:id="rId70"/>
-    <p:sldId id="357" r:id="rId71"/>
-    <p:sldId id="358" r:id="rId72"/>
-    <p:sldId id="359" r:id="rId73"/>
+    <p:sldId id="329" r:id="rId42"/>
+    <p:sldId id="330" r:id="rId43"/>
+    <p:sldId id="331" r:id="rId44"/>
+    <p:sldId id="332" r:id="rId45"/>
+    <p:sldId id="333" r:id="rId46"/>
+    <p:sldId id="334" r:id="rId47"/>
+    <p:sldId id="335" r:id="rId48"/>
+    <p:sldId id="336" r:id="rId49"/>
+    <p:sldId id="337" r:id="rId50"/>
+    <p:sldId id="338" r:id="rId51"/>
+    <p:sldId id="339" r:id="rId52"/>
+    <p:sldId id="340" r:id="rId53"/>
+    <p:sldId id="341" r:id="rId54"/>
+    <p:sldId id="342" r:id="rId55"/>
+    <p:sldId id="343" r:id="rId56"/>
+    <p:sldId id="344" r:id="rId57"/>
+    <p:sldId id="345" r:id="rId58"/>
+    <p:sldId id="346" r:id="rId59"/>
+    <p:sldId id="347" r:id="rId60"/>
+    <p:sldId id="348" r:id="rId61"/>
+    <p:sldId id="349" r:id="rId62"/>
+    <p:sldId id="350" r:id="rId63"/>
+    <p:sldId id="351" r:id="rId64"/>
+    <p:sldId id="352" r:id="rId65"/>
+    <p:sldId id="353" r:id="rId66"/>
+    <p:sldId id="354" r:id="rId67"/>
+    <p:sldId id="355" r:id="rId68"/>
+    <p:sldId id="356" r:id="rId69"/>
+    <p:sldId id="357" r:id="rId70"/>
+    <p:sldId id="358" r:id="rId71"/>
+    <p:sldId id="359" r:id="rId72"/>
   </p:sldIdLst>
   <p:sldSz cx="12192000" cy="6858000"/>
   <p:notesSz cx="6858000" cy="9144000"/>
@@ -252,7 +251,6 @@
             <p14:sldId id="325"/>
             <p14:sldId id="326"/>
             <p14:sldId id="327"/>
-            <p14:sldId id="328"/>
             <p14:sldId id="329"/>
             <p14:sldId id="330"/>
             <p14:sldId id="331"/>
@@ -448,7 +446,7 @@
           <a:p>
             <a:fld id="{44BF7E79-A73C-4B14-A500-2DC639C8360F}" type="datetimeFigureOut">
               <a:rPr lang="bg-BG" smtClean="0"/>
-              <a:t>06.05.2019</a:t>
+              <a:t>07.05.2019</a:t>
             </a:fld>
             <a:endParaRPr lang="bg-BG"/>
           </a:p>
@@ -648,7 +646,7 @@
           <a:p>
             <a:fld id="{44BF7E79-A73C-4B14-A500-2DC639C8360F}" type="datetimeFigureOut">
               <a:rPr lang="bg-BG" smtClean="0"/>
-              <a:t>06.05.2019</a:t>
+              <a:t>07.05.2019</a:t>
             </a:fld>
             <a:endParaRPr lang="bg-BG"/>
           </a:p>
@@ -858,7 +856,7 @@
           <a:p>
             <a:fld id="{44BF7E79-A73C-4B14-A500-2DC639C8360F}" type="datetimeFigureOut">
               <a:rPr lang="bg-BG" smtClean="0"/>
-              <a:t>06.05.2019</a:t>
+              <a:t>07.05.2019</a:t>
             </a:fld>
             <a:endParaRPr lang="bg-BG"/>
           </a:p>
@@ -1058,7 +1056,7 @@
           <a:p>
             <a:fld id="{44BF7E79-A73C-4B14-A500-2DC639C8360F}" type="datetimeFigureOut">
               <a:rPr lang="bg-BG" smtClean="0"/>
-              <a:t>06.05.2019</a:t>
+              <a:t>07.05.2019</a:t>
             </a:fld>
             <a:endParaRPr lang="bg-BG"/>
           </a:p>
@@ -1334,7 +1332,7 @@
           <a:p>
             <a:fld id="{44BF7E79-A73C-4B14-A500-2DC639C8360F}" type="datetimeFigureOut">
               <a:rPr lang="bg-BG" smtClean="0"/>
-              <a:t>06.05.2019</a:t>
+              <a:t>07.05.2019</a:t>
             </a:fld>
             <a:endParaRPr lang="bg-BG"/>
           </a:p>
@@ -1602,7 +1600,7 @@
           <a:p>
             <a:fld id="{44BF7E79-A73C-4B14-A500-2DC639C8360F}" type="datetimeFigureOut">
               <a:rPr lang="bg-BG" smtClean="0"/>
-              <a:t>06.05.2019</a:t>
+              <a:t>07.05.2019</a:t>
             </a:fld>
             <a:endParaRPr lang="bg-BG"/>
           </a:p>
@@ -2017,7 +2015,7 @@
           <a:p>
             <a:fld id="{44BF7E79-A73C-4B14-A500-2DC639C8360F}" type="datetimeFigureOut">
               <a:rPr lang="bg-BG" smtClean="0"/>
-              <a:t>06.05.2019</a:t>
+              <a:t>07.05.2019</a:t>
             </a:fld>
             <a:endParaRPr lang="bg-BG"/>
           </a:p>
@@ -2159,7 +2157,7 @@
           <a:p>
             <a:fld id="{44BF7E79-A73C-4B14-A500-2DC639C8360F}" type="datetimeFigureOut">
               <a:rPr lang="bg-BG" smtClean="0"/>
-              <a:t>06.05.2019</a:t>
+              <a:t>07.05.2019</a:t>
             </a:fld>
             <a:endParaRPr lang="bg-BG"/>
           </a:p>
@@ -2272,7 +2270,7 @@
           <a:p>
             <a:fld id="{44BF7E79-A73C-4B14-A500-2DC639C8360F}" type="datetimeFigureOut">
               <a:rPr lang="bg-BG" smtClean="0"/>
-              <a:t>06.05.2019</a:t>
+              <a:t>07.05.2019</a:t>
             </a:fld>
             <a:endParaRPr lang="bg-BG"/>
           </a:p>
@@ -2585,7 +2583,7 @@
           <a:p>
             <a:fld id="{44BF7E79-A73C-4B14-A500-2DC639C8360F}" type="datetimeFigureOut">
               <a:rPr lang="bg-BG" smtClean="0"/>
-              <a:t>06.05.2019</a:t>
+              <a:t>07.05.2019</a:t>
             </a:fld>
             <a:endParaRPr lang="bg-BG"/>
           </a:p>
@@ -2874,7 +2872,7 @@
           <a:p>
             <a:fld id="{44BF7E79-A73C-4B14-A500-2DC639C8360F}" type="datetimeFigureOut">
               <a:rPr lang="bg-BG" smtClean="0"/>
-              <a:t>06.05.2019</a:t>
+              <a:t>07.05.2019</a:t>
             </a:fld>
             <a:endParaRPr lang="bg-BG"/>
           </a:p>
@@ -3117,7 +3115,7 @@
           <a:p>
             <a:fld id="{44BF7E79-A73C-4B14-A500-2DC639C8360F}" type="datetimeFigureOut">
               <a:rPr lang="bg-BG" smtClean="0"/>
-              <a:t>06.05.2019</a:t>
+              <a:t>07.05.2019</a:t>
             </a:fld>
             <a:endParaRPr lang="bg-BG"/>
           </a:p>
@@ -10376,27 +10374,7 @@
                 <a:latin typeface="Source Sans Pro" panose="020B0503030403020204" pitchFamily="34" charset="0"/>
                 <a:ea typeface="Source Sans Pro" panose="020B0503030403020204" pitchFamily="34" charset="0"/>
               </a:rPr>
-              <a:t>Sass is an extension of CSS that adds power and elegance to the basic language. It allows you to use variables, nested rules, </a:t>
-            </a:r>
-            <a:r>
-              <a:rPr lang="en-US" sz="2400" b="1" dirty="0" err="1">
-                <a:solidFill>
-                  <a:srgbClr val="002060"/>
-                </a:solidFill>
-                <a:latin typeface="Source Sans Pro" panose="020B0503030403020204" pitchFamily="34" charset="0"/>
-                <a:ea typeface="Source Sans Pro" panose="020B0503030403020204" pitchFamily="34" charset="0"/>
-              </a:rPr>
-              <a:t>mixins</a:t>
-            </a:r>
-            <a:r>
-              <a:rPr lang="en-US" sz="2400" b="1" dirty="0">
-                <a:solidFill>
-                  <a:srgbClr val="002060"/>
-                </a:solidFill>
-                <a:latin typeface="Source Sans Pro" panose="020B0503030403020204" pitchFamily="34" charset="0"/>
-                <a:ea typeface="Source Sans Pro" panose="020B0503030403020204" pitchFamily="34" charset="0"/>
-              </a:rPr>
-              <a:t>, inline imports, and more, all with a fully CSS-compatible syntax. Sass helps keep large stylesheets well-organized, and get small stylesheets up and running quickly, particularly with the help of the Compass style library.</a:t>
+              <a:t>Sass is an extension of CSS that adds power and elegance to the basic language. It allows you to use variables, nested rules, mixins, inline imports, and more, all with a fully CSS-compatible syntax. Sass helps keep large stylesheets well-organized, and get small stylesheets up and running quickly, particularly with the help of the Compass style library.</a:t>
             </a:r>
             <a:endParaRPr lang="en-US" sz="2400" dirty="0">
               <a:solidFill>
@@ -10820,25 +10798,8 @@
                 <a:latin typeface="Source Sans Pro" panose="020B0503030403020204" pitchFamily="34" charset="0"/>
                 <a:ea typeface="Source Sans Pro" panose="020B0503030403020204" pitchFamily="34" charset="0"/>
               </a:rPr>
-              <a:t>Language extensions such as variables, nesting, and </a:t>
-            </a:r>
-            <a:r>
-              <a:rPr lang="en-US" sz="2400" b="1" dirty="0" err="1">
-                <a:solidFill>
-                  <a:srgbClr val="002060"/>
-                </a:solidFill>
-                <a:latin typeface="Source Sans Pro" panose="020B0503030403020204" pitchFamily="34" charset="0"/>
-                <a:ea typeface="Source Sans Pro" panose="020B0503030403020204" pitchFamily="34" charset="0"/>
-              </a:rPr>
-              <a:t>mixins</a:t>
-            </a:r>
-            <a:endParaRPr lang="en-US" sz="2400" b="1" dirty="0">
-              <a:solidFill>
-                <a:srgbClr val="002060"/>
-              </a:solidFill>
-              <a:latin typeface="Source Sans Pro" panose="020B0503030403020204" pitchFamily="34" charset="0"/>
-              <a:ea typeface="Source Sans Pro" panose="020B0503030403020204" pitchFamily="34" charset="0"/>
-            </a:endParaRPr>
+              <a:t>Language extensions such as variables, nesting, and mixins</a:t>
+            </a:r>
           </a:p>
           <a:p>
             <a:r>
@@ -11291,27 +11252,7 @@
                 <a:latin typeface="Source Sans Pro" panose="020B0503030403020204" pitchFamily="34" charset="0"/>
                 <a:ea typeface="Source Sans Pro" panose="020B0503030403020204" pitchFamily="34" charset="0"/>
               </a:rPr>
-              <a:t>SCSS (Sassy CSS) [.</a:t>
-            </a:r>
-            <a:r>
-              <a:rPr lang="en-US" sz="2400" b="1" dirty="0" err="1">
-                <a:solidFill>
-                  <a:srgbClr val="002060"/>
-                </a:solidFill>
-                <a:latin typeface="Source Sans Pro" panose="020B0503030403020204" pitchFamily="34" charset="0"/>
-                <a:ea typeface="Source Sans Pro" panose="020B0503030403020204" pitchFamily="34" charset="0"/>
-              </a:rPr>
-              <a:t>scss</a:t>
-            </a:r>
-            <a:r>
-              <a:rPr lang="en-US" sz="2400" b="1" dirty="0">
-                <a:solidFill>
-                  <a:srgbClr val="002060"/>
-                </a:solidFill>
-                <a:latin typeface="Source Sans Pro" panose="020B0503030403020204" pitchFamily="34" charset="0"/>
-                <a:ea typeface="Source Sans Pro" panose="020B0503030403020204" pitchFamily="34" charset="0"/>
-              </a:rPr>
-              <a:t>]</a:t>
+              <a:t>SCSS (Sassy CSS) [.scss]</a:t>
             </a:r>
           </a:p>
           <a:p>
@@ -11738,79 +11679,19 @@
                 <a:latin typeface="Source Sans Pro" panose="020B0503030403020204" pitchFamily="34" charset="0"/>
                 <a:ea typeface="Source Sans Pro" panose="020B0503030403020204" pitchFamily="34" charset="0"/>
               </a:rPr>
-              <a:t>Node.js Sass - npm install node-sass (Bindings for </a:t>
-            </a:r>
-            <a:r>
-              <a:rPr lang="en-US" sz="2000" b="1" dirty="0" err="1">
+              <a:t>Node.js Sass - npm install node-sass (Bindings for LibSass, a C++ implementation)</a:t>
+            </a:r>
+          </a:p>
+          <a:p>
+            <a:r>
+              <a:rPr lang="en-US" sz="2000" b="1" dirty="0">
                 <a:solidFill>
                   <a:srgbClr val="002060"/>
                 </a:solidFill>
                 <a:latin typeface="Source Sans Pro" panose="020B0503030403020204" pitchFamily="34" charset="0"/>
                 <a:ea typeface="Source Sans Pro" panose="020B0503030403020204" pitchFamily="34" charset="0"/>
               </a:rPr>
-              <a:t>LibSass</a:t>
-            </a:r>
-            <a:r>
-              <a:rPr lang="en-US" sz="2000" b="1" dirty="0">
-                <a:solidFill>
-                  <a:srgbClr val="002060"/>
-                </a:solidFill>
-                <a:latin typeface="Source Sans Pro" panose="020B0503030403020204" pitchFamily="34" charset="0"/>
-                <a:ea typeface="Source Sans Pro" panose="020B0503030403020204" pitchFamily="34" charset="0"/>
-              </a:rPr>
-              <a:t>, a C++ implementation)</a:t>
-            </a:r>
-          </a:p>
-          <a:p>
-            <a:r>
-              <a:rPr lang="en-US" sz="2000" b="1" dirty="0">
-                <a:solidFill>
-                  <a:srgbClr val="002060"/>
-                </a:solidFill>
-                <a:latin typeface="Source Sans Pro" panose="020B0503030403020204" pitchFamily="34" charset="0"/>
-                <a:ea typeface="Source Sans Pro" panose="020B0503030403020204" pitchFamily="34" charset="0"/>
-              </a:rPr>
-              <a:t>Python Sass - pip install </a:t>
-            </a:r>
-            <a:r>
-              <a:rPr lang="en-US" sz="2000" b="1" dirty="0" err="1">
-                <a:solidFill>
-                  <a:srgbClr val="002060"/>
-                </a:solidFill>
-                <a:latin typeface="Source Sans Pro" panose="020B0503030403020204" pitchFamily="34" charset="0"/>
-                <a:ea typeface="Source Sans Pro" panose="020B0503030403020204" pitchFamily="34" charset="0"/>
-              </a:rPr>
-              <a:t>libsass</a:t>
-            </a:r>
-            <a:r>
-              <a:rPr lang="en-US" sz="2000" b="1" dirty="0">
-                <a:solidFill>
-                  <a:srgbClr val="002060"/>
-                </a:solidFill>
-                <a:latin typeface="Source Sans Pro" panose="020B0503030403020204" pitchFamily="34" charset="0"/>
-                <a:ea typeface="Source Sans Pro" panose="020B0503030403020204" pitchFamily="34" charset="0"/>
-              </a:rPr>
-              <a:t> (Bindings for </a:t>
-            </a:r>
-            <a:r>
-              <a:rPr lang="en-US" sz="2000" b="1" dirty="0" err="1">
-                <a:solidFill>
-                  <a:srgbClr val="002060"/>
-                </a:solidFill>
-                <a:latin typeface="Source Sans Pro" panose="020B0503030403020204" pitchFamily="34" charset="0"/>
-                <a:ea typeface="Source Sans Pro" panose="020B0503030403020204" pitchFamily="34" charset="0"/>
-              </a:rPr>
-              <a:t>LibSass</a:t>
-            </a:r>
-            <a:r>
-              <a:rPr lang="en-US" sz="2000" b="1" dirty="0">
-                <a:solidFill>
-                  <a:srgbClr val="002060"/>
-                </a:solidFill>
-                <a:latin typeface="Source Sans Pro" panose="020B0503030403020204" pitchFamily="34" charset="0"/>
-                <a:ea typeface="Source Sans Pro" panose="020B0503030403020204" pitchFamily="34" charset="0"/>
-              </a:rPr>
-              <a:t>, a C++ implementation)</a:t>
+              <a:t>Python Sass - pip install libsass (Bindings for LibSass, a C++ implementation)</a:t>
             </a:r>
           </a:p>
           <a:p>
@@ -12349,7 +12230,7 @@
                 <a:latin typeface="Source Sans Pro" panose="020B0503030403020204" pitchFamily="34" charset="0"/>
                 <a:ea typeface="Source Sans Pro" panose="020B0503030403020204" pitchFamily="34" charset="0"/>
               </a:rPr>
-              <a:t>LESS</a:t>
+              <a:t>LESS - FEATURES</a:t>
             </a:r>
           </a:p>
         </p:txBody>
@@ -12597,9 +12478,6 @@
             </a:lvl9pPr>
           </a:lstStyle>
           <a:p>
-            <a:pPr marL="0" indent="0">
-              <a:buNone/>
-            </a:pPr>
             <a:r>
               <a:rPr lang="en-US" sz="2400" b="1" dirty="0">
                 <a:solidFill>
@@ -12608,7 +12486,7 @@
                 <a:latin typeface="Source Sans Pro" panose="020B0503030403020204" pitchFamily="34" charset="0"/>
                 <a:ea typeface="Source Sans Pro" panose="020B0503030403020204" pitchFamily="34" charset="0"/>
               </a:rPr>
-              <a:t>It's CSS, with just a little more.</a:t>
+              <a:t>Evaluating values and conditional statements</a:t>
             </a:r>
           </a:p>
           <a:p>
@@ -12620,18 +12498,22 @@
                 <a:latin typeface="Source Sans Pro" panose="020B0503030403020204" pitchFamily="34" charset="0"/>
                 <a:ea typeface="Source Sans Pro" panose="020B0503030403020204" pitchFamily="34" charset="0"/>
               </a:rPr>
-              <a:t>SCSS (Sassy CSS) [.</a:t>
-            </a:r>
-            <a:r>
-              <a:rPr lang="en-US" sz="2400" b="1" dirty="0" err="1">
+              <a:t>Language extensions such as variables, nesting, and mixins</a:t>
+            </a:r>
+          </a:p>
+          <a:p>
+            <a:r>
+              <a:rPr lang="en-US" sz="2400" b="1" dirty="0">
                 <a:solidFill>
                   <a:srgbClr val="002060"/>
                 </a:solidFill>
                 <a:latin typeface="Source Sans Pro" panose="020B0503030403020204" pitchFamily="34" charset="0"/>
                 <a:ea typeface="Source Sans Pro" panose="020B0503030403020204" pitchFamily="34" charset="0"/>
               </a:rPr>
-              <a:t>scss</a:t>
-            </a:r>
+              <a:t>Many useful functions for manipulating colors and other values</a:t>
+            </a:r>
+          </a:p>
+          <a:p>
             <a:r>
               <a:rPr lang="en-US" sz="2400" b="1" dirty="0">
                 <a:solidFill>
@@ -12640,7 +12522,7 @@
                 <a:latin typeface="Source Sans Pro" panose="020B0503030403020204" pitchFamily="34" charset="0"/>
                 <a:ea typeface="Source Sans Pro" panose="020B0503030403020204" pitchFamily="34" charset="0"/>
               </a:rPr>
-              <a:t>]</a:t>
+              <a:t>Advanced features like control directives for libraries</a:t>
             </a:r>
           </a:p>
           <a:p>
@@ -12652,7 +12534,7 @@
                 <a:latin typeface="Source Sans Pro" panose="020B0503030403020204" pitchFamily="34" charset="0"/>
                 <a:ea typeface="Source Sans Pro" panose="020B0503030403020204" pitchFamily="34" charset="0"/>
               </a:rPr>
-              <a:t>Indented syntax (or just "Sass") [.sass]</a:t>
+              <a:t>Well-formatted, customizable output</a:t>
             </a:r>
             <a:endParaRPr lang="en-US" sz="2400" dirty="0">
               <a:solidFill>
@@ -12669,7 +12551,7 @@
     </p:spTree>
     <p:extLst>
       <p:ext uri="{BB962C8B-B14F-4D97-AF65-F5344CB8AC3E}">
-        <p14:creationId xmlns:p14="http://schemas.microsoft.com/office/powerpoint/2010/main" val="3583751664"/>
+        <p14:creationId xmlns:p14="http://schemas.microsoft.com/office/powerpoint/2010/main" val="2789577038"/>
       </p:ext>
     </p:extLst>
   </p:cSld>
@@ -12799,7 +12681,7 @@
                 <a:latin typeface="Source Sans Pro" panose="020B0503030403020204" pitchFamily="34" charset="0"/>
                 <a:ea typeface="Source Sans Pro" panose="020B0503030403020204" pitchFamily="34" charset="0"/>
               </a:rPr>
-              <a:t>LESS - FEATURES</a:t>
+              <a:t>USING LESS</a:t>
             </a:r>
           </a:p>
         </p:txBody>
@@ -13055,7 +12937,7 @@
                 <a:latin typeface="Source Sans Pro" panose="020B0503030403020204" pitchFamily="34" charset="0"/>
                 <a:ea typeface="Source Sans Pro" panose="020B0503030403020204" pitchFamily="34" charset="0"/>
               </a:rPr>
-              <a:t>Evaluating values and conditional statements</a:t>
+              <a:t>Node.js - npm install -g less</a:t>
             </a:r>
           </a:p>
           <a:p>
@@ -13067,60 +12949,7 @@
                 <a:latin typeface="Source Sans Pro" panose="020B0503030403020204" pitchFamily="34" charset="0"/>
                 <a:ea typeface="Source Sans Pro" panose="020B0503030403020204" pitchFamily="34" charset="0"/>
               </a:rPr>
-              <a:t>Language extensions such as variables, nesting, and </a:t>
-            </a:r>
-            <a:r>
-              <a:rPr lang="en-US" sz="2400" b="1" dirty="0" err="1">
-                <a:solidFill>
-                  <a:srgbClr val="002060"/>
-                </a:solidFill>
-                <a:latin typeface="Source Sans Pro" panose="020B0503030403020204" pitchFamily="34" charset="0"/>
-                <a:ea typeface="Source Sans Pro" panose="020B0503030403020204" pitchFamily="34" charset="0"/>
-              </a:rPr>
-              <a:t>mixins</a:t>
-            </a:r>
-            <a:endParaRPr lang="en-US" sz="2400" b="1" dirty="0">
-              <a:solidFill>
-                <a:srgbClr val="002060"/>
-              </a:solidFill>
-              <a:latin typeface="Source Sans Pro" panose="020B0503030403020204" pitchFamily="34" charset="0"/>
-              <a:ea typeface="Source Sans Pro" panose="020B0503030403020204" pitchFamily="34" charset="0"/>
-            </a:endParaRPr>
-          </a:p>
-          <a:p>
-            <a:r>
-              <a:rPr lang="en-US" sz="2400" b="1" dirty="0">
-                <a:solidFill>
-                  <a:srgbClr val="002060"/>
-                </a:solidFill>
-                <a:latin typeface="Source Sans Pro" panose="020B0503030403020204" pitchFamily="34" charset="0"/>
-                <a:ea typeface="Source Sans Pro" panose="020B0503030403020204" pitchFamily="34" charset="0"/>
-              </a:rPr>
-              <a:t>Many useful functions for manipulating colors and other values</a:t>
-            </a:r>
-          </a:p>
-          <a:p>
-            <a:r>
-              <a:rPr lang="en-US" sz="2400" b="1" dirty="0">
-                <a:solidFill>
-                  <a:srgbClr val="002060"/>
-                </a:solidFill>
-                <a:latin typeface="Source Sans Pro" panose="020B0503030403020204" pitchFamily="34" charset="0"/>
-                <a:ea typeface="Source Sans Pro" panose="020B0503030403020204" pitchFamily="34" charset="0"/>
-              </a:rPr>
-              <a:t>Advanced features like control directives for libraries</a:t>
-            </a:r>
-          </a:p>
-          <a:p>
-            <a:r>
-              <a:rPr lang="en-US" sz="2400" b="1" dirty="0">
-                <a:solidFill>
-                  <a:srgbClr val="002060"/>
-                </a:solidFill>
-                <a:latin typeface="Source Sans Pro" panose="020B0503030403020204" pitchFamily="34" charset="0"/>
-                <a:ea typeface="Source Sans Pro" panose="020B0503030403020204" pitchFamily="34" charset="0"/>
-              </a:rPr>
-              <a:t>Well-formatted, customizable output</a:t>
+              <a:t>In the Browser - JavaScript - include less.js in your HTML</a:t>
             </a:r>
             <a:endParaRPr lang="en-US" sz="2400" dirty="0">
               <a:solidFill>
@@ -13137,7 +12966,7 @@
     </p:spTree>
     <p:extLst>
       <p:ext uri="{BB962C8B-B14F-4D97-AF65-F5344CB8AC3E}">
-        <p14:creationId xmlns:p14="http://schemas.microsoft.com/office/powerpoint/2010/main" val="2789577038"/>
+        <p14:creationId xmlns:p14="http://schemas.microsoft.com/office/powerpoint/2010/main" val="251055026"/>
       </p:ext>
     </p:extLst>
   </p:cSld>
@@ -13178,6 +13007,52 @@
           <a:chExt cx="0" cy="0"/>
         </a:xfrm>
       </p:grpSpPr>
+      <p:sp>
+        <p:nvSpPr>
+          <p:cNvPr id="2" name="Title 1">
+            <a:extLst>
+              <a:ext uri="{FF2B5EF4-FFF2-40B4-BE49-F238E27FC236}">
+                <a16:creationId xmlns:a16="http://schemas.microsoft.com/office/drawing/2014/main" id="{F533C787-D925-4018-B654-B08DDAB85464}"/>
+              </a:ext>
+            </a:extLst>
+          </p:cNvPr>
+          <p:cNvSpPr>
+            <a:spLocks noGrp="1"/>
+          </p:cNvSpPr>
+          <p:nvPr>
+            <p:ph type="ctrTitle"/>
+          </p:nvPr>
+        </p:nvSpPr>
+        <p:spPr>
+          <a:xfrm>
+            <a:off x="1524000" y="2914881"/>
+            <a:ext cx="9529011" cy="1028238"/>
+          </a:xfrm>
+        </p:spPr>
+        <p:txBody>
+          <a:bodyPr>
+            <a:normAutofit/>
+          </a:bodyPr>
+          <a:lstStyle/>
+          <a:p>
+            <a:r>
+              <a:rPr lang="en-US" b="1" dirty="0">
+                <a:solidFill>
+                  <a:srgbClr val="F3BE60"/>
+                </a:solidFill>
+                <a:latin typeface="Source Sans Pro" panose="020B0604020202020204" pitchFamily="34" charset="0"/>
+              </a:rPr>
+              <a:t>POSTCSS</a:t>
+            </a:r>
+            <a:endParaRPr lang="bg-BG" b="1" dirty="0">
+              <a:solidFill>
+                <a:srgbClr val="F3BE60"/>
+              </a:solidFill>
+              <a:latin typeface="Source Sans Pro" panose="020B0604020202020204" pitchFamily="34" charset="0"/>
+            </a:endParaRPr>
+          </a:p>
+        </p:txBody>
+      </p:sp>
       <p:pic>
         <p:nvPicPr>
           <p:cNvPr id="5" name="Picture 4">
@@ -13214,345 +13089,10 @@
           </a:prstGeom>
         </p:spPr>
       </p:pic>
-      <p:sp>
-        <p:nvSpPr>
-          <p:cNvPr id="6" name="Title 3">
-            <a:extLst>
-              <a:ext uri="{FF2B5EF4-FFF2-40B4-BE49-F238E27FC236}">
-                <a16:creationId xmlns:a16="http://schemas.microsoft.com/office/drawing/2014/main" id="{6AF371E5-6025-4DD6-B3D9-1EA1AF6B36AB}"/>
-              </a:ext>
-            </a:extLst>
-          </p:cNvPr>
-          <p:cNvSpPr>
-            <a:spLocks noGrp="1"/>
-          </p:cNvSpPr>
-          <p:nvPr/>
-        </p:nvSpPr>
-        <p:spPr>
-          <a:xfrm>
-            <a:off x="1524000" y="489420"/>
-            <a:ext cx="10040471" cy="1110780"/>
-          </a:xfrm>
-          <a:prstGeom prst="rect">
-            <a:avLst/>
-          </a:prstGeom>
-        </p:spPr>
-        <p:txBody>
-          <a:bodyPr vert="horz" lIns="108000" tIns="36000" rIns="108000" bIns="36000" rtlCol="0" anchor="ctr" anchorCtr="0">
-            <a:normAutofit/>
-          </a:bodyPr>
-          <a:lstStyle>
-            <a:lvl1pPr algn="l" defTabSz="1218987" rtl="0" eaLnBrk="1" latinLnBrk="0" hangingPunct="1">
-              <a:lnSpc>
-                <a:spcPct val="90000"/>
-              </a:lnSpc>
-              <a:spcBef>
-                <a:spcPct val="0"/>
-              </a:spcBef>
-              <a:buNone/>
-              <a:defRPr sz="4000" b="1" kern="1200">
-                <a:solidFill>
-                  <a:srgbClr val="F3BE60"/>
-                </a:solidFill>
-                <a:effectLst/>
-                <a:latin typeface="+mj-lt"/>
-                <a:ea typeface="+mj-ea"/>
-                <a:cs typeface="+mj-cs"/>
-              </a:defRPr>
-            </a:lvl1pPr>
-          </a:lstStyle>
-          <a:p>
-            <a:r>
-              <a:rPr lang="en-US" dirty="0">
-                <a:latin typeface="Source Sans Pro" panose="020B0503030403020204" pitchFamily="34" charset="0"/>
-                <a:ea typeface="Source Sans Pro" panose="020B0503030403020204" pitchFamily="34" charset="0"/>
-              </a:rPr>
-              <a:t>USING LESS</a:t>
-            </a:r>
-          </a:p>
-        </p:txBody>
-      </p:sp>
-      <p:sp>
-        <p:nvSpPr>
-          <p:cNvPr id="9" name="Content Placeholder 4">
-            <a:extLst>
-              <a:ext uri="{FF2B5EF4-FFF2-40B4-BE49-F238E27FC236}">
-                <a16:creationId xmlns:a16="http://schemas.microsoft.com/office/drawing/2014/main" id="{B6C27FC4-82C8-4925-9BDD-7219055F9256}"/>
-              </a:ext>
-            </a:extLst>
-          </p:cNvPr>
-          <p:cNvSpPr>
-            <a:spLocks noGrp="1"/>
-          </p:cNvSpPr>
-          <p:nvPr/>
-        </p:nvSpPr>
-        <p:spPr>
-          <a:xfrm>
-            <a:off x="1523999" y="1600200"/>
-            <a:ext cx="10058401" cy="4613978"/>
-          </a:xfrm>
-          <a:prstGeom prst="rect">
-            <a:avLst/>
-          </a:prstGeom>
-        </p:spPr>
-        <p:txBody>
-          <a:bodyPr vert="horz" lIns="108000" tIns="36000" rIns="108000" bIns="36000" rtlCol="0">
-            <a:normAutofit/>
-          </a:bodyPr>
-          <a:lstStyle>
-            <a:lvl1pPr marL="304747" indent="-304747" algn="l" defTabSz="1218987" rtl="0" eaLnBrk="1" latinLnBrk="0" hangingPunct="1">
-              <a:lnSpc>
-                <a:spcPct val="105000"/>
-              </a:lnSpc>
-              <a:spcBef>
-                <a:spcPts val="600"/>
-              </a:spcBef>
-              <a:spcAft>
-                <a:spcPts val="600"/>
-              </a:spcAft>
-              <a:buClr>
-                <a:srgbClr val="F2B254"/>
-              </a:buClr>
-              <a:buSzPct val="100000"/>
-              <a:buFont typeface="Wingdings" panose="05000000000000000000" pitchFamily="2" charset="2"/>
-              <a:buChar char="§"/>
-              <a:defRPr sz="3400" b="0" kern="1200">
-                <a:solidFill>
-                  <a:schemeClr val="tx1"/>
-                </a:solidFill>
-                <a:latin typeface="+mn-lt"/>
-                <a:ea typeface="+mn-ea"/>
-                <a:cs typeface="+mn-cs"/>
-              </a:defRPr>
-            </a:lvl1pPr>
-            <a:lvl2pPr marL="609493" indent="-231606" algn="l" defTabSz="1218987" rtl="0" eaLnBrk="1" latinLnBrk="0" hangingPunct="1">
-              <a:lnSpc>
-                <a:spcPct val="105000"/>
-              </a:lnSpc>
-              <a:spcBef>
-                <a:spcPts val="600"/>
-              </a:spcBef>
-              <a:spcAft>
-                <a:spcPts val="600"/>
-              </a:spcAft>
-              <a:buClr>
-                <a:schemeClr val="accent1"/>
-              </a:buClr>
-              <a:buSzPct val="80000"/>
-              <a:buFont typeface="Wingdings" panose="05000000000000000000" pitchFamily="2" charset="2"/>
-              <a:buChar char="§"/>
-              <a:defRPr sz="3200" b="0" kern="1200">
-                <a:solidFill>
-                  <a:schemeClr val="tx1"/>
-                </a:solidFill>
-                <a:latin typeface="+mn-lt"/>
-                <a:ea typeface="+mn-ea"/>
-                <a:cs typeface="+mn-cs"/>
-              </a:defRPr>
-            </a:lvl2pPr>
-            <a:lvl3pPr marL="914240" indent="-231606" algn="l" defTabSz="1218987" rtl="0" eaLnBrk="1" latinLnBrk="0" hangingPunct="1">
-              <a:lnSpc>
-                <a:spcPct val="105000"/>
-              </a:lnSpc>
-              <a:spcBef>
-                <a:spcPts val="600"/>
-              </a:spcBef>
-              <a:spcAft>
-                <a:spcPts val="600"/>
-              </a:spcAft>
-              <a:buClr>
-                <a:srgbClr val="EF9A1D"/>
-              </a:buClr>
-              <a:buSzPct val="80000"/>
-              <a:buFont typeface="Wingdings" panose="05000000000000000000" pitchFamily="2" charset="2"/>
-              <a:buChar char="§"/>
-              <a:defRPr sz="3000" b="0" kern="1200">
-                <a:solidFill>
-                  <a:schemeClr val="tx1"/>
-                </a:solidFill>
-                <a:latin typeface="+mn-lt"/>
-                <a:ea typeface="+mn-ea"/>
-                <a:cs typeface="+mn-cs"/>
-              </a:defRPr>
-            </a:lvl3pPr>
-            <a:lvl4pPr marL="1218987" indent="-231606" algn="l" defTabSz="1218987" rtl="0" eaLnBrk="1" latinLnBrk="0" hangingPunct="1">
-              <a:lnSpc>
-                <a:spcPct val="105000"/>
-              </a:lnSpc>
-              <a:spcBef>
-                <a:spcPts val="600"/>
-              </a:spcBef>
-              <a:spcAft>
-                <a:spcPts val="600"/>
-              </a:spcAft>
-              <a:buClr>
-                <a:srgbClr val="ED9411"/>
-              </a:buClr>
-              <a:buSzPct val="80000"/>
-              <a:buFont typeface="Wingdings" panose="05000000000000000000" pitchFamily="2" charset="2"/>
-              <a:buChar char="§"/>
-              <a:defRPr sz="2800" b="0" kern="1200">
-                <a:solidFill>
-                  <a:schemeClr val="tx1"/>
-                </a:solidFill>
-                <a:latin typeface="+mn-lt"/>
-                <a:ea typeface="+mn-ea"/>
-                <a:cs typeface="+mn-cs"/>
-              </a:defRPr>
-            </a:lvl4pPr>
-            <a:lvl5pPr marL="1523733" indent="-231606" algn="l" defTabSz="1218987" rtl="0" eaLnBrk="1" latinLnBrk="0" hangingPunct="1">
-              <a:lnSpc>
-                <a:spcPct val="105000"/>
-              </a:lnSpc>
-              <a:spcBef>
-                <a:spcPts val="600"/>
-              </a:spcBef>
-              <a:spcAft>
-                <a:spcPts val="600"/>
-              </a:spcAft>
-              <a:buClr>
-                <a:srgbClr val="E28D10"/>
-              </a:buClr>
-              <a:buSzPct val="80000"/>
-              <a:buFont typeface="Wingdings" panose="05000000000000000000" pitchFamily="2" charset="2"/>
-              <a:buChar char="§"/>
-              <a:defRPr sz="2600" b="0" kern="1200">
-                <a:solidFill>
-                  <a:schemeClr val="tx1"/>
-                </a:solidFill>
-                <a:latin typeface="+mn-lt"/>
-                <a:ea typeface="+mn-ea"/>
-                <a:cs typeface="+mn-cs"/>
-              </a:defRPr>
-            </a:lvl5pPr>
-            <a:lvl6pPr marL="1828480" indent="-231606" algn="l" defTabSz="1218987" rtl="0" eaLnBrk="1" latinLnBrk="0" hangingPunct="1">
-              <a:lnSpc>
-                <a:spcPct val="90000"/>
-              </a:lnSpc>
-              <a:spcBef>
-                <a:spcPts val="800"/>
-              </a:spcBef>
-              <a:buClr>
-                <a:schemeClr val="accent1"/>
-              </a:buClr>
-              <a:buSzPct val="80000"/>
-              <a:buFont typeface="Arial" pitchFamily="34" charset="0"/>
-              <a:buChar char="•"/>
-              <a:defRPr sz="2000" kern="1200">
-                <a:solidFill>
-                  <a:schemeClr val="tx1"/>
-                </a:solidFill>
-                <a:latin typeface="+mn-lt"/>
-                <a:ea typeface="+mn-ea"/>
-                <a:cs typeface="+mn-cs"/>
-              </a:defRPr>
-            </a:lvl6pPr>
-            <a:lvl7pPr marL="2133227" indent="-231606" algn="l" defTabSz="1218987" rtl="0" eaLnBrk="1" latinLnBrk="0" hangingPunct="1">
-              <a:lnSpc>
-                <a:spcPct val="90000"/>
-              </a:lnSpc>
-              <a:spcBef>
-                <a:spcPts val="800"/>
-              </a:spcBef>
-              <a:buClr>
-                <a:schemeClr val="accent1"/>
-              </a:buClr>
-              <a:buSzPct val="80000"/>
-              <a:buFont typeface="Arial" pitchFamily="34" charset="0"/>
-              <a:buChar char="•"/>
-              <a:defRPr sz="2000" kern="1200">
-                <a:solidFill>
-                  <a:schemeClr val="tx1"/>
-                </a:solidFill>
-                <a:latin typeface="+mn-lt"/>
-                <a:ea typeface="+mn-ea"/>
-                <a:cs typeface="+mn-cs"/>
-              </a:defRPr>
-            </a:lvl7pPr>
-            <a:lvl8pPr marL="2437972" indent="-231606" algn="l" defTabSz="1218987" rtl="0" eaLnBrk="1" latinLnBrk="0" hangingPunct="1">
-              <a:lnSpc>
-                <a:spcPct val="90000"/>
-              </a:lnSpc>
-              <a:spcBef>
-                <a:spcPts val="800"/>
-              </a:spcBef>
-              <a:buClr>
-                <a:schemeClr val="accent1"/>
-              </a:buClr>
-              <a:buSzPct val="80000"/>
-              <a:buFont typeface="Arial" pitchFamily="34" charset="0"/>
-              <a:buChar char="•"/>
-              <a:defRPr sz="2000" kern="1200" baseline="0">
-                <a:solidFill>
-                  <a:schemeClr val="tx1"/>
-                </a:solidFill>
-                <a:latin typeface="+mn-lt"/>
-                <a:ea typeface="+mn-ea"/>
-                <a:cs typeface="+mn-cs"/>
-              </a:defRPr>
-            </a:lvl8pPr>
-            <a:lvl9pPr marL="2742720" indent="-231606" algn="l" defTabSz="1218987" rtl="0" eaLnBrk="1" latinLnBrk="0" hangingPunct="1">
-              <a:lnSpc>
-                <a:spcPct val="90000"/>
-              </a:lnSpc>
-              <a:spcBef>
-                <a:spcPts val="800"/>
-              </a:spcBef>
-              <a:buClr>
-                <a:schemeClr val="accent1"/>
-              </a:buClr>
-              <a:buSzPct val="80000"/>
-              <a:buFont typeface="Arial" pitchFamily="34" charset="0"/>
-              <a:buChar char="•"/>
-              <a:defRPr sz="2000" kern="1200" baseline="0">
-                <a:solidFill>
-                  <a:schemeClr val="tx1"/>
-                </a:solidFill>
-                <a:latin typeface="+mn-lt"/>
-                <a:ea typeface="+mn-ea"/>
-                <a:cs typeface="+mn-cs"/>
-              </a:defRPr>
-            </a:lvl9pPr>
-          </a:lstStyle>
-          <a:p>
-            <a:r>
-              <a:rPr lang="en-US" sz="2400" b="1" dirty="0">
-                <a:solidFill>
-                  <a:srgbClr val="002060"/>
-                </a:solidFill>
-                <a:latin typeface="Source Sans Pro" panose="020B0503030403020204" pitchFamily="34" charset="0"/>
-                <a:ea typeface="Source Sans Pro" panose="020B0503030403020204" pitchFamily="34" charset="0"/>
-              </a:rPr>
-              <a:t>Node.js - npm install -g less</a:t>
-            </a:r>
-          </a:p>
-          <a:p>
-            <a:r>
-              <a:rPr lang="en-US" sz="2400" b="1" dirty="0">
-                <a:solidFill>
-                  <a:srgbClr val="002060"/>
-                </a:solidFill>
-                <a:latin typeface="Source Sans Pro" panose="020B0503030403020204" pitchFamily="34" charset="0"/>
-                <a:ea typeface="Source Sans Pro" panose="020B0503030403020204" pitchFamily="34" charset="0"/>
-              </a:rPr>
-              <a:t>In the Browser - JavaScript - include less.js in your HTML</a:t>
-            </a:r>
-            <a:endParaRPr lang="en-US" sz="2400" dirty="0">
-              <a:solidFill>
-                <a:schemeClr val="accent1">
-                  <a:lumMod val="50000"/>
-                </a:schemeClr>
-              </a:solidFill>
-              <a:latin typeface="Source Sans Pro" panose="020B0503030403020204" pitchFamily="34" charset="0"/>
-              <a:ea typeface="Source Sans Pro" panose="020B0503030403020204" pitchFamily="34" charset="0"/>
-            </a:endParaRPr>
-          </a:p>
-        </p:txBody>
-      </p:sp>
     </p:spTree>
     <p:extLst>
       <p:ext uri="{BB962C8B-B14F-4D97-AF65-F5344CB8AC3E}">
-        <p14:creationId xmlns:p14="http://schemas.microsoft.com/office/powerpoint/2010/main" val="251055026"/>
+        <p14:creationId xmlns:p14="http://schemas.microsoft.com/office/powerpoint/2010/main" val="2166755702"/>
       </p:ext>
     </p:extLst>
   </p:cSld>
@@ -13593,52 +13133,6 @@
           <a:chExt cx="0" cy="0"/>
         </a:xfrm>
       </p:grpSpPr>
-      <p:sp>
-        <p:nvSpPr>
-          <p:cNvPr id="2" name="Title 1">
-            <a:extLst>
-              <a:ext uri="{FF2B5EF4-FFF2-40B4-BE49-F238E27FC236}">
-                <a16:creationId xmlns:a16="http://schemas.microsoft.com/office/drawing/2014/main" id="{F533C787-D925-4018-B654-B08DDAB85464}"/>
-              </a:ext>
-            </a:extLst>
-          </p:cNvPr>
-          <p:cNvSpPr>
-            <a:spLocks noGrp="1"/>
-          </p:cNvSpPr>
-          <p:nvPr>
-            <p:ph type="ctrTitle"/>
-          </p:nvPr>
-        </p:nvSpPr>
-        <p:spPr>
-          <a:xfrm>
-            <a:off x="1524000" y="2914881"/>
-            <a:ext cx="9529011" cy="1028238"/>
-          </a:xfrm>
-        </p:spPr>
-        <p:txBody>
-          <a:bodyPr>
-            <a:normAutofit/>
-          </a:bodyPr>
-          <a:lstStyle/>
-          <a:p>
-            <a:r>
-              <a:rPr lang="en-US" b="1" dirty="0">
-                <a:solidFill>
-                  <a:srgbClr val="F3BE60"/>
-                </a:solidFill>
-                <a:latin typeface="Source Sans Pro" panose="020B0604020202020204" pitchFamily="34" charset="0"/>
-              </a:rPr>
-              <a:t>POSTCSS</a:t>
-            </a:r>
-            <a:endParaRPr lang="bg-BG" b="1" dirty="0">
-              <a:solidFill>
-                <a:srgbClr val="F3BE60"/>
-              </a:solidFill>
-              <a:latin typeface="Source Sans Pro" panose="020B0604020202020204" pitchFamily="34" charset="0"/>
-            </a:endParaRPr>
-          </a:p>
-        </p:txBody>
-      </p:sp>
       <p:pic>
         <p:nvPicPr>
           <p:cNvPr id="5" name="Picture 4">
@@ -13675,10 +13169,333 @@
           </a:prstGeom>
         </p:spPr>
       </p:pic>
+      <p:sp>
+        <p:nvSpPr>
+          <p:cNvPr id="6" name="Title 3">
+            <a:extLst>
+              <a:ext uri="{FF2B5EF4-FFF2-40B4-BE49-F238E27FC236}">
+                <a16:creationId xmlns:a16="http://schemas.microsoft.com/office/drawing/2014/main" id="{6AF371E5-6025-4DD6-B3D9-1EA1AF6B36AB}"/>
+              </a:ext>
+            </a:extLst>
+          </p:cNvPr>
+          <p:cNvSpPr>
+            <a:spLocks noGrp="1"/>
+          </p:cNvSpPr>
+          <p:nvPr/>
+        </p:nvSpPr>
+        <p:spPr>
+          <a:xfrm>
+            <a:off x="1524000" y="489420"/>
+            <a:ext cx="10040471" cy="1110780"/>
+          </a:xfrm>
+          <a:prstGeom prst="rect">
+            <a:avLst/>
+          </a:prstGeom>
+        </p:spPr>
+        <p:txBody>
+          <a:bodyPr vert="horz" lIns="108000" tIns="36000" rIns="108000" bIns="36000" rtlCol="0" anchor="ctr" anchorCtr="0">
+            <a:normAutofit/>
+          </a:bodyPr>
+          <a:lstStyle>
+            <a:lvl1pPr algn="l" defTabSz="1218987" rtl="0" eaLnBrk="1" latinLnBrk="0" hangingPunct="1">
+              <a:lnSpc>
+                <a:spcPct val="90000"/>
+              </a:lnSpc>
+              <a:spcBef>
+                <a:spcPct val="0"/>
+              </a:spcBef>
+              <a:buNone/>
+              <a:defRPr sz="4000" b="1" kern="1200">
+                <a:solidFill>
+                  <a:srgbClr val="F3BE60"/>
+                </a:solidFill>
+                <a:effectLst/>
+                <a:latin typeface="+mj-lt"/>
+                <a:ea typeface="+mj-ea"/>
+                <a:cs typeface="+mj-cs"/>
+              </a:defRPr>
+            </a:lvl1pPr>
+          </a:lstStyle>
+          <a:p>
+            <a:r>
+              <a:rPr lang="en-US" dirty="0">
+                <a:latin typeface="Source Sans Pro" panose="020B0503030403020204" pitchFamily="34" charset="0"/>
+                <a:ea typeface="Source Sans Pro" panose="020B0503030403020204" pitchFamily="34" charset="0"/>
+              </a:rPr>
+              <a:t>POSTCSS</a:t>
+            </a:r>
+          </a:p>
+        </p:txBody>
+      </p:sp>
+      <p:sp>
+        <p:nvSpPr>
+          <p:cNvPr id="9" name="Content Placeholder 4">
+            <a:extLst>
+              <a:ext uri="{FF2B5EF4-FFF2-40B4-BE49-F238E27FC236}">
+                <a16:creationId xmlns:a16="http://schemas.microsoft.com/office/drawing/2014/main" id="{B6C27FC4-82C8-4925-9BDD-7219055F9256}"/>
+              </a:ext>
+            </a:extLst>
+          </p:cNvPr>
+          <p:cNvSpPr>
+            <a:spLocks noGrp="1"/>
+          </p:cNvSpPr>
+          <p:nvPr/>
+        </p:nvSpPr>
+        <p:spPr>
+          <a:xfrm>
+            <a:off x="1523999" y="1600200"/>
+            <a:ext cx="10058401" cy="4613978"/>
+          </a:xfrm>
+          <a:prstGeom prst="rect">
+            <a:avLst/>
+          </a:prstGeom>
+        </p:spPr>
+        <p:txBody>
+          <a:bodyPr vert="horz" lIns="108000" tIns="36000" rIns="108000" bIns="36000" rtlCol="0">
+            <a:normAutofit/>
+          </a:bodyPr>
+          <a:lstStyle>
+            <a:lvl1pPr marL="304747" indent="-304747" algn="l" defTabSz="1218987" rtl="0" eaLnBrk="1" latinLnBrk="0" hangingPunct="1">
+              <a:lnSpc>
+                <a:spcPct val="105000"/>
+              </a:lnSpc>
+              <a:spcBef>
+                <a:spcPts val="600"/>
+              </a:spcBef>
+              <a:spcAft>
+                <a:spcPts val="600"/>
+              </a:spcAft>
+              <a:buClr>
+                <a:srgbClr val="F2B254"/>
+              </a:buClr>
+              <a:buSzPct val="100000"/>
+              <a:buFont typeface="Wingdings" panose="05000000000000000000" pitchFamily="2" charset="2"/>
+              <a:buChar char="§"/>
+              <a:defRPr sz="3400" b="0" kern="1200">
+                <a:solidFill>
+                  <a:schemeClr val="tx1"/>
+                </a:solidFill>
+                <a:latin typeface="+mn-lt"/>
+                <a:ea typeface="+mn-ea"/>
+                <a:cs typeface="+mn-cs"/>
+              </a:defRPr>
+            </a:lvl1pPr>
+            <a:lvl2pPr marL="609493" indent="-231606" algn="l" defTabSz="1218987" rtl="0" eaLnBrk="1" latinLnBrk="0" hangingPunct="1">
+              <a:lnSpc>
+                <a:spcPct val="105000"/>
+              </a:lnSpc>
+              <a:spcBef>
+                <a:spcPts val="600"/>
+              </a:spcBef>
+              <a:spcAft>
+                <a:spcPts val="600"/>
+              </a:spcAft>
+              <a:buClr>
+                <a:schemeClr val="accent1"/>
+              </a:buClr>
+              <a:buSzPct val="80000"/>
+              <a:buFont typeface="Wingdings" panose="05000000000000000000" pitchFamily="2" charset="2"/>
+              <a:buChar char="§"/>
+              <a:defRPr sz="3200" b="0" kern="1200">
+                <a:solidFill>
+                  <a:schemeClr val="tx1"/>
+                </a:solidFill>
+                <a:latin typeface="+mn-lt"/>
+                <a:ea typeface="+mn-ea"/>
+                <a:cs typeface="+mn-cs"/>
+              </a:defRPr>
+            </a:lvl2pPr>
+            <a:lvl3pPr marL="914240" indent="-231606" algn="l" defTabSz="1218987" rtl="0" eaLnBrk="1" latinLnBrk="0" hangingPunct="1">
+              <a:lnSpc>
+                <a:spcPct val="105000"/>
+              </a:lnSpc>
+              <a:spcBef>
+                <a:spcPts val="600"/>
+              </a:spcBef>
+              <a:spcAft>
+                <a:spcPts val="600"/>
+              </a:spcAft>
+              <a:buClr>
+                <a:srgbClr val="EF9A1D"/>
+              </a:buClr>
+              <a:buSzPct val="80000"/>
+              <a:buFont typeface="Wingdings" panose="05000000000000000000" pitchFamily="2" charset="2"/>
+              <a:buChar char="§"/>
+              <a:defRPr sz="3000" b="0" kern="1200">
+                <a:solidFill>
+                  <a:schemeClr val="tx1"/>
+                </a:solidFill>
+                <a:latin typeface="+mn-lt"/>
+                <a:ea typeface="+mn-ea"/>
+                <a:cs typeface="+mn-cs"/>
+              </a:defRPr>
+            </a:lvl3pPr>
+            <a:lvl4pPr marL="1218987" indent="-231606" algn="l" defTabSz="1218987" rtl="0" eaLnBrk="1" latinLnBrk="0" hangingPunct="1">
+              <a:lnSpc>
+                <a:spcPct val="105000"/>
+              </a:lnSpc>
+              <a:spcBef>
+                <a:spcPts val="600"/>
+              </a:spcBef>
+              <a:spcAft>
+                <a:spcPts val="600"/>
+              </a:spcAft>
+              <a:buClr>
+                <a:srgbClr val="ED9411"/>
+              </a:buClr>
+              <a:buSzPct val="80000"/>
+              <a:buFont typeface="Wingdings" panose="05000000000000000000" pitchFamily="2" charset="2"/>
+              <a:buChar char="§"/>
+              <a:defRPr sz="2800" b="0" kern="1200">
+                <a:solidFill>
+                  <a:schemeClr val="tx1"/>
+                </a:solidFill>
+                <a:latin typeface="+mn-lt"/>
+                <a:ea typeface="+mn-ea"/>
+                <a:cs typeface="+mn-cs"/>
+              </a:defRPr>
+            </a:lvl4pPr>
+            <a:lvl5pPr marL="1523733" indent="-231606" algn="l" defTabSz="1218987" rtl="0" eaLnBrk="1" latinLnBrk="0" hangingPunct="1">
+              <a:lnSpc>
+                <a:spcPct val="105000"/>
+              </a:lnSpc>
+              <a:spcBef>
+                <a:spcPts val="600"/>
+              </a:spcBef>
+              <a:spcAft>
+                <a:spcPts val="600"/>
+              </a:spcAft>
+              <a:buClr>
+                <a:srgbClr val="E28D10"/>
+              </a:buClr>
+              <a:buSzPct val="80000"/>
+              <a:buFont typeface="Wingdings" panose="05000000000000000000" pitchFamily="2" charset="2"/>
+              <a:buChar char="§"/>
+              <a:defRPr sz="2600" b="0" kern="1200">
+                <a:solidFill>
+                  <a:schemeClr val="tx1"/>
+                </a:solidFill>
+                <a:latin typeface="+mn-lt"/>
+                <a:ea typeface="+mn-ea"/>
+                <a:cs typeface="+mn-cs"/>
+              </a:defRPr>
+            </a:lvl5pPr>
+            <a:lvl6pPr marL="1828480" indent="-231606" algn="l" defTabSz="1218987" rtl="0" eaLnBrk="1" latinLnBrk="0" hangingPunct="1">
+              <a:lnSpc>
+                <a:spcPct val="90000"/>
+              </a:lnSpc>
+              <a:spcBef>
+                <a:spcPts val="800"/>
+              </a:spcBef>
+              <a:buClr>
+                <a:schemeClr val="accent1"/>
+              </a:buClr>
+              <a:buSzPct val="80000"/>
+              <a:buFont typeface="Arial" pitchFamily="34" charset="0"/>
+              <a:buChar char="•"/>
+              <a:defRPr sz="2000" kern="1200">
+                <a:solidFill>
+                  <a:schemeClr val="tx1"/>
+                </a:solidFill>
+                <a:latin typeface="+mn-lt"/>
+                <a:ea typeface="+mn-ea"/>
+                <a:cs typeface="+mn-cs"/>
+              </a:defRPr>
+            </a:lvl6pPr>
+            <a:lvl7pPr marL="2133227" indent="-231606" algn="l" defTabSz="1218987" rtl="0" eaLnBrk="1" latinLnBrk="0" hangingPunct="1">
+              <a:lnSpc>
+                <a:spcPct val="90000"/>
+              </a:lnSpc>
+              <a:spcBef>
+                <a:spcPts val="800"/>
+              </a:spcBef>
+              <a:buClr>
+                <a:schemeClr val="accent1"/>
+              </a:buClr>
+              <a:buSzPct val="80000"/>
+              <a:buFont typeface="Arial" pitchFamily="34" charset="0"/>
+              <a:buChar char="•"/>
+              <a:defRPr sz="2000" kern="1200">
+                <a:solidFill>
+                  <a:schemeClr val="tx1"/>
+                </a:solidFill>
+                <a:latin typeface="+mn-lt"/>
+                <a:ea typeface="+mn-ea"/>
+                <a:cs typeface="+mn-cs"/>
+              </a:defRPr>
+            </a:lvl7pPr>
+            <a:lvl8pPr marL="2437972" indent="-231606" algn="l" defTabSz="1218987" rtl="0" eaLnBrk="1" latinLnBrk="0" hangingPunct="1">
+              <a:lnSpc>
+                <a:spcPct val="90000"/>
+              </a:lnSpc>
+              <a:spcBef>
+                <a:spcPts val="800"/>
+              </a:spcBef>
+              <a:buClr>
+                <a:schemeClr val="accent1"/>
+              </a:buClr>
+              <a:buSzPct val="80000"/>
+              <a:buFont typeface="Arial" pitchFamily="34" charset="0"/>
+              <a:buChar char="•"/>
+              <a:defRPr sz="2000" kern="1200" baseline="0">
+                <a:solidFill>
+                  <a:schemeClr val="tx1"/>
+                </a:solidFill>
+                <a:latin typeface="+mn-lt"/>
+                <a:ea typeface="+mn-ea"/>
+                <a:cs typeface="+mn-cs"/>
+              </a:defRPr>
+            </a:lvl8pPr>
+            <a:lvl9pPr marL="2742720" indent="-231606" algn="l" defTabSz="1218987" rtl="0" eaLnBrk="1" latinLnBrk="0" hangingPunct="1">
+              <a:lnSpc>
+                <a:spcPct val="90000"/>
+              </a:lnSpc>
+              <a:spcBef>
+                <a:spcPts val="800"/>
+              </a:spcBef>
+              <a:buClr>
+                <a:schemeClr val="accent1"/>
+              </a:buClr>
+              <a:buSzPct val="80000"/>
+              <a:buFont typeface="Arial" pitchFamily="34" charset="0"/>
+              <a:buChar char="•"/>
+              <a:defRPr sz="2000" kern="1200" baseline="0">
+                <a:solidFill>
+                  <a:schemeClr val="tx1"/>
+                </a:solidFill>
+                <a:latin typeface="+mn-lt"/>
+                <a:ea typeface="+mn-ea"/>
+                <a:cs typeface="+mn-cs"/>
+              </a:defRPr>
+            </a:lvl9pPr>
+          </a:lstStyle>
+          <a:p>
+            <a:r>
+              <a:rPr lang="en-US" sz="2400" b="1" dirty="0">
+                <a:solidFill>
+                  <a:srgbClr val="002060"/>
+                </a:solidFill>
+                <a:latin typeface="Source Sans Pro" panose="020B0503030403020204" pitchFamily="34" charset="0"/>
+                <a:ea typeface="Source Sans Pro" panose="020B0503030403020204" pitchFamily="34" charset="0"/>
+              </a:rPr>
+              <a:t>A tool for transforming CSS with JavaScript</a:t>
+            </a:r>
+          </a:p>
+          <a:p>
+            <a:endParaRPr lang="en-US" sz="2400" b="1" dirty="0">
+              <a:solidFill>
+                <a:srgbClr val="002060"/>
+              </a:solidFill>
+              <a:latin typeface="Source Sans Pro" panose="020B0503030403020204" pitchFamily="34" charset="0"/>
+              <a:ea typeface="Source Sans Pro" panose="020B0503030403020204" pitchFamily="34" charset="0"/>
+            </a:endParaRPr>
+          </a:p>
+        </p:txBody>
+      </p:sp>
     </p:spTree>
     <p:extLst>
       <p:ext uri="{BB962C8B-B14F-4D97-AF65-F5344CB8AC3E}">
-        <p14:creationId xmlns:p14="http://schemas.microsoft.com/office/powerpoint/2010/main" val="2166755702"/>
+        <p14:creationId xmlns:p14="http://schemas.microsoft.com/office/powerpoint/2010/main" val="2727462764"/>
       </p:ext>
     </p:extLst>
   </p:cSld>
@@ -13808,7 +13625,7 @@
                 <a:latin typeface="Source Sans Pro" panose="020B0503030403020204" pitchFamily="34" charset="0"/>
                 <a:ea typeface="Source Sans Pro" panose="020B0503030403020204" pitchFamily="34" charset="0"/>
               </a:rPr>
-              <a:t>POSTCSS</a:t>
+              <a:t>POSTCSS - FEATURES </a:t>
             </a:r>
           </a:p>
         </p:txBody>
@@ -14064,24 +13881,27 @@
                 <a:latin typeface="Source Sans Pro" panose="020B0503030403020204" pitchFamily="34" charset="0"/>
                 <a:ea typeface="Source Sans Pro" panose="020B0503030403020204" pitchFamily="34" charset="0"/>
               </a:rPr>
-              <a:t>A tool for transforming CSS with JavaScript</a:t>
-            </a:r>
-          </a:p>
-          <a:p>
-            <a:endParaRPr lang="en-US" sz="2400" b="1" dirty="0">
-              <a:solidFill>
-                <a:srgbClr val="002060"/>
-              </a:solidFill>
-              <a:latin typeface="Source Sans Pro" panose="020B0503030403020204" pitchFamily="34" charset="0"/>
-              <a:ea typeface="Source Sans Pro" panose="020B0503030403020204" pitchFamily="34" charset="0"/>
-            </a:endParaRPr>
+              <a:t>Modular</a:t>
+            </a:r>
+          </a:p>
+          <a:p>
+            <a:r>
+              <a:rPr lang="en-US" sz="2400" b="1" dirty="0">
+                <a:solidFill>
+                  <a:srgbClr val="002060"/>
+                </a:solidFill>
+                <a:latin typeface="Source Sans Pro" panose="020B0503030403020204" pitchFamily="34" charset="0"/>
+                <a:ea typeface="Source Sans Pro" panose="020B0503030403020204" pitchFamily="34" charset="0"/>
+              </a:rPr>
+              <a:t>Plugin architecture</a:t>
+            </a:r>
           </a:p>
         </p:txBody>
       </p:sp>
     </p:spTree>
     <p:extLst>
       <p:ext uri="{BB962C8B-B14F-4D97-AF65-F5344CB8AC3E}">
-        <p14:creationId xmlns:p14="http://schemas.microsoft.com/office/powerpoint/2010/main" val="2727462764"/>
+        <p14:creationId xmlns:p14="http://schemas.microsoft.com/office/powerpoint/2010/main" val="1276595154"/>
       </p:ext>
     </p:extLst>
   </p:cSld>
@@ -14122,6 +13942,52 @@
           <a:chExt cx="0" cy="0"/>
         </a:xfrm>
       </p:grpSpPr>
+      <p:sp>
+        <p:nvSpPr>
+          <p:cNvPr id="2" name="Title 1">
+            <a:extLst>
+              <a:ext uri="{FF2B5EF4-FFF2-40B4-BE49-F238E27FC236}">
+                <a16:creationId xmlns:a16="http://schemas.microsoft.com/office/drawing/2014/main" id="{F533C787-D925-4018-B654-B08DDAB85464}"/>
+              </a:ext>
+            </a:extLst>
+          </p:cNvPr>
+          <p:cNvSpPr>
+            <a:spLocks noGrp="1"/>
+          </p:cNvSpPr>
+          <p:nvPr>
+            <p:ph type="ctrTitle"/>
+          </p:nvPr>
+        </p:nvSpPr>
+        <p:spPr>
+          <a:xfrm>
+            <a:off x="1524000" y="2914881"/>
+            <a:ext cx="9529011" cy="1028238"/>
+          </a:xfrm>
+        </p:spPr>
+        <p:txBody>
+          <a:bodyPr>
+            <a:normAutofit/>
+          </a:bodyPr>
+          <a:lstStyle/>
+          <a:p>
+            <a:r>
+              <a:rPr lang="en-US" b="1" dirty="0">
+                <a:solidFill>
+                  <a:srgbClr val="002060"/>
+                </a:solidFill>
+                <a:latin typeface="Source Sans Pro" panose="020B0604020202020204" pitchFamily="34" charset="0"/>
+              </a:rPr>
+              <a:t>TOOLS</a:t>
+            </a:r>
+            <a:endParaRPr lang="bg-BG" b="1" dirty="0">
+              <a:solidFill>
+                <a:srgbClr val="002060"/>
+              </a:solidFill>
+              <a:latin typeface="Source Sans Pro" panose="020B0604020202020204" pitchFamily="34" charset="0"/>
+            </a:endParaRPr>
+          </a:p>
+        </p:txBody>
+      </p:sp>
       <p:pic>
         <p:nvPicPr>
           <p:cNvPr id="5" name="Picture 4">
@@ -14158,336 +14024,10 @@
           </a:prstGeom>
         </p:spPr>
       </p:pic>
-      <p:sp>
-        <p:nvSpPr>
-          <p:cNvPr id="6" name="Title 3">
-            <a:extLst>
-              <a:ext uri="{FF2B5EF4-FFF2-40B4-BE49-F238E27FC236}">
-                <a16:creationId xmlns:a16="http://schemas.microsoft.com/office/drawing/2014/main" id="{6AF371E5-6025-4DD6-B3D9-1EA1AF6B36AB}"/>
-              </a:ext>
-            </a:extLst>
-          </p:cNvPr>
-          <p:cNvSpPr>
-            <a:spLocks noGrp="1"/>
-          </p:cNvSpPr>
-          <p:nvPr/>
-        </p:nvSpPr>
-        <p:spPr>
-          <a:xfrm>
-            <a:off x="1524000" y="489420"/>
-            <a:ext cx="10040471" cy="1110780"/>
-          </a:xfrm>
-          <a:prstGeom prst="rect">
-            <a:avLst/>
-          </a:prstGeom>
-        </p:spPr>
-        <p:txBody>
-          <a:bodyPr vert="horz" lIns="108000" tIns="36000" rIns="108000" bIns="36000" rtlCol="0" anchor="ctr" anchorCtr="0">
-            <a:normAutofit/>
-          </a:bodyPr>
-          <a:lstStyle>
-            <a:lvl1pPr algn="l" defTabSz="1218987" rtl="0" eaLnBrk="1" latinLnBrk="0" hangingPunct="1">
-              <a:lnSpc>
-                <a:spcPct val="90000"/>
-              </a:lnSpc>
-              <a:spcBef>
-                <a:spcPct val="0"/>
-              </a:spcBef>
-              <a:buNone/>
-              <a:defRPr sz="4000" b="1" kern="1200">
-                <a:solidFill>
-                  <a:srgbClr val="F3BE60"/>
-                </a:solidFill>
-                <a:effectLst/>
-                <a:latin typeface="+mj-lt"/>
-                <a:ea typeface="+mj-ea"/>
-                <a:cs typeface="+mj-cs"/>
-              </a:defRPr>
-            </a:lvl1pPr>
-          </a:lstStyle>
-          <a:p>
-            <a:r>
-              <a:rPr lang="en-US" dirty="0">
-                <a:latin typeface="Source Sans Pro" panose="020B0503030403020204" pitchFamily="34" charset="0"/>
-                <a:ea typeface="Source Sans Pro" panose="020B0503030403020204" pitchFamily="34" charset="0"/>
-              </a:rPr>
-              <a:t>POSTCSS - FEATURES </a:t>
-            </a:r>
-          </a:p>
-        </p:txBody>
-      </p:sp>
-      <p:sp>
-        <p:nvSpPr>
-          <p:cNvPr id="9" name="Content Placeholder 4">
-            <a:extLst>
-              <a:ext uri="{FF2B5EF4-FFF2-40B4-BE49-F238E27FC236}">
-                <a16:creationId xmlns:a16="http://schemas.microsoft.com/office/drawing/2014/main" id="{B6C27FC4-82C8-4925-9BDD-7219055F9256}"/>
-              </a:ext>
-            </a:extLst>
-          </p:cNvPr>
-          <p:cNvSpPr>
-            <a:spLocks noGrp="1"/>
-          </p:cNvSpPr>
-          <p:nvPr/>
-        </p:nvSpPr>
-        <p:spPr>
-          <a:xfrm>
-            <a:off x="1523999" y="1600200"/>
-            <a:ext cx="10058401" cy="4613978"/>
-          </a:xfrm>
-          <a:prstGeom prst="rect">
-            <a:avLst/>
-          </a:prstGeom>
-        </p:spPr>
-        <p:txBody>
-          <a:bodyPr vert="horz" lIns="108000" tIns="36000" rIns="108000" bIns="36000" rtlCol="0">
-            <a:normAutofit/>
-          </a:bodyPr>
-          <a:lstStyle>
-            <a:lvl1pPr marL="304747" indent="-304747" algn="l" defTabSz="1218987" rtl="0" eaLnBrk="1" latinLnBrk="0" hangingPunct="1">
-              <a:lnSpc>
-                <a:spcPct val="105000"/>
-              </a:lnSpc>
-              <a:spcBef>
-                <a:spcPts val="600"/>
-              </a:spcBef>
-              <a:spcAft>
-                <a:spcPts val="600"/>
-              </a:spcAft>
-              <a:buClr>
-                <a:srgbClr val="F2B254"/>
-              </a:buClr>
-              <a:buSzPct val="100000"/>
-              <a:buFont typeface="Wingdings" panose="05000000000000000000" pitchFamily="2" charset="2"/>
-              <a:buChar char="§"/>
-              <a:defRPr sz="3400" b="0" kern="1200">
-                <a:solidFill>
-                  <a:schemeClr val="tx1"/>
-                </a:solidFill>
-                <a:latin typeface="+mn-lt"/>
-                <a:ea typeface="+mn-ea"/>
-                <a:cs typeface="+mn-cs"/>
-              </a:defRPr>
-            </a:lvl1pPr>
-            <a:lvl2pPr marL="609493" indent="-231606" algn="l" defTabSz="1218987" rtl="0" eaLnBrk="1" latinLnBrk="0" hangingPunct="1">
-              <a:lnSpc>
-                <a:spcPct val="105000"/>
-              </a:lnSpc>
-              <a:spcBef>
-                <a:spcPts val="600"/>
-              </a:spcBef>
-              <a:spcAft>
-                <a:spcPts val="600"/>
-              </a:spcAft>
-              <a:buClr>
-                <a:schemeClr val="accent1"/>
-              </a:buClr>
-              <a:buSzPct val="80000"/>
-              <a:buFont typeface="Wingdings" panose="05000000000000000000" pitchFamily="2" charset="2"/>
-              <a:buChar char="§"/>
-              <a:defRPr sz="3200" b="0" kern="1200">
-                <a:solidFill>
-                  <a:schemeClr val="tx1"/>
-                </a:solidFill>
-                <a:latin typeface="+mn-lt"/>
-                <a:ea typeface="+mn-ea"/>
-                <a:cs typeface="+mn-cs"/>
-              </a:defRPr>
-            </a:lvl2pPr>
-            <a:lvl3pPr marL="914240" indent="-231606" algn="l" defTabSz="1218987" rtl="0" eaLnBrk="1" latinLnBrk="0" hangingPunct="1">
-              <a:lnSpc>
-                <a:spcPct val="105000"/>
-              </a:lnSpc>
-              <a:spcBef>
-                <a:spcPts val="600"/>
-              </a:spcBef>
-              <a:spcAft>
-                <a:spcPts val="600"/>
-              </a:spcAft>
-              <a:buClr>
-                <a:srgbClr val="EF9A1D"/>
-              </a:buClr>
-              <a:buSzPct val="80000"/>
-              <a:buFont typeface="Wingdings" panose="05000000000000000000" pitchFamily="2" charset="2"/>
-              <a:buChar char="§"/>
-              <a:defRPr sz="3000" b="0" kern="1200">
-                <a:solidFill>
-                  <a:schemeClr val="tx1"/>
-                </a:solidFill>
-                <a:latin typeface="+mn-lt"/>
-                <a:ea typeface="+mn-ea"/>
-                <a:cs typeface="+mn-cs"/>
-              </a:defRPr>
-            </a:lvl3pPr>
-            <a:lvl4pPr marL="1218987" indent="-231606" algn="l" defTabSz="1218987" rtl="0" eaLnBrk="1" latinLnBrk="0" hangingPunct="1">
-              <a:lnSpc>
-                <a:spcPct val="105000"/>
-              </a:lnSpc>
-              <a:spcBef>
-                <a:spcPts val="600"/>
-              </a:spcBef>
-              <a:spcAft>
-                <a:spcPts val="600"/>
-              </a:spcAft>
-              <a:buClr>
-                <a:srgbClr val="ED9411"/>
-              </a:buClr>
-              <a:buSzPct val="80000"/>
-              <a:buFont typeface="Wingdings" panose="05000000000000000000" pitchFamily="2" charset="2"/>
-              <a:buChar char="§"/>
-              <a:defRPr sz="2800" b="0" kern="1200">
-                <a:solidFill>
-                  <a:schemeClr val="tx1"/>
-                </a:solidFill>
-                <a:latin typeface="+mn-lt"/>
-                <a:ea typeface="+mn-ea"/>
-                <a:cs typeface="+mn-cs"/>
-              </a:defRPr>
-            </a:lvl4pPr>
-            <a:lvl5pPr marL="1523733" indent="-231606" algn="l" defTabSz="1218987" rtl="0" eaLnBrk="1" latinLnBrk="0" hangingPunct="1">
-              <a:lnSpc>
-                <a:spcPct val="105000"/>
-              </a:lnSpc>
-              <a:spcBef>
-                <a:spcPts val="600"/>
-              </a:spcBef>
-              <a:spcAft>
-                <a:spcPts val="600"/>
-              </a:spcAft>
-              <a:buClr>
-                <a:srgbClr val="E28D10"/>
-              </a:buClr>
-              <a:buSzPct val="80000"/>
-              <a:buFont typeface="Wingdings" panose="05000000000000000000" pitchFamily="2" charset="2"/>
-              <a:buChar char="§"/>
-              <a:defRPr sz="2600" b="0" kern="1200">
-                <a:solidFill>
-                  <a:schemeClr val="tx1"/>
-                </a:solidFill>
-                <a:latin typeface="+mn-lt"/>
-                <a:ea typeface="+mn-ea"/>
-                <a:cs typeface="+mn-cs"/>
-              </a:defRPr>
-            </a:lvl5pPr>
-            <a:lvl6pPr marL="1828480" indent="-231606" algn="l" defTabSz="1218987" rtl="0" eaLnBrk="1" latinLnBrk="0" hangingPunct="1">
-              <a:lnSpc>
-                <a:spcPct val="90000"/>
-              </a:lnSpc>
-              <a:spcBef>
-                <a:spcPts val="800"/>
-              </a:spcBef>
-              <a:buClr>
-                <a:schemeClr val="accent1"/>
-              </a:buClr>
-              <a:buSzPct val="80000"/>
-              <a:buFont typeface="Arial" pitchFamily="34" charset="0"/>
-              <a:buChar char="•"/>
-              <a:defRPr sz="2000" kern="1200">
-                <a:solidFill>
-                  <a:schemeClr val="tx1"/>
-                </a:solidFill>
-                <a:latin typeface="+mn-lt"/>
-                <a:ea typeface="+mn-ea"/>
-                <a:cs typeface="+mn-cs"/>
-              </a:defRPr>
-            </a:lvl6pPr>
-            <a:lvl7pPr marL="2133227" indent="-231606" algn="l" defTabSz="1218987" rtl="0" eaLnBrk="1" latinLnBrk="0" hangingPunct="1">
-              <a:lnSpc>
-                <a:spcPct val="90000"/>
-              </a:lnSpc>
-              <a:spcBef>
-                <a:spcPts val="800"/>
-              </a:spcBef>
-              <a:buClr>
-                <a:schemeClr val="accent1"/>
-              </a:buClr>
-              <a:buSzPct val="80000"/>
-              <a:buFont typeface="Arial" pitchFamily="34" charset="0"/>
-              <a:buChar char="•"/>
-              <a:defRPr sz="2000" kern="1200">
-                <a:solidFill>
-                  <a:schemeClr val="tx1"/>
-                </a:solidFill>
-                <a:latin typeface="+mn-lt"/>
-                <a:ea typeface="+mn-ea"/>
-                <a:cs typeface="+mn-cs"/>
-              </a:defRPr>
-            </a:lvl7pPr>
-            <a:lvl8pPr marL="2437972" indent="-231606" algn="l" defTabSz="1218987" rtl="0" eaLnBrk="1" latinLnBrk="0" hangingPunct="1">
-              <a:lnSpc>
-                <a:spcPct val="90000"/>
-              </a:lnSpc>
-              <a:spcBef>
-                <a:spcPts val="800"/>
-              </a:spcBef>
-              <a:buClr>
-                <a:schemeClr val="accent1"/>
-              </a:buClr>
-              <a:buSzPct val="80000"/>
-              <a:buFont typeface="Arial" pitchFamily="34" charset="0"/>
-              <a:buChar char="•"/>
-              <a:defRPr sz="2000" kern="1200" baseline="0">
-                <a:solidFill>
-                  <a:schemeClr val="tx1"/>
-                </a:solidFill>
-                <a:latin typeface="+mn-lt"/>
-                <a:ea typeface="+mn-ea"/>
-                <a:cs typeface="+mn-cs"/>
-              </a:defRPr>
-            </a:lvl8pPr>
-            <a:lvl9pPr marL="2742720" indent="-231606" algn="l" defTabSz="1218987" rtl="0" eaLnBrk="1" latinLnBrk="0" hangingPunct="1">
-              <a:lnSpc>
-                <a:spcPct val="90000"/>
-              </a:lnSpc>
-              <a:spcBef>
-                <a:spcPts val="800"/>
-              </a:spcBef>
-              <a:buClr>
-                <a:schemeClr val="accent1"/>
-              </a:buClr>
-              <a:buSzPct val="80000"/>
-              <a:buFont typeface="Arial" pitchFamily="34" charset="0"/>
-              <a:buChar char="•"/>
-              <a:defRPr sz="2000" kern="1200" baseline="0">
-                <a:solidFill>
-                  <a:schemeClr val="tx1"/>
-                </a:solidFill>
-                <a:latin typeface="+mn-lt"/>
-                <a:ea typeface="+mn-ea"/>
-                <a:cs typeface="+mn-cs"/>
-              </a:defRPr>
-            </a:lvl9pPr>
-          </a:lstStyle>
-          <a:p>
-            <a:r>
-              <a:rPr lang="en-US" sz="2400" b="1" dirty="0">
-                <a:solidFill>
-                  <a:srgbClr val="002060"/>
-                </a:solidFill>
-                <a:latin typeface="Source Sans Pro" panose="020B0503030403020204" pitchFamily="34" charset="0"/>
-                <a:ea typeface="Source Sans Pro" panose="020B0503030403020204" pitchFamily="34" charset="0"/>
-              </a:rPr>
-              <a:t>Modular</a:t>
-            </a:r>
-          </a:p>
-          <a:p>
-            <a:r>
-              <a:rPr lang="en-US" sz="2400" b="1" dirty="0">
-                <a:solidFill>
-                  <a:srgbClr val="002060"/>
-                </a:solidFill>
-                <a:latin typeface="Source Sans Pro" panose="020B0503030403020204" pitchFamily="34" charset="0"/>
-                <a:ea typeface="Source Sans Pro" panose="020B0503030403020204" pitchFamily="34" charset="0"/>
-              </a:rPr>
-              <a:t>Plugin architecture</a:t>
-            </a:r>
-          </a:p>
-        </p:txBody>
-      </p:sp>
     </p:spTree>
     <p:extLst>
       <p:ext uri="{BB962C8B-B14F-4D97-AF65-F5344CB8AC3E}">
-        <p14:creationId xmlns:p14="http://schemas.microsoft.com/office/powerpoint/2010/main" val="1276595154"/>
+        <p14:creationId xmlns:p14="http://schemas.microsoft.com/office/powerpoint/2010/main" val="2233678904"/>
       </p:ext>
     </p:extLst>
   </p:cSld>
@@ -14559,15 +14099,15 @@
             <a:r>
               <a:rPr lang="en-US" b="1" dirty="0">
                 <a:solidFill>
-                  <a:srgbClr val="002060"/>
+                  <a:srgbClr val="F3BE60"/>
                 </a:solidFill>
                 <a:latin typeface="Source Sans Pro" panose="020B0604020202020204" pitchFamily="34" charset="0"/>
               </a:rPr>
-              <a:t>TOOLS</a:t>
+              <a:t>NPM</a:t>
             </a:r>
             <a:endParaRPr lang="bg-BG" b="1" dirty="0">
               <a:solidFill>
-                <a:srgbClr val="002060"/>
+                <a:srgbClr val="F3BE60"/>
               </a:solidFill>
               <a:latin typeface="Source Sans Pro" panose="020B0604020202020204" pitchFamily="34" charset="0"/>
             </a:endParaRPr>
@@ -14613,7 +14153,7 @@
     </p:spTree>
     <p:extLst>
       <p:ext uri="{BB962C8B-B14F-4D97-AF65-F5344CB8AC3E}">
-        <p14:creationId xmlns:p14="http://schemas.microsoft.com/office/powerpoint/2010/main" val="2233678904"/>
+        <p14:creationId xmlns:p14="http://schemas.microsoft.com/office/powerpoint/2010/main" val="41597882"/>
       </p:ext>
     </p:extLst>
   </p:cSld>
@@ -14654,52 +14194,6 @@
           <a:chExt cx="0" cy="0"/>
         </a:xfrm>
       </p:grpSpPr>
-      <p:sp>
-        <p:nvSpPr>
-          <p:cNvPr id="2" name="Title 1">
-            <a:extLst>
-              <a:ext uri="{FF2B5EF4-FFF2-40B4-BE49-F238E27FC236}">
-                <a16:creationId xmlns:a16="http://schemas.microsoft.com/office/drawing/2014/main" id="{F533C787-D925-4018-B654-B08DDAB85464}"/>
-              </a:ext>
-            </a:extLst>
-          </p:cNvPr>
-          <p:cNvSpPr>
-            <a:spLocks noGrp="1"/>
-          </p:cNvSpPr>
-          <p:nvPr>
-            <p:ph type="ctrTitle"/>
-          </p:nvPr>
-        </p:nvSpPr>
-        <p:spPr>
-          <a:xfrm>
-            <a:off x="1524000" y="2914881"/>
-            <a:ext cx="9529011" cy="1028238"/>
-          </a:xfrm>
-        </p:spPr>
-        <p:txBody>
-          <a:bodyPr>
-            <a:normAutofit/>
-          </a:bodyPr>
-          <a:lstStyle/>
-          <a:p>
-            <a:r>
-              <a:rPr lang="en-US" b="1" dirty="0">
-                <a:solidFill>
-                  <a:srgbClr val="F3BE60"/>
-                </a:solidFill>
-                <a:latin typeface="Source Sans Pro" panose="020B0604020202020204" pitchFamily="34" charset="0"/>
-              </a:rPr>
-              <a:t>NPM</a:t>
-            </a:r>
-            <a:endParaRPr lang="bg-BG" b="1" dirty="0">
-              <a:solidFill>
-                <a:srgbClr val="F3BE60"/>
-              </a:solidFill>
-              <a:latin typeface="Source Sans Pro" panose="020B0604020202020204" pitchFamily="34" charset="0"/>
-            </a:endParaRPr>
-          </a:p>
-        </p:txBody>
-      </p:sp>
       <p:pic>
         <p:nvPicPr>
           <p:cNvPr id="5" name="Picture 4">
@@ -14736,10 +14230,324 @@
           </a:prstGeom>
         </p:spPr>
       </p:pic>
+      <p:sp>
+        <p:nvSpPr>
+          <p:cNvPr id="6" name="Title 3">
+            <a:extLst>
+              <a:ext uri="{FF2B5EF4-FFF2-40B4-BE49-F238E27FC236}">
+                <a16:creationId xmlns:a16="http://schemas.microsoft.com/office/drawing/2014/main" id="{6AF371E5-6025-4DD6-B3D9-1EA1AF6B36AB}"/>
+              </a:ext>
+            </a:extLst>
+          </p:cNvPr>
+          <p:cNvSpPr>
+            <a:spLocks noGrp="1"/>
+          </p:cNvSpPr>
+          <p:nvPr/>
+        </p:nvSpPr>
+        <p:spPr>
+          <a:xfrm>
+            <a:off x="1524000" y="489420"/>
+            <a:ext cx="10040471" cy="1110780"/>
+          </a:xfrm>
+          <a:prstGeom prst="rect">
+            <a:avLst/>
+          </a:prstGeom>
+        </p:spPr>
+        <p:txBody>
+          <a:bodyPr vert="horz" lIns="108000" tIns="36000" rIns="108000" bIns="36000" rtlCol="0" anchor="ctr" anchorCtr="0">
+            <a:normAutofit/>
+          </a:bodyPr>
+          <a:lstStyle>
+            <a:lvl1pPr algn="l" defTabSz="1218987" rtl="0" eaLnBrk="1" latinLnBrk="0" hangingPunct="1">
+              <a:lnSpc>
+                <a:spcPct val="90000"/>
+              </a:lnSpc>
+              <a:spcBef>
+                <a:spcPct val="0"/>
+              </a:spcBef>
+              <a:buNone/>
+              <a:defRPr sz="4000" b="1" kern="1200">
+                <a:solidFill>
+                  <a:srgbClr val="F3BE60"/>
+                </a:solidFill>
+                <a:effectLst/>
+                <a:latin typeface="+mj-lt"/>
+                <a:ea typeface="+mj-ea"/>
+                <a:cs typeface="+mj-cs"/>
+              </a:defRPr>
+            </a:lvl1pPr>
+          </a:lstStyle>
+          <a:p>
+            <a:r>
+              <a:rPr lang="en-US" dirty="0">
+                <a:latin typeface="Source Sans Pro" panose="020B0503030403020204" pitchFamily="34" charset="0"/>
+                <a:ea typeface="Source Sans Pro" panose="020B0503030403020204" pitchFamily="34" charset="0"/>
+              </a:rPr>
+              <a:t>NPM</a:t>
+            </a:r>
+          </a:p>
+        </p:txBody>
+      </p:sp>
+      <p:sp>
+        <p:nvSpPr>
+          <p:cNvPr id="9" name="Content Placeholder 4">
+            <a:extLst>
+              <a:ext uri="{FF2B5EF4-FFF2-40B4-BE49-F238E27FC236}">
+                <a16:creationId xmlns:a16="http://schemas.microsoft.com/office/drawing/2014/main" id="{B6C27FC4-82C8-4925-9BDD-7219055F9256}"/>
+              </a:ext>
+            </a:extLst>
+          </p:cNvPr>
+          <p:cNvSpPr>
+            <a:spLocks noGrp="1"/>
+          </p:cNvSpPr>
+          <p:nvPr/>
+        </p:nvSpPr>
+        <p:spPr>
+          <a:xfrm>
+            <a:off x="1523999" y="1600200"/>
+            <a:ext cx="10058401" cy="4613978"/>
+          </a:xfrm>
+          <a:prstGeom prst="rect">
+            <a:avLst/>
+          </a:prstGeom>
+        </p:spPr>
+        <p:txBody>
+          <a:bodyPr vert="horz" lIns="108000" tIns="36000" rIns="108000" bIns="36000" rtlCol="0">
+            <a:normAutofit/>
+          </a:bodyPr>
+          <a:lstStyle>
+            <a:lvl1pPr marL="304747" indent="-304747" algn="l" defTabSz="1218987" rtl="0" eaLnBrk="1" latinLnBrk="0" hangingPunct="1">
+              <a:lnSpc>
+                <a:spcPct val="105000"/>
+              </a:lnSpc>
+              <a:spcBef>
+                <a:spcPts val="600"/>
+              </a:spcBef>
+              <a:spcAft>
+                <a:spcPts val="600"/>
+              </a:spcAft>
+              <a:buClr>
+                <a:srgbClr val="F2B254"/>
+              </a:buClr>
+              <a:buSzPct val="100000"/>
+              <a:buFont typeface="Wingdings" panose="05000000000000000000" pitchFamily="2" charset="2"/>
+              <a:buChar char="§"/>
+              <a:defRPr sz="3400" b="0" kern="1200">
+                <a:solidFill>
+                  <a:schemeClr val="tx1"/>
+                </a:solidFill>
+                <a:latin typeface="+mn-lt"/>
+                <a:ea typeface="+mn-ea"/>
+                <a:cs typeface="+mn-cs"/>
+              </a:defRPr>
+            </a:lvl1pPr>
+            <a:lvl2pPr marL="609493" indent="-231606" algn="l" defTabSz="1218987" rtl="0" eaLnBrk="1" latinLnBrk="0" hangingPunct="1">
+              <a:lnSpc>
+                <a:spcPct val="105000"/>
+              </a:lnSpc>
+              <a:spcBef>
+                <a:spcPts val="600"/>
+              </a:spcBef>
+              <a:spcAft>
+                <a:spcPts val="600"/>
+              </a:spcAft>
+              <a:buClr>
+                <a:schemeClr val="accent1"/>
+              </a:buClr>
+              <a:buSzPct val="80000"/>
+              <a:buFont typeface="Wingdings" panose="05000000000000000000" pitchFamily="2" charset="2"/>
+              <a:buChar char="§"/>
+              <a:defRPr sz="3200" b="0" kern="1200">
+                <a:solidFill>
+                  <a:schemeClr val="tx1"/>
+                </a:solidFill>
+                <a:latin typeface="+mn-lt"/>
+                <a:ea typeface="+mn-ea"/>
+                <a:cs typeface="+mn-cs"/>
+              </a:defRPr>
+            </a:lvl2pPr>
+            <a:lvl3pPr marL="914240" indent="-231606" algn="l" defTabSz="1218987" rtl="0" eaLnBrk="1" latinLnBrk="0" hangingPunct="1">
+              <a:lnSpc>
+                <a:spcPct val="105000"/>
+              </a:lnSpc>
+              <a:spcBef>
+                <a:spcPts val="600"/>
+              </a:spcBef>
+              <a:spcAft>
+                <a:spcPts val="600"/>
+              </a:spcAft>
+              <a:buClr>
+                <a:srgbClr val="EF9A1D"/>
+              </a:buClr>
+              <a:buSzPct val="80000"/>
+              <a:buFont typeface="Wingdings" panose="05000000000000000000" pitchFamily="2" charset="2"/>
+              <a:buChar char="§"/>
+              <a:defRPr sz="3000" b="0" kern="1200">
+                <a:solidFill>
+                  <a:schemeClr val="tx1"/>
+                </a:solidFill>
+                <a:latin typeface="+mn-lt"/>
+                <a:ea typeface="+mn-ea"/>
+                <a:cs typeface="+mn-cs"/>
+              </a:defRPr>
+            </a:lvl3pPr>
+            <a:lvl4pPr marL="1218987" indent="-231606" algn="l" defTabSz="1218987" rtl="0" eaLnBrk="1" latinLnBrk="0" hangingPunct="1">
+              <a:lnSpc>
+                <a:spcPct val="105000"/>
+              </a:lnSpc>
+              <a:spcBef>
+                <a:spcPts val="600"/>
+              </a:spcBef>
+              <a:spcAft>
+                <a:spcPts val="600"/>
+              </a:spcAft>
+              <a:buClr>
+                <a:srgbClr val="ED9411"/>
+              </a:buClr>
+              <a:buSzPct val="80000"/>
+              <a:buFont typeface="Wingdings" panose="05000000000000000000" pitchFamily="2" charset="2"/>
+              <a:buChar char="§"/>
+              <a:defRPr sz="2800" b="0" kern="1200">
+                <a:solidFill>
+                  <a:schemeClr val="tx1"/>
+                </a:solidFill>
+                <a:latin typeface="+mn-lt"/>
+                <a:ea typeface="+mn-ea"/>
+                <a:cs typeface="+mn-cs"/>
+              </a:defRPr>
+            </a:lvl4pPr>
+            <a:lvl5pPr marL="1523733" indent="-231606" algn="l" defTabSz="1218987" rtl="0" eaLnBrk="1" latinLnBrk="0" hangingPunct="1">
+              <a:lnSpc>
+                <a:spcPct val="105000"/>
+              </a:lnSpc>
+              <a:spcBef>
+                <a:spcPts val="600"/>
+              </a:spcBef>
+              <a:spcAft>
+                <a:spcPts val="600"/>
+              </a:spcAft>
+              <a:buClr>
+                <a:srgbClr val="E28D10"/>
+              </a:buClr>
+              <a:buSzPct val="80000"/>
+              <a:buFont typeface="Wingdings" panose="05000000000000000000" pitchFamily="2" charset="2"/>
+              <a:buChar char="§"/>
+              <a:defRPr sz="2600" b="0" kern="1200">
+                <a:solidFill>
+                  <a:schemeClr val="tx1"/>
+                </a:solidFill>
+                <a:latin typeface="+mn-lt"/>
+                <a:ea typeface="+mn-ea"/>
+                <a:cs typeface="+mn-cs"/>
+              </a:defRPr>
+            </a:lvl5pPr>
+            <a:lvl6pPr marL="1828480" indent="-231606" algn="l" defTabSz="1218987" rtl="0" eaLnBrk="1" latinLnBrk="0" hangingPunct="1">
+              <a:lnSpc>
+                <a:spcPct val="90000"/>
+              </a:lnSpc>
+              <a:spcBef>
+                <a:spcPts val="800"/>
+              </a:spcBef>
+              <a:buClr>
+                <a:schemeClr val="accent1"/>
+              </a:buClr>
+              <a:buSzPct val="80000"/>
+              <a:buFont typeface="Arial" pitchFamily="34" charset="0"/>
+              <a:buChar char="•"/>
+              <a:defRPr sz="2000" kern="1200">
+                <a:solidFill>
+                  <a:schemeClr val="tx1"/>
+                </a:solidFill>
+                <a:latin typeface="+mn-lt"/>
+                <a:ea typeface="+mn-ea"/>
+                <a:cs typeface="+mn-cs"/>
+              </a:defRPr>
+            </a:lvl6pPr>
+            <a:lvl7pPr marL="2133227" indent="-231606" algn="l" defTabSz="1218987" rtl="0" eaLnBrk="1" latinLnBrk="0" hangingPunct="1">
+              <a:lnSpc>
+                <a:spcPct val="90000"/>
+              </a:lnSpc>
+              <a:spcBef>
+                <a:spcPts val="800"/>
+              </a:spcBef>
+              <a:buClr>
+                <a:schemeClr val="accent1"/>
+              </a:buClr>
+              <a:buSzPct val="80000"/>
+              <a:buFont typeface="Arial" pitchFamily="34" charset="0"/>
+              <a:buChar char="•"/>
+              <a:defRPr sz="2000" kern="1200">
+                <a:solidFill>
+                  <a:schemeClr val="tx1"/>
+                </a:solidFill>
+                <a:latin typeface="+mn-lt"/>
+                <a:ea typeface="+mn-ea"/>
+                <a:cs typeface="+mn-cs"/>
+              </a:defRPr>
+            </a:lvl7pPr>
+            <a:lvl8pPr marL="2437972" indent="-231606" algn="l" defTabSz="1218987" rtl="0" eaLnBrk="1" latinLnBrk="0" hangingPunct="1">
+              <a:lnSpc>
+                <a:spcPct val="90000"/>
+              </a:lnSpc>
+              <a:spcBef>
+                <a:spcPts val="800"/>
+              </a:spcBef>
+              <a:buClr>
+                <a:schemeClr val="accent1"/>
+              </a:buClr>
+              <a:buSzPct val="80000"/>
+              <a:buFont typeface="Arial" pitchFamily="34" charset="0"/>
+              <a:buChar char="•"/>
+              <a:defRPr sz="2000" kern="1200" baseline="0">
+                <a:solidFill>
+                  <a:schemeClr val="tx1"/>
+                </a:solidFill>
+                <a:latin typeface="+mn-lt"/>
+                <a:ea typeface="+mn-ea"/>
+                <a:cs typeface="+mn-cs"/>
+              </a:defRPr>
+            </a:lvl8pPr>
+            <a:lvl9pPr marL="2742720" indent="-231606" algn="l" defTabSz="1218987" rtl="0" eaLnBrk="1" latinLnBrk="0" hangingPunct="1">
+              <a:lnSpc>
+                <a:spcPct val="90000"/>
+              </a:lnSpc>
+              <a:spcBef>
+                <a:spcPts val="800"/>
+              </a:spcBef>
+              <a:buClr>
+                <a:schemeClr val="accent1"/>
+              </a:buClr>
+              <a:buSzPct val="80000"/>
+              <a:buFont typeface="Arial" pitchFamily="34" charset="0"/>
+              <a:buChar char="•"/>
+              <a:defRPr sz="2000" kern="1200" baseline="0">
+                <a:solidFill>
+                  <a:schemeClr val="tx1"/>
+                </a:solidFill>
+                <a:latin typeface="+mn-lt"/>
+                <a:ea typeface="+mn-ea"/>
+                <a:cs typeface="+mn-cs"/>
+              </a:defRPr>
+            </a:lvl9pPr>
+          </a:lstStyle>
+          <a:p>
+            <a:r>
+              <a:rPr lang="en-US" sz="2400" b="1" dirty="0">
+                <a:solidFill>
+                  <a:srgbClr val="002060"/>
+                </a:solidFill>
+                <a:latin typeface="Source Sans Pro" panose="020B0503030403020204" pitchFamily="34" charset="0"/>
+                <a:ea typeface="Source Sans Pro" panose="020B0503030403020204" pitchFamily="34" charset="0"/>
+              </a:rPr>
+              <a:t>Use npm to install, share, and distribute code; manage dependencies in your projects; and share &amp; receive feedback with others.</a:t>
+            </a:r>
+          </a:p>
+        </p:txBody>
+      </p:sp>
     </p:spTree>
     <p:extLst>
       <p:ext uri="{BB962C8B-B14F-4D97-AF65-F5344CB8AC3E}">
-        <p14:creationId xmlns:p14="http://schemas.microsoft.com/office/powerpoint/2010/main" val="41597882"/>
+        <p14:creationId xmlns:p14="http://schemas.microsoft.com/office/powerpoint/2010/main" val="3299149101"/>
       </p:ext>
     </p:extLst>
   </p:cSld>
@@ -14780,6 +14588,52 @@
           <a:chExt cx="0" cy="0"/>
         </a:xfrm>
       </p:grpSpPr>
+      <p:sp>
+        <p:nvSpPr>
+          <p:cNvPr id="2" name="Title 1">
+            <a:extLst>
+              <a:ext uri="{FF2B5EF4-FFF2-40B4-BE49-F238E27FC236}">
+                <a16:creationId xmlns:a16="http://schemas.microsoft.com/office/drawing/2014/main" id="{F533C787-D925-4018-B654-B08DDAB85464}"/>
+              </a:ext>
+            </a:extLst>
+          </p:cNvPr>
+          <p:cNvSpPr>
+            <a:spLocks noGrp="1"/>
+          </p:cNvSpPr>
+          <p:nvPr>
+            <p:ph type="ctrTitle"/>
+          </p:nvPr>
+        </p:nvSpPr>
+        <p:spPr>
+          <a:xfrm>
+            <a:off x="1524000" y="2914881"/>
+            <a:ext cx="9529011" cy="1028238"/>
+          </a:xfrm>
+        </p:spPr>
+        <p:txBody>
+          <a:bodyPr>
+            <a:normAutofit/>
+          </a:bodyPr>
+          <a:lstStyle/>
+          <a:p>
+            <a:r>
+              <a:rPr lang="en-US" b="1" dirty="0">
+                <a:solidFill>
+                  <a:srgbClr val="F3BE60"/>
+                </a:solidFill>
+                <a:latin typeface="Source Sans Pro" panose="020B0604020202020204" pitchFamily="34" charset="0"/>
+              </a:rPr>
+              <a:t>GULP</a:t>
+            </a:r>
+            <a:endParaRPr lang="bg-BG" b="1" dirty="0">
+              <a:solidFill>
+                <a:srgbClr val="F3BE60"/>
+              </a:solidFill>
+              <a:latin typeface="Source Sans Pro" panose="020B0604020202020204" pitchFamily="34" charset="0"/>
+            </a:endParaRPr>
+          </a:p>
+        </p:txBody>
+      </p:sp>
       <p:pic>
         <p:nvPicPr>
           <p:cNvPr id="5" name="Picture 4">
@@ -14816,324 +14670,10 @@
           </a:prstGeom>
         </p:spPr>
       </p:pic>
-      <p:sp>
-        <p:nvSpPr>
-          <p:cNvPr id="6" name="Title 3">
-            <a:extLst>
-              <a:ext uri="{FF2B5EF4-FFF2-40B4-BE49-F238E27FC236}">
-                <a16:creationId xmlns:a16="http://schemas.microsoft.com/office/drawing/2014/main" id="{6AF371E5-6025-4DD6-B3D9-1EA1AF6B36AB}"/>
-              </a:ext>
-            </a:extLst>
-          </p:cNvPr>
-          <p:cNvSpPr>
-            <a:spLocks noGrp="1"/>
-          </p:cNvSpPr>
-          <p:nvPr/>
-        </p:nvSpPr>
-        <p:spPr>
-          <a:xfrm>
-            <a:off x="1524000" y="489420"/>
-            <a:ext cx="10040471" cy="1110780"/>
-          </a:xfrm>
-          <a:prstGeom prst="rect">
-            <a:avLst/>
-          </a:prstGeom>
-        </p:spPr>
-        <p:txBody>
-          <a:bodyPr vert="horz" lIns="108000" tIns="36000" rIns="108000" bIns="36000" rtlCol="0" anchor="ctr" anchorCtr="0">
-            <a:normAutofit/>
-          </a:bodyPr>
-          <a:lstStyle>
-            <a:lvl1pPr algn="l" defTabSz="1218987" rtl="0" eaLnBrk="1" latinLnBrk="0" hangingPunct="1">
-              <a:lnSpc>
-                <a:spcPct val="90000"/>
-              </a:lnSpc>
-              <a:spcBef>
-                <a:spcPct val="0"/>
-              </a:spcBef>
-              <a:buNone/>
-              <a:defRPr sz="4000" b="1" kern="1200">
-                <a:solidFill>
-                  <a:srgbClr val="F3BE60"/>
-                </a:solidFill>
-                <a:effectLst/>
-                <a:latin typeface="+mj-lt"/>
-                <a:ea typeface="+mj-ea"/>
-                <a:cs typeface="+mj-cs"/>
-              </a:defRPr>
-            </a:lvl1pPr>
-          </a:lstStyle>
-          <a:p>
-            <a:r>
-              <a:rPr lang="en-US" dirty="0">
-                <a:latin typeface="Source Sans Pro" panose="020B0503030403020204" pitchFamily="34" charset="0"/>
-                <a:ea typeface="Source Sans Pro" panose="020B0503030403020204" pitchFamily="34" charset="0"/>
-              </a:rPr>
-              <a:t>NPM</a:t>
-            </a:r>
-          </a:p>
-        </p:txBody>
-      </p:sp>
-      <p:sp>
-        <p:nvSpPr>
-          <p:cNvPr id="9" name="Content Placeholder 4">
-            <a:extLst>
-              <a:ext uri="{FF2B5EF4-FFF2-40B4-BE49-F238E27FC236}">
-                <a16:creationId xmlns:a16="http://schemas.microsoft.com/office/drawing/2014/main" id="{B6C27FC4-82C8-4925-9BDD-7219055F9256}"/>
-              </a:ext>
-            </a:extLst>
-          </p:cNvPr>
-          <p:cNvSpPr>
-            <a:spLocks noGrp="1"/>
-          </p:cNvSpPr>
-          <p:nvPr/>
-        </p:nvSpPr>
-        <p:spPr>
-          <a:xfrm>
-            <a:off x="1523999" y="1600200"/>
-            <a:ext cx="10058401" cy="4613978"/>
-          </a:xfrm>
-          <a:prstGeom prst="rect">
-            <a:avLst/>
-          </a:prstGeom>
-        </p:spPr>
-        <p:txBody>
-          <a:bodyPr vert="horz" lIns="108000" tIns="36000" rIns="108000" bIns="36000" rtlCol="0">
-            <a:normAutofit/>
-          </a:bodyPr>
-          <a:lstStyle>
-            <a:lvl1pPr marL="304747" indent="-304747" algn="l" defTabSz="1218987" rtl="0" eaLnBrk="1" latinLnBrk="0" hangingPunct="1">
-              <a:lnSpc>
-                <a:spcPct val="105000"/>
-              </a:lnSpc>
-              <a:spcBef>
-                <a:spcPts val="600"/>
-              </a:spcBef>
-              <a:spcAft>
-                <a:spcPts val="600"/>
-              </a:spcAft>
-              <a:buClr>
-                <a:srgbClr val="F2B254"/>
-              </a:buClr>
-              <a:buSzPct val="100000"/>
-              <a:buFont typeface="Wingdings" panose="05000000000000000000" pitchFamily="2" charset="2"/>
-              <a:buChar char="§"/>
-              <a:defRPr sz="3400" b="0" kern="1200">
-                <a:solidFill>
-                  <a:schemeClr val="tx1"/>
-                </a:solidFill>
-                <a:latin typeface="+mn-lt"/>
-                <a:ea typeface="+mn-ea"/>
-                <a:cs typeface="+mn-cs"/>
-              </a:defRPr>
-            </a:lvl1pPr>
-            <a:lvl2pPr marL="609493" indent="-231606" algn="l" defTabSz="1218987" rtl="0" eaLnBrk="1" latinLnBrk="0" hangingPunct="1">
-              <a:lnSpc>
-                <a:spcPct val="105000"/>
-              </a:lnSpc>
-              <a:spcBef>
-                <a:spcPts val="600"/>
-              </a:spcBef>
-              <a:spcAft>
-                <a:spcPts val="600"/>
-              </a:spcAft>
-              <a:buClr>
-                <a:schemeClr val="accent1"/>
-              </a:buClr>
-              <a:buSzPct val="80000"/>
-              <a:buFont typeface="Wingdings" panose="05000000000000000000" pitchFamily="2" charset="2"/>
-              <a:buChar char="§"/>
-              <a:defRPr sz="3200" b="0" kern="1200">
-                <a:solidFill>
-                  <a:schemeClr val="tx1"/>
-                </a:solidFill>
-                <a:latin typeface="+mn-lt"/>
-                <a:ea typeface="+mn-ea"/>
-                <a:cs typeface="+mn-cs"/>
-              </a:defRPr>
-            </a:lvl2pPr>
-            <a:lvl3pPr marL="914240" indent="-231606" algn="l" defTabSz="1218987" rtl="0" eaLnBrk="1" latinLnBrk="0" hangingPunct="1">
-              <a:lnSpc>
-                <a:spcPct val="105000"/>
-              </a:lnSpc>
-              <a:spcBef>
-                <a:spcPts val="600"/>
-              </a:spcBef>
-              <a:spcAft>
-                <a:spcPts val="600"/>
-              </a:spcAft>
-              <a:buClr>
-                <a:srgbClr val="EF9A1D"/>
-              </a:buClr>
-              <a:buSzPct val="80000"/>
-              <a:buFont typeface="Wingdings" panose="05000000000000000000" pitchFamily="2" charset="2"/>
-              <a:buChar char="§"/>
-              <a:defRPr sz="3000" b="0" kern="1200">
-                <a:solidFill>
-                  <a:schemeClr val="tx1"/>
-                </a:solidFill>
-                <a:latin typeface="+mn-lt"/>
-                <a:ea typeface="+mn-ea"/>
-                <a:cs typeface="+mn-cs"/>
-              </a:defRPr>
-            </a:lvl3pPr>
-            <a:lvl4pPr marL="1218987" indent="-231606" algn="l" defTabSz="1218987" rtl="0" eaLnBrk="1" latinLnBrk="0" hangingPunct="1">
-              <a:lnSpc>
-                <a:spcPct val="105000"/>
-              </a:lnSpc>
-              <a:spcBef>
-                <a:spcPts val="600"/>
-              </a:spcBef>
-              <a:spcAft>
-                <a:spcPts val="600"/>
-              </a:spcAft>
-              <a:buClr>
-                <a:srgbClr val="ED9411"/>
-              </a:buClr>
-              <a:buSzPct val="80000"/>
-              <a:buFont typeface="Wingdings" panose="05000000000000000000" pitchFamily="2" charset="2"/>
-              <a:buChar char="§"/>
-              <a:defRPr sz="2800" b="0" kern="1200">
-                <a:solidFill>
-                  <a:schemeClr val="tx1"/>
-                </a:solidFill>
-                <a:latin typeface="+mn-lt"/>
-                <a:ea typeface="+mn-ea"/>
-                <a:cs typeface="+mn-cs"/>
-              </a:defRPr>
-            </a:lvl4pPr>
-            <a:lvl5pPr marL="1523733" indent="-231606" algn="l" defTabSz="1218987" rtl="0" eaLnBrk="1" latinLnBrk="0" hangingPunct="1">
-              <a:lnSpc>
-                <a:spcPct val="105000"/>
-              </a:lnSpc>
-              <a:spcBef>
-                <a:spcPts val="600"/>
-              </a:spcBef>
-              <a:spcAft>
-                <a:spcPts val="600"/>
-              </a:spcAft>
-              <a:buClr>
-                <a:srgbClr val="E28D10"/>
-              </a:buClr>
-              <a:buSzPct val="80000"/>
-              <a:buFont typeface="Wingdings" panose="05000000000000000000" pitchFamily="2" charset="2"/>
-              <a:buChar char="§"/>
-              <a:defRPr sz="2600" b="0" kern="1200">
-                <a:solidFill>
-                  <a:schemeClr val="tx1"/>
-                </a:solidFill>
-                <a:latin typeface="+mn-lt"/>
-                <a:ea typeface="+mn-ea"/>
-                <a:cs typeface="+mn-cs"/>
-              </a:defRPr>
-            </a:lvl5pPr>
-            <a:lvl6pPr marL="1828480" indent="-231606" algn="l" defTabSz="1218987" rtl="0" eaLnBrk="1" latinLnBrk="0" hangingPunct="1">
-              <a:lnSpc>
-                <a:spcPct val="90000"/>
-              </a:lnSpc>
-              <a:spcBef>
-                <a:spcPts val="800"/>
-              </a:spcBef>
-              <a:buClr>
-                <a:schemeClr val="accent1"/>
-              </a:buClr>
-              <a:buSzPct val="80000"/>
-              <a:buFont typeface="Arial" pitchFamily="34" charset="0"/>
-              <a:buChar char="•"/>
-              <a:defRPr sz="2000" kern="1200">
-                <a:solidFill>
-                  <a:schemeClr val="tx1"/>
-                </a:solidFill>
-                <a:latin typeface="+mn-lt"/>
-                <a:ea typeface="+mn-ea"/>
-                <a:cs typeface="+mn-cs"/>
-              </a:defRPr>
-            </a:lvl6pPr>
-            <a:lvl7pPr marL="2133227" indent="-231606" algn="l" defTabSz="1218987" rtl="0" eaLnBrk="1" latinLnBrk="0" hangingPunct="1">
-              <a:lnSpc>
-                <a:spcPct val="90000"/>
-              </a:lnSpc>
-              <a:spcBef>
-                <a:spcPts val="800"/>
-              </a:spcBef>
-              <a:buClr>
-                <a:schemeClr val="accent1"/>
-              </a:buClr>
-              <a:buSzPct val="80000"/>
-              <a:buFont typeface="Arial" pitchFamily="34" charset="0"/>
-              <a:buChar char="•"/>
-              <a:defRPr sz="2000" kern="1200">
-                <a:solidFill>
-                  <a:schemeClr val="tx1"/>
-                </a:solidFill>
-                <a:latin typeface="+mn-lt"/>
-                <a:ea typeface="+mn-ea"/>
-                <a:cs typeface="+mn-cs"/>
-              </a:defRPr>
-            </a:lvl7pPr>
-            <a:lvl8pPr marL="2437972" indent="-231606" algn="l" defTabSz="1218987" rtl="0" eaLnBrk="1" latinLnBrk="0" hangingPunct="1">
-              <a:lnSpc>
-                <a:spcPct val="90000"/>
-              </a:lnSpc>
-              <a:spcBef>
-                <a:spcPts val="800"/>
-              </a:spcBef>
-              <a:buClr>
-                <a:schemeClr val="accent1"/>
-              </a:buClr>
-              <a:buSzPct val="80000"/>
-              <a:buFont typeface="Arial" pitchFamily="34" charset="0"/>
-              <a:buChar char="•"/>
-              <a:defRPr sz="2000" kern="1200" baseline="0">
-                <a:solidFill>
-                  <a:schemeClr val="tx1"/>
-                </a:solidFill>
-                <a:latin typeface="+mn-lt"/>
-                <a:ea typeface="+mn-ea"/>
-                <a:cs typeface="+mn-cs"/>
-              </a:defRPr>
-            </a:lvl8pPr>
-            <a:lvl9pPr marL="2742720" indent="-231606" algn="l" defTabSz="1218987" rtl="0" eaLnBrk="1" latinLnBrk="0" hangingPunct="1">
-              <a:lnSpc>
-                <a:spcPct val="90000"/>
-              </a:lnSpc>
-              <a:spcBef>
-                <a:spcPts val="800"/>
-              </a:spcBef>
-              <a:buClr>
-                <a:schemeClr val="accent1"/>
-              </a:buClr>
-              <a:buSzPct val="80000"/>
-              <a:buFont typeface="Arial" pitchFamily="34" charset="0"/>
-              <a:buChar char="•"/>
-              <a:defRPr sz="2000" kern="1200" baseline="0">
-                <a:solidFill>
-                  <a:schemeClr val="tx1"/>
-                </a:solidFill>
-                <a:latin typeface="+mn-lt"/>
-                <a:ea typeface="+mn-ea"/>
-                <a:cs typeface="+mn-cs"/>
-              </a:defRPr>
-            </a:lvl9pPr>
-          </a:lstStyle>
-          <a:p>
-            <a:r>
-              <a:rPr lang="en-US" sz="2400" b="1" dirty="0">
-                <a:solidFill>
-                  <a:srgbClr val="002060"/>
-                </a:solidFill>
-                <a:latin typeface="Source Sans Pro" panose="020B0503030403020204" pitchFamily="34" charset="0"/>
-                <a:ea typeface="Source Sans Pro" panose="020B0503030403020204" pitchFamily="34" charset="0"/>
-              </a:rPr>
-              <a:t>Use npm to install, share, and distribute code; manage dependencies in your projects; and share &amp; receive feedback with others.</a:t>
-            </a:r>
-          </a:p>
-        </p:txBody>
-      </p:sp>
     </p:spTree>
     <p:extLst>
       <p:ext uri="{BB962C8B-B14F-4D97-AF65-F5344CB8AC3E}">
-        <p14:creationId xmlns:p14="http://schemas.microsoft.com/office/powerpoint/2010/main" val="3299149101"/>
+        <p14:creationId xmlns:p14="http://schemas.microsoft.com/office/powerpoint/2010/main" val="3131024048"/>
       </p:ext>
     </p:extLst>
   </p:cSld>
@@ -15428,52 +14968,6 @@
           <a:chExt cx="0" cy="0"/>
         </a:xfrm>
       </p:grpSpPr>
-      <p:sp>
-        <p:nvSpPr>
-          <p:cNvPr id="2" name="Title 1">
-            <a:extLst>
-              <a:ext uri="{FF2B5EF4-FFF2-40B4-BE49-F238E27FC236}">
-                <a16:creationId xmlns:a16="http://schemas.microsoft.com/office/drawing/2014/main" id="{F533C787-D925-4018-B654-B08DDAB85464}"/>
-              </a:ext>
-            </a:extLst>
-          </p:cNvPr>
-          <p:cNvSpPr>
-            <a:spLocks noGrp="1"/>
-          </p:cNvSpPr>
-          <p:nvPr>
-            <p:ph type="ctrTitle"/>
-          </p:nvPr>
-        </p:nvSpPr>
-        <p:spPr>
-          <a:xfrm>
-            <a:off x="1524000" y="2914881"/>
-            <a:ext cx="9529011" cy="1028238"/>
-          </a:xfrm>
-        </p:spPr>
-        <p:txBody>
-          <a:bodyPr>
-            <a:normAutofit/>
-          </a:bodyPr>
-          <a:lstStyle/>
-          <a:p>
-            <a:r>
-              <a:rPr lang="en-US" b="1" dirty="0">
-                <a:solidFill>
-                  <a:srgbClr val="F3BE60"/>
-                </a:solidFill>
-                <a:latin typeface="Source Sans Pro" panose="020B0604020202020204" pitchFamily="34" charset="0"/>
-              </a:rPr>
-              <a:t>GULP</a:t>
-            </a:r>
-            <a:endParaRPr lang="bg-BG" b="1" dirty="0">
-              <a:solidFill>
-                <a:srgbClr val="F3BE60"/>
-              </a:solidFill>
-              <a:latin typeface="Source Sans Pro" panose="020B0604020202020204" pitchFamily="34" charset="0"/>
-            </a:endParaRPr>
-          </a:p>
-        </p:txBody>
-      </p:sp>
       <p:pic>
         <p:nvPicPr>
           <p:cNvPr id="5" name="Picture 4">
@@ -15510,10 +15004,336 @@
           </a:prstGeom>
         </p:spPr>
       </p:pic>
+      <p:sp>
+        <p:nvSpPr>
+          <p:cNvPr id="6" name="Title 3">
+            <a:extLst>
+              <a:ext uri="{FF2B5EF4-FFF2-40B4-BE49-F238E27FC236}">
+                <a16:creationId xmlns:a16="http://schemas.microsoft.com/office/drawing/2014/main" id="{6AF371E5-6025-4DD6-B3D9-1EA1AF6B36AB}"/>
+              </a:ext>
+            </a:extLst>
+          </p:cNvPr>
+          <p:cNvSpPr>
+            <a:spLocks noGrp="1"/>
+          </p:cNvSpPr>
+          <p:nvPr/>
+        </p:nvSpPr>
+        <p:spPr>
+          <a:xfrm>
+            <a:off x="1524000" y="489420"/>
+            <a:ext cx="10040471" cy="1110780"/>
+          </a:xfrm>
+          <a:prstGeom prst="rect">
+            <a:avLst/>
+          </a:prstGeom>
+        </p:spPr>
+        <p:txBody>
+          <a:bodyPr vert="horz" lIns="108000" tIns="36000" rIns="108000" bIns="36000" rtlCol="0" anchor="ctr" anchorCtr="0">
+            <a:normAutofit/>
+          </a:bodyPr>
+          <a:lstStyle>
+            <a:lvl1pPr algn="l" defTabSz="1218987" rtl="0" eaLnBrk="1" latinLnBrk="0" hangingPunct="1">
+              <a:lnSpc>
+                <a:spcPct val="90000"/>
+              </a:lnSpc>
+              <a:spcBef>
+                <a:spcPct val="0"/>
+              </a:spcBef>
+              <a:buNone/>
+              <a:defRPr sz="4000" b="1" kern="1200">
+                <a:solidFill>
+                  <a:srgbClr val="F3BE60"/>
+                </a:solidFill>
+                <a:effectLst/>
+                <a:latin typeface="+mj-lt"/>
+                <a:ea typeface="+mj-ea"/>
+                <a:cs typeface="+mj-cs"/>
+              </a:defRPr>
+            </a:lvl1pPr>
+          </a:lstStyle>
+          <a:p>
+            <a:r>
+              <a:rPr lang="en-US" dirty="0">
+                <a:latin typeface="Source Sans Pro" panose="020B0503030403020204" pitchFamily="34" charset="0"/>
+                <a:ea typeface="Source Sans Pro" panose="020B0503030403020204" pitchFamily="34" charset="0"/>
+              </a:rPr>
+              <a:t>GULP</a:t>
+            </a:r>
+          </a:p>
+        </p:txBody>
+      </p:sp>
+      <p:sp>
+        <p:nvSpPr>
+          <p:cNvPr id="9" name="Content Placeholder 4">
+            <a:extLst>
+              <a:ext uri="{FF2B5EF4-FFF2-40B4-BE49-F238E27FC236}">
+                <a16:creationId xmlns:a16="http://schemas.microsoft.com/office/drawing/2014/main" id="{B6C27FC4-82C8-4925-9BDD-7219055F9256}"/>
+              </a:ext>
+            </a:extLst>
+          </p:cNvPr>
+          <p:cNvSpPr>
+            <a:spLocks noGrp="1"/>
+          </p:cNvSpPr>
+          <p:nvPr/>
+        </p:nvSpPr>
+        <p:spPr>
+          <a:xfrm>
+            <a:off x="1523999" y="1600200"/>
+            <a:ext cx="10058401" cy="4613978"/>
+          </a:xfrm>
+          <a:prstGeom prst="rect">
+            <a:avLst/>
+          </a:prstGeom>
+        </p:spPr>
+        <p:txBody>
+          <a:bodyPr vert="horz" lIns="108000" tIns="36000" rIns="108000" bIns="36000" rtlCol="0">
+            <a:normAutofit/>
+          </a:bodyPr>
+          <a:lstStyle>
+            <a:lvl1pPr marL="304747" indent="-304747" algn="l" defTabSz="1218987" rtl="0" eaLnBrk="1" latinLnBrk="0" hangingPunct="1">
+              <a:lnSpc>
+                <a:spcPct val="105000"/>
+              </a:lnSpc>
+              <a:spcBef>
+                <a:spcPts val="600"/>
+              </a:spcBef>
+              <a:spcAft>
+                <a:spcPts val="600"/>
+              </a:spcAft>
+              <a:buClr>
+                <a:srgbClr val="F2B254"/>
+              </a:buClr>
+              <a:buSzPct val="100000"/>
+              <a:buFont typeface="Wingdings" panose="05000000000000000000" pitchFamily="2" charset="2"/>
+              <a:buChar char="§"/>
+              <a:defRPr sz="3400" b="0" kern="1200">
+                <a:solidFill>
+                  <a:schemeClr val="tx1"/>
+                </a:solidFill>
+                <a:latin typeface="+mn-lt"/>
+                <a:ea typeface="+mn-ea"/>
+                <a:cs typeface="+mn-cs"/>
+              </a:defRPr>
+            </a:lvl1pPr>
+            <a:lvl2pPr marL="609493" indent="-231606" algn="l" defTabSz="1218987" rtl="0" eaLnBrk="1" latinLnBrk="0" hangingPunct="1">
+              <a:lnSpc>
+                <a:spcPct val="105000"/>
+              </a:lnSpc>
+              <a:spcBef>
+                <a:spcPts val="600"/>
+              </a:spcBef>
+              <a:spcAft>
+                <a:spcPts val="600"/>
+              </a:spcAft>
+              <a:buClr>
+                <a:schemeClr val="accent1"/>
+              </a:buClr>
+              <a:buSzPct val="80000"/>
+              <a:buFont typeface="Wingdings" panose="05000000000000000000" pitchFamily="2" charset="2"/>
+              <a:buChar char="§"/>
+              <a:defRPr sz="3200" b="0" kern="1200">
+                <a:solidFill>
+                  <a:schemeClr val="tx1"/>
+                </a:solidFill>
+                <a:latin typeface="+mn-lt"/>
+                <a:ea typeface="+mn-ea"/>
+                <a:cs typeface="+mn-cs"/>
+              </a:defRPr>
+            </a:lvl2pPr>
+            <a:lvl3pPr marL="914240" indent="-231606" algn="l" defTabSz="1218987" rtl="0" eaLnBrk="1" latinLnBrk="0" hangingPunct="1">
+              <a:lnSpc>
+                <a:spcPct val="105000"/>
+              </a:lnSpc>
+              <a:spcBef>
+                <a:spcPts val="600"/>
+              </a:spcBef>
+              <a:spcAft>
+                <a:spcPts val="600"/>
+              </a:spcAft>
+              <a:buClr>
+                <a:srgbClr val="EF9A1D"/>
+              </a:buClr>
+              <a:buSzPct val="80000"/>
+              <a:buFont typeface="Wingdings" panose="05000000000000000000" pitchFamily="2" charset="2"/>
+              <a:buChar char="§"/>
+              <a:defRPr sz="3000" b="0" kern="1200">
+                <a:solidFill>
+                  <a:schemeClr val="tx1"/>
+                </a:solidFill>
+                <a:latin typeface="+mn-lt"/>
+                <a:ea typeface="+mn-ea"/>
+                <a:cs typeface="+mn-cs"/>
+              </a:defRPr>
+            </a:lvl3pPr>
+            <a:lvl4pPr marL="1218987" indent="-231606" algn="l" defTabSz="1218987" rtl="0" eaLnBrk="1" latinLnBrk="0" hangingPunct="1">
+              <a:lnSpc>
+                <a:spcPct val="105000"/>
+              </a:lnSpc>
+              <a:spcBef>
+                <a:spcPts val="600"/>
+              </a:spcBef>
+              <a:spcAft>
+                <a:spcPts val="600"/>
+              </a:spcAft>
+              <a:buClr>
+                <a:srgbClr val="ED9411"/>
+              </a:buClr>
+              <a:buSzPct val="80000"/>
+              <a:buFont typeface="Wingdings" panose="05000000000000000000" pitchFamily="2" charset="2"/>
+              <a:buChar char="§"/>
+              <a:defRPr sz="2800" b="0" kern="1200">
+                <a:solidFill>
+                  <a:schemeClr val="tx1"/>
+                </a:solidFill>
+                <a:latin typeface="+mn-lt"/>
+                <a:ea typeface="+mn-ea"/>
+                <a:cs typeface="+mn-cs"/>
+              </a:defRPr>
+            </a:lvl4pPr>
+            <a:lvl5pPr marL="1523733" indent="-231606" algn="l" defTabSz="1218987" rtl="0" eaLnBrk="1" latinLnBrk="0" hangingPunct="1">
+              <a:lnSpc>
+                <a:spcPct val="105000"/>
+              </a:lnSpc>
+              <a:spcBef>
+                <a:spcPts val="600"/>
+              </a:spcBef>
+              <a:spcAft>
+                <a:spcPts val="600"/>
+              </a:spcAft>
+              <a:buClr>
+                <a:srgbClr val="E28D10"/>
+              </a:buClr>
+              <a:buSzPct val="80000"/>
+              <a:buFont typeface="Wingdings" panose="05000000000000000000" pitchFamily="2" charset="2"/>
+              <a:buChar char="§"/>
+              <a:defRPr sz="2600" b="0" kern="1200">
+                <a:solidFill>
+                  <a:schemeClr val="tx1"/>
+                </a:solidFill>
+                <a:latin typeface="+mn-lt"/>
+                <a:ea typeface="+mn-ea"/>
+                <a:cs typeface="+mn-cs"/>
+              </a:defRPr>
+            </a:lvl5pPr>
+            <a:lvl6pPr marL="1828480" indent="-231606" algn="l" defTabSz="1218987" rtl="0" eaLnBrk="1" latinLnBrk="0" hangingPunct="1">
+              <a:lnSpc>
+                <a:spcPct val="90000"/>
+              </a:lnSpc>
+              <a:spcBef>
+                <a:spcPts val="800"/>
+              </a:spcBef>
+              <a:buClr>
+                <a:schemeClr val="accent1"/>
+              </a:buClr>
+              <a:buSzPct val="80000"/>
+              <a:buFont typeface="Arial" pitchFamily="34" charset="0"/>
+              <a:buChar char="•"/>
+              <a:defRPr sz="2000" kern="1200">
+                <a:solidFill>
+                  <a:schemeClr val="tx1"/>
+                </a:solidFill>
+                <a:latin typeface="+mn-lt"/>
+                <a:ea typeface="+mn-ea"/>
+                <a:cs typeface="+mn-cs"/>
+              </a:defRPr>
+            </a:lvl6pPr>
+            <a:lvl7pPr marL="2133227" indent="-231606" algn="l" defTabSz="1218987" rtl="0" eaLnBrk="1" latinLnBrk="0" hangingPunct="1">
+              <a:lnSpc>
+                <a:spcPct val="90000"/>
+              </a:lnSpc>
+              <a:spcBef>
+                <a:spcPts val="800"/>
+              </a:spcBef>
+              <a:buClr>
+                <a:schemeClr val="accent1"/>
+              </a:buClr>
+              <a:buSzPct val="80000"/>
+              <a:buFont typeface="Arial" pitchFamily="34" charset="0"/>
+              <a:buChar char="•"/>
+              <a:defRPr sz="2000" kern="1200">
+                <a:solidFill>
+                  <a:schemeClr val="tx1"/>
+                </a:solidFill>
+                <a:latin typeface="+mn-lt"/>
+                <a:ea typeface="+mn-ea"/>
+                <a:cs typeface="+mn-cs"/>
+              </a:defRPr>
+            </a:lvl7pPr>
+            <a:lvl8pPr marL="2437972" indent="-231606" algn="l" defTabSz="1218987" rtl="0" eaLnBrk="1" latinLnBrk="0" hangingPunct="1">
+              <a:lnSpc>
+                <a:spcPct val="90000"/>
+              </a:lnSpc>
+              <a:spcBef>
+                <a:spcPts val="800"/>
+              </a:spcBef>
+              <a:buClr>
+                <a:schemeClr val="accent1"/>
+              </a:buClr>
+              <a:buSzPct val="80000"/>
+              <a:buFont typeface="Arial" pitchFamily="34" charset="0"/>
+              <a:buChar char="•"/>
+              <a:defRPr sz="2000" kern="1200" baseline="0">
+                <a:solidFill>
+                  <a:schemeClr val="tx1"/>
+                </a:solidFill>
+                <a:latin typeface="+mn-lt"/>
+                <a:ea typeface="+mn-ea"/>
+                <a:cs typeface="+mn-cs"/>
+              </a:defRPr>
+            </a:lvl8pPr>
+            <a:lvl9pPr marL="2742720" indent="-231606" algn="l" defTabSz="1218987" rtl="0" eaLnBrk="1" latinLnBrk="0" hangingPunct="1">
+              <a:lnSpc>
+                <a:spcPct val="90000"/>
+              </a:lnSpc>
+              <a:spcBef>
+                <a:spcPts val="800"/>
+              </a:spcBef>
+              <a:buClr>
+                <a:schemeClr val="accent1"/>
+              </a:buClr>
+              <a:buSzPct val="80000"/>
+              <a:buFont typeface="Arial" pitchFamily="34" charset="0"/>
+              <a:buChar char="•"/>
+              <a:defRPr sz="2000" kern="1200" baseline="0">
+                <a:solidFill>
+                  <a:schemeClr val="tx1"/>
+                </a:solidFill>
+                <a:latin typeface="+mn-lt"/>
+                <a:ea typeface="+mn-ea"/>
+                <a:cs typeface="+mn-cs"/>
+              </a:defRPr>
+            </a:lvl9pPr>
+          </a:lstStyle>
+          <a:p>
+            <a:r>
+              <a:rPr lang="en-US" sz="2400" b="1" dirty="0">
+                <a:solidFill>
+                  <a:srgbClr val="002060"/>
+                </a:solidFill>
+                <a:latin typeface="Source Sans Pro" panose="020B0503030403020204" pitchFamily="34" charset="0"/>
+                <a:ea typeface="Source Sans Pro" panose="020B0503030403020204" pitchFamily="34" charset="0"/>
+              </a:rPr>
+              <a:t>Automate and enhance your workflow</a:t>
+            </a:r>
+          </a:p>
+          <a:p>
+            <a:pPr marL="0" indent="0">
+              <a:buNone/>
+            </a:pPr>
+            <a:endParaRPr lang="en-US" sz="2400" b="1" dirty="0">
+              <a:solidFill>
+                <a:srgbClr val="002060"/>
+              </a:solidFill>
+              <a:latin typeface="Source Sans Pro" panose="020B0503030403020204" pitchFamily="34" charset="0"/>
+              <a:ea typeface="Source Sans Pro" panose="020B0503030403020204" pitchFamily="34" charset="0"/>
+            </a:endParaRPr>
+          </a:p>
+        </p:txBody>
+      </p:sp>
     </p:spTree>
     <p:extLst>
       <p:ext uri="{BB962C8B-B14F-4D97-AF65-F5344CB8AC3E}">
-        <p14:creationId xmlns:p14="http://schemas.microsoft.com/office/powerpoint/2010/main" val="3131024048"/>
+        <p14:creationId xmlns:p14="http://schemas.microsoft.com/office/powerpoint/2010/main" val="2018512850"/>
       </p:ext>
     </p:extLst>
   </p:cSld>
@@ -15643,7 +15463,7 @@
                 <a:latin typeface="Source Sans Pro" panose="020B0503030403020204" pitchFamily="34" charset="0"/>
                 <a:ea typeface="Source Sans Pro" panose="020B0503030403020204" pitchFamily="34" charset="0"/>
               </a:rPr>
-              <a:t>GULP</a:t>
+              <a:t>USING GULP</a:t>
             </a:r>
           </a:p>
         </p:txBody>
@@ -15899,7 +15719,7 @@
                 <a:latin typeface="Source Sans Pro" panose="020B0503030403020204" pitchFamily="34" charset="0"/>
                 <a:ea typeface="Source Sans Pro" panose="020B0503030403020204" pitchFamily="34" charset="0"/>
               </a:rPr>
-              <a:t>Automate and enhance your workflow</a:t>
+              <a:t>npm install -g gulp-cli gulp</a:t>
             </a:r>
           </a:p>
           <a:p>
@@ -15919,7 +15739,7 @@
     </p:spTree>
     <p:extLst>
       <p:ext uri="{BB962C8B-B14F-4D97-AF65-F5344CB8AC3E}">
-        <p14:creationId xmlns:p14="http://schemas.microsoft.com/office/powerpoint/2010/main" val="2018512850"/>
+        <p14:creationId xmlns:p14="http://schemas.microsoft.com/office/powerpoint/2010/main" val="2916045666"/>
       </p:ext>
     </p:extLst>
   </p:cSld>
@@ -15960,6 +15780,52 @@
           <a:chExt cx="0" cy="0"/>
         </a:xfrm>
       </p:grpSpPr>
+      <p:sp>
+        <p:nvSpPr>
+          <p:cNvPr id="2" name="Title 1">
+            <a:extLst>
+              <a:ext uri="{FF2B5EF4-FFF2-40B4-BE49-F238E27FC236}">
+                <a16:creationId xmlns:a16="http://schemas.microsoft.com/office/drawing/2014/main" id="{F533C787-D925-4018-B654-B08DDAB85464}"/>
+              </a:ext>
+            </a:extLst>
+          </p:cNvPr>
+          <p:cNvSpPr>
+            <a:spLocks noGrp="1"/>
+          </p:cNvSpPr>
+          <p:nvPr>
+            <p:ph type="ctrTitle"/>
+          </p:nvPr>
+        </p:nvSpPr>
+        <p:spPr>
+          <a:xfrm>
+            <a:off x="1524000" y="2914881"/>
+            <a:ext cx="9529011" cy="1028238"/>
+          </a:xfrm>
+        </p:spPr>
+        <p:txBody>
+          <a:bodyPr>
+            <a:normAutofit/>
+          </a:bodyPr>
+          <a:lstStyle/>
+          <a:p>
+            <a:r>
+              <a:rPr lang="en-US" b="1" dirty="0">
+                <a:solidFill>
+                  <a:srgbClr val="F3BE60"/>
+                </a:solidFill>
+                <a:latin typeface="Source Sans Pro" panose="020B0604020202020204" pitchFamily="34" charset="0"/>
+              </a:rPr>
+              <a:t>GRUNT</a:t>
+            </a:r>
+            <a:endParaRPr lang="bg-BG" b="1" dirty="0">
+              <a:solidFill>
+                <a:srgbClr val="F3BE60"/>
+              </a:solidFill>
+              <a:latin typeface="Source Sans Pro" panose="020B0604020202020204" pitchFamily="34" charset="0"/>
+            </a:endParaRPr>
+          </a:p>
+        </p:txBody>
+      </p:sp>
       <p:pic>
         <p:nvPicPr>
           <p:cNvPr id="5" name="Picture 4">
@@ -15996,336 +15862,10 @@
           </a:prstGeom>
         </p:spPr>
       </p:pic>
-      <p:sp>
-        <p:nvSpPr>
-          <p:cNvPr id="6" name="Title 3">
-            <a:extLst>
-              <a:ext uri="{FF2B5EF4-FFF2-40B4-BE49-F238E27FC236}">
-                <a16:creationId xmlns:a16="http://schemas.microsoft.com/office/drawing/2014/main" id="{6AF371E5-6025-4DD6-B3D9-1EA1AF6B36AB}"/>
-              </a:ext>
-            </a:extLst>
-          </p:cNvPr>
-          <p:cNvSpPr>
-            <a:spLocks noGrp="1"/>
-          </p:cNvSpPr>
-          <p:nvPr/>
-        </p:nvSpPr>
-        <p:spPr>
-          <a:xfrm>
-            <a:off x="1524000" y="489420"/>
-            <a:ext cx="10040471" cy="1110780"/>
-          </a:xfrm>
-          <a:prstGeom prst="rect">
-            <a:avLst/>
-          </a:prstGeom>
-        </p:spPr>
-        <p:txBody>
-          <a:bodyPr vert="horz" lIns="108000" tIns="36000" rIns="108000" bIns="36000" rtlCol="0" anchor="ctr" anchorCtr="0">
-            <a:normAutofit/>
-          </a:bodyPr>
-          <a:lstStyle>
-            <a:lvl1pPr algn="l" defTabSz="1218987" rtl="0" eaLnBrk="1" latinLnBrk="0" hangingPunct="1">
-              <a:lnSpc>
-                <a:spcPct val="90000"/>
-              </a:lnSpc>
-              <a:spcBef>
-                <a:spcPct val="0"/>
-              </a:spcBef>
-              <a:buNone/>
-              <a:defRPr sz="4000" b="1" kern="1200">
-                <a:solidFill>
-                  <a:srgbClr val="F3BE60"/>
-                </a:solidFill>
-                <a:effectLst/>
-                <a:latin typeface="+mj-lt"/>
-                <a:ea typeface="+mj-ea"/>
-                <a:cs typeface="+mj-cs"/>
-              </a:defRPr>
-            </a:lvl1pPr>
-          </a:lstStyle>
-          <a:p>
-            <a:r>
-              <a:rPr lang="en-US" dirty="0">
-                <a:latin typeface="Source Sans Pro" panose="020B0503030403020204" pitchFamily="34" charset="0"/>
-                <a:ea typeface="Source Sans Pro" panose="020B0503030403020204" pitchFamily="34" charset="0"/>
-              </a:rPr>
-              <a:t>USING GULP</a:t>
-            </a:r>
-          </a:p>
-        </p:txBody>
-      </p:sp>
-      <p:sp>
-        <p:nvSpPr>
-          <p:cNvPr id="9" name="Content Placeholder 4">
-            <a:extLst>
-              <a:ext uri="{FF2B5EF4-FFF2-40B4-BE49-F238E27FC236}">
-                <a16:creationId xmlns:a16="http://schemas.microsoft.com/office/drawing/2014/main" id="{B6C27FC4-82C8-4925-9BDD-7219055F9256}"/>
-              </a:ext>
-            </a:extLst>
-          </p:cNvPr>
-          <p:cNvSpPr>
-            <a:spLocks noGrp="1"/>
-          </p:cNvSpPr>
-          <p:nvPr/>
-        </p:nvSpPr>
-        <p:spPr>
-          <a:xfrm>
-            <a:off x="1523999" y="1600200"/>
-            <a:ext cx="10058401" cy="4613978"/>
-          </a:xfrm>
-          <a:prstGeom prst="rect">
-            <a:avLst/>
-          </a:prstGeom>
-        </p:spPr>
-        <p:txBody>
-          <a:bodyPr vert="horz" lIns="108000" tIns="36000" rIns="108000" bIns="36000" rtlCol="0">
-            <a:normAutofit/>
-          </a:bodyPr>
-          <a:lstStyle>
-            <a:lvl1pPr marL="304747" indent="-304747" algn="l" defTabSz="1218987" rtl="0" eaLnBrk="1" latinLnBrk="0" hangingPunct="1">
-              <a:lnSpc>
-                <a:spcPct val="105000"/>
-              </a:lnSpc>
-              <a:spcBef>
-                <a:spcPts val="600"/>
-              </a:spcBef>
-              <a:spcAft>
-                <a:spcPts val="600"/>
-              </a:spcAft>
-              <a:buClr>
-                <a:srgbClr val="F2B254"/>
-              </a:buClr>
-              <a:buSzPct val="100000"/>
-              <a:buFont typeface="Wingdings" panose="05000000000000000000" pitchFamily="2" charset="2"/>
-              <a:buChar char="§"/>
-              <a:defRPr sz="3400" b="0" kern="1200">
-                <a:solidFill>
-                  <a:schemeClr val="tx1"/>
-                </a:solidFill>
-                <a:latin typeface="+mn-lt"/>
-                <a:ea typeface="+mn-ea"/>
-                <a:cs typeface="+mn-cs"/>
-              </a:defRPr>
-            </a:lvl1pPr>
-            <a:lvl2pPr marL="609493" indent="-231606" algn="l" defTabSz="1218987" rtl="0" eaLnBrk="1" latinLnBrk="0" hangingPunct="1">
-              <a:lnSpc>
-                <a:spcPct val="105000"/>
-              </a:lnSpc>
-              <a:spcBef>
-                <a:spcPts val="600"/>
-              </a:spcBef>
-              <a:spcAft>
-                <a:spcPts val="600"/>
-              </a:spcAft>
-              <a:buClr>
-                <a:schemeClr val="accent1"/>
-              </a:buClr>
-              <a:buSzPct val="80000"/>
-              <a:buFont typeface="Wingdings" panose="05000000000000000000" pitchFamily="2" charset="2"/>
-              <a:buChar char="§"/>
-              <a:defRPr sz="3200" b="0" kern="1200">
-                <a:solidFill>
-                  <a:schemeClr val="tx1"/>
-                </a:solidFill>
-                <a:latin typeface="+mn-lt"/>
-                <a:ea typeface="+mn-ea"/>
-                <a:cs typeface="+mn-cs"/>
-              </a:defRPr>
-            </a:lvl2pPr>
-            <a:lvl3pPr marL="914240" indent="-231606" algn="l" defTabSz="1218987" rtl="0" eaLnBrk="1" latinLnBrk="0" hangingPunct="1">
-              <a:lnSpc>
-                <a:spcPct val="105000"/>
-              </a:lnSpc>
-              <a:spcBef>
-                <a:spcPts val="600"/>
-              </a:spcBef>
-              <a:spcAft>
-                <a:spcPts val="600"/>
-              </a:spcAft>
-              <a:buClr>
-                <a:srgbClr val="EF9A1D"/>
-              </a:buClr>
-              <a:buSzPct val="80000"/>
-              <a:buFont typeface="Wingdings" panose="05000000000000000000" pitchFamily="2" charset="2"/>
-              <a:buChar char="§"/>
-              <a:defRPr sz="3000" b="0" kern="1200">
-                <a:solidFill>
-                  <a:schemeClr val="tx1"/>
-                </a:solidFill>
-                <a:latin typeface="+mn-lt"/>
-                <a:ea typeface="+mn-ea"/>
-                <a:cs typeface="+mn-cs"/>
-              </a:defRPr>
-            </a:lvl3pPr>
-            <a:lvl4pPr marL="1218987" indent="-231606" algn="l" defTabSz="1218987" rtl="0" eaLnBrk="1" latinLnBrk="0" hangingPunct="1">
-              <a:lnSpc>
-                <a:spcPct val="105000"/>
-              </a:lnSpc>
-              <a:spcBef>
-                <a:spcPts val="600"/>
-              </a:spcBef>
-              <a:spcAft>
-                <a:spcPts val="600"/>
-              </a:spcAft>
-              <a:buClr>
-                <a:srgbClr val="ED9411"/>
-              </a:buClr>
-              <a:buSzPct val="80000"/>
-              <a:buFont typeface="Wingdings" panose="05000000000000000000" pitchFamily="2" charset="2"/>
-              <a:buChar char="§"/>
-              <a:defRPr sz="2800" b="0" kern="1200">
-                <a:solidFill>
-                  <a:schemeClr val="tx1"/>
-                </a:solidFill>
-                <a:latin typeface="+mn-lt"/>
-                <a:ea typeface="+mn-ea"/>
-                <a:cs typeface="+mn-cs"/>
-              </a:defRPr>
-            </a:lvl4pPr>
-            <a:lvl5pPr marL="1523733" indent="-231606" algn="l" defTabSz="1218987" rtl="0" eaLnBrk="1" latinLnBrk="0" hangingPunct="1">
-              <a:lnSpc>
-                <a:spcPct val="105000"/>
-              </a:lnSpc>
-              <a:spcBef>
-                <a:spcPts val="600"/>
-              </a:spcBef>
-              <a:spcAft>
-                <a:spcPts val="600"/>
-              </a:spcAft>
-              <a:buClr>
-                <a:srgbClr val="E28D10"/>
-              </a:buClr>
-              <a:buSzPct val="80000"/>
-              <a:buFont typeface="Wingdings" panose="05000000000000000000" pitchFamily="2" charset="2"/>
-              <a:buChar char="§"/>
-              <a:defRPr sz="2600" b="0" kern="1200">
-                <a:solidFill>
-                  <a:schemeClr val="tx1"/>
-                </a:solidFill>
-                <a:latin typeface="+mn-lt"/>
-                <a:ea typeface="+mn-ea"/>
-                <a:cs typeface="+mn-cs"/>
-              </a:defRPr>
-            </a:lvl5pPr>
-            <a:lvl6pPr marL="1828480" indent="-231606" algn="l" defTabSz="1218987" rtl="0" eaLnBrk="1" latinLnBrk="0" hangingPunct="1">
-              <a:lnSpc>
-                <a:spcPct val="90000"/>
-              </a:lnSpc>
-              <a:spcBef>
-                <a:spcPts val="800"/>
-              </a:spcBef>
-              <a:buClr>
-                <a:schemeClr val="accent1"/>
-              </a:buClr>
-              <a:buSzPct val="80000"/>
-              <a:buFont typeface="Arial" pitchFamily="34" charset="0"/>
-              <a:buChar char="•"/>
-              <a:defRPr sz="2000" kern="1200">
-                <a:solidFill>
-                  <a:schemeClr val="tx1"/>
-                </a:solidFill>
-                <a:latin typeface="+mn-lt"/>
-                <a:ea typeface="+mn-ea"/>
-                <a:cs typeface="+mn-cs"/>
-              </a:defRPr>
-            </a:lvl6pPr>
-            <a:lvl7pPr marL="2133227" indent="-231606" algn="l" defTabSz="1218987" rtl="0" eaLnBrk="1" latinLnBrk="0" hangingPunct="1">
-              <a:lnSpc>
-                <a:spcPct val="90000"/>
-              </a:lnSpc>
-              <a:spcBef>
-                <a:spcPts val="800"/>
-              </a:spcBef>
-              <a:buClr>
-                <a:schemeClr val="accent1"/>
-              </a:buClr>
-              <a:buSzPct val="80000"/>
-              <a:buFont typeface="Arial" pitchFamily="34" charset="0"/>
-              <a:buChar char="•"/>
-              <a:defRPr sz="2000" kern="1200">
-                <a:solidFill>
-                  <a:schemeClr val="tx1"/>
-                </a:solidFill>
-                <a:latin typeface="+mn-lt"/>
-                <a:ea typeface="+mn-ea"/>
-                <a:cs typeface="+mn-cs"/>
-              </a:defRPr>
-            </a:lvl7pPr>
-            <a:lvl8pPr marL="2437972" indent="-231606" algn="l" defTabSz="1218987" rtl="0" eaLnBrk="1" latinLnBrk="0" hangingPunct="1">
-              <a:lnSpc>
-                <a:spcPct val="90000"/>
-              </a:lnSpc>
-              <a:spcBef>
-                <a:spcPts val="800"/>
-              </a:spcBef>
-              <a:buClr>
-                <a:schemeClr val="accent1"/>
-              </a:buClr>
-              <a:buSzPct val="80000"/>
-              <a:buFont typeface="Arial" pitchFamily="34" charset="0"/>
-              <a:buChar char="•"/>
-              <a:defRPr sz="2000" kern="1200" baseline="0">
-                <a:solidFill>
-                  <a:schemeClr val="tx1"/>
-                </a:solidFill>
-                <a:latin typeface="+mn-lt"/>
-                <a:ea typeface="+mn-ea"/>
-                <a:cs typeface="+mn-cs"/>
-              </a:defRPr>
-            </a:lvl8pPr>
-            <a:lvl9pPr marL="2742720" indent="-231606" algn="l" defTabSz="1218987" rtl="0" eaLnBrk="1" latinLnBrk="0" hangingPunct="1">
-              <a:lnSpc>
-                <a:spcPct val="90000"/>
-              </a:lnSpc>
-              <a:spcBef>
-                <a:spcPts val="800"/>
-              </a:spcBef>
-              <a:buClr>
-                <a:schemeClr val="accent1"/>
-              </a:buClr>
-              <a:buSzPct val="80000"/>
-              <a:buFont typeface="Arial" pitchFamily="34" charset="0"/>
-              <a:buChar char="•"/>
-              <a:defRPr sz="2000" kern="1200" baseline="0">
-                <a:solidFill>
-                  <a:schemeClr val="tx1"/>
-                </a:solidFill>
-                <a:latin typeface="+mn-lt"/>
-                <a:ea typeface="+mn-ea"/>
-                <a:cs typeface="+mn-cs"/>
-              </a:defRPr>
-            </a:lvl9pPr>
-          </a:lstStyle>
-          <a:p>
-            <a:r>
-              <a:rPr lang="en-US" sz="2400" b="1" dirty="0">
-                <a:solidFill>
-                  <a:srgbClr val="002060"/>
-                </a:solidFill>
-                <a:latin typeface="Source Sans Pro" panose="020B0503030403020204" pitchFamily="34" charset="0"/>
-                <a:ea typeface="Source Sans Pro" panose="020B0503030403020204" pitchFamily="34" charset="0"/>
-              </a:rPr>
-              <a:t>npm install -g gulp-cli gulp</a:t>
-            </a:r>
-          </a:p>
-          <a:p>
-            <a:pPr marL="0" indent="0">
-              <a:buNone/>
-            </a:pPr>
-            <a:endParaRPr lang="en-US" sz="2400" b="1" dirty="0">
-              <a:solidFill>
-                <a:srgbClr val="002060"/>
-              </a:solidFill>
-              <a:latin typeface="Source Sans Pro" panose="020B0503030403020204" pitchFamily="34" charset="0"/>
-              <a:ea typeface="Source Sans Pro" panose="020B0503030403020204" pitchFamily="34" charset="0"/>
-            </a:endParaRPr>
-          </a:p>
-        </p:txBody>
-      </p:sp>
     </p:spTree>
     <p:extLst>
       <p:ext uri="{BB962C8B-B14F-4D97-AF65-F5344CB8AC3E}">
-        <p14:creationId xmlns:p14="http://schemas.microsoft.com/office/powerpoint/2010/main" val="2916045666"/>
+        <p14:creationId xmlns:p14="http://schemas.microsoft.com/office/powerpoint/2010/main" val="916674221"/>
       </p:ext>
     </p:extLst>
   </p:cSld>
@@ -16366,52 +15906,6 @@
           <a:chExt cx="0" cy="0"/>
         </a:xfrm>
       </p:grpSpPr>
-      <p:sp>
-        <p:nvSpPr>
-          <p:cNvPr id="2" name="Title 1">
-            <a:extLst>
-              <a:ext uri="{FF2B5EF4-FFF2-40B4-BE49-F238E27FC236}">
-                <a16:creationId xmlns:a16="http://schemas.microsoft.com/office/drawing/2014/main" id="{F533C787-D925-4018-B654-B08DDAB85464}"/>
-              </a:ext>
-            </a:extLst>
-          </p:cNvPr>
-          <p:cNvSpPr>
-            <a:spLocks noGrp="1"/>
-          </p:cNvSpPr>
-          <p:nvPr>
-            <p:ph type="ctrTitle"/>
-          </p:nvPr>
-        </p:nvSpPr>
-        <p:spPr>
-          <a:xfrm>
-            <a:off x="1524000" y="2914881"/>
-            <a:ext cx="9529011" cy="1028238"/>
-          </a:xfrm>
-        </p:spPr>
-        <p:txBody>
-          <a:bodyPr>
-            <a:normAutofit/>
-          </a:bodyPr>
-          <a:lstStyle/>
-          <a:p>
-            <a:r>
-              <a:rPr lang="en-US" b="1" dirty="0">
-                <a:solidFill>
-                  <a:srgbClr val="F3BE60"/>
-                </a:solidFill>
-                <a:latin typeface="Source Sans Pro" panose="020B0604020202020204" pitchFamily="34" charset="0"/>
-              </a:rPr>
-              <a:t>GRUNT</a:t>
-            </a:r>
-            <a:endParaRPr lang="bg-BG" b="1" dirty="0">
-              <a:solidFill>
-                <a:srgbClr val="F3BE60"/>
-              </a:solidFill>
-              <a:latin typeface="Source Sans Pro" panose="020B0604020202020204" pitchFamily="34" charset="0"/>
-            </a:endParaRPr>
-          </a:p>
-        </p:txBody>
-      </p:sp>
       <p:pic>
         <p:nvPicPr>
           <p:cNvPr id="5" name="Picture 4">
@@ -16448,10 +15942,345 @@
           </a:prstGeom>
         </p:spPr>
       </p:pic>
+      <p:sp>
+        <p:nvSpPr>
+          <p:cNvPr id="6" name="Title 3">
+            <a:extLst>
+              <a:ext uri="{FF2B5EF4-FFF2-40B4-BE49-F238E27FC236}">
+                <a16:creationId xmlns:a16="http://schemas.microsoft.com/office/drawing/2014/main" id="{6AF371E5-6025-4DD6-B3D9-1EA1AF6B36AB}"/>
+              </a:ext>
+            </a:extLst>
+          </p:cNvPr>
+          <p:cNvSpPr>
+            <a:spLocks noGrp="1"/>
+          </p:cNvSpPr>
+          <p:nvPr/>
+        </p:nvSpPr>
+        <p:spPr>
+          <a:xfrm>
+            <a:off x="1524000" y="489420"/>
+            <a:ext cx="10040471" cy="1110780"/>
+          </a:xfrm>
+          <a:prstGeom prst="rect">
+            <a:avLst/>
+          </a:prstGeom>
+        </p:spPr>
+        <p:txBody>
+          <a:bodyPr vert="horz" lIns="108000" tIns="36000" rIns="108000" bIns="36000" rtlCol="0" anchor="ctr" anchorCtr="0">
+            <a:normAutofit/>
+          </a:bodyPr>
+          <a:lstStyle>
+            <a:lvl1pPr algn="l" defTabSz="1218987" rtl="0" eaLnBrk="1" latinLnBrk="0" hangingPunct="1">
+              <a:lnSpc>
+                <a:spcPct val="90000"/>
+              </a:lnSpc>
+              <a:spcBef>
+                <a:spcPct val="0"/>
+              </a:spcBef>
+              <a:buNone/>
+              <a:defRPr sz="4000" b="1" kern="1200">
+                <a:solidFill>
+                  <a:srgbClr val="F3BE60"/>
+                </a:solidFill>
+                <a:effectLst/>
+                <a:latin typeface="+mj-lt"/>
+                <a:ea typeface="+mj-ea"/>
+                <a:cs typeface="+mj-cs"/>
+              </a:defRPr>
+            </a:lvl1pPr>
+          </a:lstStyle>
+          <a:p>
+            <a:r>
+              <a:rPr lang="en-US" dirty="0">
+                <a:latin typeface="Source Sans Pro" panose="020B0503030403020204" pitchFamily="34" charset="0"/>
+                <a:ea typeface="Source Sans Pro" panose="020B0503030403020204" pitchFamily="34" charset="0"/>
+              </a:rPr>
+              <a:t>GRUNT</a:t>
+            </a:r>
+          </a:p>
+        </p:txBody>
+      </p:sp>
+      <p:sp>
+        <p:nvSpPr>
+          <p:cNvPr id="9" name="Content Placeholder 4">
+            <a:extLst>
+              <a:ext uri="{FF2B5EF4-FFF2-40B4-BE49-F238E27FC236}">
+                <a16:creationId xmlns:a16="http://schemas.microsoft.com/office/drawing/2014/main" id="{B6C27FC4-82C8-4925-9BDD-7219055F9256}"/>
+              </a:ext>
+            </a:extLst>
+          </p:cNvPr>
+          <p:cNvSpPr>
+            <a:spLocks noGrp="1"/>
+          </p:cNvSpPr>
+          <p:nvPr/>
+        </p:nvSpPr>
+        <p:spPr>
+          <a:xfrm>
+            <a:off x="1523999" y="1600200"/>
+            <a:ext cx="10058401" cy="4613978"/>
+          </a:xfrm>
+          <a:prstGeom prst="rect">
+            <a:avLst/>
+          </a:prstGeom>
+        </p:spPr>
+        <p:txBody>
+          <a:bodyPr vert="horz" lIns="108000" tIns="36000" rIns="108000" bIns="36000" rtlCol="0">
+            <a:normAutofit/>
+          </a:bodyPr>
+          <a:lstStyle>
+            <a:lvl1pPr marL="304747" indent="-304747" algn="l" defTabSz="1218987" rtl="0" eaLnBrk="1" latinLnBrk="0" hangingPunct="1">
+              <a:lnSpc>
+                <a:spcPct val="105000"/>
+              </a:lnSpc>
+              <a:spcBef>
+                <a:spcPts val="600"/>
+              </a:spcBef>
+              <a:spcAft>
+                <a:spcPts val="600"/>
+              </a:spcAft>
+              <a:buClr>
+                <a:srgbClr val="F2B254"/>
+              </a:buClr>
+              <a:buSzPct val="100000"/>
+              <a:buFont typeface="Wingdings" panose="05000000000000000000" pitchFamily="2" charset="2"/>
+              <a:buChar char="§"/>
+              <a:defRPr sz="3400" b="0" kern="1200">
+                <a:solidFill>
+                  <a:schemeClr val="tx1"/>
+                </a:solidFill>
+                <a:latin typeface="+mn-lt"/>
+                <a:ea typeface="+mn-ea"/>
+                <a:cs typeface="+mn-cs"/>
+              </a:defRPr>
+            </a:lvl1pPr>
+            <a:lvl2pPr marL="609493" indent="-231606" algn="l" defTabSz="1218987" rtl="0" eaLnBrk="1" latinLnBrk="0" hangingPunct="1">
+              <a:lnSpc>
+                <a:spcPct val="105000"/>
+              </a:lnSpc>
+              <a:spcBef>
+                <a:spcPts val="600"/>
+              </a:spcBef>
+              <a:spcAft>
+                <a:spcPts val="600"/>
+              </a:spcAft>
+              <a:buClr>
+                <a:schemeClr val="accent1"/>
+              </a:buClr>
+              <a:buSzPct val="80000"/>
+              <a:buFont typeface="Wingdings" panose="05000000000000000000" pitchFamily="2" charset="2"/>
+              <a:buChar char="§"/>
+              <a:defRPr sz="3200" b="0" kern="1200">
+                <a:solidFill>
+                  <a:schemeClr val="tx1"/>
+                </a:solidFill>
+                <a:latin typeface="+mn-lt"/>
+                <a:ea typeface="+mn-ea"/>
+                <a:cs typeface="+mn-cs"/>
+              </a:defRPr>
+            </a:lvl2pPr>
+            <a:lvl3pPr marL="914240" indent="-231606" algn="l" defTabSz="1218987" rtl="0" eaLnBrk="1" latinLnBrk="0" hangingPunct="1">
+              <a:lnSpc>
+                <a:spcPct val="105000"/>
+              </a:lnSpc>
+              <a:spcBef>
+                <a:spcPts val="600"/>
+              </a:spcBef>
+              <a:spcAft>
+                <a:spcPts val="600"/>
+              </a:spcAft>
+              <a:buClr>
+                <a:srgbClr val="EF9A1D"/>
+              </a:buClr>
+              <a:buSzPct val="80000"/>
+              <a:buFont typeface="Wingdings" panose="05000000000000000000" pitchFamily="2" charset="2"/>
+              <a:buChar char="§"/>
+              <a:defRPr sz="3000" b="0" kern="1200">
+                <a:solidFill>
+                  <a:schemeClr val="tx1"/>
+                </a:solidFill>
+                <a:latin typeface="+mn-lt"/>
+                <a:ea typeface="+mn-ea"/>
+                <a:cs typeface="+mn-cs"/>
+              </a:defRPr>
+            </a:lvl3pPr>
+            <a:lvl4pPr marL="1218987" indent="-231606" algn="l" defTabSz="1218987" rtl="0" eaLnBrk="1" latinLnBrk="0" hangingPunct="1">
+              <a:lnSpc>
+                <a:spcPct val="105000"/>
+              </a:lnSpc>
+              <a:spcBef>
+                <a:spcPts val="600"/>
+              </a:spcBef>
+              <a:spcAft>
+                <a:spcPts val="600"/>
+              </a:spcAft>
+              <a:buClr>
+                <a:srgbClr val="ED9411"/>
+              </a:buClr>
+              <a:buSzPct val="80000"/>
+              <a:buFont typeface="Wingdings" panose="05000000000000000000" pitchFamily="2" charset="2"/>
+              <a:buChar char="§"/>
+              <a:defRPr sz="2800" b="0" kern="1200">
+                <a:solidFill>
+                  <a:schemeClr val="tx1"/>
+                </a:solidFill>
+                <a:latin typeface="+mn-lt"/>
+                <a:ea typeface="+mn-ea"/>
+                <a:cs typeface="+mn-cs"/>
+              </a:defRPr>
+            </a:lvl4pPr>
+            <a:lvl5pPr marL="1523733" indent="-231606" algn="l" defTabSz="1218987" rtl="0" eaLnBrk="1" latinLnBrk="0" hangingPunct="1">
+              <a:lnSpc>
+                <a:spcPct val="105000"/>
+              </a:lnSpc>
+              <a:spcBef>
+                <a:spcPts val="600"/>
+              </a:spcBef>
+              <a:spcAft>
+                <a:spcPts val="600"/>
+              </a:spcAft>
+              <a:buClr>
+                <a:srgbClr val="E28D10"/>
+              </a:buClr>
+              <a:buSzPct val="80000"/>
+              <a:buFont typeface="Wingdings" panose="05000000000000000000" pitchFamily="2" charset="2"/>
+              <a:buChar char="§"/>
+              <a:defRPr sz="2600" b="0" kern="1200">
+                <a:solidFill>
+                  <a:schemeClr val="tx1"/>
+                </a:solidFill>
+                <a:latin typeface="+mn-lt"/>
+                <a:ea typeface="+mn-ea"/>
+                <a:cs typeface="+mn-cs"/>
+              </a:defRPr>
+            </a:lvl5pPr>
+            <a:lvl6pPr marL="1828480" indent="-231606" algn="l" defTabSz="1218987" rtl="0" eaLnBrk="1" latinLnBrk="0" hangingPunct="1">
+              <a:lnSpc>
+                <a:spcPct val="90000"/>
+              </a:lnSpc>
+              <a:spcBef>
+                <a:spcPts val="800"/>
+              </a:spcBef>
+              <a:buClr>
+                <a:schemeClr val="accent1"/>
+              </a:buClr>
+              <a:buSzPct val="80000"/>
+              <a:buFont typeface="Arial" pitchFamily="34" charset="0"/>
+              <a:buChar char="•"/>
+              <a:defRPr sz="2000" kern="1200">
+                <a:solidFill>
+                  <a:schemeClr val="tx1"/>
+                </a:solidFill>
+                <a:latin typeface="+mn-lt"/>
+                <a:ea typeface="+mn-ea"/>
+                <a:cs typeface="+mn-cs"/>
+              </a:defRPr>
+            </a:lvl6pPr>
+            <a:lvl7pPr marL="2133227" indent="-231606" algn="l" defTabSz="1218987" rtl="0" eaLnBrk="1" latinLnBrk="0" hangingPunct="1">
+              <a:lnSpc>
+                <a:spcPct val="90000"/>
+              </a:lnSpc>
+              <a:spcBef>
+                <a:spcPts val="800"/>
+              </a:spcBef>
+              <a:buClr>
+                <a:schemeClr val="accent1"/>
+              </a:buClr>
+              <a:buSzPct val="80000"/>
+              <a:buFont typeface="Arial" pitchFamily="34" charset="0"/>
+              <a:buChar char="•"/>
+              <a:defRPr sz="2000" kern="1200">
+                <a:solidFill>
+                  <a:schemeClr val="tx1"/>
+                </a:solidFill>
+                <a:latin typeface="+mn-lt"/>
+                <a:ea typeface="+mn-ea"/>
+                <a:cs typeface="+mn-cs"/>
+              </a:defRPr>
+            </a:lvl7pPr>
+            <a:lvl8pPr marL="2437972" indent="-231606" algn="l" defTabSz="1218987" rtl="0" eaLnBrk="1" latinLnBrk="0" hangingPunct="1">
+              <a:lnSpc>
+                <a:spcPct val="90000"/>
+              </a:lnSpc>
+              <a:spcBef>
+                <a:spcPts val="800"/>
+              </a:spcBef>
+              <a:buClr>
+                <a:schemeClr val="accent1"/>
+              </a:buClr>
+              <a:buSzPct val="80000"/>
+              <a:buFont typeface="Arial" pitchFamily="34" charset="0"/>
+              <a:buChar char="•"/>
+              <a:defRPr sz="2000" kern="1200" baseline="0">
+                <a:solidFill>
+                  <a:schemeClr val="tx1"/>
+                </a:solidFill>
+                <a:latin typeface="+mn-lt"/>
+                <a:ea typeface="+mn-ea"/>
+                <a:cs typeface="+mn-cs"/>
+              </a:defRPr>
+            </a:lvl8pPr>
+            <a:lvl9pPr marL="2742720" indent="-231606" algn="l" defTabSz="1218987" rtl="0" eaLnBrk="1" latinLnBrk="0" hangingPunct="1">
+              <a:lnSpc>
+                <a:spcPct val="90000"/>
+              </a:lnSpc>
+              <a:spcBef>
+                <a:spcPts val="800"/>
+              </a:spcBef>
+              <a:buClr>
+                <a:schemeClr val="accent1"/>
+              </a:buClr>
+              <a:buSzPct val="80000"/>
+              <a:buFont typeface="Arial" pitchFamily="34" charset="0"/>
+              <a:buChar char="•"/>
+              <a:defRPr sz="2000" kern="1200" baseline="0">
+                <a:solidFill>
+                  <a:schemeClr val="tx1"/>
+                </a:solidFill>
+                <a:latin typeface="+mn-lt"/>
+                <a:ea typeface="+mn-ea"/>
+                <a:cs typeface="+mn-cs"/>
+              </a:defRPr>
+            </a:lvl9pPr>
+          </a:lstStyle>
+          <a:p>
+            <a:r>
+              <a:rPr lang="en-US" sz="2400" b="1" dirty="0">
+                <a:solidFill>
+                  <a:srgbClr val="002060"/>
+                </a:solidFill>
+                <a:latin typeface="Source Sans Pro" panose="020B0503030403020204" pitchFamily="34" charset="0"/>
+                <a:ea typeface="Source Sans Pro" panose="020B0503030403020204" pitchFamily="34" charset="0"/>
+              </a:rPr>
+              <a:t>Automate and enhance your workflow</a:t>
+            </a:r>
+          </a:p>
+          <a:p>
+            <a:endParaRPr lang="en-US" sz="2400" b="1" dirty="0">
+              <a:solidFill>
+                <a:srgbClr val="002060"/>
+              </a:solidFill>
+              <a:latin typeface="Source Sans Pro" panose="020B0503030403020204" pitchFamily="34" charset="0"/>
+              <a:ea typeface="Source Sans Pro" panose="020B0503030403020204" pitchFamily="34" charset="0"/>
+            </a:endParaRPr>
+          </a:p>
+          <a:p>
+            <a:pPr marL="0" indent="0">
+              <a:buNone/>
+            </a:pPr>
+            <a:endParaRPr lang="en-US" sz="2400" b="1" dirty="0">
+              <a:solidFill>
+                <a:srgbClr val="002060"/>
+              </a:solidFill>
+              <a:latin typeface="Source Sans Pro" panose="020B0503030403020204" pitchFamily="34" charset="0"/>
+              <a:ea typeface="Source Sans Pro" panose="020B0503030403020204" pitchFamily="34" charset="0"/>
+            </a:endParaRPr>
+          </a:p>
+        </p:txBody>
+      </p:sp>
     </p:spTree>
     <p:extLst>
       <p:ext uri="{BB962C8B-B14F-4D97-AF65-F5344CB8AC3E}">
-        <p14:creationId xmlns:p14="http://schemas.microsoft.com/office/powerpoint/2010/main" val="916674221"/>
+        <p14:creationId xmlns:p14="http://schemas.microsoft.com/office/powerpoint/2010/main" val="4076773231"/>
       </p:ext>
     </p:extLst>
   </p:cSld>
@@ -16581,7 +16410,7 @@
                 <a:latin typeface="Source Sans Pro" panose="020B0503030403020204" pitchFamily="34" charset="0"/>
                 <a:ea typeface="Source Sans Pro" panose="020B0503030403020204" pitchFamily="34" charset="0"/>
               </a:rPr>
-              <a:t>GRUNT</a:t>
+              <a:t>USING GRUNT</a:t>
             </a:r>
           </a:p>
         </p:txBody>
@@ -16837,7 +16666,7 @@
                 <a:latin typeface="Source Sans Pro" panose="020B0503030403020204" pitchFamily="34" charset="0"/>
                 <a:ea typeface="Source Sans Pro" panose="020B0503030403020204" pitchFamily="34" charset="0"/>
               </a:rPr>
-              <a:t>Automate and enhance your workflow</a:t>
+              <a:t>npm install -g grunt-cli</a:t>
             </a:r>
           </a:p>
           <a:p>
@@ -16866,7 +16695,7 @@
     </p:spTree>
     <p:extLst>
       <p:ext uri="{BB962C8B-B14F-4D97-AF65-F5344CB8AC3E}">
-        <p14:creationId xmlns:p14="http://schemas.microsoft.com/office/powerpoint/2010/main" val="4076773231"/>
+        <p14:creationId xmlns:p14="http://schemas.microsoft.com/office/powerpoint/2010/main" val="2732969343"/>
       </p:ext>
     </p:extLst>
   </p:cSld>
@@ -16907,6 +16736,52 @@
           <a:chExt cx="0" cy="0"/>
         </a:xfrm>
       </p:grpSpPr>
+      <p:sp>
+        <p:nvSpPr>
+          <p:cNvPr id="2" name="Title 1">
+            <a:extLst>
+              <a:ext uri="{FF2B5EF4-FFF2-40B4-BE49-F238E27FC236}">
+                <a16:creationId xmlns:a16="http://schemas.microsoft.com/office/drawing/2014/main" id="{F533C787-D925-4018-B654-B08DDAB85464}"/>
+              </a:ext>
+            </a:extLst>
+          </p:cNvPr>
+          <p:cNvSpPr>
+            <a:spLocks noGrp="1"/>
+          </p:cNvSpPr>
+          <p:nvPr>
+            <p:ph type="ctrTitle"/>
+          </p:nvPr>
+        </p:nvSpPr>
+        <p:spPr>
+          <a:xfrm>
+            <a:off x="1524000" y="2914881"/>
+            <a:ext cx="9529011" cy="1028238"/>
+          </a:xfrm>
+        </p:spPr>
+        <p:txBody>
+          <a:bodyPr>
+            <a:normAutofit/>
+          </a:bodyPr>
+          <a:lstStyle/>
+          <a:p>
+            <a:r>
+              <a:rPr lang="en-US" b="1" dirty="0">
+                <a:solidFill>
+                  <a:srgbClr val="F3BE60"/>
+                </a:solidFill>
+                <a:latin typeface="Source Sans Pro" panose="020B0604020202020204" pitchFamily="34" charset="0"/>
+              </a:rPr>
+              <a:t>BROWSERSYNC</a:t>
+            </a:r>
+            <a:endParaRPr lang="bg-BG" b="1" dirty="0">
+              <a:solidFill>
+                <a:srgbClr val="F3BE60"/>
+              </a:solidFill>
+              <a:latin typeface="Source Sans Pro" panose="020B0604020202020204" pitchFamily="34" charset="0"/>
+            </a:endParaRPr>
+          </a:p>
+        </p:txBody>
+      </p:sp>
       <p:pic>
         <p:nvPicPr>
           <p:cNvPr id="5" name="Picture 4">
@@ -16943,345 +16818,10 @@
           </a:prstGeom>
         </p:spPr>
       </p:pic>
-      <p:sp>
-        <p:nvSpPr>
-          <p:cNvPr id="6" name="Title 3">
-            <a:extLst>
-              <a:ext uri="{FF2B5EF4-FFF2-40B4-BE49-F238E27FC236}">
-                <a16:creationId xmlns:a16="http://schemas.microsoft.com/office/drawing/2014/main" id="{6AF371E5-6025-4DD6-B3D9-1EA1AF6B36AB}"/>
-              </a:ext>
-            </a:extLst>
-          </p:cNvPr>
-          <p:cNvSpPr>
-            <a:spLocks noGrp="1"/>
-          </p:cNvSpPr>
-          <p:nvPr/>
-        </p:nvSpPr>
-        <p:spPr>
-          <a:xfrm>
-            <a:off x="1524000" y="489420"/>
-            <a:ext cx="10040471" cy="1110780"/>
-          </a:xfrm>
-          <a:prstGeom prst="rect">
-            <a:avLst/>
-          </a:prstGeom>
-        </p:spPr>
-        <p:txBody>
-          <a:bodyPr vert="horz" lIns="108000" tIns="36000" rIns="108000" bIns="36000" rtlCol="0" anchor="ctr" anchorCtr="0">
-            <a:normAutofit/>
-          </a:bodyPr>
-          <a:lstStyle>
-            <a:lvl1pPr algn="l" defTabSz="1218987" rtl="0" eaLnBrk="1" latinLnBrk="0" hangingPunct="1">
-              <a:lnSpc>
-                <a:spcPct val="90000"/>
-              </a:lnSpc>
-              <a:spcBef>
-                <a:spcPct val="0"/>
-              </a:spcBef>
-              <a:buNone/>
-              <a:defRPr sz="4000" b="1" kern="1200">
-                <a:solidFill>
-                  <a:srgbClr val="F3BE60"/>
-                </a:solidFill>
-                <a:effectLst/>
-                <a:latin typeface="+mj-lt"/>
-                <a:ea typeface="+mj-ea"/>
-                <a:cs typeface="+mj-cs"/>
-              </a:defRPr>
-            </a:lvl1pPr>
-          </a:lstStyle>
-          <a:p>
-            <a:r>
-              <a:rPr lang="en-US" dirty="0">
-                <a:latin typeface="Source Sans Pro" panose="020B0503030403020204" pitchFamily="34" charset="0"/>
-                <a:ea typeface="Source Sans Pro" panose="020B0503030403020204" pitchFamily="34" charset="0"/>
-              </a:rPr>
-              <a:t>USING GRUNT</a:t>
-            </a:r>
-          </a:p>
-        </p:txBody>
-      </p:sp>
-      <p:sp>
-        <p:nvSpPr>
-          <p:cNvPr id="9" name="Content Placeholder 4">
-            <a:extLst>
-              <a:ext uri="{FF2B5EF4-FFF2-40B4-BE49-F238E27FC236}">
-                <a16:creationId xmlns:a16="http://schemas.microsoft.com/office/drawing/2014/main" id="{B6C27FC4-82C8-4925-9BDD-7219055F9256}"/>
-              </a:ext>
-            </a:extLst>
-          </p:cNvPr>
-          <p:cNvSpPr>
-            <a:spLocks noGrp="1"/>
-          </p:cNvSpPr>
-          <p:nvPr/>
-        </p:nvSpPr>
-        <p:spPr>
-          <a:xfrm>
-            <a:off x="1523999" y="1600200"/>
-            <a:ext cx="10058401" cy="4613978"/>
-          </a:xfrm>
-          <a:prstGeom prst="rect">
-            <a:avLst/>
-          </a:prstGeom>
-        </p:spPr>
-        <p:txBody>
-          <a:bodyPr vert="horz" lIns="108000" tIns="36000" rIns="108000" bIns="36000" rtlCol="0">
-            <a:normAutofit/>
-          </a:bodyPr>
-          <a:lstStyle>
-            <a:lvl1pPr marL="304747" indent="-304747" algn="l" defTabSz="1218987" rtl="0" eaLnBrk="1" latinLnBrk="0" hangingPunct="1">
-              <a:lnSpc>
-                <a:spcPct val="105000"/>
-              </a:lnSpc>
-              <a:spcBef>
-                <a:spcPts val="600"/>
-              </a:spcBef>
-              <a:spcAft>
-                <a:spcPts val="600"/>
-              </a:spcAft>
-              <a:buClr>
-                <a:srgbClr val="F2B254"/>
-              </a:buClr>
-              <a:buSzPct val="100000"/>
-              <a:buFont typeface="Wingdings" panose="05000000000000000000" pitchFamily="2" charset="2"/>
-              <a:buChar char="§"/>
-              <a:defRPr sz="3400" b="0" kern="1200">
-                <a:solidFill>
-                  <a:schemeClr val="tx1"/>
-                </a:solidFill>
-                <a:latin typeface="+mn-lt"/>
-                <a:ea typeface="+mn-ea"/>
-                <a:cs typeface="+mn-cs"/>
-              </a:defRPr>
-            </a:lvl1pPr>
-            <a:lvl2pPr marL="609493" indent="-231606" algn="l" defTabSz="1218987" rtl="0" eaLnBrk="1" latinLnBrk="0" hangingPunct="1">
-              <a:lnSpc>
-                <a:spcPct val="105000"/>
-              </a:lnSpc>
-              <a:spcBef>
-                <a:spcPts val="600"/>
-              </a:spcBef>
-              <a:spcAft>
-                <a:spcPts val="600"/>
-              </a:spcAft>
-              <a:buClr>
-                <a:schemeClr val="accent1"/>
-              </a:buClr>
-              <a:buSzPct val="80000"/>
-              <a:buFont typeface="Wingdings" panose="05000000000000000000" pitchFamily="2" charset="2"/>
-              <a:buChar char="§"/>
-              <a:defRPr sz="3200" b="0" kern="1200">
-                <a:solidFill>
-                  <a:schemeClr val="tx1"/>
-                </a:solidFill>
-                <a:latin typeface="+mn-lt"/>
-                <a:ea typeface="+mn-ea"/>
-                <a:cs typeface="+mn-cs"/>
-              </a:defRPr>
-            </a:lvl2pPr>
-            <a:lvl3pPr marL="914240" indent="-231606" algn="l" defTabSz="1218987" rtl="0" eaLnBrk="1" latinLnBrk="0" hangingPunct="1">
-              <a:lnSpc>
-                <a:spcPct val="105000"/>
-              </a:lnSpc>
-              <a:spcBef>
-                <a:spcPts val="600"/>
-              </a:spcBef>
-              <a:spcAft>
-                <a:spcPts val="600"/>
-              </a:spcAft>
-              <a:buClr>
-                <a:srgbClr val="EF9A1D"/>
-              </a:buClr>
-              <a:buSzPct val="80000"/>
-              <a:buFont typeface="Wingdings" panose="05000000000000000000" pitchFamily="2" charset="2"/>
-              <a:buChar char="§"/>
-              <a:defRPr sz="3000" b="0" kern="1200">
-                <a:solidFill>
-                  <a:schemeClr val="tx1"/>
-                </a:solidFill>
-                <a:latin typeface="+mn-lt"/>
-                <a:ea typeface="+mn-ea"/>
-                <a:cs typeface="+mn-cs"/>
-              </a:defRPr>
-            </a:lvl3pPr>
-            <a:lvl4pPr marL="1218987" indent="-231606" algn="l" defTabSz="1218987" rtl="0" eaLnBrk="1" latinLnBrk="0" hangingPunct="1">
-              <a:lnSpc>
-                <a:spcPct val="105000"/>
-              </a:lnSpc>
-              <a:spcBef>
-                <a:spcPts val="600"/>
-              </a:spcBef>
-              <a:spcAft>
-                <a:spcPts val="600"/>
-              </a:spcAft>
-              <a:buClr>
-                <a:srgbClr val="ED9411"/>
-              </a:buClr>
-              <a:buSzPct val="80000"/>
-              <a:buFont typeface="Wingdings" panose="05000000000000000000" pitchFamily="2" charset="2"/>
-              <a:buChar char="§"/>
-              <a:defRPr sz="2800" b="0" kern="1200">
-                <a:solidFill>
-                  <a:schemeClr val="tx1"/>
-                </a:solidFill>
-                <a:latin typeface="+mn-lt"/>
-                <a:ea typeface="+mn-ea"/>
-                <a:cs typeface="+mn-cs"/>
-              </a:defRPr>
-            </a:lvl4pPr>
-            <a:lvl5pPr marL="1523733" indent="-231606" algn="l" defTabSz="1218987" rtl="0" eaLnBrk="1" latinLnBrk="0" hangingPunct="1">
-              <a:lnSpc>
-                <a:spcPct val="105000"/>
-              </a:lnSpc>
-              <a:spcBef>
-                <a:spcPts val="600"/>
-              </a:spcBef>
-              <a:spcAft>
-                <a:spcPts val="600"/>
-              </a:spcAft>
-              <a:buClr>
-                <a:srgbClr val="E28D10"/>
-              </a:buClr>
-              <a:buSzPct val="80000"/>
-              <a:buFont typeface="Wingdings" panose="05000000000000000000" pitchFamily="2" charset="2"/>
-              <a:buChar char="§"/>
-              <a:defRPr sz="2600" b="0" kern="1200">
-                <a:solidFill>
-                  <a:schemeClr val="tx1"/>
-                </a:solidFill>
-                <a:latin typeface="+mn-lt"/>
-                <a:ea typeface="+mn-ea"/>
-                <a:cs typeface="+mn-cs"/>
-              </a:defRPr>
-            </a:lvl5pPr>
-            <a:lvl6pPr marL="1828480" indent="-231606" algn="l" defTabSz="1218987" rtl="0" eaLnBrk="1" latinLnBrk="0" hangingPunct="1">
-              <a:lnSpc>
-                <a:spcPct val="90000"/>
-              </a:lnSpc>
-              <a:spcBef>
-                <a:spcPts val="800"/>
-              </a:spcBef>
-              <a:buClr>
-                <a:schemeClr val="accent1"/>
-              </a:buClr>
-              <a:buSzPct val="80000"/>
-              <a:buFont typeface="Arial" pitchFamily="34" charset="0"/>
-              <a:buChar char="•"/>
-              <a:defRPr sz="2000" kern="1200">
-                <a:solidFill>
-                  <a:schemeClr val="tx1"/>
-                </a:solidFill>
-                <a:latin typeface="+mn-lt"/>
-                <a:ea typeface="+mn-ea"/>
-                <a:cs typeface="+mn-cs"/>
-              </a:defRPr>
-            </a:lvl6pPr>
-            <a:lvl7pPr marL="2133227" indent="-231606" algn="l" defTabSz="1218987" rtl="0" eaLnBrk="1" latinLnBrk="0" hangingPunct="1">
-              <a:lnSpc>
-                <a:spcPct val="90000"/>
-              </a:lnSpc>
-              <a:spcBef>
-                <a:spcPts val="800"/>
-              </a:spcBef>
-              <a:buClr>
-                <a:schemeClr val="accent1"/>
-              </a:buClr>
-              <a:buSzPct val="80000"/>
-              <a:buFont typeface="Arial" pitchFamily="34" charset="0"/>
-              <a:buChar char="•"/>
-              <a:defRPr sz="2000" kern="1200">
-                <a:solidFill>
-                  <a:schemeClr val="tx1"/>
-                </a:solidFill>
-                <a:latin typeface="+mn-lt"/>
-                <a:ea typeface="+mn-ea"/>
-                <a:cs typeface="+mn-cs"/>
-              </a:defRPr>
-            </a:lvl7pPr>
-            <a:lvl8pPr marL="2437972" indent="-231606" algn="l" defTabSz="1218987" rtl="0" eaLnBrk="1" latinLnBrk="0" hangingPunct="1">
-              <a:lnSpc>
-                <a:spcPct val="90000"/>
-              </a:lnSpc>
-              <a:spcBef>
-                <a:spcPts val="800"/>
-              </a:spcBef>
-              <a:buClr>
-                <a:schemeClr val="accent1"/>
-              </a:buClr>
-              <a:buSzPct val="80000"/>
-              <a:buFont typeface="Arial" pitchFamily="34" charset="0"/>
-              <a:buChar char="•"/>
-              <a:defRPr sz="2000" kern="1200" baseline="0">
-                <a:solidFill>
-                  <a:schemeClr val="tx1"/>
-                </a:solidFill>
-                <a:latin typeface="+mn-lt"/>
-                <a:ea typeface="+mn-ea"/>
-                <a:cs typeface="+mn-cs"/>
-              </a:defRPr>
-            </a:lvl8pPr>
-            <a:lvl9pPr marL="2742720" indent="-231606" algn="l" defTabSz="1218987" rtl="0" eaLnBrk="1" latinLnBrk="0" hangingPunct="1">
-              <a:lnSpc>
-                <a:spcPct val="90000"/>
-              </a:lnSpc>
-              <a:spcBef>
-                <a:spcPts val="800"/>
-              </a:spcBef>
-              <a:buClr>
-                <a:schemeClr val="accent1"/>
-              </a:buClr>
-              <a:buSzPct val="80000"/>
-              <a:buFont typeface="Arial" pitchFamily="34" charset="0"/>
-              <a:buChar char="•"/>
-              <a:defRPr sz="2000" kern="1200" baseline="0">
-                <a:solidFill>
-                  <a:schemeClr val="tx1"/>
-                </a:solidFill>
-                <a:latin typeface="+mn-lt"/>
-                <a:ea typeface="+mn-ea"/>
-                <a:cs typeface="+mn-cs"/>
-              </a:defRPr>
-            </a:lvl9pPr>
-          </a:lstStyle>
-          <a:p>
-            <a:r>
-              <a:rPr lang="en-US" sz="2400" b="1" dirty="0">
-                <a:solidFill>
-                  <a:srgbClr val="002060"/>
-                </a:solidFill>
-                <a:latin typeface="Source Sans Pro" panose="020B0503030403020204" pitchFamily="34" charset="0"/>
-                <a:ea typeface="Source Sans Pro" panose="020B0503030403020204" pitchFamily="34" charset="0"/>
-              </a:rPr>
-              <a:t>npm install -g grunt-cli</a:t>
-            </a:r>
-          </a:p>
-          <a:p>
-            <a:endParaRPr lang="en-US" sz="2400" b="1" dirty="0">
-              <a:solidFill>
-                <a:srgbClr val="002060"/>
-              </a:solidFill>
-              <a:latin typeface="Source Sans Pro" panose="020B0503030403020204" pitchFamily="34" charset="0"/>
-              <a:ea typeface="Source Sans Pro" panose="020B0503030403020204" pitchFamily="34" charset="0"/>
-            </a:endParaRPr>
-          </a:p>
-          <a:p>
-            <a:pPr marL="0" indent="0">
-              <a:buNone/>
-            </a:pPr>
-            <a:endParaRPr lang="en-US" sz="2400" b="1" dirty="0">
-              <a:solidFill>
-                <a:srgbClr val="002060"/>
-              </a:solidFill>
-              <a:latin typeface="Source Sans Pro" panose="020B0503030403020204" pitchFamily="34" charset="0"/>
-              <a:ea typeface="Source Sans Pro" panose="020B0503030403020204" pitchFamily="34" charset="0"/>
-            </a:endParaRPr>
-          </a:p>
-        </p:txBody>
-      </p:sp>
     </p:spTree>
     <p:extLst>
       <p:ext uri="{BB962C8B-B14F-4D97-AF65-F5344CB8AC3E}">
-        <p14:creationId xmlns:p14="http://schemas.microsoft.com/office/powerpoint/2010/main" val="2732969343"/>
+        <p14:creationId xmlns:p14="http://schemas.microsoft.com/office/powerpoint/2010/main" val="865402375"/>
       </p:ext>
     </p:extLst>
   </p:cSld>
@@ -17322,52 +16862,6 @@
           <a:chExt cx="0" cy="0"/>
         </a:xfrm>
       </p:grpSpPr>
-      <p:sp>
-        <p:nvSpPr>
-          <p:cNvPr id="2" name="Title 1">
-            <a:extLst>
-              <a:ext uri="{FF2B5EF4-FFF2-40B4-BE49-F238E27FC236}">
-                <a16:creationId xmlns:a16="http://schemas.microsoft.com/office/drawing/2014/main" id="{F533C787-D925-4018-B654-B08DDAB85464}"/>
-              </a:ext>
-            </a:extLst>
-          </p:cNvPr>
-          <p:cNvSpPr>
-            <a:spLocks noGrp="1"/>
-          </p:cNvSpPr>
-          <p:nvPr>
-            <p:ph type="ctrTitle"/>
-          </p:nvPr>
-        </p:nvSpPr>
-        <p:spPr>
-          <a:xfrm>
-            <a:off x="1524000" y="2914881"/>
-            <a:ext cx="9529011" cy="1028238"/>
-          </a:xfrm>
-        </p:spPr>
-        <p:txBody>
-          <a:bodyPr>
-            <a:normAutofit/>
-          </a:bodyPr>
-          <a:lstStyle/>
-          <a:p>
-            <a:r>
-              <a:rPr lang="en-US" b="1" dirty="0">
-                <a:solidFill>
-                  <a:srgbClr val="F3BE60"/>
-                </a:solidFill>
-                <a:latin typeface="Source Sans Pro" panose="020B0604020202020204" pitchFamily="34" charset="0"/>
-              </a:rPr>
-              <a:t>BROWSERSYNC</a:t>
-            </a:r>
-            <a:endParaRPr lang="bg-BG" b="1" dirty="0">
-              <a:solidFill>
-                <a:srgbClr val="F3BE60"/>
-              </a:solidFill>
-              <a:latin typeface="Source Sans Pro" panose="020B0604020202020204" pitchFamily="34" charset="0"/>
-            </a:endParaRPr>
-          </a:p>
-        </p:txBody>
-      </p:sp>
       <p:pic>
         <p:nvPicPr>
           <p:cNvPr id="5" name="Picture 4">
@@ -17404,10 +16898,354 @@
           </a:prstGeom>
         </p:spPr>
       </p:pic>
+      <p:sp>
+        <p:nvSpPr>
+          <p:cNvPr id="6" name="Title 3">
+            <a:extLst>
+              <a:ext uri="{FF2B5EF4-FFF2-40B4-BE49-F238E27FC236}">
+                <a16:creationId xmlns:a16="http://schemas.microsoft.com/office/drawing/2014/main" id="{6AF371E5-6025-4DD6-B3D9-1EA1AF6B36AB}"/>
+              </a:ext>
+            </a:extLst>
+          </p:cNvPr>
+          <p:cNvSpPr>
+            <a:spLocks noGrp="1"/>
+          </p:cNvSpPr>
+          <p:nvPr/>
+        </p:nvSpPr>
+        <p:spPr>
+          <a:xfrm>
+            <a:off x="1524000" y="489420"/>
+            <a:ext cx="10040471" cy="1110780"/>
+          </a:xfrm>
+          <a:prstGeom prst="rect">
+            <a:avLst/>
+          </a:prstGeom>
+        </p:spPr>
+        <p:txBody>
+          <a:bodyPr vert="horz" lIns="108000" tIns="36000" rIns="108000" bIns="36000" rtlCol="0" anchor="ctr" anchorCtr="0">
+            <a:normAutofit/>
+          </a:bodyPr>
+          <a:lstStyle>
+            <a:lvl1pPr algn="l" defTabSz="1218987" rtl="0" eaLnBrk="1" latinLnBrk="0" hangingPunct="1">
+              <a:lnSpc>
+                <a:spcPct val="90000"/>
+              </a:lnSpc>
+              <a:spcBef>
+                <a:spcPct val="0"/>
+              </a:spcBef>
+              <a:buNone/>
+              <a:defRPr sz="4000" b="1" kern="1200">
+                <a:solidFill>
+                  <a:srgbClr val="F3BE60"/>
+                </a:solidFill>
+                <a:effectLst/>
+                <a:latin typeface="+mj-lt"/>
+                <a:ea typeface="+mj-ea"/>
+                <a:cs typeface="+mj-cs"/>
+              </a:defRPr>
+            </a:lvl1pPr>
+          </a:lstStyle>
+          <a:p>
+            <a:r>
+              <a:rPr lang="en-US" dirty="0">
+                <a:latin typeface="Source Sans Pro" panose="020B0503030403020204" pitchFamily="34" charset="0"/>
+                <a:ea typeface="Source Sans Pro" panose="020B0503030403020204" pitchFamily="34" charset="0"/>
+              </a:rPr>
+              <a:t>BROWSERSYNC</a:t>
+            </a:r>
+          </a:p>
+        </p:txBody>
+      </p:sp>
+      <p:sp>
+        <p:nvSpPr>
+          <p:cNvPr id="9" name="Content Placeholder 4">
+            <a:extLst>
+              <a:ext uri="{FF2B5EF4-FFF2-40B4-BE49-F238E27FC236}">
+                <a16:creationId xmlns:a16="http://schemas.microsoft.com/office/drawing/2014/main" id="{B6C27FC4-82C8-4925-9BDD-7219055F9256}"/>
+              </a:ext>
+            </a:extLst>
+          </p:cNvPr>
+          <p:cNvSpPr>
+            <a:spLocks noGrp="1"/>
+          </p:cNvSpPr>
+          <p:nvPr/>
+        </p:nvSpPr>
+        <p:spPr>
+          <a:xfrm>
+            <a:off x="1523999" y="1600200"/>
+            <a:ext cx="10058401" cy="4613978"/>
+          </a:xfrm>
+          <a:prstGeom prst="rect">
+            <a:avLst/>
+          </a:prstGeom>
+        </p:spPr>
+        <p:txBody>
+          <a:bodyPr vert="horz" lIns="108000" tIns="36000" rIns="108000" bIns="36000" rtlCol="0">
+            <a:normAutofit/>
+          </a:bodyPr>
+          <a:lstStyle>
+            <a:lvl1pPr marL="304747" indent="-304747" algn="l" defTabSz="1218987" rtl="0" eaLnBrk="1" latinLnBrk="0" hangingPunct="1">
+              <a:lnSpc>
+                <a:spcPct val="105000"/>
+              </a:lnSpc>
+              <a:spcBef>
+                <a:spcPts val="600"/>
+              </a:spcBef>
+              <a:spcAft>
+                <a:spcPts val="600"/>
+              </a:spcAft>
+              <a:buClr>
+                <a:srgbClr val="F2B254"/>
+              </a:buClr>
+              <a:buSzPct val="100000"/>
+              <a:buFont typeface="Wingdings" panose="05000000000000000000" pitchFamily="2" charset="2"/>
+              <a:buChar char="§"/>
+              <a:defRPr sz="3400" b="0" kern="1200">
+                <a:solidFill>
+                  <a:schemeClr val="tx1"/>
+                </a:solidFill>
+                <a:latin typeface="+mn-lt"/>
+                <a:ea typeface="+mn-ea"/>
+                <a:cs typeface="+mn-cs"/>
+              </a:defRPr>
+            </a:lvl1pPr>
+            <a:lvl2pPr marL="609493" indent="-231606" algn="l" defTabSz="1218987" rtl="0" eaLnBrk="1" latinLnBrk="0" hangingPunct="1">
+              <a:lnSpc>
+                <a:spcPct val="105000"/>
+              </a:lnSpc>
+              <a:spcBef>
+                <a:spcPts val="600"/>
+              </a:spcBef>
+              <a:spcAft>
+                <a:spcPts val="600"/>
+              </a:spcAft>
+              <a:buClr>
+                <a:schemeClr val="accent1"/>
+              </a:buClr>
+              <a:buSzPct val="80000"/>
+              <a:buFont typeface="Wingdings" panose="05000000000000000000" pitchFamily="2" charset="2"/>
+              <a:buChar char="§"/>
+              <a:defRPr sz="3200" b="0" kern="1200">
+                <a:solidFill>
+                  <a:schemeClr val="tx1"/>
+                </a:solidFill>
+                <a:latin typeface="+mn-lt"/>
+                <a:ea typeface="+mn-ea"/>
+                <a:cs typeface="+mn-cs"/>
+              </a:defRPr>
+            </a:lvl2pPr>
+            <a:lvl3pPr marL="914240" indent="-231606" algn="l" defTabSz="1218987" rtl="0" eaLnBrk="1" latinLnBrk="0" hangingPunct="1">
+              <a:lnSpc>
+                <a:spcPct val="105000"/>
+              </a:lnSpc>
+              <a:spcBef>
+                <a:spcPts val="600"/>
+              </a:spcBef>
+              <a:spcAft>
+                <a:spcPts val="600"/>
+              </a:spcAft>
+              <a:buClr>
+                <a:srgbClr val="EF9A1D"/>
+              </a:buClr>
+              <a:buSzPct val="80000"/>
+              <a:buFont typeface="Wingdings" panose="05000000000000000000" pitchFamily="2" charset="2"/>
+              <a:buChar char="§"/>
+              <a:defRPr sz="3000" b="0" kern="1200">
+                <a:solidFill>
+                  <a:schemeClr val="tx1"/>
+                </a:solidFill>
+                <a:latin typeface="+mn-lt"/>
+                <a:ea typeface="+mn-ea"/>
+                <a:cs typeface="+mn-cs"/>
+              </a:defRPr>
+            </a:lvl3pPr>
+            <a:lvl4pPr marL="1218987" indent="-231606" algn="l" defTabSz="1218987" rtl="0" eaLnBrk="1" latinLnBrk="0" hangingPunct="1">
+              <a:lnSpc>
+                <a:spcPct val="105000"/>
+              </a:lnSpc>
+              <a:spcBef>
+                <a:spcPts val="600"/>
+              </a:spcBef>
+              <a:spcAft>
+                <a:spcPts val="600"/>
+              </a:spcAft>
+              <a:buClr>
+                <a:srgbClr val="ED9411"/>
+              </a:buClr>
+              <a:buSzPct val="80000"/>
+              <a:buFont typeface="Wingdings" panose="05000000000000000000" pitchFamily="2" charset="2"/>
+              <a:buChar char="§"/>
+              <a:defRPr sz="2800" b="0" kern="1200">
+                <a:solidFill>
+                  <a:schemeClr val="tx1"/>
+                </a:solidFill>
+                <a:latin typeface="+mn-lt"/>
+                <a:ea typeface="+mn-ea"/>
+                <a:cs typeface="+mn-cs"/>
+              </a:defRPr>
+            </a:lvl4pPr>
+            <a:lvl5pPr marL="1523733" indent="-231606" algn="l" defTabSz="1218987" rtl="0" eaLnBrk="1" latinLnBrk="0" hangingPunct="1">
+              <a:lnSpc>
+                <a:spcPct val="105000"/>
+              </a:lnSpc>
+              <a:spcBef>
+                <a:spcPts val="600"/>
+              </a:spcBef>
+              <a:spcAft>
+                <a:spcPts val="600"/>
+              </a:spcAft>
+              <a:buClr>
+                <a:srgbClr val="E28D10"/>
+              </a:buClr>
+              <a:buSzPct val="80000"/>
+              <a:buFont typeface="Wingdings" panose="05000000000000000000" pitchFamily="2" charset="2"/>
+              <a:buChar char="§"/>
+              <a:defRPr sz="2600" b="0" kern="1200">
+                <a:solidFill>
+                  <a:schemeClr val="tx1"/>
+                </a:solidFill>
+                <a:latin typeface="+mn-lt"/>
+                <a:ea typeface="+mn-ea"/>
+                <a:cs typeface="+mn-cs"/>
+              </a:defRPr>
+            </a:lvl5pPr>
+            <a:lvl6pPr marL="1828480" indent="-231606" algn="l" defTabSz="1218987" rtl="0" eaLnBrk="1" latinLnBrk="0" hangingPunct="1">
+              <a:lnSpc>
+                <a:spcPct val="90000"/>
+              </a:lnSpc>
+              <a:spcBef>
+                <a:spcPts val="800"/>
+              </a:spcBef>
+              <a:buClr>
+                <a:schemeClr val="accent1"/>
+              </a:buClr>
+              <a:buSzPct val="80000"/>
+              <a:buFont typeface="Arial" pitchFamily="34" charset="0"/>
+              <a:buChar char="•"/>
+              <a:defRPr sz="2000" kern="1200">
+                <a:solidFill>
+                  <a:schemeClr val="tx1"/>
+                </a:solidFill>
+                <a:latin typeface="+mn-lt"/>
+                <a:ea typeface="+mn-ea"/>
+                <a:cs typeface="+mn-cs"/>
+              </a:defRPr>
+            </a:lvl6pPr>
+            <a:lvl7pPr marL="2133227" indent="-231606" algn="l" defTabSz="1218987" rtl="0" eaLnBrk="1" latinLnBrk="0" hangingPunct="1">
+              <a:lnSpc>
+                <a:spcPct val="90000"/>
+              </a:lnSpc>
+              <a:spcBef>
+                <a:spcPts val="800"/>
+              </a:spcBef>
+              <a:buClr>
+                <a:schemeClr val="accent1"/>
+              </a:buClr>
+              <a:buSzPct val="80000"/>
+              <a:buFont typeface="Arial" pitchFamily="34" charset="0"/>
+              <a:buChar char="•"/>
+              <a:defRPr sz="2000" kern="1200">
+                <a:solidFill>
+                  <a:schemeClr val="tx1"/>
+                </a:solidFill>
+                <a:latin typeface="+mn-lt"/>
+                <a:ea typeface="+mn-ea"/>
+                <a:cs typeface="+mn-cs"/>
+              </a:defRPr>
+            </a:lvl7pPr>
+            <a:lvl8pPr marL="2437972" indent="-231606" algn="l" defTabSz="1218987" rtl="0" eaLnBrk="1" latinLnBrk="0" hangingPunct="1">
+              <a:lnSpc>
+                <a:spcPct val="90000"/>
+              </a:lnSpc>
+              <a:spcBef>
+                <a:spcPts val="800"/>
+              </a:spcBef>
+              <a:buClr>
+                <a:schemeClr val="accent1"/>
+              </a:buClr>
+              <a:buSzPct val="80000"/>
+              <a:buFont typeface="Arial" pitchFamily="34" charset="0"/>
+              <a:buChar char="•"/>
+              <a:defRPr sz="2000" kern="1200" baseline="0">
+                <a:solidFill>
+                  <a:schemeClr val="tx1"/>
+                </a:solidFill>
+                <a:latin typeface="+mn-lt"/>
+                <a:ea typeface="+mn-ea"/>
+                <a:cs typeface="+mn-cs"/>
+              </a:defRPr>
+            </a:lvl8pPr>
+            <a:lvl9pPr marL="2742720" indent="-231606" algn="l" defTabSz="1218987" rtl="0" eaLnBrk="1" latinLnBrk="0" hangingPunct="1">
+              <a:lnSpc>
+                <a:spcPct val="90000"/>
+              </a:lnSpc>
+              <a:spcBef>
+                <a:spcPts val="800"/>
+              </a:spcBef>
+              <a:buClr>
+                <a:schemeClr val="accent1"/>
+              </a:buClr>
+              <a:buSzPct val="80000"/>
+              <a:buFont typeface="Arial" pitchFamily="34" charset="0"/>
+              <a:buChar char="•"/>
+              <a:defRPr sz="2000" kern="1200" baseline="0">
+                <a:solidFill>
+                  <a:schemeClr val="tx1"/>
+                </a:solidFill>
+                <a:latin typeface="+mn-lt"/>
+                <a:ea typeface="+mn-ea"/>
+                <a:cs typeface="+mn-cs"/>
+              </a:defRPr>
+            </a:lvl9pPr>
+          </a:lstStyle>
+          <a:p>
+            <a:r>
+              <a:rPr lang="en-US" sz="2400" b="1" dirty="0">
+                <a:solidFill>
+                  <a:srgbClr val="002060"/>
+                </a:solidFill>
+                <a:latin typeface="Source Sans Pro" panose="020B0503030403020204" pitchFamily="34" charset="0"/>
+                <a:ea typeface="Source Sans Pro" panose="020B0503030403020204" pitchFamily="34" charset="0"/>
+              </a:rPr>
+              <a:t>Time-saving synchronised browser testing.</a:t>
+            </a:r>
+          </a:p>
+          <a:p>
+            <a:endParaRPr lang="en-US" sz="2400" b="1" dirty="0">
+              <a:solidFill>
+                <a:srgbClr val="002060"/>
+              </a:solidFill>
+              <a:latin typeface="Source Sans Pro" panose="020B0503030403020204" pitchFamily="34" charset="0"/>
+              <a:ea typeface="Source Sans Pro" panose="020B0503030403020204" pitchFamily="34" charset="0"/>
+            </a:endParaRPr>
+          </a:p>
+          <a:p>
+            <a:endParaRPr lang="en-US" sz="2400" b="1" dirty="0">
+              <a:solidFill>
+                <a:srgbClr val="002060"/>
+              </a:solidFill>
+              <a:latin typeface="Source Sans Pro" panose="020B0503030403020204" pitchFamily="34" charset="0"/>
+              <a:ea typeface="Source Sans Pro" panose="020B0503030403020204" pitchFamily="34" charset="0"/>
+            </a:endParaRPr>
+          </a:p>
+          <a:p>
+            <a:pPr marL="0" indent="0">
+              <a:buNone/>
+            </a:pPr>
+            <a:endParaRPr lang="en-US" sz="2400" b="1" dirty="0">
+              <a:solidFill>
+                <a:srgbClr val="002060"/>
+              </a:solidFill>
+              <a:latin typeface="Source Sans Pro" panose="020B0503030403020204" pitchFamily="34" charset="0"/>
+              <a:ea typeface="Source Sans Pro" panose="020B0503030403020204" pitchFamily="34" charset="0"/>
+            </a:endParaRPr>
+          </a:p>
+        </p:txBody>
+      </p:sp>
     </p:spTree>
     <p:extLst>
       <p:ext uri="{BB962C8B-B14F-4D97-AF65-F5344CB8AC3E}">
-        <p14:creationId xmlns:p14="http://schemas.microsoft.com/office/powerpoint/2010/main" val="865402375"/>
+        <p14:creationId xmlns:p14="http://schemas.microsoft.com/office/powerpoint/2010/main" val="2794874393"/>
       </p:ext>
     </p:extLst>
   </p:cSld>
@@ -17537,7 +17375,7 @@
                 <a:latin typeface="Source Sans Pro" panose="020B0503030403020204" pitchFamily="34" charset="0"/>
                 <a:ea typeface="Source Sans Pro" panose="020B0503030403020204" pitchFamily="34" charset="0"/>
               </a:rPr>
-              <a:t>BROWSERSYNC</a:t>
+              <a:t>USING BROWSERSYNC</a:t>
             </a:r>
           </a:p>
         </p:txBody>
@@ -17793,7 +17631,7 @@
                 <a:latin typeface="Source Sans Pro" panose="020B0503030403020204" pitchFamily="34" charset="0"/>
                 <a:ea typeface="Source Sans Pro" panose="020B0503030403020204" pitchFamily="34" charset="0"/>
               </a:rPr>
-              <a:t>Time-saving synchronised browser testing.</a:t>
+              <a:t>npm install -g browser-sync</a:t>
             </a:r>
           </a:p>
           <a:p>
@@ -17831,7 +17669,7 @@
     </p:spTree>
     <p:extLst>
       <p:ext uri="{BB962C8B-B14F-4D97-AF65-F5344CB8AC3E}">
-        <p14:creationId xmlns:p14="http://schemas.microsoft.com/office/powerpoint/2010/main" val="2794874393"/>
+        <p14:creationId xmlns:p14="http://schemas.microsoft.com/office/powerpoint/2010/main" val="4006642827"/>
       </p:ext>
     </p:extLst>
   </p:cSld>
@@ -17872,6 +17710,52 @@
           <a:chExt cx="0" cy="0"/>
         </a:xfrm>
       </p:grpSpPr>
+      <p:sp>
+        <p:nvSpPr>
+          <p:cNvPr id="2" name="Title 1">
+            <a:extLst>
+              <a:ext uri="{FF2B5EF4-FFF2-40B4-BE49-F238E27FC236}">
+                <a16:creationId xmlns:a16="http://schemas.microsoft.com/office/drawing/2014/main" id="{F533C787-D925-4018-B654-B08DDAB85464}"/>
+              </a:ext>
+            </a:extLst>
+          </p:cNvPr>
+          <p:cNvSpPr>
+            <a:spLocks noGrp="1"/>
+          </p:cNvSpPr>
+          <p:nvPr>
+            <p:ph type="ctrTitle"/>
+          </p:nvPr>
+        </p:nvSpPr>
+        <p:spPr>
+          <a:xfrm>
+            <a:off x="1524000" y="2914881"/>
+            <a:ext cx="9529011" cy="1028238"/>
+          </a:xfrm>
+        </p:spPr>
+        <p:txBody>
+          <a:bodyPr>
+            <a:normAutofit/>
+          </a:bodyPr>
+          <a:lstStyle/>
+          <a:p>
+            <a:r>
+              <a:rPr lang="en-US" b="1" dirty="0">
+                <a:solidFill>
+                  <a:srgbClr val="002060"/>
+                </a:solidFill>
+                <a:latin typeface="Source Sans Pro" panose="020B0604020202020204" pitchFamily="34" charset="0"/>
+              </a:rPr>
+              <a:t>ENVIRONMENT</a:t>
+            </a:r>
+            <a:endParaRPr lang="bg-BG" b="1" dirty="0">
+              <a:solidFill>
+                <a:srgbClr val="002060"/>
+              </a:solidFill>
+              <a:latin typeface="Source Sans Pro" panose="020B0604020202020204" pitchFamily="34" charset="0"/>
+            </a:endParaRPr>
+          </a:p>
+        </p:txBody>
+      </p:sp>
       <p:pic>
         <p:nvPicPr>
           <p:cNvPr id="5" name="Picture 4">
@@ -17908,354 +17792,10 @@
           </a:prstGeom>
         </p:spPr>
       </p:pic>
-      <p:sp>
-        <p:nvSpPr>
-          <p:cNvPr id="6" name="Title 3">
-            <a:extLst>
-              <a:ext uri="{FF2B5EF4-FFF2-40B4-BE49-F238E27FC236}">
-                <a16:creationId xmlns:a16="http://schemas.microsoft.com/office/drawing/2014/main" id="{6AF371E5-6025-4DD6-B3D9-1EA1AF6B36AB}"/>
-              </a:ext>
-            </a:extLst>
-          </p:cNvPr>
-          <p:cNvSpPr>
-            <a:spLocks noGrp="1"/>
-          </p:cNvSpPr>
-          <p:nvPr/>
-        </p:nvSpPr>
-        <p:spPr>
-          <a:xfrm>
-            <a:off x="1524000" y="489420"/>
-            <a:ext cx="10040471" cy="1110780"/>
-          </a:xfrm>
-          <a:prstGeom prst="rect">
-            <a:avLst/>
-          </a:prstGeom>
-        </p:spPr>
-        <p:txBody>
-          <a:bodyPr vert="horz" lIns="108000" tIns="36000" rIns="108000" bIns="36000" rtlCol="0" anchor="ctr" anchorCtr="0">
-            <a:normAutofit/>
-          </a:bodyPr>
-          <a:lstStyle>
-            <a:lvl1pPr algn="l" defTabSz="1218987" rtl="0" eaLnBrk="1" latinLnBrk="0" hangingPunct="1">
-              <a:lnSpc>
-                <a:spcPct val="90000"/>
-              </a:lnSpc>
-              <a:spcBef>
-                <a:spcPct val="0"/>
-              </a:spcBef>
-              <a:buNone/>
-              <a:defRPr sz="4000" b="1" kern="1200">
-                <a:solidFill>
-                  <a:srgbClr val="F3BE60"/>
-                </a:solidFill>
-                <a:effectLst/>
-                <a:latin typeface="+mj-lt"/>
-                <a:ea typeface="+mj-ea"/>
-                <a:cs typeface="+mj-cs"/>
-              </a:defRPr>
-            </a:lvl1pPr>
-          </a:lstStyle>
-          <a:p>
-            <a:r>
-              <a:rPr lang="en-US" dirty="0">
-                <a:latin typeface="Source Sans Pro" panose="020B0503030403020204" pitchFamily="34" charset="0"/>
-                <a:ea typeface="Source Sans Pro" panose="020B0503030403020204" pitchFamily="34" charset="0"/>
-              </a:rPr>
-              <a:t>USING BROWSERSYNC</a:t>
-            </a:r>
-          </a:p>
-        </p:txBody>
-      </p:sp>
-      <p:sp>
-        <p:nvSpPr>
-          <p:cNvPr id="9" name="Content Placeholder 4">
-            <a:extLst>
-              <a:ext uri="{FF2B5EF4-FFF2-40B4-BE49-F238E27FC236}">
-                <a16:creationId xmlns:a16="http://schemas.microsoft.com/office/drawing/2014/main" id="{B6C27FC4-82C8-4925-9BDD-7219055F9256}"/>
-              </a:ext>
-            </a:extLst>
-          </p:cNvPr>
-          <p:cNvSpPr>
-            <a:spLocks noGrp="1"/>
-          </p:cNvSpPr>
-          <p:nvPr/>
-        </p:nvSpPr>
-        <p:spPr>
-          <a:xfrm>
-            <a:off x="1523999" y="1600200"/>
-            <a:ext cx="10058401" cy="4613978"/>
-          </a:xfrm>
-          <a:prstGeom prst="rect">
-            <a:avLst/>
-          </a:prstGeom>
-        </p:spPr>
-        <p:txBody>
-          <a:bodyPr vert="horz" lIns="108000" tIns="36000" rIns="108000" bIns="36000" rtlCol="0">
-            <a:normAutofit/>
-          </a:bodyPr>
-          <a:lstStyle>
-            <a:lvl1pPr marL="304747" indent="-304747" algn="l" defTabSz="1218987" rtl="0" eaLnBrk="1" latinLnBrk="0" hangingPunct="1">
-              <a:lnSpc>
-                <a:spcPct val="105000"/>
-              </a:lnSpc>
-              <a:spcBef>
-                <a:spcPts val="600"/>
-              </a:spcBef>
-              <a:spcAft>
-                <a:spcPts val="600"/>
-              </a:spcAft>
-              <a:buClr>
-                <a:srgbClr val="F2B254"/>
-              </a:buClr>
-              <a:buSzPct val="100000"/>
-              <a:buFont typeface="Wingdings" panose="05000000000000000000" pitchFamily="2" charset="2"/>
-              <a:buChar char="§"/>
-              <a:defRPr sz="3400" b="0" kern="1200">
-                <a:solidFill>
-                  <a:schemeClr val="tx1"/>
-                </a:solidFill>
-                <a:latin typeface="+mn-lt"/>
-                <a:ea typeface="+mn-ea"/>
-                <a:cs typeface="+mn-cs"/>
-              </a:defRPr>
-            </a:lvl1pPr>
-            <a:lvl2pPr marL="609493" indent="-231606" algn="l" defTabSz="1218987" rtl="0" eaLnBrk="1" latinLnBrk="0" hangingPunct="1">
-              <a:lnSpc>
-                <a:spcPct val="105000"/>
-              </a:lnSpc>
-              <a:spcBef>
-                <a:spcPts val="600"/>
-              </a:spcBef>
-              <a:spcAft>
-                <a:spcPts val="600"/>
-              </a:spcAft>
-              <a:buClr>
-                <a:schemeClr val="accent1"/>
-              </a:buClr>
-              <a:buSzPct val="80000"/>
-              <a:buFont typeface="Wingdings" panose="05000000000000000000" pitchFamily="2" charset="2"/>
-              <a:buChar char="§"/>
-              <a:defRPr sz="3200" b="0" kern="1200">
-                <a:solidFill>
-                  <a:schemeClr val="tx1"/>
-                </a:solidFill>
-                <a:latin typeface="+mn-lt"/>
-                <a:ea typeface="+mn-ea"/>
-                <a:cs typeface="+mn-cs"/>
-              </a:defRPr>
-            </a:lvl2pPr>
-            <a:lvl3pPr marL="914240" indent="-231606" algn="l" defTabSz="1218987" rtl="0" eaLnBrk="1" latinLnBrk="0" hangingPunct="1">
-              <a:lnSpc>
-                <a:spcPct val="105000"/>
-              </a:lnSpc>
-              <a:spcBef>
-                <a:spcPts val="600"/>
-              </a:spcBef>
-              <a:spcAft>
-                <a:spcPts val="600"/>
-              </a:spcAft>
-              <a:buClr>
-                <a:srgbClr val="EF9A1D"/>
-              </a:buClr>
-              <a:buSzPct val="80000"/>
-              <a:buFont typeface="Wingdings" panose="05000000000000000000" pitchFamily="2" charset="2"/>
-              <a:buChar char="§"/>
-              <a:defRPr sz="3000" b="0" kern="1200">
-                <a:solidFill>
-                  <a:schemeClr val="tx1"/>
-                </a:solidFill>
-                <a:latin typeface="+mn-lt"/>
-                <a:ea typeface="+mn-ea"/>
-                <a:cs typeface="+mn-cs"/>
-              </a:defRPr>
-            </a:lvl3pPr>
-            <a:lvl4pPr marL="1218987" indent="-231606" algn="l" defTabSz="1218987" rtl="0" eaLnBrk="1" latinLnBrk="0" hangingPunct="1">
-              <a:lnSpc>
-                <a:spcPct val="105000"/>
-              </a:lnSpc>
-              <a:spcBef>
-                <a:spcPts val="600"/>
-              </a:spcBef>
-              <a:spcAft>
-                <a:spcPts val="600"/>
-              </a:spcAft>
-              <a:buClr>
-                <a:srgbClr val="ED9411"/>
-              </a:buClr>
-              <a:buSzPct val="80000"/>
-              <a:buFont typeface="Wingdings" panose="05000000000000000000" pitchFamily="2" charset="2"/>
-              <a:buChar char="§"/>
-              <a:defRPr sz="2800" b="0" kern="1200">
-                <a:solidFill>
-                  <a:schemeClr val="tx1"/>
-                </a:solidFill>
-                <a:latin typeface="+mn-lt"/>
-                <a:ea typeface="+mn-ea"/>
-                <a:cs typeface="+mn-cs"/>
-              </a:defRPr>
-            </a:lvl4pPr>
-            <a:lvl5pPr marL="1523733" indent="-231606" algn="l" defTabSz="1218987" rtl="0" eaLnBrk="1" latinLnBrk="0" hangingPunct="1">
-              <a:lnSpc>
-                <a:spcPct val="105000"/>
-              </a:lnSpc>
-              <a:spcBef>
-                <a:spcPts val="600"/>
-              </a:spcBef>
-              <a:spcAft>
-                <a:spcPts val="600"/>
-              </a:spcAft>
-              <a:buClr>
-                <a:srgbClr val="E28D10"/>
-              </a:buClr>
-              <a:buSzPct val="80000"/>
-              <a:buFont typeface="Wingdings" panose="05000000000000000000" pitchFamily="2" charset="2"/>
-              <a:buChar char="§"/>
-              <a:defRPr sz="2600" b="0" kern="1200">
-                <a:solidFill>
-                  <a:schemeClr val="tx1"/>
-                </a:solidFill>
-                <a:latin typeface="+mn-lt"/>
-                <a:ea typeface="+mn-ea"/>
-                <a:cs typeface="+mn-cs"/>
-              </a:defRPr>
-            </a:lvl5pPr>
-            <a:lvl6pPr marL="1828480" indent="-231606" algn="l" defTabSz="1218987" rtl="0" eaLnBrk="1" latinLnBrk="0" hangingPunct="1">
-              <a:lnSpc>
-                <a:spcPct val="90000"/>
-              </a:lnSpc>
-              <a:spcBef>
-                <a:spcPts val="800"/>
-              </a:spcBef>
-              <a:buClr>
-                <a:schemeClr val="accent1"/>
-              </a:buClr>
-              <a:buSzPct val="80000"/>
-              <a:buFont typeface="Arial" pitchFamily="34" charset="0"/>
-              <a:buChar char="•"/>
-              <a:defRPr sz="2000" kern="1200">
-                <a:solidFill>
-                  <a:schemeClr val="tx1"/>
-                </a:solidFill>
-                <a:latin typeface="+mn-lt"/>
-                <a:ea typeface="+mn-ea"/>
-                <a:cs typeface="+mn-cs"/>
-              </a:defRPr>
-            </a:lvl6pPr>
-            <a:lvl7pPr marL="2133227" indent="-231606" algn="l" defTabSz="1218987" rtl="0" eaLnBrk="1" latinLnBrk="0" hangingPunct="1">
-              <a:lnSpc>
-                <a:spcPct val="90000"/>
-              </a:lnSpc>
-              <a:spcBef>
-                <a:spcPts val="800"/>
-              </a:spcBef>
-              <a:buClr>
-                <a:schemeClr val="accent1"/>
-              </a:buClr>
-              <a:buSzPct val="80000"/>
-              <a:buFont typeface="Arial" pitchFamily="34" charset="0"/>
-              <a:buChar char="•"/>
-              <a:defRPr sz="2000" kern="1200">
-                <a:solidFill>
-                  <a:schemeClr val="tx1"/>
-                </a:solidFill>
-                <a:latin typeface="+mn-lt"/>
-                <a:ea typeface="+mn-ea"/>
-                <a:cs typeface="+mn-cs"/>
-              </a:defRPr>
-            </a:lvl7pPr>
-            <a:lvl8pPr marL="2437972" indent="-231606" algn="l" defTabSz="1218987" rtl="0" eaLnBrk="1" latinLnBrk="0" hangingPunct="1">
-              <a:lnSpc>
-                <a:spcPct val="90000"/>
-              </a:lnSpc>
-              <a:spcBef>
-                <a:spcPts val="800"/>
-              </a:spcBef>
-              <a:buClr>
-                <a:schemeClr val="accent1"/>
-              </a:buClr>
-              <a:buSzPct val="80000"/>
-              <a:buFont typeface="Arial" pitchFamily="34" charset="0"/>
-              <a:buChar char="•"/>
-              <a:defRPr sz="2000" kern="1200" baseline="0">
-                <a:solidFill>
-                  <a:schemeClr val="tx1"/>
-                </a:solidFill>
-                <a:latin typeface="+mn-lt"/>
-                <a:ea typeface="+mn-ea"/>
-                <a:cs typeface="+mn-cs"/>
-              </a:defRPr>
-            </a:lvl8pPr>
-            <a:lvl9pPr marL="2742720" indent="-231606" algn="l" defTabSz="1218987" rtl="0" eaLnBrk="1" latinLnBrk="0" hangingPunct="1">
-              <a:lnSpc>
-                <a:spcPct val="90000"/>
-              </a:lnSpc>
-              <a:spcBef>
-                <a:spcPts val="800"/>
-              </a:spcBef>
-              <a:buClr>
-                <a:schemeClr val="accent1"/>
-              </a:buClr>
-              <a:buSzPct val="80000"/>
-              <a:buFont typeface="Arial" pitchFamily="34" charset="0"/>
-              <a:buChar char="•"/>
-              <a:defRPr sz="2000" kern="1200" baseline="0">
-                <a:solidFill>
-                  <a:schemeClr val="tx1"/>
-                </a:solidFill>
-                <a:latin typeface="+mn-lt"/>
-                <a:ea typeface="+mn-ea"/>
-                <a:cs typeface="+mn-cs"/>
-              </a:defRPr>
-            </a:lvl9pPr>
-          </a:lstStyle>
-          <a:p>
-            <a:r>
-              <a:rPr lang="en-US" sz="2400" b="1" dirty="0">
-                <a:solidFill>
-                  <a:srgbClr val="002060"/>
-                </a:solidFill>
-                <a:latin typeface="Source Sans Pro" panose="020B0503030403020204" pitchFamily="34" charset="0"/>
-                <a:ea typeface="Source Sans Pro" panose="020B0503030403020204" pitchFamily="34" charset="0"/>
-              </a:rPr>
-              <a:t>npm install -g browser-sync</a:t>
-            </a:r>
-          </a:p>
-          <a:p>
-            <a:endParaRPr lang="en-US" sz="2400" b="1" dirty="0">
-              <a:solidFill>
-                <a:srgbClr val="002060"/>
-              </a:solidFill>
-              <a:latin typeface="Source Sans Pro" panose="020B0503030403020204" pitchFamily="34" charset="0"/>
-              <a:ea typeface="Source Sans Pro" panose="020B0503030403020204" pitchFamily="34" charset="0"/>
-            </a:endParaRPr>
-          </a:p>
-          <a:p>
-            <a:endParaRPr lang="en-US" sz="2400" b="1" dirty="0">
-              <a:solidFill>
-                <a:srgbClr val="002060"/>
-              </a:solidFill>
-              <a:latin typeface="Source Sans Pro" panose="020B0503030403020204" pitchFamily="34" charset="0"/>
-              <a:ea typeface="Source Sans Pro" panose="020B0503030403020204" pitchFamily="34" charset="0"/>
-            </a:endParaRPr>
-          </a:p>
-          <a:p>
-            <a:pPr marL="0" indent="0">
-              <a:buNone/>
-            </a:pPr>
-            <a:endParaRPr lang="en-US" sz="2400" b="1" dirty="0">
-              <a:solidFill>
-                <a:srgbClr val="002060"/>
-              </a:solidFill>
-              <a:latin typeface="Source Sans Pro" panose="020B0503030403020204" pitchFamily="34" charset="0"/>
-              <a:ea typeface="Source Sans Pro" panose="020B0503030403020204" pitchFamily="34" charset="0"/>
-            </a:endParaRPr>
-          </a:p>
-        </p:txBody>
-      </p:sp>
     </p:spTree>
     <p:extLst>
       <p:ext uri="{BB962C8B-B14F-4D97-AF65-F5344CB8AC3E}">
-        <p14:creationId xmlns:p14="http://schemas.microsoft.com/office/powerpoint/2010/main" val="4006642827"/>
+        <p14:creationId xmlns:p14="http://schemas.microsoft.com/office/powerpoint/2010/main" val="1529581081"/>
       </p:ext>
     </p:extLst>
   </p:cSld>
@@ -18296,52 +17836,6 @@
           <a:chExt cx="0" cy="0"/>
         </a:xfrm>
       </p:grpSpPr>
-      <p:sp>
-        <p:nvSpPr>
-          <p:cNvPr id="2" name="Title 1">
-            <a:extLst>
-              <a:ext uri="{FF2B5EF4-FFF2-40B4-BE49-F238E27FC236}">
-                <a16:creationId xmlns:a16="http://schemas.microsoft.com/office/drawing/2014/main" id="{F533C787-D925-4018-B654-B08DDAB85464}"/>
-              </a:ext>
-            </a:extLst>
-          </p:cNvPr>
-          <p:cNvSpPr>
-            <a:spLocks noGrp="1"/>
-          </p:cNvSpPr>
-          <p:nvPr>
-            <p:ph type="ctrTitle"/>
-          </p:nvPr>
-        </p:nvSpPr>
-        <p:spPr>
-          <a:xfrm>
-            <a:off x="1524000" y="2914881"/>
-            <a:ext cx="9529011" cy="1028238"/>
-          </a:xfrm>
-        </p:spPr>
-        <p:txBody>
-          <a:bodyPr>
-            <a:normAutofit/>
-          </a:bodyPr>
-          <a:lstStyle/>
-          <a:p>
-            <a:r>
-              <a:rPr lang="en-US" b="1" dirty="0">
-                <a:solidFill>
-                  <a:srgbClr val="002060"/>
-                </a:solidFill>
-                <a:latin typeface="Source Sans Pro" panose="020B0604020202020204" pitchFamily="34" charset="0"/>
-              </a:rPr>
-              <a:t>ENVIRONMENT</a:t>
-            </a:r>
-            <a:endParaRPr lang="bg-BG" b="1" dirty="0">
-              <a:solidFill>
-                <a:srgbClr val="002060"/>
-              </a:solidFill>
-              <a:latin typeface="Source Sans Pro" panose="020B0604020202020204" pitchFamily="34" charset="0"/>
-            </a:endParaRPr>
-          </a:p>
-        </p:txBody>
-      </p:sp>
       <p:pic>
         <p:nvPicPr>
           <p:cNvPr id="5" name="Picture 4">
@@ -18378,10 +17872,363 @@
           </a:prstGeom>
         </p:spPr>
       </p:pic>
+      <p:sp>
+        <p:nvSpPr>
+          <p:cNvPr id="6" name="Title 3">
+            <a:extLst>
+              <a:ext uri="{FF2B5EF4-FFF2-40B4-BE49-F238E27FC236}">
+                <a16:creationId xmlns:a16="http://schemas.microsoft.com/office/drawing/2014/main" id="{6AF371E5-6025-4DD6-B3D9-1EA1AF6B36AB}"/>
+              </a:ext>
+            </a:extLst>
+          </p:cNvPr>
+          <p:cNvSpPr>
+            <a:spLocks noGrp="1"/>
+          </p:cNvSpPr>
+          <p:nvPr/>
+        </p:nvSpPr>
+        <p:spPr>
+          <a:xfrm>
+            <a:off x="1524000" y="489420"/>
+            <a:ext cx="10040471" cy="1110780"/>
+          </a:xfrm>
+          <a:prstGeom prst="rect">
+            <a:avLst/>
+          </a:prstGeom>
+        </p:spPr>
+        <p:txBody>
+          <a:bodyPr vert="horz" lIns="108000" tIns="36000" rIns="108000" bIns="36000" rtlCol="0" anchor="ctr" anchorCtr="0">
+            <a:normAutofit/>
+          </a:bodyPr>
+          <a:lstStyle>
+            <a:lvl1pPr algn="l" defTabSz="1218987" rtl="0" eaLnBrk="1" latinLnBrk="0" hangingPunct="1">
+              <a:lnSpc>
+                <a:spcPct val="90000"/>
+              </a:lnSpc>
+              <a:spcBef>
+                <a:spcPct val="0"/>
+              </a:spcBef>
+              <a:buNone/>
+              <a:defRPr sz="4000" b="1" kern="1200">
+                <a:solidFill>
+                  <a:srgbClr val="F3BE60"/>
+                </a:solidFill>
+                <a:effectLst/>
+                <a:latin typeface="+mj-lt"/>
+                <a:ea typeface="+mj-ea"/>
+                <a:cs typeface="+mj-cs"/>
+              </a:defRPr>
+            </a:lvl1pPr>
+          </a:lstStyle>
+          <a:p>
+            <a:r>
+              <a:rPr lang="en-US" dirty="0">
+                <a:latin typeface="Source Sans Pro" panose="020B0503030403020204" pitchFamily="34" charset="0"/>
+                <a:ea typeface="Source Sans Pro" panose="020B0503030403020204" pitchFamily="34" charset="0"/>
+              </a:rPr>
+              <a:t>VIRTUALBOX</a:t>
+            </a:r>
+          </a:p>
+        </p:txBody>
+      </p:sp>
+      <p:sp>
+        <p:nvSpPr>
+          <p:cNvPr id="9" name="Content Placeholder 4">
+            <a:extLst>
+              <a:ext uri="{FF2B5EF4-FFF2-40B4-BE49-F238E27FC236}">
+                <a16:creationId xmlns:a16="http://schemas.microsoft.com/office/drawing/2014/main" id="{B6C27FC4-82C8-4925-9BDD-7219055F9256}"/>
+              </a:ext>
+            </a:extLst>
+          </p:cNvPr>
+          <p:cNvSpPr>
+            <a:spLocks noGrp="1"/>
+          </p:cNvSpPr>
+          <p:nvPr/>
+        </p:nvSpPr>
+        <p:spPr>
+          <a:xfrm>
+            <a:off x="1523999" y="1600200"/>
+            <a:ext cx="10058401" cy="4613978"/>
+          </a:xfrm>
+          <a:prstGeom prst="rect">
+            <a:avLst/>
+          </a:prstGeom>
+        </p:spPr>
+        <p:txBody>
+          <a:bodyPr vert="horz" lIns="108000" tIns="36000" rIns="108000" bIns="36000" rtlCol="0">
+            <a:normAutofit/>
+          </a:bodyPr>
+          <a:lstStyle>
+            <a:lvl1pPr marL="304747" indent="-304747" algn="l" defTabSz="1218987" rtl="0" eaLnBrk="1" latinLnBrk="0" hangingPunct="1">
+              <a:lnSpc>
+                <a:spcPct val="105000"/>
+              </a:lnSpc>
+              <a:spcBef>
+                <a:spcPts val="600"/>
+              </a:spcBef>
+              <a:spcAft>
+                <a:spcPts val="600"/>
+              </a:spcAft>
+              <a:buClr>
+                <a:srgbClr val="F2B254"/>
+              </a:buClr>
+              <a:buSzPct val="100000"/>
+              <a:buFont typeface="Wingdings" panose="05000000000000000000" pitchFamily="2" charset="2"/>
+              <a:buChar char="§"/>
+              <a:defRPr sz="3400" b="0" kern="1200">
+                <a:solidFill>
+                  <a:schemeClr val="tx1"/>
+                </a:solidFill>
+                <a:latin typeface="+mn-lt"/>
+                <a:ea typeface="+mn-ea"/>
+                <a:cs typeface="+mn-cs"/>
+              </a:defRPr>
+            </a:lvl1pPr>
+            <a:lvl2pPr marL="609493" indent="-231606" algn="l" defTabSz="1218987" rtl="0" eaLnBrk="1" latinLnBrk="0" hangingPunct="1">
+              <a:lnSpc>
+                <a:spcPct val="105000"/>
+              </a:lnSpc>
+              <a:spcBef>
+                <a:spcPts val="600"/>
+              </a:spcBef>
+              <a:spcAft>
+                <a:spcPts val="600"/>
+              </a:spcAft>
+              <a:buClr>
+                <a:schemeClr val="accent1"/>
+              </a:buClr>
+              <a:buSzPct val="80000"/>
+              <a:buFont typeface="Wingdings" panose="05000000000000000000" pitchFamily="2" charset="2"/>
+              <a:buChar char="§"/>
+              <a:defRPr sz="3200" b="0" kern="1200">
+                <a:solidFill>
+                  <a:schemeClr val="tx1"/>
+                </a:solidFill>
+                <a:latin typeface="+mn-lt"/>
+                <a:ea typeface="+mn-ea"/>
+                <a:cs typeface="+mn-cs"/>
+              </a:defRPr>
+            </a:lvl2pPr>
+            <a:lvl3pPr marL="914240" indent="-231606" algn="l" defTabSz="1218987" rtl="0" eaLnBrk="1" latinLnBrk="0" hangingPunct="1">
+              <a:lnSpc>
+                <a:spcPct val="105000"/>
+              </a:lnSpc>
+              <a:spcBef>
+                <a:spcPts val="600"/>
+              </a:spcBef>
+              <a:spcAft>
+                <a:spcPts val="600"/>
+              </a:spcAft>
+              <a:buClr>
+                <a:srgbClr val="EF9A1D"/>
+              </a:buClr>
+              <a:buSzPct val="80000"/>
+              <a:buFont typeface="Wingdings" panose="05000000000000000000" pitchFamily="2" charset="2"/>
+              <a:buChar char="§"/>
+              <a:defRPr sz="3000" b="0" kern="1200">
+                <a:solidFill>
+                  <a:schemeClr val="tx1"/>
+                </a:solidFill>
+                <a:latin typeface="+mn-lt"/>
+                <a:ea typeface="+mn-ea"/>
+                <a:cs typeface="+mn-cs"/>
+              </a:defRPr>
+            </a:lvl3pPr>
+            <a:lvl4pPr marL="1218987" indent="-231606" algn="l" defTabSz="1218987" rtl="0" eaLnBrk="1" latinLnBrk="0" hangingPunct="1">
+              <a:lnSpc>
+                <a:spcPct val="105000"/>
+              </a:lnSpc>
+              <a:spcBef>
+                <a:spcPts val="600"/>
+              </a:spcBef>
+              <a:spcAft>
+                <a:spcPts val="600"/>
+              </a:spcAft>
+              <a:buClr>
+                <a:srgbClr val="ED9411"/>
+              </a:buClr>
+              <a:buSzPct val="80000"/>
+              <a:buFont typeface="Wingdings" panose="05000000000000000000" pitchFamily="2" charset="2"/>
+              <a:buChar char="§"/>
+              <a:defRPr sz="2800" b="0" kern="1200">
+                <a:solidFill>
+                  <a:schemeClr val="tx1"/>
+                </a:solidFill>
+                <a:latin typeface="+mn-lt"/>
+                <a:ea typeface="+mn-ea"/>
+                <a:cs typeface="+mn-cs"/>
+              </a:defRPr>
+            </a:lvl4pPr>
+            <a:lvl5pPr marL="1523733" indent="-231606" algn="l" defTabSz="1218987" rtl="0" eaLnBrk="1" latinLnBrk="0" hangingPunct="1">
+              <a:lnSpc>
+                <a:spcPct val="105000"/>
+              </a:lnSpc>
+              <a:spcBef>
+                <a:spcPts val="600"/>
+              </a:spcBef>
+              <a:spcAft>
+                <a:spcPts val="600"/>
+              </a:spcAft>
+              <a:buClr>
+                <a:srgbClr val="E28D10"/>
+              </a:buClr>
+              <a:buSzPct val="80000"/>
+              <a:buFont typeface="Wingdings" panose="05000000000000000000" pitchFamily="2" charset="2"/>
+              <a:buChar char="§"/>
+              <a:defRPr sz="2600" b="0" kern="1200">
+                <a:solidFill>
+                  <a:schemeClr val="tx1"/>
+                </a:solidFill>
+                <a:latin typeface="+mn-lt"/>
+                <a:ea typeface="+mn-ea"/>
+                <a:cs typeface="+mn-cs"/>
+              </a:defRPr>
+            </a:lvl5pPr>
+            <a:lvl6pPr marL="1828480" indent="-231606" algn="l" defTabSz="1218987" rtl="0" eaLnBrk="1" latinLnBrk="0" hangingPunct="1">
+              <a:lnSpc>
+                <a:spcPct val="90000"/>
+              </a:lnSpc>
+              <a:spcBef>
+                <a:spcPts val="800"/>
+              </a:spcBef>
+              <a:buClr>
+                <a:schemeClr val="accent1"/>
+              </a:buClr>
+              <a:buSzPct val="80000"/>
+              <a:buFont typeface="Arial" pitchFamily="34" charset="0"/>
+              <a:buChar char="•"/>
+              <a:defRPr sz="2000" kern="1200">
+                <a:solidFill>
+                  <a:schemeClr val="tx1"/>
+                </a:solidFill>
+                <a:latin typeface="+mn-lt"/>
+                <a:ea typeface="+mn-ea"/>
+                <a:cs typeface="+mn-cs"/>
+              </a:defRPr>
+            </a:lvl6pPr>
+            <a:lvl7pPr marL="2133227" indent="-231606" algn="l" defTabSz="1218987" rtl="0" eaLnBrk="1" latinLnBrk="0" hangingPunct="1">
+              <a:lnSpc>
+                <a:spcPct val="90000"/>
+              </a:lnSpc>
+              <a:spcBef>
+                <a:spcPts val="800"/>
+              </a:spcBef>
+              <a:buClr>
+                <a:schemeClr val="accent1"/>
+              </a:buClr>
+              <a:buSzPct val="80000"/>
+              <a:buFont typeface="Arial" pitchFamily="34" charset="0"/>
+              <a:buChar char="•"/>
+              <a:defRPr sz="2000" kern="1200">
+                <a:solidFill>
+                  <a:schemeClr val="tx1"/>
+                </a:solidFill>
+                <a:latin typeface="+mn-lt"/>
+                <a:ea typeface="+mn-ea"/>
+                <a:cs typeface="+mn-cs"/>
+              </a:defRPr>
+            </a:lvl7pPr>
+            <a:lvl8pPr marL="2437972" indent="-231606" algn="l" defTabSz="1218987" rtl="0" eaLnBrk="1" latinLnBrk="0" hangingPunct="1">
+              <a:lnSpc>
+                <a:spcPct val="90000"/>
+              </a:lnSpc>
+              <a:spcBef>
+                <a:spcPts val="800"/>
+              </a:spcBef>
+              <a:buClr>
+                <a:schemeClr val="accent1"/>
+              </a:buClr>
+              <a:buSzPct val="80000"/>
+              <a:buFont typeface="Arial" pitchFamily="34" charset="0"/>
+              <a:buChar char="•"/>
+              <a:defRPr sz="2000" kern="1200" baseline="0">
+                <a:solidFill>
+                  <a:schemeClr val="tx1"/>
+                </a:solidFill>
+                <a:latin typeface="+mn-lt"/>
+                <a:ea typeface="+mn-ea"/>
+                <a:cs typeface="+mn-cs"/>
+              </a:defRPr>
+            </a:lvl8pPr>
+            <a:lvl9pPr marL="2742720" indent="-231606" algn="l" defTabSz="1218987" rtl="0" eaLnBrk="1" latinLnBrk="0" hangingPunct="1">
+              <a:lnSpc>
+                <a:spcPct val="90000"/>
+              </a:lnSpc>
+              <a:spcBef>
+                <a:spcPts val="800"/>
+              </a:spcBef>
+              <a:buClr>
+                <a:schemeClr val="accent1"/>
+              </a:buClr>
+              <a:buSzPct val="80000"/>
+              <a:buFont typeface="Arial" pitchFamily="34" charset="0"/>
+              <a:buChar char="•"/>
+              <a:defRPr sz="2000" kern="1200" baseline="0">
+                <a:solidFill>
+                  <a:schemeClr val="tx1"/>
+                </a:solidFill>
+                <a:latin typeface="+mn-lt"/>
+                <a:ea typeface="+mn-ea"/>
+                <a:cs typeface="+mn-cs"/>
+              </a:defRPr>
+            </a:lvl9pPr>
+          </a:lstStyle>
+          <a:p>
+            <a:r>
+              <a:rPr lang="en-US" sz="2400" b="1" dirty="0">
+                <a:solidFill>
+                  <a:srgbClr val="002060"/>
+                </a:solidFill>
+                <a:latin typeface="Source Sans Pro" panose="020B0503030403020204" pitchFamily="34" charset="0"/>
+                <a:ea typeface="Source Sans Pro" panose="020B0503030403020204" pitchFamily="34" charset="0"/>
+              </a:rPr>
+              <a:t>Create and manage Virtual Machines</a:t>
+            </a:r>
+          </a:p>
+          <a:p>
+            <a:endParaRPr lang="en-US" sz="2400" b="1" dirty="0">
+              <a:solidFill>
+                <a:srgbClr val="002060"/>
+              </a:solidFill>
+              <a:latin typeface="Source Sans Pro" panose="020B0503030403020204" pitchFamily="34" charset="0"/>
+              <a:ea typeface="Source Sans Pro" panose="020B0503030403020204" pitchFamily="34" charset="0"/>
+            </a:endParaRPr>
+          </a:p>
+          <a:p>
+            <a:endParaRPr lang="en-US" sz="2400" b="1" dirty="0">
+              <a:solidFill>
+                <a:srgbClr val="002060"/>
+              </a:solidFill>
+              <a:latin typeface="Source Sans Pro" panose="020B0503030403020204" pitchFamily="34" charset="0"/>
+              <a:ea typeface="Source Sans Pro" panose="020B0503030403020204" pitchFamily="34" charset="0"/>
+            </a:endParaRPr>
+          </a:p>
+          <a:p>
+            <a:endParaRPr lang="en-US" sz="2400" b="1" dirty="0">
+              <a:solidFill>
+                <a:srgbClr val="002060"/>
+              </a:solidFill>
+              <a:latin typeface="Source Sans Pro" panose="020B0503030403020204" pitchFamily="34" charset="0"/>
+              <a:ea typeface="Source Sans Pro" panose="020B0503030403020204" pitchFamily="34" charset="0"/>
+            </a:endParaRPr>
+          </a:p>
+          <a:p>
+            <a:pPr marL="0" indent="0">
+              <a:buNone/>
+            </a:pPr>
+            <a:endParaRPr lang="en-US" sz="2400" b="1" dirty="0">
+              <a:solidFill>
+                <a:srgbClr val="002060"/>
+              </a:solidFill>
+              <a:latin typeface="Source Sans Pro" panose="020B0503030403020204" pitchFamily="34" charset="0"/>
+              <a:ea typeface="Source Sans Pro" panose="020B0503030403020204" pitchFamily="34" charset="0"/>
+            </a:endParaRPr>
+          </a:p>
+        </p:txBody>
+      </p:sp>
     </p:spTree>
     <p:extLst>
       <p:ext uri="{BB962C8B-B14F-4D97-AF65-F5344CB8AC3E}">
-        <p14:creationId xmlns:p14="http://schemas.microsoft.com/office/powerpoint/2010/main" val="1529581081"/>
+        <p14:creationId xmlns:p14="http://schemas.microsoft.com/office/powerpoint/2010/main" val="2358272753"/>
       </p:ext>
     </p:extLst>
   </p:cSld>
@@ -18706,7 +18553,7 @@
                 <a:latin typeface="Source Sans Pro" panose="020B0503030403020204" pitchFamily="34" charset="0"/>
                 <a:ea typeface="Source Sans Pro" panose="020B0503030403020204" pitchFamily="34" charset="0"/>
               </a:rPr>
-              <a:t>VIRTUALBOX</a:t>
+              <a:t>UBUNTU 18.10 SERVER</a:t>
             </a:r>
           </a:p>
         </p:txBody>
@@ -18962,8 +18809,17 @@
                 <a:latin typeface="Source Sans Pro" panose="020B0503030403020204" pitchFamily="34" charset="0"/>
                 <a:ea typeface="Source Sans Pro" panose="020B0503030403020204" pitchFamily="34" charset="0"/>
               </a:rPr>
-              <a:t>Create and manage Virtual Machines</a:t>
-            </a:r>
+              <a:t>Popular Linux distribution</a:t>
+            </a:r>
+          </a:p>
+          <a:p>
+            <a:endParaRPr lang="en-US" sz="2400" b="1" dirty="0">
+              <a:solidFill>
+                <a:srgbClr val="002060"/>
+              </a:solidFill>
+              <a:latin typeface="Source Sans Pro" panose="020B0503030403020204" pitchFamily="34" charset="0"/>
+              <a:ea typeface="Source Sans Pro" panose="020B0503030403020204" pitchFamily="34" charset="0"/>
+            </a:endParaRPr>
           </a:p>
           <a:p>
             <a:endParaRPr lang="en-US" sz="2400" b="1" dirty="0">
@@ -19009,7 +18865,7 @@
     </p:spTree>
     <p:extLst>
       <p:ext uri="{BB962C8B-B14F-4D97-AF65-F5344CB8AC3E}">
-        <p14:creationId xmlns:p14="http://schemas.microsoft.com/office/powerpoint/2010/main" val="2358272753"/>
+        <p14:creationId xmlns:p14="http://schemas.microsoft.com/office/powerpoint/2010/main" val="2163250898"/>
       </p:ext>
     </p:extLst>
   </p:cSld>
@@ -19050,6 +18906,52 @@
           <a:chExt cx="0" cy="0"/>
         </a:xfrm>
       </p:grpSpPr>
+      <p:sp>
+        <p:nvSpPr>
+          <p:cNvPr id="2" name="Title 1">
+            <a:extLst>
+              <a:ext uri="{FF2B5EF4-FFF2-40B4-BE49-F238E27FC236}">
+                <a16:creationId xmlns:a16="http://schemas.microsoft.com/office/drawing/2014/main" id="{F533C787-D925-4018-B654-B08DDAB85464}"/>
+              </a:ext>
+            </a:extLst>
+          </p:cNvPr>
+          <p:cNvSpPr>
+            <a:spLocks noGrp="1"/>
+          </p:cNvSpPr>
+          <p:nvPr>
+            <p:ph type="ctrTitle"/>
+          </p:nvPr>
+        </p:nvSpPr>
+        <p:spPr>
+          <a:xfrm>
+            <a:off x="1524000" y="2914881"/>
+            <a:ext cx="9529011" cy="1028238"/>
+          </a:xfrm>
+        </p:spPr>
+        <p:txBody>
+          <a:bodyPr>
+            <a:normAutofit/>
+          </a:bodyPr>
+          <a:lstStyle/>
+          <a:p>
+            <a:r>
+              <a:rPr lang="en-US" b="1" dirty="0">
+                <a:solidFill>
+                  <a:srgbClr val="002060"/>
+                </a:solidFill>
+                <a:latin typeface="Source Sans Pro" panose="020B0604020202020204" pitchFamily="34" charset="0"/>
+              </a:rPr>
+              <a:t>HOMEWORK</a:t>
+            </a:r>
+            <a:endParaRPr lang="bg-BG" b="1" dirty="0">
+              <a:solidFill>
+                <a:srgbClr val="002060"/>
+              </a:solidFill>
+              <a:latin typeface="Source Sans Pro" panose="020B0604020202020204" pitchFamily="34" charset="0"/>
+            </a:endParaRPr>
+          </a:p>
+        </p:txBody>
+      </p:sp>
       <p:pic>
         <p:nvPicPr>
           <p:cNvPr id="5" name="Picture 4">
@@ -19086,372 +18988,10 @@
           </a:prstGeom>
         </p:spPr>
       </p:pic>
-      <p:sp>
-        <p:nvSpPr>
-          <p:cNvPr id="6" name="Title 3">
-            <a:extLst>
-              <a:ext uri="{FF2B5EF4-FFF2-40B4-BE49-F238E27FC236}">
-                <a16:creationId xmlns:a16="http://schemas.microsoft.com/office/drawing/2014/main" id="{6AF371E5-6025-4DD6-B3D9-1EA1AF6B36AB}"/>
-              </a:ext>
-            </a:extLst>
-          </p:cNvPr>
-          <p:cNvSpPr>
-            <a:spLocks noGrp="1"/>
-          </p:cNvSpPr>
-          <p:nvPr/>
-        </p:nvSpPr>
-        <p:spPr>
-          <a:xfrm>
-            <a:off x="1524000" y="489420"/>
-            <a:ext cx="10040471" cy="1110780"/>
-          </a:xfrm>
-          <a:prstGeom prst="rect">
-            <a:avLst/>
-          </a:prstGeom>
-        </p:spPr>
-        <p:txBody>
-          <a:bodyPr vert="horz" lIns="108000" tIns="36000" rIns="108000" bIns="36000" rtlCol="0" anchor="ctr" anchorCtr="0">
-            <a:normAutofit/>
-          </a:bodyPr>
-          <a:lstStyle>
-            <a:lvl1pPr algn="l" defTabSz="1218987" rtl="0" eaLnBrk="1" latinLnBrk="0" hangingPunct="1">
-              <a:lnSpc>
-                <a:spcPct val="90000"/>
-              </a:lnSpc>
-              <a:spcBef>
-                <a:spcPct val="0"/>
-              </a:spcBef>
-              <a:buNone/>
-              <a:defRPr sz="4000" b="1" kern="1200">
-                <a:solidFill>
-                  <a:srgbClr val="F3BE60"/>
-                </a:solidFill>
-                <a:effectLst/>
-                <a:latin typeface="+mj-lt"/>
-                <a:ea typeface="+mj-ea"/>
-                <a:cs typeface="+mj-cs"/>
-              </a:defRPr>
-            </a:lvl1pPr>
-          </a:lstStyle>
-          <a:p>
-            <a:r>
-              <a:rPr lang="en-US" dirty="0">
-                <a:latin typeface="Source Sans Pro" panose="020B0503030403020204" pitchFamily="34" charset="0"/>
-                <a:ea typeface="Source Sans Pro" panose="020B0503030403020204" pitchFamily="34" charset="0"/>
-              </a:rPr>
-              <a:t>UBUNTU 18.10 SERVER</a:t>
-            </a:r>
-          </a:p>
-        </p:txBody>
-      </p:sp>
-      <p:sp>
-        <p:nvSpPr>
-          <p:cNvPr id="9" name="Content Placeholder 4">
-            <a:extLst>
-              <a:ext uri="{FF2B5EF4-FFF2-40B4-BE49-F238E27FC236}">
-                <a16:creationId xmlns:a16="http://schemas.microsoft.com/office/drawing/2014/main" id="{B6C27FC4-82C8-4925-9BDD-7219055F9256}"/>
-              </a:ext>
-            </a:extLst>
-          </p:cNvPr>
-          <p:cNvSpPr>
-            <a:spLocks noGrp="1"/>
-          </p:cNvSpPr>
-          <p:nvPr/>
-        </p:nvSpPr>
-        <p:spPr>
-          <a:xfrm>
-            <a:off x="1523999" y="1600200"/>
-            <a:ext cx="10058401" cy="4613978"/>
-          </a:xfrm>
-          <a:prstGeom prst="rect">
-            <a:avLst/>
-          </a:prstGeom>
-        </p:spPr>
-        <p:txBody>
-          <a:bodyPr vert="horz" lIns="108000" tIns="36000" rIns="108000" bIns="36000" rtlCol="0">
-            <a:normAutofit/>
-          </a:bodyPr>
-          <a:lstStyle>
-            <a:lvl1pPr marL="304747" indent="-304747" algn="l" defTabSz="1218987" rtl="0" eaLnBrk="1" latinLnBrk="0" hangingPunct="1">
-              <a:lnSpc>
-                <a:spcPct val="105000"/>
-              </a:lnSpc>
-              <a:spcBef>
-                <a:spcPts val="600"/>
-              </a:spcBef>
-              <a:spcAft>
-                <a:spcPts val="600"/>
-              </a:spcAft>
-              <a:buClr>
-                <a:srgbClr val="F2B254"/>
-              </a:buClr>
-              <a:buSzPct val="100000"/>
-              <a:buFont typeface="Wingdings" panose="05000000000000000000" pitchFamily="2" charset="2"/>
-              <a:buChar char="§"/>
-              <a:defRPr sz="3400" b="0" kern="1200">
-                <a:solidFill>
-                  <a:schemeClr val="tx1"/>
-                </a:solidFill>
-                <a:latin typeface="+mn-lt"/>
-                <a:ea typeface="+mn-ea"/>
-                <a:cs typeface="+mn-cs"/>
-              </a:defRPr>
-            </a:lvl1pPr>
-            <a:lvl2pPr marL="609493" indent="-231606" algn="l" defTabSz="1218987" rtl="0" eaLnBrk="1" latinLnBrk="0" hangingPunct="1">
-              <a:lnSpc>
-                <a:spcPct val="105000"/>
-              </a:lnSpc>
-              <a:spcBef>
-                <a:spcPts val="600"/>
-              </a:spcBef>
-              <a:spcAft>
-                <a:spcPts val="600"/>
-              </a:spcAft>
-              <a:buClr>
-                <a:schemeClr val="accent1"/>
-              </a:buClr>
-              <a:buSzPct val="80000"/>
-              <a:buFont typeface="Wingdings" panose="05000000000000000000" pitchFamily="2" charset="2"/>
-              <a:buChar char="§"/>
-              <a:defRPr sz="3200" b="0" kern="1200">
-                <a:solidFill>
-                  <a:schemeClr val="tx1"/>
-                </a:solidFill>
-                <a:latin typeface="+mn-lt"/>
-                <a:ea typeface="+mn-ea"/>
-                <a:cs typeface="+mn-cs"/>
-              </a:defRPr>
-            </a:lvl2pPr>
-            <a:lvl3pPr marL="914240" indent="-231606" algn="l" defTabSz="1218987" rtl="0" eaLnBrk="1" latinLnBrk="0" hangingPunct="1">
-              <a:lnSpc>
-                <a:spcPct val="105000"/>
-              </a:lnSpc>
-              <a:spcBef>
-                <a:spcPts val="600"/>
-              </a:spcBef>
-              <a:spcAft>
-                <a:spcPts val="600"/>
-              </a:spcAft>
-              <a:buClr>
-                <a:srgbClr val="EF9A1D"/>
-              </a:buClr>
-              <a:buSzPct val="80000"/>
-              <a:buFont typeface="Wingdings" panose="05000000000000000000" pitchFamily="2" charset="2"/>
-              <a:buChar char="§"/>
-              <a:defRPr sz="3000" b="0" kern="1200">
-                <a:solidFill>
-                  <a:schemeClr val="tx1"/>
-                </a:solidFill>
-                <a:latin typeface="+mn-lt"/>
-                <a:ea typeface="+mn-ea"/>
-                <a:cs typeface="+mn-cs"/>
-              </a:defRPr>
-            </a:lvl3pPr>
-            <a:lvl4pPr marL="1218987" indent="-231606" algn="l" defTabSz="1218987" rtl="0" eaLnBrk="1" latinLnBrk="0" hangingPunct="1">
-              <a:lnSpc>
-                <a:spcPct val="105000"/>
-              </a:lnSpc>
-              <a:spcBef>
-                <a:spcPts val="600"/>
-              </a:spcBef>
-              <a:spcAft>
-                <a:spcPts val="600"/>
-              </a:spcAft>
-              <a:buClr>
-                <a:srgbClr val="ED9411"/>
-              </a:buClr>
-              <a:buSzPct val="80000"/>
-              <a:buFont typeface="Wingdings" panose="05000000000000000000" pitchFamily="2" charset="2"/>
-              <a:buChar char="§"/>
-              <a:defRPr sz="2800" b="0" kern="1200">
-                <a:solidFill>
-                  <a:schemeClr val="tx1"/>
-                </a:solidFill>
-                <a:latin typeface="+mn-lt"/>
-                <a:ea typeface="+mn-ea"/>
-                <a:cs typeface="+mn-cs"/>
-              </a:defRPr>
-            </a:lvl4pPr>
-            <a:lvl5pPr marL="1523733" indent="-231606" algn="l" defTabSz="1218987" rtl="0" eaLnBrk="1" latinLnBrk="0" hangingPunct="1">
-              <a:lnSpc>
-                <a:spcPct val="105000"/>
-              </a:lnSpc>
-              <a:spcBef>
-                <a:spcPts val="600"/>
-              </a:spcBef>
-              <a:spcAft>
-                <a:spcPts val="600"/>
-              </a:spcAft>
-              <a:buClr>
-                <a:srgbClr val="E28D10"/>
-              </a:buClr>
-              <a:buSzPct val="80000"/>
-              <a:buFont typeface="Wingdings" panose="05000000000000000000" pitchFamily="2" charset="2"/>
-              <a:buChar char="§"/>
-              <a:defRPr sz="2600" b="0" kern="1200">
-                <a:solidFill>
-                  <a:schemeClr val="tx1"/>
-                </a:solidFill>
-                <a:latin typeface="+mn-lt"/>
-                <a:ea typeface="+mn-ea"/>
-                <a:cs typeface="+mn-cs"/>
-              </a:defRPr>
-            </a:lvl5pPr>
-            <a:lvl6pPr marL="1828480" indent="-231606" algn="l" defTabSz="1218987" rtl="0" eaLnBrk="1" latinLnBrk="0" hangingPunct="1">
-              <a:lnSpc>
-                <a:spcPct val="90000"/>
-              </a:lnSpc>
-              <a:spcBef>
-                <a:spcPts val="800"/>
-              </a:spcBef>
-              <a:buClr>
-                <a:schemeClr val="accent1"/>
-              </a:buClr>
-              <a:buSzPct val="80000"/>
-              <a:buFont typeface="Arial" pitchFamily="34" charset="0"/>
-              <a:buChar char="•"/>
-              <a:defRPr sz="2000" kern="1200">
-                <a:solidFill>
-                  <a:schemeClr val="tx1"/>
-                </a:solidFill>
-                <a:latin typeface="+mn-lt"/>
-                <a:ea typeface="+mn-ea"/>
-                <a:cs typeface="+mn-cs"/>
-              </a:defRPr>
-            </a:lvl6pPr>
-            <a:lvl7pPr marL="2133227" indent="-231606" algn="l" defTabSz="1218987" rtl="0" eaLnBrk="1" latinLnBrk="0" hangingPunct="1">
-              <a:lnSpc>
-                <a:spcPct val="90000"/>
-              </a:lnSpc>
-              <a:spcBef>
-                <a:spcPts val="800"/>
-              </a:spcBef>
-              <a:buClr>
-                <a:schemeClr val="accent1"/>
-              </a:buClr>
-              <a:buSzPct val="80000"/>
-              <a:buFont typeface="Arial" pitchFamily="34" charset="0"/>
-              <a:buChar char="•"/>
-              <a:defRPr sz="2000" kern="1200">
-                <a:solidFill>
-                  <a:schemeClr val="tx1"/>
-                </a:solidFill>
-                <a:latin typeface="+mn-lt"/>
-                <a:ea typeface="+mn-ea"/>
-                <a:cs typeface="+mn-cs"/>
-              </a:defRPr>
-            </a:lvl7pPr>
-            <a:lvl8pPr marL="2437972" indent="-231606" algn="l" defTabSz="1218987" rtl="0" eaLnBrk="1" latinLnBrk="0" hangingPunct="1">
-              <a:lnSpc>
-                <a:spcPct val="90000"/>
-              </a:lnSpc>
-              <a:spcBef>
-                <a:spcPts val="800"/>
-              </a:spcBef>
-              <a:buClr>
-                <a:schemeClr val="accent1"/>
-              </a:buClr>
-              <a:buSzPct val="80000"/>
-              <a:buFont typeface="Arial" pitchFamily="34" charset="0"/>
-              <a:buChar char="•"/>
-              <a:defRPr sz="2000" kern="1200" baseline="0">
-                <a:solidFill>
-                  <a:schemeClr val="tx1"/>
-                </a:solidFill>
-                <a:latin typeface="+mn-lt"/>
-                <a:ea typeface="+mn-ea"/>
-                <a:cs typeface="+mn-cs"/>
-              </a:defRPr>
-            </a:lvl8pPr>
-            <a:lvl9pPr marL="2742720" indent="-231606" algn="l" defTabSz="1218987" rtl="0" eaLnBrk="1" latinLnBrk="0" hangingPunct="1">
-              <a:lnSpc>
-                <a:spcPct val="90000"/>
-              </a:lnSpc>
-              <a:spcBef>
-                <a:spcPts val="800"/>
-              </a:spcBef>
-              <a:buClr>
-                <a:schemeClr val="accent1"/>
-              </a:buClr>
-              <a:buSzPct val="80000"/>
-              <a:buFont typeface="Arial" pitchFamily="34" charset="0"/>
-              <a:buChar char="•"/>
-              <a:defRPr sz="2000" kern="1200" baseline="0">
-                <a:solidFill>
-                  <a:schemeClr val="tx1"/>
-                </a:solidFill>
-                <a:latin typeface="+mn-lt"/>
-                <a:ea typeface="+mn-ea"/>
-                <a:cs typeface="+mn-cs"/>
-              </a:defRPr>
-            </a:lvl9pPr>
-          </a:lstStyle>
-          <a:p>
-            <a:r>
-              <a:rPr lang="en-US" sz="2400" b="1" dirty="0">
-                <a:solidFill>
-                  <a:srgbClr val="002060"/>
-                </a:solidFill>
-                <a:latin typeface="Source Sans Pro" panose="020B0503030403020204" pitchFamily="34" charset="0"/>
-                <a:ea typeface="Source Sans Pro" panose="020B0503030403020204" pitchFamily="34" charset="0"/>
-              </a:rPr>
-              <a:t>Popular Linux distribution</a:t>
-            </a:r>
-          </a:p>
-          <a:p>
-            <a:endParaRPr lang="en-US" sz="2400" b="1" dirty="0">
-              <a:solidFill>
-                <a:srgbClr val="002060"/>
-              </a:solidFill>
-              <a:latin typeface="Source Sans Pro" panose="020B0503030403020204" pitchFamily="34" charset="0"/>
-              <a:ea typeface="Source Sans Pro" panose="020B0503030403020204" pitchFamily="34" charset="0"/>
-            </a:endParaRPr>
-          </a:p>
-          <a:p>
-            <a:endParaRPr lang="en-US" sz="2400" b="1" dirty="0">
-              <a:solidFill>
-                <a:srgbClr val="002060"/>
-              </a:solidFill>
-              <a:latin typeface="Source Sans Pro" panose="020B0503030403020204" pitchFamily="34" charset="0"/>
-              <a:ea typeface="Source Sans Pro" panose="020B0503030403020204" pitchFamily="34" charset="0"/>
-            </a:endParaRPr>
-          </a:p>
-          <a:p>
-            <a:endParaRPr lang="en-US" sz="2400" b="1" dirty="0">
-              <a:solidFill>
-                <a:srgbClr val="002060"/>
-              </a:solidFill>
-              <a:latin typeface="Source Sans Pro" panose="020B0503030403020204" pitchFamily="34" charset="0"/>
-              <a:ea typeface="Source Sans Pro" panose="020B0503030403020204" pitchFamily="34" charset="0"/>
-            </a:endParaRPr>
-          </a:p>
-          <a:p>
-            <a:endParaRPr lang="en-US" sz="2400" b="1" dirty="0">
-              <a:solidFill>
-                <a:srgbClr val="002060"/>
-              </a:solidFill>
-              <a:latin typeface="Source Sans Pro" panose="020B0503030403020204" pitchFamily="34" charset="0"/>
-              <a:ea typeface="Source Sans Pro" panose="020B0503030403020204" pitchFamily="34" charset="0"/>
-            </a:endParaRPr>
-          </a:p>
-          <a:p>
-            <a:pPr marL="0" indent="0">
-              <a:buNone/>
-            </a:pPr>
-            <a:endParaRPr lang="en-US" sz="2400" b="1" dirty="0">
-              <a:solidFill>
-                <a:srgbClr val="002060"/>
-              </a:solidFill>
-              <a:latin typeface="Source Sans Pro" panose="020B0503030403020204" pitchFamily="34" charset="0"/>
-              <a:ea typeface="Source Sans Pro" panose="020B0503030403020204" pitchFamily="34" charset="0"/>
-            </a:endParaRPr>
-          </a:p>
-        </p:txBody>
-      </p:sp>
     </p:spTree>
     <p:extLst>
       <p:ext uri="{BB962C8B-B14F-4D97-AF65-F5344CB8AC3E}">
-        <p14:creationId xmlns:p14="http://schemas.microsoft.com/office/powerpoint/2010/main" val="2163250898"/>
+        <p14:creationId xmlns:p14="http://schemas.microsoft.com/office/powerpoint/2010/main" val="282384438"/>
       </p:ext>
     </p:extLst>
   </p:cSld>
@@ -19492,52 +19032,6 @@
           <a:chExt cx="0" cy="0"/>
         </a:xfrm>
       </p:grpSpPr>
-      <p:sp>
-        <p:nvSpPr>
-          <p:cNvPr id="2" name="Title 1">
-            <a:extLst>
-              <a:ext uri="{FF2B5EF4-FFF2-40B4-BE49-F238E27FC236}">
-                <a16:creationId xmlns:a16="http://schemas.microsoft.com/office/drawing/2014/main" id="{F533C787-D925-4018-B654-B08DDAB85464}"/>
-              </a:ext>
-            </a:extLst>
-          </p:cNvPr>
-          <p:cNvSpPr>
-            <a:spLocks noGrp="1"/>
-          </p:cNvSpPr>
-          <p:nvPr>
-            <p:ph type="ctrTitle"/>
-          </p:nvPr>
-        </p:nvSpPr>
-        <p:spPr>
-          <a:xfrm>
-            <a:off x="1524000" y="2914881"/>
-            <a:ext cx="9529011" cy="1028238"/>
-          </a:xfrm>
-        </p:spPr>
-        <p:txBody>
-          <a:bodyPr>
-            <a:normAutofit/>
-          </a:bodyPr>
-          <a:lstStyle/>
-          <a:p>
-            <a:r>
-              <a:rPr lang="en-US" b="1" dirty="0">
-                <a:solidFill>
-                  <a:srgbClr val="002060"/>
-                </a:solidFill>
-                <a:latin typeface="Source Sans Pro" panose="020B0604020202020204" pitchFamily="34" charset="0"/>
-              </a:rPr>
-              <a:t>HOMEWORK</a:t>
-            </a:r>
-            <a:endParaRPr lang="bg-BG" b="1" dirty="0">
-              <a:solidFill>
-                <a:srgbClr val="002060"/>
-              </a:solidFill>
-              <a:latin typeface="Source Sans Pro" panose="020B0604020202020204" pitchFamily="34" charset="0"/>
-            </a:endParaRPr>
-          </a:p>
-        </p:txBody>
-      </p:sp>
       <p:pic>
         <p:nvPicPr>
           <p:cNvPr id="5" name="Picture 4">
@@ -19574,10 +19068,415 @@
           </a:prstGeom>
         </p:spPr>
       </p:pic>
+      <p:sp>
+        <p:nvSpPr>
+          <p:cNvPr id="6" name="Title 3">
+            <a:extLst>
+              <a:ext uri="{FF2B5EF4-FFF2-40B4-BE49-F238E27FC236}">
+                <a16:creationId xmlns:a16="http://schemas.microsoft.com/office/drawing/2014/main" id="{6AF371E5-6025-4DD6-B3D9-1EA1AF6B36AB}"/>
+              </a:ext>
+            </a:extLst>
+          </p:cNvPr>
+          <p:cNvSpPr>
+            <a:spLocks noGrp="1"/>
+          </p:cNvSpPr>
+          <p:nvPr/>
+        </p:nvSpPr>
+        <p:spPr>
+          <a:xfrm>
+            <a:off x="1524000" y="489420"/>
+            <a:ext cx="10040471" cy="1110780"/>
+          </a:xfrm>
+          <a:prstGeom prst="rect">
+            <a:avLst/>
+          </a:prstGeom>
+        </p:spPr>
+        <p:txBody>
+          <a:bodyPr vert="horz" lIns="108000" tIns="36000" rIns="108000" bIns="36000" rtlCol="0" anchor="ctr" anchorCtr="0">
+            <a:normAutofit/>
+          </a:bodyPr>
+          <a:lstStyle>
+            <a:lvl1pPr algn="l" defTabSz="1218987" rtl="0" eaLnBrk="1" latinLnBrk="0" hangingPunct="1">
+              <a:lnSpc>
+                <a:spcPct val="90000"/>
+              </a:lnSpc>
+              <a:spcBef>
+                <a:spcPct val="0"/>
+              </a:spcBef>
+              <a:buNone/>
+              <a:defRPr sz="4000" b="1" kern="1200">
+                <a:solidFill>
+                  <a:srgbClr val="F3BE60"/>
+                </a:solidFill>
+                <a:effectLst/>
+                <a:latin typeface="+mj-lt"/>
+                <a:ea typeface="+mj-ea"/>
+                <a:cs typeface="+mj-cs"/>
+              </a:defRPr>
+            </a:lvl1pPr>
+          </a:lstStyle>
+          <a:p>
+            <a:r>
+              <a:rPr lang="en-US" dirty="0">
+                <a:latin typeface="Source Sans Pro" panose="020B0503030403020204" pitchFamily="34" charset="0"/>
+                <a:ea typeface="Source Sans Pro" panose="020B0503030403020204" pitchFamily="34" charset="0"/>
+              </a:rPr>
+              <a:t>TASKS 1</a:t>
+            </a:r>
+          </a:p>
+        </p:txBody>
+      </p:sp>
+      <p:sp>
+        <p:nvSpPr>
+          <p:cNvPr id="9" name="Content Placeholder 4">
+            <a:extLst>
+              <a:ext uri="{FF2B5EF4-FFF2-40B4-BE49-F238E27FC236}">
+                <a16:creationId xmlns:a16="http://schemas.microsoft.com/office/drawing/2014/main" id="{B6C27FC4-82C8-4925-9BDD-7219055F9256}"/>
+              </a:ext>
+            </a:extLst>
+          </p:cNvPr>
+          <p:cNvSpPr>
+            <a:spLocks noGrp="1"/>
+          </p:cNvSpPr>
+          <p:nvPr/>
+        </p:nvSpPr>
+        <p:spPr>
+          <a:xfrm>
+            <a:off x="1523999" y="1600200"/>
+            <a:ext cx="10058401" cy="4613978"/>
+          </a:xfrm>
+          <a:prstGeom prst="rect">
+            <a:avLst/>
+          </a:prstGeom>
+        </p:spPr>
+        <p:txBody>
+          <a:bodyPr vert="horz" lIns="108000" tIns="36000" rIns="108000" bIns="36000" rtlCol="0">
+            <a:normAutofit/>
+          </a:bodyPr>
+          <a:lstStyle>
+            <a:lvl1pPr marL="304747" indent="-304747" algn="l" defTabSz="1218987" rtl="0" eaLnBrk="1" latinLnBrk="0" hangingPunct="1">
+              <a:lnSpc>
+                <a:spcPct val="105000"/>
+              </a:lnSpc>
+              <a:spcBef>
+                <a:spcPts val="600"/>
+              </a:spcBef>
+              <a:spcAft>
+                <a:spcPts val="600"/>
+              </a:spcAft>
+              <a:buClr>
+                <a:srgbClr val="F2B254"/>
+              </a:buClr>
+              <a:buSzPct val="100000"/>
+              <a:buFont typeface="Wingdings" panose="05000000000000000000" pitchFamily="2" charset="2"/>
+              <a:buChar char="§"/>
+              <a:defRPr sz="3400" b="0" kern="1200">
+                <a:solidFill>
+                  <a:schemeClr val="tx1"/>
+                </a:solidFill>
+                <a:latin typeface="+mn-lt"/>
+                <a:ea typeface="+mn-ea"/>
+                <a:cs typeface="+mn-cs"/>
+              </a:defRPr>
+            </a:lvl1pPr>
+            <a:lvl2pPr marL="609493" indent="-231606" algn="l" defTabSz="1218987" rtl="0" eaLnBrk="1" latinLnBrk="0" hangingPunct="1">
+              <a:lnSpc>
+                <a:spcPct val="105000"/>
+              </a:lnSpc>
+              <a:spcBef>
+                <a:spcPts val="600"/>
+              </a:spcBef>
+              <a:spcAft>
+                <a:spcPts val="600"/>
+              </a:spcAft>
+              <a:buClr>
+                <a:schemeClr val="accent1"/>
+              </a:buClr>
+              <a:buSzPct val="80000"/>
+              <a:buFont typeface="Wingdings" panose="05000000000000000000" pitchFamily="2" charset="2"/>
+              <a:buChar char="§"/>
+              <a:defRPr sz="3200" b="0" kern="1200">
+                <a:solidFill>
+                  <a:schemeClr val="tx1"/>
+                </a:solidFill>
+                <a:latin typeface="+mn-lt"/>
+                <a:ea typeface="+mn-ea"/>
+                <a:cs typeface="+mn-cs"/>
+              </a:defRPr>
+            </a:lvl2pPr>
+            <a:lvl3pPr marL="914240" indent="-231606" algn="l" defTabSz="1218987" rtl="0" eaLnBrk="1" latinLnBrk="0" hangingPunct="1">
+              <a:lnSpc>
+                <a:spcPct val="105000"/>
+              </a:lnSpc>
+              <a:spcBef>
+                <a:spcPts val="600"/>
+              </a:spcBef>
+              <a:spcAft>
+                <a:spcPts val="600"/>
+              </a:spcAft>
+              <a:buClr>
+                <a:srgbClr val="EF9A1D"/>
+              </a:buClr>
+              <a:buSzPct val="80000"/>
+              <a:buFont typeface="Wingdings" panose="05000000000000000000" pitchFamily="2" charset="2"/>
+              <a:buChar char="§"/>
+              <a:defRPr sz="3000" b="0" kern="1200">
+                <a:solidFill>
+                  <a:schemeClr val="tx1"/>
+                </a:solidFill>
+                <a:latin typeface="+mn-lt"/>
+                <a:ea typeface="+mn-ea"/>
+                <a:cs typeface="+mn-cs"/>
+              </a:defRPr>
+            </a:lvl3pPr>
+            <a:lvl4pPr marL="1218987" indent="-231606" algn="l" defTabSz="1218987" rtl="0" eaLnBrk="1" latinLnBrk="0" hangingPunct="1">
+              <a:lnSpc>
+                <a:spcPct val="105000"/>
+              </a:lnSpc>
+              <a:spcBef>
+                <a:spcPts val="600"/>
+              </a:spcBef>
+              <a:spcAft>
+                <a:spcPts val="600"/>
+              </a:spcAft>
+              <a:buClr>
+                <a:srgbClr val="ED9411"/>
+              </a:buClr>
+              <a:buSzPct val="80000"/>
+              <a:buFont typeface="Wingdings" panose="05000000000000000000" pitchFamily="2" charset="2"/>
+              <a:buChar char="§"/>
+              <a:defRPr sz="2800" b="0" kern="1200">
+                <a:solidFill>
+                  <a:schemeClr val="tx1"/>
+                </a:solidFill>
+                <a:latin typeface="+mn-lt"/>
+                <a:ea typeface="+mn-ea"/>
+                <a:cs typeface="+mn-cs"/>
+              </a:defRPr>
+            </a:lvl4pPr>
+            <a:lvl5pPr marL="1523733" indent="-231606" algn="l" defTabSz="1218987" rtl="0" eaLnBrk="1" latinLnBrk="0" hangingPunct="1">
+              <a:lnSpc>
+                <a:spcPct val="105000"/>
+              </a:lnSpc>
+              <a:spcBef>
+                <a:spcPts val="600"/>
+              </a:spcBef>
+              <a:spcAft>
+                <a:spcPts val="600"/>
+              </a:spcAft>
+              <a:buClr>
+                <a:srgbClr val="E28D10"/>
+              </a:buClr>
+              <a:buSzPct val="80000"/>
+              <a:buFont typeface="Wingdings" panose="05000000000000000000" pitchFamily="2" charset="2"/>
+              <a:buChar char="§"/>
+              <a:defRPr sz="2600" b="0" kern="1200">
+                <a:solidFill>
+                  <a:schemeClr val="tx1"/>
+                </a:solidFill>
+                <a:latin typeface="+mn-lt"/>
+                <a:ea typeface="+mn-ea"/>
+                <a:cs typeface="+mn-cs"/>
+              </a:defRPr>
+            </a:lvl5pPr>
+            <a:lvl6pPr marL="1828480" indent="-231606" algn="l" defTabSz="1218987" rtl="0" eaLnBrk="1" latinLnBrk="0" hangingPunct="1">
+              <a:lnSpc>
+                <a:spcPct val="90000"/>
+              </a:lnSpc>
+              <a:spcBef>
+                <a:spcPts val="800"/>
+              </a:spcBef>
+              <a:buClr>
+                <a:schemeClr val="accent1"/>
+              </a:buClr>
+              <a:buSzPct val="80000"/>
+              <a:buFont typeface="Arial" pitchFamily="34" charset="0"/>
+              <a:buChar char="•"/>
+              <a:defRPr sz="2000" kern="1200">
+                <a:solidFill>
+                  <a:schemeClr val="tx1"/>
+                </a:solidFill>
+                <a:latin typeface="+mn-lt"/>
+                <a:ea typeface="+mn-ea"/>
+                <a:cs typeface="+mn-cs"/>
+              </a:defRPr>
+            </a:lvl6pPr>
+            <a:lvl7pPr marL="2133227" indent="-231606" algn="l" defTabSz="1218987" rtl="0" eaLnBrk="1" latinLnBrk="0" hangingPunct="1">
+              <a:lnSpc>
+                <a:spcPct val="90000"/>
+              </a:lnSpc>
+              <a:spcBef>
+                <a:spcPts val="800"/>
+              </a:spcBef>
+              <a:buClr>
+                <a:schemeClr val="accent1"/>
+              </a:buClr>
+              <a:buSzPct val="80000"/>
+              <a:buFont typeface="Arial" pitchFamily="34" charset="0"/>
+              <a:buChar char="•"/>
+              <a:defRPr sz="2000" kern="1200">
+                <a:solidFill>
+                  <a:schemeClr val="tx1"/>
+                </a:solidFill>
+                <a:latin typeface="+mn-lt"/>
+                <a:ea typeface="+mn-ea"/>
+                <a:cs typeface="+mn-cs"/>
+              </a:defRPr>
+            </a:lvl7pPr>
+            <a:lvl8pPr marL="2437972" indent="-231606" algn="l" defTabSz="1218987" rtl="0" eaLnBrk="1" latinLnBrk="0" hangingPunct="1">
+              <a:lnSpc>
+                <a:spcPct val="90000"/>
+              </a:lnSpc>
+              <a:spcBef>
+                <a:spcPts val="800"/>
+              </a:spcBef>
+              <a:buClr>
+                <a:schemeClr val="accent1"/>
+              </a:buClr>
+              <a:buSzPct val="80000"/>
+              <a:buFont typeface="Arial" pitchFamily="34" charset="0"/>
+              <a:buChar char="•"/>
+              <a:defRPr sz="2000" kern="1200" baseline="0">
+                <a:solidFill>
+                  <a:schemeClr val="tx1"/>
+                </a:solidFill>
+                <a:latin typeface="+mn-lt"/>
+                <a:ea typeface="+mn-ea"/>
+                <a:cs typeface="+mn-cs"/>
+              </a:defRPr>
+            </a:lvl8pPr>
+            <a:lvl9pPr marL="2742720" indent="-231606" algn="l" defTabSz="1218987" rtl="0" eaLnBrk="1" latinLnBrk="0" hangingPunct="1">
+              <a:lnSpc>
+                <a:spcPct val="90000"/>
+              </a:lnSpc>
+              <a:spcBef>
+                <a:spcPts val="800"/>
+              </a:spcBef>
+              <a:buClr>
+                <a:schemeClr val="accent1"/>
+              </a:buClr>
+              <a:buSzPct val="80000"/>
+              <a:buFont typeface="Arial" pitchFamily="34" charset="0"/>
+              <a:buChar char="•"/>
+              <a:defRPr sz="2000" kern="1200" baseline="0">
+                <a:solidFill>
+                  <a:schemeClr val="tx1"/>
+                </a:solidFill>
+                <a:latin typeface="+mn-lt"/>
+                <a:ea typeface="+mn-ea"/>
+                <a:cs typeface="+mn-cs"/>
+              </a:defRPr>
+            </a:lvl9pPr>
+          </a:lstStyle>
+          <a:p>
+            <a:pPr marL="457200" indent="-457200">
+              <a:buFont typeface="+mj-lt"/>
+              <a:buAutoNum type="arabicPeriod"/>
+            </a:pPr>
+            <a:r>
+              <a:rPr lang="en-US" sz="2400" b="1" dirty="0">
+                <a:solidFill>
+                  <a:srgbClr val="002060"/>
+                </a:solidFill>
+                <a:latin typeface="Source Sans Pro" panose="020B0503030403020204" pitchFamily="34" charset="0"/>
+                <a:ea typeface="Source Sans Pro" panose="020B0503030403020204" pitchFamily="34" charset="0"/>
+              </a:rPr>
+              <a:t>Download VirtualBox</a:t>
+            </a:r>
+          </a:p>
+          <a:p>
+            <a:pPr marL="457200" indent="-457200">
+              <a:buFont typeface="+mj-lt"/>
+              <a:buAutoNum type="arabicPeriod"/>
+            </a:pPr>
+            <a:r>
+              <a:rPr lang="en-US" sz="2400" b="1" dirty="0">
+                <a:solidFill>
+                  <a:srgbClr val="002060"/>
+                </a:solidFill>
+                <a:latin typeface="Source Sans Pro" panose="020B0503030403020204" pitchFamily="34" charset="0"/>
+                <a:ea typeface="Source Sans Pro" panose="020B0503030403020204" pitchFamily="34" charset="0"/>
+              </a:rPr>
+              <a:t>Download Ubuntu 18.10 Server ISO Image</a:t>
+            </a:r>
+          </a:p>
+          <a:p>
+            <a:pPr marL="457200" indent="-457200">
+              <a:buFont typeface="+mj-lt"/>
+              <a:buAutoNum type="arabicPeriod"/>
+            </a:pPr>
+            <a:r>
+              <a:rPr lang="en-US" sz="2400" b="1" dirty="0">
+                <a:solidFill>
+                  <a:srgbClr val="002060"/>
+                </a:solidFill>
+                <a:latin typeface="Source Sans Pro" panose="020B0503030403020204" pitchFamily="34" charset="0"/>
+                <a:ea typeface="Source Sans Pro" panose="020B0503030403020204" pitchFamily="34" charset="0"/>
+              </a:rPr>
+              <a:t>Download an SSH Client for your OS</a:t>
+            </a:r>
+          </a:p>
+          <a:p>
+            <a:pPr marL="457200" indent="-457200">
+              <a:buFont typeface="+mj-lt"/>
+              <a:buAutoNum type="arabicPeriod"/>
+            </a:pPr>
+            <a:r>
+              <a:rPr lang="en-US" sz="2400" b="1" dirty="0">
+                <a:solidFill>
+                  <a:srgbClr val="002060"/>
+                </a:solidFill>
+                <a:latin typeface="Source Sans Pro" panose="020B0503030403020204" pitchFamily="34" charset="0"/>
+                <a:ea typeface="Source Sans Pro" panose="020B0503030403020204" pitchFamily="34" charset="0"/>
+              </a:rPr>
+              <a:t>Download an FTP Client for your OS</a:t>
+            </a:r>
+          </a:p>
+          <a:p>
+            <a:endParaRPr lang="en-US" sz="2400" b="1" dirty="0">
+              <a:solidFill>
+                <a:srgbClr val="002060"/>
+              </a:solidFill>
+              <a:latin typeface="Source Sans Pro" panose="020B0503030403020204" pitchFamily="34" charset="0"/>
+              <a:ea typeface="Source Sans Pro" panose="020B0503030403020204" pitchFamily="34" charset="0"/>
+            </a:endParaRPr>
+          </a:p>
+          <a:p>
+            <a:endParaRPr lang="en-US" sz="2400" b="1" dirty="0">
+              <a:solidFill>
+                <a:srgbClr val="002060"/>
+              </a:solidFill>
+              <a:latin typeface="Source Sans Pro" panose="020B0503030403020204" pitchFamily="34" charset="0"/>
+              <a:ea typeface="Source Sans Pro" panose="020B0503030403020204" pitchFamily="34" charset="0"/>
+            </a:endParaRPr>
+          </a:p>
+          <a:p>
+            <a:endParaRPr lang="en-US" sz="2400" b="1" dirty="0">
+              <a:solidFill>
+                <a:srgbClr val="002060"/>
+              </a:solidFill>
+              <a:latin typeface="Source Sans Pro" panose="020B0503030403020204" pitchFamily="34" charset="0"/>
+              <a:ea typeface="Source Sans Pro" panose="020B0503030403020204" pitchFamily="34" charset="0"/>
+            </a:endParaRPr>
+          </a:p>
+          <a:p>
+            <a:pPr marL="0" indent="0">
+              <a:buNone/>
+            </a:pPr>
+            <a:endParaRPr lang="en-US" sz="2400" b="1" dirty="0">
+              <a:solidFill>
+                <a:srgbClr val="002060"/>
+              </a:solidFill>
+              <a:latin typeface="Source Sans Pro" panose="020B0503030403020204" pitchFamily="34" charset="0"/>
+              <a:ea typeface="Source Sans Pro" panose="020B0503030403020204" pitchFamily="34" charset="0"/>
+            </a:endParaRPr>
+          </a:p>
+        </p:txBody>
+      </p:sp>
     </p:spTree>
     <p:extLst>
       <p:ext uri="{BB962C8B-B14F-4D97-AF65-F5344CB8AC3E}">
-        <p14:creationId xmlns:p14="http://schemas.microsoft.com/office/powerpoint/2010/main" val="282384438"/>
+        <p14:creationId xmlns:p14="http://schemas.microsoft.com/office/powerpoint/2010/main" val="1110491878"/>
       </p:ext>
     </p:extLst>
   </p:cSld>
@@ -19707,7 +19606,7 @@
                 <a:latin typeface="Source Sans Pro" panose="020B0503030403020204" pitchFamily="34" charset="0"/>
                 <a:ea typeface="Source Sans Pro" panose="020B0503030403020204" pitchFamily="34" charset="0"/>
               </a:rPr>
-              <a:t>TASKS 1</a:t>
+              <a:t>TASKS 2</a:t>
             </a:r>
           </a:p>
         </p:txBody>
@@ -19967,7 +19866,7 @@
                 <a:latin typeface="Source Sans Pro" panose="020B0503030403020204" pitchFamily="34" charset="0"/>
                 <a:ea typeface="Source Sans Pro" panose="020B0503030403020204" pitchFamily="34" charset="0"/>
               </a:rPr>
-              <a:t>Download VirtualBox</a:t>
+              <a:t>Install VirtualBox</a:t>
             </a:r>
           </a:p>
           <a:p>
@@ -19983,7 +19882,7 @@
                 <a:latin typeface="Source Sans Pro" panose="020B0503030403020204" pitchFamily="34" charset="0"/>
                 <a:ea typeface="Source Sans Pro" panose="020B0503030403020204" pitchFamily="34" charset="0"/>
               </a:rPr>
-              <a:t>Download Ubuntu 18.10 Server ISO Image</a:t>
+              <a:t>Create a new Virtual machine inside VirtualBox for Ubuntu</a:t>
             </a:r>
           </a:p>
           <a:p>
@@ -19999,7 +19898,7 @@
                 <a:latin typeface="Source Sans Pro" panose="020B0503030403020204" pitchFamily="34" charset="0"/>
                 <a:ea typeface="Source Sans Pro" panose="020B0503030403020204" pitchFamily="34" charset="0"/>
               </a:rPr>
-              <a:t>Download an SSH Client for your OS</a:t>
+              <a:t>Install Ubuntu server</a:t>
             </a:r>
           </a:p>
           <a:p>
@@ -20015,17 +19914,56 @@
                 <a:latin typeface="Source Sans Pro" panose="020B0503030403020204" pitchFamily="34" charset="0"/>
                 <a:ea typeface="Source Sans Pro" panose="020B0503030403020204" pitchFamily="34" charset="0"/>
               </a:rPr>
-              <a:t>Download an FTP Client for your OS</a:t>
-            </a:r>
-          </a:p>
-          <a:p>
-            <a:endParaRPr lang="en-US" sz="2400" b="1" dirty="0">
-              <a:solidFill>
-                <a:srgbClr val="002060"/>
-              </a:solidFill>
-              <a:latin typeface="Source Sans Pro" panose="020B0503030403020204" pitchFamily="34" charset="0"/>
-              <a:ea typeface="Source Sans Pro" panose="020B0503030403020204" pitchFamily="34" charset="0"/>
-            </a:endParaRPr>
+              <a:t>Ubuntu - Setup SSH</a:t>
+            </a:r>
+          </a:p>
+          <a:p>
+            <a:pPr marL="457200" indent="-457200">
+              <a:buFont typeface="+mj-lt"/>
+              <a:buAutoNum type="arabicPeriod"/>
+            </a:pPr>
+            <a:r>
+              <a:rPr lang="en-US" sz="2400" b="1" dirty="0">
+                <a:solidFill>
+                  <a:srgbClr val="002060"/>
+                </a:solidFill>
+                <a:latin typeface="Source Sans Pro" panose="020B0503030403020204" pitchFamily="34" charset="0"/>
+                <a:ea typeface="Source Sans Pro" panose="020B0503030403020204" pitchFamily="34" charset="0"/>
+              </a:rPr>
+              <a:t>Ubuntu - Folder Sharing</a:t>
+            </a:r>
+          </a:p>
+          <a:p>
+            <a:pPr marL="457200" indent="-457200">
+              <a:buFont typeface="+mj-lt"/>
+              <a:buAutoNum type="arabicPeriod"/>
+            </a:pPr>
+            <a:r>
+              <a:rPr lang="en-US" sz="2400" b="1" dirty="0">
+                <a:solidFill>
+                  <a:srgbClr val="002060"/>
+                </a:solidFill>
+                <a:latin typeface="Source Sans Pro" panose="020B0503030403020204" pitchFamily="34" charset="0"/>
+                <a:ea typeface="Source Sans Pro" panose="020B0503030403020204" pitchFamily="34" charset="0"/>
+              </a:rPr>
+              <a:t>Ubuntu - Install git</a:t>
+            </a:r>
+          </a:p>
+          <a:p>
+            <a:pPr marL="457200" indent="-457200">
+              <a:buFont typeface="+mj-lt"/>
+              <a:buAutoNum type="arabicPeriod"/>
+            </a:pPr>
+            <a:r>
+              <a:rPr lang="en-US" sz="2400" b="1" dirty="0">
+                <a:solidFill>
+                  <a:srgbClr val="002060"/>
+                </a:solidFill>
+                <a:latin typeface="Source Sans Pro" panose="020B0503030403020204" pitchFamily="34" charset="0"/>
+                <a:ea typeface="Source Sans Pro" panose="020B0503030403020204" pitchFamily="34" charset="0"/>
+              </a:rPr>
+              <a:t>Ubuntu - Configure your git and add GitHub.com access</a:t>
+            </a:r>
           </a:p>
           <a:p>
             <a:endParaRPr lang="en-US" sz="2400" b="1" dirty="0">
@@ -20062,7 +20000,7 @@
     </p:spTree>
     <p:extLst>
       <p:ext uri="{BB962C8B-B14F-4D97-AF65-F5344CB8AC3E}">
-        <p14:creationId xmlns:p14="http://schemas.microsoft.com/office/powerpoint/2010/main" val="1110491878"/>
+        <p14:creationId xmlns:p14="http://schemas.microsoft.com/office/powerpoint/2010/main" val="3044966141"/>
       </p:ext>
     </p:extLst>
   </p:cSld>
@@ -20192,7 +20130,7 @@
                 <a:latin typeface="Source Sans Pro" panose="020B0503030403020204" pitchFamily="34" charset="0"/>
                 <a:ea typeface="Source Sans Pro" panose="020B0503030403020204" pitchFamily="34" charset="0"/>
               </a:rPr>
-              <a:t>TASKS 2</a:t>
+              <a:t>TASKS 3</a:t>
             </a:r>
           </a:p>
         </p:txBody>
@@ -20452,7 +20390,7 @@
                 <a:latin typeface="Source Sans Pro" panose="020B0503030403020204" pitchFamily="34" charset="0"/>
                 <a:ea typeface="Source Sans Pro" panose="020B0503030403020204" pitchFamily="34" charset="0"/>
               </a:rPr>
-              <a:t>Install VirtualBox</a:t>
+              <a:t>Ubuntu - Install jekyll</a:t>
             </a:r>
           </a:p>
           <a:p>
@@ -20468,7 +20406,7 @@
                 <a:latin typeface="Source Sans Pro" panose="020B0503030403020204" pitchFamily="34" charset="0"/>
                 <a:ea typeface="Source Sans Pro" panose="020B0503030403020204" pitchFamily="34" charset="0"/>
               </a:rPr>
-              <a:t>Create a new Virtual machine inside VirtualBox for Ubuntu</a:t>
+              <a:t>Ubuntu - Install nodejs</a:t>
             </a:r>
           </a:p>
           <a:p>
@@ -20484,7 +20422,7 @@
                 <a:latin typeface="Source Sans Pro" panose="020B0503030403020204" pitchFamily="34" charset="0"/>
                 <a:ea typeface="Source Sans Pro" panose="020B0503030403020204" pitchFamily="34" charset="0"/>
               </a:rPr>
-              <a:t>Install Ubuntu server</a:t>
+              <a:t>Ubuntu - Install Gulp</a:t>
             </a:r>
           </a:p>
           <a:p>
@@ -20500,7 +20438,7 @@
                 <a:latin typeface="Source Sans Pro" panose="020B0503030403020204" pitchFamily="34" charset="0"/>
                 <a:ea typeface="Source Sans Pro" panose="020B0503030403020204" pitchFamily="34" charset="0"/>
               </a:rPr>
-              <a:t>Ubuntu - Setup SSH</a:t>
+              <a:t>Ubuntu - Install Grunt</a:t>
             </a:r>
           </a:p>
           <a:p>
@@ -20516,49 +20454,8 @@
                 <a:latin typeface="Source Sans Pro" panose="020B0503030403020204" pitchFamily="34" charset="0"/>
                 <a:ea typeface="Source Sans Pro" panose="020B0503030403020204" pitchFamily="34" charset="0"/>
               </a:rPr>
-              <a:t>Ubuntu - Folder Sharing</a:t>
-            </a:r>
-          </a:p>
-          <a:p>
-            <a:pPr marL="457200" indent="-457200">
-              <a:buFont typeface="+mj-lt"/>
-              <a:buAutoNum type="arabicPeriod"/>
-            </a:pPr>
-            <a:r>
-              <a:rPr lang="en-US" sz="2400" b="1" dirty="0">
-                <a:solidFill>
-                  <a:srgbClr val="002060"/>
-                </a:solidFill>
-                <a:latin typeface="Source Sans Pro" panose="020B0503030403020204" pitchFamily="34" charset="0"/>
-                <a:ea typeface="Source Sans Pro" panose="020B0503030403020204" pitchFamily="34" charset="0"/>
-              </a:rPr>
-              <a:t>Ubuntu - Install git</a:t>
-            </a:r>
-          </a:p>
-          <a:p>
-            <a:pPr marL="457200" indent="-457200">
-              <a:buFont typeface="+mj-lt"/>
-              <a:buAutoNum type="arabicPeriod"/>
-            </a:pPr>
-            <a:r>
-              <a:rPr lang="en-US" sz="2400" b="1" dirty="0">
-                <a:solidFill>
-                  <a:srgbClr val="002060"/>
-                </a:solidFill>
-                <a:latin typeface="Source Sans Pro" panose="020B0503030403020204" pitchFamily="34" charset="0"/>
-                <a:ea typeface="Source Sans Pro" panose="020B0503030403020204" pitchFamily="34" charset="0"/>
-              </a:rPr>
-              <a:t>Ubuntu - Configure your git and add GitHub.com access</a:t>
-            </a:r>
-          </a:p>
-          <a:p>
-            <a:endParaRPr lang="en-US" sz="2400" b="1" dirty="0">
-              <a:solidFill>
-                <a:srgbClr val="002060"/>
-              </a:solidFill>
-              <a:latin typeface="Source Sans Pro" panose="020B0503030403020204" pitchFamily="34" charset="0"/>
-              <a:ea typeface="Source Sans Pro" panose="020B0503030403020204" pitchFamily="34" charset="0"/>
-            </a:endParaRPr>
+              <a:t>Ubuntu - Install BrowserSync</a:t>
+            </a:r>
           </a:p>
           <a:p>
             <a:endParaRPr lang="en-US" sz="2400" b="1" dirty="0">
@@ -20586,7 +20483,7 @@
     </p:spTree>
     <p:extLst>
       <p:ext uri="{BB962C8B-B14F-4D97-AF65-F5344CB8AC3E}">
-        <p14:creationId xmlns:p14="http://schemas.microsoft.com/office/powerpoint/2010/main" val="3044966141"/>
+        <p14:creationId xmlns:p14="http://schemas.microsoft.com/office/powerpoint/2010/main" val="173292162"/>
       </p:ext>
     </p:extLst>
   </p:cSld>
@@ -20627,6 +20524,52 @@
           <a:chExt cx="0" cy="0"/>
         </a:xfrm>
       </p:grpSpPr>
+      <p:sp>
+        <p:nvSpPr>
+          <p:cNvPr id="2" name="Title 1">
+            <a:extLst>
+              <a:ext uri="{FF2B5EF4-FFF2-40B4-BE49-F238E27FC236}">
+                <a16:creationId xmlns:a16="http://schemas.microsoft.com/office/drawing/2014/main" id="{F533C787-D925-4018-B654-B08DDAB85464}"/>
+              </a:ext>
+            </a:extLst>
+          </p:cNvPr>
+          <p:cNvSpPr>
+            <a:spLocks noGrp="1"/>
+          </p:cNvSpPr>
+          <p:nvPr>
+            <p:ph type="ctrTitle"/>
+          </p:nvPr>
+        </p:nvSpPr>
+        <p:spPr>
+          <a:xfrm>
+            <a:off x="1524000" y="2914881"/>
+            <a:ext cx="9529011" cy="1028238"/>
+          </a:xfrm>
+        </p:spPr>
+        <p:txBody>
+          <a:bodyPr>
+            <a:normAutofit/>
+          </a:bodyPr>
+          <a:lstStyle/>
+          <a:p>
+            <a:r>
+              <a:rPr lang="en-US" b="1" dirty="0">
+                <a:solidFill>
+                  <a:srgbClr val="002060"/>
+                </a:solidFill>
+                <a:latin typeface="Source Sans Pro" panose="020B0604020202020204" pitchFamily="34" charset="0"/>
+              </a:rPr>
+              <a:t>RESOURCES</a:t>
+            </a:r>
+            <a:endParaRPr lang="bg-BG" b="1" dirty="0">
+              <a:solidFill>
+                <a:srgbClr val="002060"/>
+              </a:solidFill>
+              <a:latin typeface="Source Sans Pro" panose="020B0604020202020204" pitchFamily="34" charset="0"/>
+            </a:endParaRPr>
+          </a:p>
+        </p:txBody>
+      </p:sp>
       <p:pic>
         <p:nvPicPr>
           <p:cNvPr id="5" name="Picture 4">
@@ -20663,413 +20606,10 @@
           </a:prstGeom>
         </p:spPr>
       </p:pic>
-      <p:sp>
-        <p:nvSpPr>
-          <p:cNvPr id="6" name="Title 3">
-            <a:extLst>
-              <a:ext uri="{FF2B5EF4-FFF2-40B4-BE49-F238E27FC236}">
-                <a16:creationId xmlns:a16="http://schemas.microsoft.com/office/drawing/2014/main" id="{6AF371E5-6025-4DD6-B3D9-1EA1AF6B36AB}"/>
-              </a:ext>
-            </a:extLst>
-          </p:cNvPr>
-          <p:cNvSpPr>
-            <a:spLocks noGrp="1"/>
-          </p:cNvSpPr>
-          <p:nvPr/>
-        </p:nvSpPr>
-        <p:spPr>
-          <a:xfrm>
-            <a:off x="1524000" y="489420"/>
-            <a:ext cx="10040471" cy="1110780"/>
-          </a:xfrm>
-          <a:prstGeom prst="rect">
-            <a:avLst/>
-          </a:prstGeom>
-        </p:spPr>
-        <p:txBody>
-          <a:bodyPr vert="horz" lIns="108000" tIns="36000" rIns="108000" bIns="36000" rtlCol="0" anchor="ctr" anchorCtr="0">
-            <a:normAutofit/>
-          </a:bodyPr>
-          <a:lstStyle>
-            <a:lvl1pPr algn="l" defTabSz="1218987" rtl="0" eaLnBrk="1" latinLnBrk="0" hangingPunct="1">
-              <a:lnSpc>
-                <a:spcPct val="90000"/>
-              </a:lnSpc>
-              <a:spcBef>
-                <a:spcPct val="0"/>
-              </a:spcBef>
-              <a:buNone/>
-              <a:defRPr sz="4000" b="1" kern="1200">
-                <a:solidFill>
-                  <a:srgbClr val="F3BE60"/>
-                </a:solidFill>
-                <a:effectLst/>
-                <a:latin typeface="+mj-lt"/>
-                <a:ea typeface="+mj-ea"/>
-                <a:cs typeface="+mj-cs"/>
-              </a:defRPr>
-            </a:lvl1pPr>
-          </a:lstStyle>
-          <a:p>
-            <a:r>
-              <a:rPr lang="en-US" dirty="0">
-                <a:latin typeface="Source Sans Pro" panose="020B0503030403020204" pitchFamily="34" charset="0"/>
-                <a:ea typeface="Source Sans Pro" panose="020B0503030403020204" pitchFamily="34" charset="0"/>
-              </a:rPr>
-              <a:t>TASKS 3</a:t>
-            </a:r>
-          </a:p>
-        </p:txBody>
-      </p:sp>
-      <p:sp>
-        <p:nvSpPr>
-          <p:cNvPr id="9" name="Content Placeholder 4">
-            <a:extLst>
-              <a:ext uri="{FF2B5EF4-FFF2-40B4-BE49-F238E27FC236}">
-                <a16:creationId xmlns:a16="http://schemas.microsoft.com/office/drawing/2014/main" id="{B6C27FC4-82C8-4925-9BDD-7219055F9256}"/>
-              </a:ext>
-            </a:extLst>
-          </p:cNvPr>
-          <p:cNvSpPr>
-            <a:spLocks noGrp="1"/>
-          </p:cNvSpPr>
-          <p:nvPr/>
-        </p:nvSpPr>
-        <p:spPr>
-          <a:xfrm>
-            <a:off x="1523999" y="1600200"/>
-            <a:ext cx="10058401" cy="4613978"/>
-          </a:xfrm>
-          <a:prstGeom prst="rect">
-            <a:avLst/>
-          </a:prstGeom>
-        </p:spPr>
-        <p:txBody>
-          <a:bodyPr vert="horz" lIns="108000" tIns="36000" rIns="108000" bIns="36000" rtlCol="0">
-            <a:normAutofit/>
-          </a:bodyPr>
-          <a:lstStyle>
-            <a:lvl1pPr marL="304747" indent="-304747" algn="l" defTabSz="1218987" rtl="0" eaLnBrk="1" latinLnBrk="0" hangingPunct="1">
-              <a:lnSpc>
-                <a:spcPct val="105000"/>
-              </a:lnSpc>
-              <a:spcBef>
-                <a:spcPts val="600"/>
-              </a:spcBef>
-              <a:spcAft>
-                <a:spcPts val="600"/>
-              </a:spcAft>
-              <a:buClr>
-                <a:srgbClr val="F2B254"/>
-              </a:buClr>
-              <a:buSzPct val="100000"/>
-              <a:buFont typeface="Wingdings" panose="05000000000000000000" pitchFamily="2" charset="2"/>
-              <a:buChar char="§"/>
-              <a:defRPr sz="3400" b="0" kern="1200">
-                <a:solidFill>
-                  <a:schemeClr val="tx1"/>
-                </a:solidFill>
-                <a:latin typeface="+mn-lt"/>
-                <a:ea typeface="+mn-ea"/>
-                <a:cs typeface="+mn-cs"/>
-              </a:defRPr>
-            </a:lvl1pPr>
-            <a:lvl2pPr marL="609493" indent="-231606" algn="l" defTabSz="1218987" rtl="0" eaLnBrk="1" latinLnBrk="0" hangingPunct="1">
-              <a:lnSpc>
-                <a:spcPct val="105000"/>
-              </a:lnSpc>
-              <a:spcBef>
-                <a:spcPts val="600"/>
-              </a:spcBef>
-              <a:spcAft>
-                <a:spcPts val="600"/>
-              </a:spcAft>
-              <a:buClr>
-                <a:schemeClr val="accent1"/>
-              </a:buClr>
-              <a:buSzPct val="80000"/>
-              <a:buFont typeface="Wingdings" panose="05000000000000000000" pitchFamily="2" charset="2"/>
-              <a:buChar char="§"/>
-              <a:defRPr sz="3200" b="0" kern="1200">
-                <a:solidFill>
-                  <a:schemeClr val="tx1"/>
-                </a:solidFill>
-                <a:latin typeface="+mn-lt"/>
-                <a:ea typeface="+mn-ea"/>
-                <a:cs typeface="+mn-cs"/>
-              </a:defRPr>
-            </a:lvl2pPr>
-            <a:lvl3pPr marL="914240" indent="-231606" algn="l" defTabSz="1218987" rtl="0" eaLnBrk="1" latinLnBrk="0" hangingPunct="1">
-              <a:lnSpc>
-                <a:spcPct val="105000"/>
-              </a:lnSpc>
-              <a:spcBef>
-                <a:spcPts val="600"/>
-              </a:spcBef>
-              <a:spcAft>
-                <a:spcPts val="600"/>
-              </a:spcAft>
-              <a:buClr>
-                <a:srgbClr val="EF9A1D"/>
-              </a:buClr>
-              <a:buSzPct val="80000"/>
-              <a:buFont typeface="Wingdings" panose="05000000000000000000" pitchFamily="2" charset="2"/>
-              <a:buChar char="§"/>
-              <a:defRPr sz="3000" b="0" kern="1200">
-                <a:solidFill>
-                  <a:schemeClr val="tx1"/>
-                </a:solidFill>
-                <a:latin typeface="+mn-lt"/>
-                <a:ea typeface="+mn-ea"/>
-                <a:cs typeface="+mn-cs"/>
-              </a:defRPr>
-            </a:lvl3pPr>
-            <a:lvl4pPr marL="1218987" indent="-231606" algn="l" defTabSz="1218987" rtl="0" eaLnBrk="1" latinLnBrk="0" hangingPunct="1">
-              <a:lnSpc>
-                <a:spcPct val="105000"/>
-              </a:lnSpc>
-              <a:spcBef>
-                <a:spcPts val="600"/>
-              </a:spcBef>
-              <a:spcAft>
-                <a:spcPts val="600"/>
-              </a:spcAft>
-              <a:buClr>
-                <a:srgbClr val="ED9411"/>
-              </a:buClr>
-              <a:buSzPct val="80000"/>
-              <a:buFont typeface="Wingdings" panose="05000000000000000000" pitchFamily="2" charset="2"/>
-              <a:buChar char="§"/>
-              <a:defRPr sz="2800" b="0" kern="1200">
-                <a:solidFill>
-                  <a:schemeClr val="tx1"/>
-                </a:solidFill>
-                <a:latin typeface="+mn-lt"/>
-                <a:ea typeface="+mn-ea"/>
-                <a:cs typeface="+mn-cs"/>
-              </a:defRPr>
-            </a:lvl4pPr>
-            <a:lvl5pPr marL="1523733" indent="-231606" algn="l" defTabSz="1218987" rtl="0" eaLnBrk="1" latinLnBrk="0" hangingPunct="1">
-              <a:lnSpc>
-                <a:spcPct val="105000"/>
-              </a:lnSpc>
-              <a:spcBef>
-                <a:spcPts val="600"/>
-              </a:spcBef>
-              <a:spcAft>
-                <a:spcPts val="600"/>
-              </a:spcAft>
-              <a:buClr>
-                <a:srgbClr val="E28D10"/>
-              </a:buClr>
-              <a:buSzPct val="80000"/>
-              <a:buFont typeface="Wingdings" panose="05000000000000000000" pitchFamily="2" charset="2"/>
-              <a:buChar char="§"/>
-              <a:defRPr sz="2600" b="0" kern="1200">
-                <a:solidFill>
-                  <a:schemeClr val="tx1"/>
-                </a:solidFill>
-                <a:latin typeface="+mn-lt"/>
-                <a:ea typeface="+mn-ea"/>
-                <a:cs typeface="+mn-cs"/>
-              </a:defRPr>
-            </a:lvl5pPr>
-            <a:lvl6pPr marL="1828480" indent="-231606" algn="l" defTabSz="1218987" rtl="0" eaLnBrk="1" latinLnBrk="0" hangingPunct="1">
-              <a:lnSpc>
-                <a:spcPct val="90000"/>
-              </a:lnSpc>
-              <a:spcBef>
-                <a:spcPts val="800"/>
-              </a:spcBef>
-              <a:buClr>
-                <a:schemeClr val="accent1"/>
-              </a:buClr>
-              <a:buSzPct val="80000"/>
-              <a:buFont typeface="Arial" pitchFamily="34" charset="0"/>
-              <a:buChar char="•"/>
-              <a:defRPr sz="2000" kern="1200">
-                <a:solidFill>
-                  <a:schemeClr val="tx1"/>
-                </a:solidFill>
-                <a:latin typeface="+mn-lt"/>
-                <a:ea typeface="+mn-ea"/>
-                <a:cs typeface="+mn-cs"/>
-              </a:defRPr>
-            </a:lvl6pPr>
-            <a:lvl7pPr marL="2133227" indent="-231606" algn="l" defTabSz="1218987" rtl="0" eaLnBrk="1" latinLnBrk="0" hangingPunct="1">
-              <a:lnSpc>
-                <a:spcPct val="90000"/>
-              </a:lnSpc>
-              <a:spcBef>
-                <a:spcPts val="800"/>
-              </a:spcBef>
-              <a:buClr>
-                <a:schemeClr val="accent1"/>
-              </a:buClr>
-              <a:buSzPct val="80000"/>
-              <a:buFont typeface="Arial" pitchFamily="34" charset="0"/>
-              <a:buChar char="•"/>
-              <a:defRPr sz="2000" kern="1200">
-                <a:solidFill>
-                  <a:schemeClr val="tx1"/>
-                </a:solidFill>
-                <a:latin typeface="+mn-lt"/>
-                <a:ea typeface="+mn-ea"/>
-                <a:cs typeface="+mn-cs"/>
-              </a:defRPr>
-            </a:lvl7pPr>
-            <a:lvl8pPr marL="2437972" indent="-231606" algn="l" defTabSz="1218987" rtl="0" eaLnBrk="1" latinLnBrk="0" hangingPunct="1">
-              <a:lnSpc>
-                <a:spcPct val="90000"/>
-              </a:lnSpc>
-              <a:spcBef>
-                <a:spcPts val="800"/>
-              </a:spcBef>
-              <a:buClr>
-                <a:schemeClr val="accent1"/>
-              </a:buClr>
-              <a:buSzPct val="80000"/>
-              <a:buFont typeface="Arial" pitchFamily="34" charset="0"/>
-              <a:buChar char="•"/>
-              <a:defRPr sz="2000" kern="1200" baseline="0">
-                <a:solidFill>
-                  <a:schemeClr val="tx1"/>
-                </a:solidFill>
-                <a:latin typeface="+mn-lt"/>
-                <a:ea typeface="+mn-ea"/>
-                <a:cs typeface="+mn-cs"/>
-              </a:defRPr>
-            </a:lvl8pPr>
-            <a:lvl9pPr marL="2742720" indent="-231606" algn="l" defTabSz="1218987" rtl="0" eaLnBrk="1" latinLnBrk="0" hangingPunct="1">
-              <a:lnSpc>
-                <a:spcPct val="90000"/>
-              </a:lnSpc>
-              <a:spcBef>
-                <a:spcPts val="800"/>
-              </a:spcBef>
-              <a:buClr>
-                <a:schemeClr val="accent1"/>
-              </a:buClr>
-              <a:buSzPct val="80000"/>
-              <a:buFont typeface="Arial" pitchFamily="34" charset="0"/>
-              <a:buChar char="•"/>
-              <a:defRPr sz="2000" kern="1200" baseline="0">
-                <a:solidFill>
-                  <a:schemeClr val="tx1"/>
-                </a:solidFill>
-                <a:latin typeface="+mn-lt"/>
-                <a:ea typeface="+mn-ea"/>
-                <a:cs typeface="+mn-cs"/>
-              </a:defRPr>
-            </a:lvl9pPr>
-          </a:lstStyle>
-          <a:p>
-            <a:pPr marL="457200" indent="-457200">
-              <a:buFont typeface="+mj-lt"/>
-              <a:buAutoNum type="arabicPeriod"/>
-            </a:pPr>
-            <a:r>
-              <a:rPr lang="en-US" sz="2400" b="1" dirty="0">
-                <a:solidFill>
-                  <a:srgbClr val="002060"/>
-                </a:solidFill>
-                <a:latin typeface="Source Sans Pro" panose="020B0503030403020204" pitchFamily="34" charset="0"/>
-                <a:ea typeface="Source Sans Pro" panose="020B0503030403020204" pitchFamily="34" charset="0"/>
-              </a:rPr>
-              <a:t>Ubuntu - Install jekyll</a:t>
-            </a:r>
-          </a:p>
-          <a:p>
-            <a:pPr marL="457200" indent="-457200">
-              <a:buFont typeface="+mj-lt"/>
-              <a:buAutoNum type="arabicPeriod"/>
-            </a:pPr>
-            <a:r>
-              <a:rPr lang="en-US" sz="2400" b="1" dirty="0">
-                <a:solidFill>
-                  <a:srgbClr val="002060"/>
-                </a:solidFill>
-                <a:latin typeface="Source Sans Pro" panose="020B0503030403020204" pitchFamily="34" charset="0"/>
-                <a:ea typeface="Source Sans Pro" panose="020B0503030403020204" pitchFamily="34" charset="0"/>
-              </a:rPr>
-              <a:t>Ubuntu - Install nodejs</a:t>
-            </a:r>
-          </a:p>
-          <a:p>
-            <a:pPr marL="457200" indent="-457200">
-              <a:buFont typeface="+mj-lt"/>
-              <a:buAutoNum type="arabicPeriod"/>
-            </a:pPr>
-            <a:r>
-              <a:rPr lang="en-US" sz="2400" b="1" dirty="0">
-                <a:solidFill>
-                  <a:srgbClr val="002060"/>
-                </a:solidFill>
-                <a:latin typeface="Source Sans Pro" panose="020B0503030403020204" pitchFamily="34" charset="0"/>
-                <a:ea typeface="Source Sans Pro" panose="020B0503030403020204" pitchFamily="34" charset="0"/>
-              </a:rPr>
-              <a:t>Ubuntu - Install Gulp</a:t>
-            </a:r>
-          </a:p>
-          <a:p>
-            <a:pPr marL="457200" indent="-457200">
-              <a:buFont typeface="+mj-lt"/>
-              <a:buAutoNum type="arabicPeriod"/>
-            </a:pPr>
-            <a:r>
-              <a:rPr lang="en-US" sz="2400" b="1" dirty="0">
-                <a:solidFill>
-                  <a:srgbClr val="002060"/>
-                </a:solidFill>
-                <a:latin typeface="Source Sans Pro" panose="020B0503030403020204" pitchFamily="34" charset="0"/>
-                <a:ea typeface="Source Sans Pro" panose="020B0503030403020204" pitchFamily="34" charset="0"/>
-              </a:rPr>
-              <a:t>Ubuntu - Install Grunt</a:t>
-            </a:r>
-          </a:p>
-          <a:p>
-            <a:pPr marL="457200" indent="-457200">
-              <a:buFont typeface="+mj-lt"/>
-              <a:buAutoNum type="arabicPeriod"/>
-            </a:pPr>
-            <a:r>
-              <a:rPr lang="en-US" sz="2400" b="1" dirty="0">
-                <a:solidFill>
-                  <a:srgbClr val="002060"/>
-                </a:solidFill>
-                <a:latin typeface="Source Sans Pro" panose="020B0503030403020204" pitchFamily="34" charset="0"/>
-                <a:ea typeface="Source Sans Pro" panose="020B0503030403020204" pitchFamily="34" charset="0"/>
-              </a:rPr>
-              <a:t>Ubuntu - Install BrowserSync</a:t>
-            </a:r>
-          </a:p>
-          <a:p>
-            <a:endParaRPr lang="en-US" sz="2400" b="1" dirty="0">
-              <a:solidFill>
-                <a:srgbClr val="002060"/>
-              </a:solidFill>
-              <a:latin typeface="Source Sans Pro" panose="020B0503030403020204" pitchFamily="34" charset="0"/>
-              <a:ea typeface="Source Sans Pro" panose="020B0503030403020204" pitchFamily="34" charset="0"/>
-            </a:endParaRPr>
-          </a:p>
-          <a:p>
-            <a:pPr marL="0" indent="0">
-              <a:buNone/>
-            </a:pPr>
-            <a:endParaRPr lang="en-US" sz="2400" b="1" dirty="0">
-              <a:solidFill>
-                <a:srgbClr val="002060"/>
-              </a:solidFill>
-              <a:latin typeface="Source Sans Pro" panose="020B0503030403020204" pitchFamily="34" charset="0"/>
-              <a:ea typeface="Source Sans Pro" panose="020B0503030403020204" pitchFamily="34" charset="0"/>
-            </a:endParaRPr>
-          </a:p>
-        </p:txBody>
-      </p:sp>
     </p:spTree>
     <p:extLst>
       <p:ext uri="{BB962C8B-B14F-4D97-AF65-F5344CB8AC3E}">
-        <p14:creationId xmlns:p14="http://schemas.microsoft.com/office/powerpoint/2010/main" val="173292162"/>
+        <p14:creationId xmlns:p14="http://schemas.microsoft.com/office/powerpoint/2010/main" val="3315890059"/>
       </p:ext>
     </p:extLst>
   </p:cSld>
@@ -21110,52 +20650,6 @@
           <a:chExt cx="0" cy="0"/>
         </a:xfrm>
       </p:grpSpPr>
-      <p:sp>
-        <p:nvSpPr>
-          <p:cNvPr id="2" name="Title 1">
-            <a:extLst>
-              <a:ext uri="{FF2B5EF4-FFF2-40B4-BE49-F238E27FC236}">
-                <a16:creationId xmlns:a16="http://schemas.microsoft.com/office/drawing/2014/main" id="{F533C787-D925-4018-B654-B08DDAB85464}"/>
-              </a:ext>
-            </a:extLst>
-          </p:cNvPr>
-          <p:cNvSpPr>
-            <a:spLocks noGrp="1"/>
-          </p:cNvSpPr>
-          <p:nvPr>
-            <p:ph type="ctrTitle"/>
-          </p:nvPr>
-        </p:nvSpPr>
-        <p:spPr>
-          <a:xfrm>
-            <a:off x="1524000" y="2914881"/>
-            <a:ext cx="9529011" cy="1028238"/>
-          </a:xfrm>
-        </p:spPr>
-        <p:txBody>
-          <a:bodyPr>
-            <a:normAutofit/>
-          </a:bodyPr>
-          <a:lstStyle/>
-          <a:p>
-            <a:r>
-              <a:rPr lang="en-US" b="1" dirty="0">
-                <a:solidFill>
-                  <a:srgbClr val="002060"/>
-                </a:solidFill>
-                <a:latin typeface="Source Sans Pro" panose="020B0604020202020204" pitchFamily="34" charset="0"/>
-              </a:rPr>
-              <a:t>RESOURCES</a:t>
-            </a:r>
-            <a:endParaRPr lang="bg-BG" b="1" dirty="0">
-              <a:solidFill>
-                <a:srgbClr val="002060"/>
-              </a:solidFill>
-              <a:latin typeface="Source Sans Pro" panose="020B0604020202020204" pitchFamily="34" charset="0"/>
-            </a:endParaRPr>
-          </a:p>
-        </p:txBody>
-      </p:sp>
       <p:pic>
         <p:nvPicPr>
           <p:cNvPr id="5" name="Picture 4">
@@ -21192,10 +20686,441 @@
           </a:prstGeom>
         </p:spPr>
       </p:pic>
+      <p:sp>
+        <p:nvSpPr>
+          <p:cNvPr id="6" name="Title 3">
+            <a:extLst>
+              <a:ext uri="{FF2B5EF4-FFF2-40B4-BE49-F238E27FC236}">
+                <a16:creationId xmlns:a16="http://schemas.microsoft.com/office/drawing/2014/main" id="{6AF371E5-6025-4DD6-B3D9-1EA1AF6B36AB}"/>
+              </a:ext>
+            </a:extLst>
+          </p:cNvPr>
+          <p:cNvSpPr>
+            <a:spLocks noGrp="1"/>
+          </p:cNvSpPr>
+          <p:nvPr/>
+        </p:nvSpPr>
+        <p:spPr>
+          <a:xfrm>
+            <a:off x="1524000" y="489420"/>
+            <a:ext cx="10040471" cy="1110780"/>
+          </a:xfrm>
+          <a:prstGeom prst="rect">
+            <a:avLst/>
+          </a:prstGeom>
+        </p:spPr>
+        <p:txBody>
+          <a:bodyPr vert="horz" lIns="108000" tIns="36000" rIns="108000" bIns="36000" rtlCol="0" anchor="ctr" anchorCtr="0">
+            <a:normAutofit/>
+          </a:bodyPr>
+          <a:lstStyle>
+            <a:lvl1pPr algn="l" defTabSz="1218987" rtl="0" eaLnBrk="1" latinLnBrk="0" hangingPunct="1">
+              <a:lnSpc>
+                <a:spcPct val="90000"/>
+              </a:lnSpc>
+              <a:spcBef>
+                <a:spcPct val="0"/>
+              </a:spcBef>
+              <a:buNone/>
+              <a:defRPr sz="4000" b="1" kern="1200">
+                <a:solidFill>
+                  <a:srgbClr val="F3BE60"/>
+                </a:solidFill>
+                <a:effectLst/>
+                <a:latin typeface="+mj-lt"/>
+                <a:ea typeface="+mj-ea"/>
+                <a:cs typeface="+mj-cs"/>
+              </a:defRPr>
+            </a:lvl1pPr>
+          </a:lstStyle>
+          <a:p>
+            <a:r>
+              <a:rPr lang="en-US" dirty="0">
+                <a:latin typeface="Source Sans Pro" panose="020B0503030403020204" pitchFamily="34" charset="0"/>
+                <a:ea typeface="Source Sans Pro" panose="020B0503030403020204" pitchFamily="34" charset="0"/>
+              </a:rPr>
+              <a:t>Tools</a:t>
+            </a:r>
+            <a:endParaRPr lang="en-US" dirty="0">
+              <a:solidFill>
+                <a:srgbClr val="002060"/>
+              </a:solidFill>
+              <a:latin typeface="Source Sans Pro" panose="020B0503030403020204" pitchFamily="34" charset="0"/>
+              <a:ea typeface="Source Sans Pro" panose="020B0503030403020204" pitchFamily="34" charset="0"/>
+            </a:endParaRPr>
+          </a:p>
+        </p:txBody>
+      </p:sp>
+      <p:sp>
+        <p:nvSpPr>
+          <p:cNvPr id="9" name="Content Placeholder 4">
+            <a:extLst>
+              <a:ext uri="{FF2B5EF4-FFF2-40B4-BE49-F238E27FC236}">
+                <a16:creationId xmlns:a16="http://schemas.microsoft.com/office/drawing/2014/main" id="{B6C27FC4-82C8-4925-9BDD-7219055F9256}"/>
+              </a:ext>
+            </a:extLst>
+          </p:cNvPr>
+          <p:cNvSpPr>
+            <a:spLocks noGrp="1"/>
+          </p:cNvSpPr>
+          <p:nvPr/>
+        </p:nvSpPr>
+        <p:spPr>
+          <a:xfrm>
+            <a:off x="1523999" y="1600200"/>
+            <a:ext cx="10058401" cy="4613978"/>
+          </a:xfrm>
+          <a:prstGeom prst="rect">
+            <a:avLst/>
+          </a:prstGeom>
+        </p:spPr>
+        <p:txBody>
+          <a:bodyPr vert="horz" lIns="108000" tIns="36000" rIns="108000" bIns="36000" rtlCol="0">
+            <a:normAutofit/>
+          </a:bodyPr>
+          <a:lstStyle>
+            <a:lvl1pPr marL="304747" indent="-304747" algn="l" defTabSz="1218987" rtl="0" eaLnBrk="1" latinLnBrk="0" hangingPunct="1">
+              <a:lnSpc>
+                <a:spcPct val="105000"/>
+              </a:lnSpc>
+              <a:spcBef>
+                <a:spcPts val="600"/>
+              </a:spcBef>
+              <a:spcAft>
+                <a:spcPts val="600"/>
+              </a:spcAft>
+              <a:buClr>
+                <a:srgbClr val="F2B254"/>
+              </a:buClr>
+              <a:buSzPct val="100000"/>
+              <a:buFont typeface="Wingdings" panose="05000000000000000000" pitchFamily="2" charset="2"/>
+              <a:buChar char="§"/>
+              <a:defRPr sz="3400" b="0" kern="1200">
+                <a:solidFill>
+                  <a:schemeClr val="tx1"/>
+                </a:solidFill>
+                <a:latin typeface="+mn-lt"/>
+                <a:ea typeface="+mn-ea"/>
+                <a:cs typeface="+mn-cs"/>
+              </a:defRPr>
+            </a:lvl1pPr>
+            <a:lvl2pPr marL="609493" indent="-231606" algn="l" defTabSz="1218987" rtl="0" eaLnBrk="1" latinLnBrk="0" hangingPunct="1">
+              <a:lnSpc>
+                <a:spcPct val="105000"/>
+              </a:lnSpc>
+              <a:spcBef>
+                <a:spcPts val="600"/>
+              </a:spcBef>
+              <a:spcAft>
+                <a:spcPts val="600"/>
+              </a:spcAft>
+              <a:buClr>
+                <a:schemeClr val="accent1"/>
+              </a:buClr>
+              <a:buSzPct val="80000"/>
+              <a:buFont typeface="Wingdings" panose="05000000000000000000" pitchFamily="2" charset="2"/>
+              <a:buChar char="§"/>
+              <a:defRPr sz="3200" b="0" kern="1200">
+                <a:solidFill>
+                  <a:schemeClr val="tx1"/>
+                </a:solidFill>
+                <a:latin typeface="+mn-lt"/>
+                <a:ea typeface="+mn-ea"/>
+                <a:cs typeface="+mn-cs"/>
+              </a:defRPr>
+            </a:lvl2pPr>
+            <a:lvl3pPr marL="914240" indent="-231606" algn="l" defTabSz="1218987" rtl="0" eaLnBrk="1" latinLnBrk="0" hangingPunct="1">
+              <a:lnSpc>
+                <a:spcPct val="105000"/>
+              </a:lnSpc>
+              <a:spcBef>
+                <a:spcPts val="600"/>
+              </a:spcBef>
+              <a:spcAft>
+                <a:spcPts val="600"/>
+              </a:spcAft>
+              <a:buClr>
+                <a:srgbClr val="EF9A1D"/>
+              </a:buClr>
+              <a:buSzPct val="80000"/>
+              <a:buFont typeface="Wingdings" panose="05000000000000000000" pitchFamily="2" charset="2"/>
+              <a:buChar char="§"/>
+              <a:defRPr sz="3000" b="0" kern="1200">
+                <a:solidFill>
+                  <a:schemeClr val="tx1"/>
+                </a:solidFill>
+                <a:latin typeface="+mn-lt"/>
+                <a:ea typeface="+mn-ea"/>
+                <a:cs typeface="+mn-cs"/>
+              </a:defRPr>
+            </a:lvl3pPr>
+            <a:lvl4pPr marL="1218987" indent="-231606" algn="l" defTabSz="1218987" rtl="0" eaLnBrk="1" latinLnBrk="0" hangingPunct="1">
+              <a:lnSpc>
+                <a:spcPct val="105000"/>
+              </a:lnSpc>
+              <a:spcBef>
+                <a:spcPts val="600"/>
+              </a:spcBef>
+              <a:spcAft>
+                <a:spcPts val="600"/>
+              </a:spcAft>
+              <a:buClr>
+                <a:srgbClr val="ED9411"/>
+              </a:buClr>
+              <a:buSzPct val="80000"/>
+              <a:buFont typeface="Wingdings" panose="05000000000000000000" pitchFamily="2" charset="2"/>
+              <a:buChar char="§"/>
+              <a:defRPr sz="2800" b="0" kern="1200">
+                <a:solidFill>
+                  <a:schemeClr val="tx1"/>
+                </a:solidFill>
+                <a:latin typeface="+mn-lt"/>
+                <a:ea typeface="+mn-ea"/>
+                <a:cs typeface="+mn-cs"/>
+              </a:defRPr>
+            </a:lvl4pPr>
+            <a:lvl5pPr marL="1523733" indent="-231606" algn="l" defTabSz="1218987" rtl="0" eaLnBrk="1" latinLnBrk="0" hangingPunct="1">
+              <a:lnSpc>
+                <a:spcPct val="105000"/>
+              </a:lnSpc>
+              <a:spcBef>
+                <a:spcPts val="600"/>
+              </a:spcBef>
+              <a:spcAft>
+                <a:spcPts val="600"/>
+              </a:spcAft>
+              <a:buClr>
+                <a:srgbClr val="E28D10"/>
+              </a:buClr>
+              <a:buSzPct val="80000"/>
+              <a:buFont typeface="Wingdings" panose="05000000000000000000" pitchFamily="2" charset="2"/>
+              <a:buChar char="§"/>
+              <a:defRPr sz="2600" b="0" kern="1200">
+                <a:solidFill>
+                  <a:schemeClr val="tx1"/>
+                </a:solidFill>
+                <a:latin typeface="+mn-lt"/>
+                <a:ea typeface="+mn-ea"/>
+                <a:cs typeface="+mn-cs"/>
+              </a:defRPr>
+            </a:lvl5pPr>
+            <a:lvl6pPr marL="1828480" indent="-231606" algn="l" defTabSz="1218987" rtl="0" eaLnBrk="1" latinLnBrk="0" hangingPunct="1">
+              <a:lnSpc>
+                <a:spcPct val="90000"/>
+              </a:lnSpc>
+              <a:spcBef>
+                <a:spcPts val="800"/>
+              </a:spcBef>
+              <a:buClr>
+                <a:schemeClr val="accent1"/>
+              </a:buClr>
+              <a:buSzPct val="80000"/>
+              <a:buFont typeface="Arial" pitchFamily="34" charset="0"/>
+              <a:buChar char="•"/>
+              <a:defRPr sz="2000" kern="1200">
+                <a:solidFill>
+                  <a:schemeClr val="tx1"/>
+                </a:solidFill>
+                <a:latin typeface="+mn-lt"/>
+                <a:ea typeface="+mn-ea"/>
+                <a:cs typeface="+mn-cs"/>
+              </a:defRPr>
+            </a:lvl6pPr>
+            <a:lvl7pPr marL="2133227" indent="-231606" algn="l" defTabSz="1218987" rtl="0" eaLnBrk="1" latinLnBrk="0" hangingPunct="1">
+              <a:lnSpc>
+                <a:spcPct val="90000"/>
+              </a:lnSpc>
+              <a:spcBef>
+                <a:spcPts val="800"/>
+              </a:spcBef>
+              <a:buClr>
+                <a:schemeClr val="accent1"/>
+              </a:buClr>
+              <a:buSzPct val="80000"/>
+              <a:buFont typeface="Arial" pitchFamily="34" charset="0"/>
+              <a:buChar char="•"/>
+              <a:defRPr sz="2000" kern="1200">
+                <a:solidFill>
+                  <a:schemeClr val="tx1"/>
+                </a:solidFill>
+                <a:latin typeface="+mn-lt"/>
+                <a:ea typeface="+mn-ea"/>
+                <a:cs typeface="+mn-cs"/>
+              </a:defRPr>
+            </a:lvl7pPr>
+            <a:lvl8pPr marL="2437972" indent="-231606" algn="l" defTabSz="1218987" rtl="0" eaLnBrk="1" latinLnBrk="0" hangingPunct="1">
+              <a:lnSpc>
+                <a:spcPct val="90000"/>
+              </a:lnSpc>
+              <a:spcBef>
+                <a:spcPts val="800"/>
+              </a:spcBef>
+              <a:buClr>
+                <a:schemeClr val="accent1"/>
+              </a:buClr>
+              <a:buSzPct val="80000"/>
+              <a:buFont typeface="Arial" pitchFamily="34" charset="0"/>
+              <a:buChar char="•"/>
+              <a:defRPr sz="2000" kern="1200" baseline="0">
+                <a:solidFill>
+                  <a:schemeClr val="tx1"/>
+                </a:solidFill>
+                <a:latin typeface="+mn-lt"/>
+                <a:ea typeface="+mn-ea"/>
+                <a:cs typeface="+mn-cs"/>
+              </a:defRPr>
+            </a:lvl8pPr>
+            <a:lvl9pPr marL="2742720" indent="-231606" algn="l" defTabSz="1218987" rtl="0" eaLnBrk="1" latinLnBrk="0" hangingPunct="1">
+              <a:lnSpc>
+                <a:spcPct val="90000"/>
+              </a:lnSpc>
+              <a:spcBef>
+                <a:spcPts val="800"/>
+              </a:spcBef>
+              <a:buClr>
+                <a:schemeClr val="accent1"/>
+              </a:buClr>
+              <a:buSzPct val="80000"/>
+              <a:buFont typeface="Arial" pitchFamily="34" charset="0"/>
+              <a:buChar char="•"/>
+              <a:defRPr sz="2000" kern="1200" baseline="0">
+                <a:solidFill>
+                  <a:schemeClr val="tx1"/>
+                </a:solidFill>
+                <a:latin typeface="+mn-lt"/>
+                <a:ea typeface="+mn-ea"/>
+                <a:cs typeface="+mn-cs"/>
+              </a:defRPr>
+            </a:lvl9pPr>
+          </a:lstStyle>
+          <a:p>
+            <a:r>
+              <a:rPr lang="en-US" sz="2400" b="1" dirty="0">
+                <a:solidFill>
+                  <a:srgbClr val="F3BE60"/>
+                </a:solidFill>
+                <a:latin typeface="Source Sans Pro" panose="020B0503030403020204" pitchFamily="34" charset="0"/>
+                <a:ea typeface="Source Sans Pro" panose="020B0503030403020204" pitchFamily="34" charset="0"/>
+                <a:hlinkClick r:id="rId4"/>
+              </a:rPr>
+              <a:t>https://browsersync.io/</a:t>
+            </a:r>
+            <a:endParaRPr lang="en-US" sz="2400" b="1" dirty="0">
+              <a:solidFill>
+                <a:srgbClr val="F3BE60"/>
+              </a:solidFill>
+              <a:latin typeface="Source Sans Pro" panose="020B0503030403020204" pitchFamily="34" charset="0"/>
+              <a:ea typeface="Source Sans Pro" panose="020B0503030403020204" pitchFamily="34" charset="0"/>
+            </a:endParaRPr>
+          </a:p>
+          <a:p>
+            <a:r>
+              <a:rPr lang="en-US" sz="2400" b="1" dirty="0">
+                <a:solidFill>
+                  <a:srgbClr val="F3BE60"/>
+                </a:solidFill>
+                <a:latin typeface="Source Sans Pro" panose="020B0503030403020204" pitchFamily="34" charset="0"/>
+                <a:ea typeface="Source Sans Pro" panose="020B0503030403020204" pitchFamily="34" charset="0"/>
+                <a:hlinkClick r:id="rId5"/>
+              </a:rPr>
+              <a:t>https://gulpjs.com/</a:t>
+            </a:r>
+            <a:endParaRPr lang="en-US" sz="2400" b="1" dirty="0">
+              <a:solidFill>
+                <a:srgbClr val="F3BE60"/>
+              </a:solidFill>
+              <a:latin typeface="Source Sans Pro" panose="020B0503030403020204" pitchFamily="34" charset="0"/>
+              <a:ea typeface="Source Sans Pro" panose="020B0503030403020204" pitchFamily="34" charset="0"/>
+            </a:endParaRPr>
+          </a:p>
+          <a:p>
+            <a:r>
+              <a:rPr lang="en-US" sz="2400" b="1" dirty="0">
+                <a:solidFill>
+                  <a:srgbClr val="F3BE60"/>
+                </a:solidFill>
+                <a:latin typeface="Source Sans Pro" panose="020B0503030403020204" pitchFamily="34" charset="0"/>
+                <a:ea typeface="Source Sans Pro" panose="020B0503030403020204" pitchFamily="34" charset="0"/>
+                <a:hlinkClick r:id="rId6"/>
+              </a:rPr>
+              <a:t>https://sass-lang.com/</a:t>
+            </a:r>
+            <a:endParaRPr lang="en-US" sz="2400" b="1" dirty="0">
+              <a:solidFill>
+                <a:srgbClr val="F3BE60"/>
+              </a:solidFill>
+              <a:latin typeface="Source Sans Pro" panose="020B0503030403020204" pitchFamily="34" charset="0"/>
+              <a:ea typeface="Source Sans Pro" panose="020B0503030403020204" pitchFamily="34" charset="0"/>
+            </a:endParaRPr>
+          </a:p>
+          <a:p>
+            <a:r>
+              <a:rPr lang="en-US" sz="2400" b="1" dirty="0">
+                <a:solidFill>
+                  <a:srgbClr val="F3BE60"/>
+                </a:solidFill>
+                <a:latin typeface="Source Sans Pro" panose="020B0503030403020204" pitchFamily="34" charset="0"/>
+                <a:ea typeface="Source Sans Pro" panose="020B0503030403020204" pitchFamily="34" charset="0"/>
+                <a:hlinkClick r:id="rId7"/>
+              </a:rPr>
+              <a:t>http://lesscss.org</a:t>
+            </a:r>
+            <a:endParaRPr lang="en-US" sz="2400" b="1" dirty="0">
+              <a:solidFill>
+                <a:srgbClr val="F3BE60"/>
+              </a:solidFill>
+              <a:latin typeface="Source Sans Pro" panose="020B0503030403020204" pitchFamily="34" charset="0"/>
+              <a:ea typeface="Source Sans Pro" panose="020B0503030403020204" pitchFamily="34" charset="0"/>
+            </a:endParaRPr>
+          </a:p>
+          <a:p>
+            <a:r>
+              <a:rPr lang="en-US" sz="2400" b="1" dirty="0">
+                <a:solidFill>
+                  <a:srgbClr val="F3BE60"/>
+                </a:solidFill>
+                <a:latin typeface="Source Sans Pro" panose="020B0503030403020204" pitchFamily="34" charset="0"/>
+                <a:ea typeface="Source Sans Pro" panose="020B0503030403020204" pitchFamily="34" charset="0"/>
+                <a:hlinkClick r:id="rId8"/>
+              </a:rPr>
+              <a:t>https://postcss.org/</a:t>
+            </a:r>
+            <a:endParaRPr lang="en-US" sz="2400" b="1" dirty="0">
+              <a:solidFill>
+                <a:srgbClr val="F3BE60"/>
+              </a:solidFill>
+              <a:latin typeface="Source Sans Pro" panose="020B0503030403020204" pitchFamily="34" charset="0"/>
+              <a:ea typeface="Source Sans Pro" panose="020B0503030403020204" pitchFamily="34" charset="0"/>
+            </a:endParaRPr>
+          </a:p>
+          <a:p>
+            <a:endParaRPr lang="en-US" sz="2400" dirty="0">
+              <a:solidFill>
+                <a:schemeClr val="accent1">
+                  <a:lumMod val="50000"/>
+                </a:schemeClr>
+              </a:solidFill>
+              <a:latin typeface="Source Sans Pro" panose="020B0503030403020204" pitchFamily="34" charset="0"/>
+              <a:ea typeface="Source Sans Pro" panose="020B0503030403020204" pitchFamily="34" charset="0"/>
+            </a:endParaRPr>
+          </a:p>
+          <a:p>
+            <a:endParaRPr lang="en-US" sz="2400" dirty="0">
+              <a:solidFill>
+                <a:schemeClr val="accent1">
+                  <a:lumMod val="50000"/>
+                </a:schemeClr>
+              </a:solidFill>
+              <a:latin typeface="Source Sans Pro" panose="020B0503030403020204" pitchFamily="34" charset="0"/>
+              <a:ea typeface="Source Sans Pro" panose="020B0503030403020204" pitchFamily="34" charset="0"/>
+            </a:endParaRPr>
+          </a:p>
+        </p:txBody>
+      </p:sp>
     </p:spTree>
     <p:extLst>
       <p:ext uri="{BB962C8B-B14F-4D97-AF65-F5344CB8AC3E}">
-        <p14:creationId xmlns:p14="http://schemas.microsoft.com/office/powerpoint/2010/main" val="3315890059"/>
+        <p14:creationId xmlns:p14="http://schemas.microsoft.com/office/powerpoint/2010/main" val="2779534368"/>
       </p:ext>
     </p:extLst>
   </p:cSld>
@@ -21325,7 +21250,7 @@
                 <a:latin typeface="Source Sans Pro" panose="020B0503030403020204" pitchFamily="34" charset="0"/>
                 <a:ea typeface="Source Sans Pro" panose="020B0503030403020204" pitchFamily="34" charset="0"/>
               </a:rPr>
-              <a:t>Tools</a:t>
+              <a:t>ENVIRONMENT</a:t>
             </a:r>
             <a:endParaRPr lang="en-US" dirty="0">
               <a:solidFill>
@@ -21589,7 +21514,7 @@
                 <a:ea typeface="Source Sans Pro" panose="020B0503030403020204" pitchFamily="34" charset="0"/>
                 <a:hlinkClick r:id="rId4"/>
               </a:rPr>
-              <a:t>https://browsersync.io/</a:t>
+              <a:t>https://www.virtualbox.org/</a:t>
             </a:r>
             <a:endParaRPr lang="en-US" sz="2400" b="1" dirty="0">
               <a:solidFill>
@@ -21609,7 +21534,7 @@
                 <a:ea typeface="Source Sans Pro" panose="020B0503030403020204" pitchFamily="34" charset="0"/>
                 <a:hlinkClick r:id="rId5"/>
               </a:rPr>
-              <a:t>https://gulpjs.com/</a:t>
+              <a:t>http://download.virtualbox.org/virtualbox/UserManual.pdf</a:t>
             </a:r>
             <a:endParaRPr lang="en-US" sz="2400" b="1" dirty="0">
               <a:solidFill>
@@ -21629,7 +21554,7 @@
                 <a:ea typeface="Source Sans Pro" panose="020B0503030403020204" pitchFamily="34" charset="0"/>
                 <a:hlinkClick r:id="rId6"/>
               </a:rPr>
-              <a:t>https://sass-lang.com/</a:t>
+              <a:t>https://www.ubuntu.com/download/server</a:t>
             </a:r>
             <a:endParaRPr lang="en-US" sz="2400" b="1" dirty="0">
               <a:solidFill>
@@ -21649,27 +21574,7 @@
                 <a:ea typeface="Source Sans Pro" panose="020B0503030403020204" pitchFamily="34" charset="0"/>
                 <a:hlinkClick r:id="rId7"/>
               </a:rPr>
-              <a:t>http://lesscss.org</a:t>
-            </a:r>
-            <a:endParaRPr lang="en-US" sz="2400" b="1" dirty="0">
-              <a:solidFill>
-                <a:srgbClr val="F3BE60"/>
-              </a:solidFill>
-              <a:latin typeface="Source Sans Pro" panose="020B0503030403020204" pitchFamily="34" charset="0"/>
-              <a:ea typeface="Source Sans Pro" panose="020B0503030403020204" pitchFamily="34" charset="0"/>
-            </a:endParaRPr>
-          </a:p>
-          <a:p>
-            <a:r>
-              <a:rPr lang="en-US" sz="2400" b="1" dirty="0">
-                <a:solidFill>
-                  <a:srgbClr val="F3BE60"/>
-                </a:solidFill>
-                <a:latin typeface="Source Sans Pro" panose="020B0503030403020204" pitchFamily="34" charset="0"/>
-                <a:ea typeface="Source Sans Pro" panose="020B0503030403020204" pitchFamily="34" charset="0"/>
-                <a:hlinkClick r:id="rId8"/>
-              </a:rPr>
-              <a:t>https://postcss.org/</a:t>
+              <a:t>https://www.ubuntu.com/download/desktop</a:t>
             </a:r>
             <a:endParaRPr lang="en-US" sz="2400" b="1" dirty="0">
               <a:solidFill>
@@ -21706,7 +21611,7 @@
     </p:spTree>
     <p:extLst>
       <p:ext uri="{BB962C8B-B14F-4D97-AF65-F5344CB8AC3E}">
-        <p14:creationId xmlns:p14="http://schemas.microsoft.com/office/powerpoint/2010/main" val="2779534368"/>
+        <p14:creationId xmlns:p14="http://schemas.microsoft.com/office/powerpoint/2010/main" val="3283466119"/>
       </p:ext>
     </p:extLst>
   </p:cSld>
@@ -21836,15 +21741,8 @@
                 <a:latin typeface="Source Sans Pro" panose="020B0503030403020204" pitchFamily="34" charset="0"/>
                 <a:ea typeface="Source Sans Pro" panose="020B0503030403020204" pitchFamily="34" charset="0"/>
               </a:rPr>
-              <a:t>ENVIRONMENT</a:t>
-            </a:r>
-            <a:endParaRPr lang="en-US" dirty="0">
-              <a:solidFill>
-                <a:srgbClr val="002060"/>
-              </a:solidFill>
-              <a:latin typeface="Source Sans Pro" panose="020B0503030403020204" pitchFamily="34" charset="0"/>
-              <a:ea typeface="Source Sans Pro" panose="020B0503030403020204" pitchFamily="34" charset="0"/>
-            </a:endParaRPr>
+              <a:t>LEMP STACK</a:t>
+            </a:r>
           </a:p>
         </p:txBody>
       </p:sp>
@@ -22100,77 +21998,8 @@
                 <a:ea typeface="Source Sans Pro" panose="020B0503030403020204" pitchFamily="34" charset="0"/>
                 <a:hlinkClick r:id="rId4"/>
               </a:rPr>
-              <a:t>https://www.virtualbox.org/</a:t>
-            </a:r>
-            <a:endParaRPr lang="en-US" sz="2400" b="1" dirty="0">
-              <a:solidFill>
-                <a:srgbClr val="F3BE60"/>
-              </a:solidFill>
-              <a:latin typeface="Source Sans Pro" panose="020B0503030403020204" pitchFamily="34" charset="0"/>
-              <a:ea typeface="Source Sans Pro" panose="020B0503030403020204" pitchFamily="34" charset="0"/>
-            </a:endParaRPr>
-          </a:p>
-          <a:p>
-            <a:r>
-              <a:rPr lang="en-US" sz="2400" b="1" dirty="0">
-                <a:solidFill>
-                  <a:srgbClr val="F3BE60"/>
-                </a:solidFill>
-                <a:latin typeface="Source Sans Pro" panose="020B0503030403020204" pitchFamily="34" charset="0"/>
-                <a:ea typeface="Source Sans Pro" panose="020B0503030403020204" pitchFamily="34" charset="0"/>
-                <a:hlinkClick r:id="rId5"/>
-              </a:rPr>
-              <a:t>http://download.virtualbox.org/virtualbox/UserManual.pdf</a:t>
-            </a:r>
-            <a:endParaRPr lang="en-US" sz="2400" b="1" dirty="0">
-              <a:solidFill>
-                <a:srgbClr val="F3BE60"/>
-              </a:solidFill>
-              <a:latin typeface="Source Sans Pro" panose="020B0503030403020204" pitchFamily="34" charset="0"/>
-              <a:ea typeface="Source Sans Pro" panose="020B0503030403020204" pitchFamily="34" charset="0"/>
-            </a:endParaRPr>
-          </a:p>
-          <a:p>
-            <a:r>
-              <a:rPr lang="en-US" sz="2400" b="1" dirty="0">
-                <a:solidFill>
-                  <a:srgbClr val="F3BE60"/>
-                </a:solidFill>
-                <a:latin typeface="Source Sans Pro" panose="020B0503030403020204" pitchFamily="34" charset="0"/>
-                <a:ea typeface="Source Sans Pro" panose="020B0503030403020204" pitchFamily="34" charset="0"/>
-                <a:hlinkClick r:id="rId6"/>
-              </a:rPr>
-              <a:t>https://www.ubuntu.com/download/server</a:t>
-            </a:r>
-            <a:endParaRPr lang="en-US" sz="2400" b="1" dirty="0">
-              <a:solidFill>
-                <a:srgbClr val="F3BE60"/>
-              </a:solidFill>
-              <a:latin typeface="Source Sans Pro" panose="020B0503030403020204" pitchFamily="34" charset="0"/>
-              <a:ea typeface="Source Sans Pro" panose="020B0503030403020204" pitchFamily="34" charset="0"/>
-            </a:endParaRPr>
-          </a:p>
-          <a:p>
-            <a:r>
-              <a:rPr lang="en-US" sz="2400" b="1" dirty="0">
-                <a:solidFill>
-                  <a:srgbClr val="F3BE60"/>
-                </a:solidFill>
-                <a:latin typeface="Source Sans Pro" panose="020B0503030403020204" pitchFamily="34" charset="0"/>
-                <a:ea typeface="Source Sans Pro" panose="020B0503030403020204" pitchFamily="34" charset="0"/>
-                <a:hlinkClick r:id="rId7"/>
-              </a:rPr>
-              <a:t>https://www.ubuntu.com/download/desktop</a:t>
-            </a:r>
-            <a:endParaRPr lang="en-US" sz="2400" b="1" dirty="0">
-              <a:solidFill>
-                <a:srgbClr val="F3BE60"/>
-              </a:solidFill>
-              <a:latin typeface="Source Sans Pro" panose="020B0503030403020204" pitchFamily="34" charset="0"/>
-              <a:ea typeface="Source Sans Pro" panose="020B0503030403020204" pitchFamily="34" charset="0"/>
-            </a:endParaRPr>
-          </a:p>
-          <a:p>
+              <a:t>https://www.digitalocean.com/community/tutorials/how-to-install-linux-nginx-mysql-php-lemp-stack-ubuntu-18-04</a:t>
+            </a:r>
             <a:endParaRPr lang="en-US" sz="2400" dirty="0">
               <a:solidFill>
                 <a:schemeClr val="accent1">
@@ -22197,7 +22026,7 @@
     </p:spTree>
     <p:extLst>
       <p:ext uri="{BB962C8B-B14F-4D97-AF65-F5344CB8AC3E}">
-        <p14:creationId xmlns:p14="http://schemas.microsoft.com/office/powerpoint/2010/main" val="3283466119"/>
+        <p14:creationId xmlns:p14="http://schemas.microsoft.com/office/powerpoint/2010/main" val="4093467134"/>
       </p:ext>
     </p:extLst>
   </p:cSld>
@@ -22327,7 +22156,7 @@
                 <a:latin typeface="Source Sans Pro" panose="020B0503030403020204" pitchFamily="34" charset="0"/>
                 <a:ea typeface="Source Sans Pro" panose="020B0503030403020204" pitchFamily="34" charset="0"/>
               </a:rPr>
-              <a:t>LEMP STACK</a:t>
+              <a:t>STATIC SITE GENERATORS</a:t>
             </a:r>
           </a:p>
         </p:txBody>
@@ -22584,8 +22413,57 @@
                 <a:ea typeface="Source Sans Pro" panose="020B0503030403020204" pitchFamily="34" charset="0"/>
                 <a:hlinkClick r:id="rId4"/>
               </a:rPr>
-              <a:t>https://www.digitalocean.com/community/tutorials/how-to-install-linux-nginx-mysql-php-lemp-stack-ubuntu-18-04</a:t>
-            </a:r>
+              <a:t>https://jekyllrb.com/</a:t>
+            </a:r>
+            <a:endParaRPr lang="en-US" sz="2400" b="1" dirty="0">
+              <a:solidFill>
+                <a:srgbClr val="F3BE60"/>
+              </a:solidFill>
+              <a:latin typeface="Source Sans Pro" panose="020B0503030403020204" pitchFamily="34" charset="0"/>
+              <a:ea typeface="Source Sans Pro" panose="020B0503030403020204" pitchFamily="34" charset="0"/>
+            </a:endParaRPr>
+          </a:p>
+          <a:p>
+            <a:r>
+              <a:rPr lang="en-US" sz="2400" b="1" dirty="0">
+                <a:solidFill>
+                  <a:srgbClr val="F3BE60"/>
+                </a:solidFill>
+                <a:latin typeface="Source Sans Pro" panose="020B0503030403020204" pitchFamily="34" charset="0"/>
+                <a:ea typeface="Source Sans Pro" panose="020B0503030403020204" pitchFamily="34" charset="0"/>
+                <a:hlinkClick r:id="rId5"/>
+              </a:rPr>
+              <a:t>https://gohugo.io/</a:t>
+            </a:r>
+            <a:endParaRPr lang="en-US" sz="2400" b="1" dirty="0">
+              <a:solidFill>
+                <a:srgbClr val="F3BE60"/>
+              </a:solidFill>
+              <a:latin typeface="Source Sans Pro" panose="020B0503030403020204" pitchFamily="34" charset="0"/>
+              <a:ea typeface="Source Sans Pro" panose="020B0503030403020204" pitchFamily="34" charset="0"/>
+            </a:endParaRPr>
+          </a:p>
+          <a:p>
+            <a:r>
+              <a:rPr lang="en-US" sz="2400" b="1" dirty="0">
+                <a:solidFill>
+                  <a:srgbClr val="F3BE60"/>
+                </a:solidFill>
+                <a:latin typeface="Source Sans Pro" panose="020B0503030403020204" pitchFamily="34" charset="0"/>
+                <a:ea typeface="Source Sans Pro" panose="020B0503030403020204" pitchFamily="34" charset="0"/>
+                <a:hlinkClick r:id="rId6"/>
+              </a:rPr>
+              <a:t>https://www.creativebloq.com/features/10-best-static-site-generators</a:t>
+            </a:r>
+            <a:endParaRPr lang="en-US" sz="2400" b="1" dirty="0">
+              <a:solidFill>
+                <a:srgbClr val="F3BE60"/>
+              </a:solidFill>
+              <a:latin typeface="Source Sans Pro" panose="020B0503030403020204" pitchFamily="34" charset="0"/>
+              <a:ea typeface="Source Sans Pro" panose="020B0503030403020204" pitchFamily="34" charset="0"/>
+            </a:endParaRPr>
+          </a:p>
+          <a:p>
             <a:endParaRPr lang="en-US" sz="2400" dirty="0">
               <a:solidFill>
                 <a:schemeClr val="accent1">
@@ -22596,23 +22474,12 @@
               <a:ea typeface="Source Sans Pro" panose="020B0503030403020204" pitchFamily="34" charset="0"/>
             </a:endParaRPr>
           </a:p>
-          <a:p>
-            <a:endParaRPr lang="en-US" sz="2400" dirty="0">
-              <a:solidFill>
-                <a:schemeClr val="accent1">
-                  <a:lumMod val="50000"/>
-                </a:schemeClr>
-              </a:solidFill>
-              <a:latin typeface="Source Sans Pro" panose="020B0503030403020204" pitchFamily="34" charset="0"/>
-              <a:ea typeface="Source Sans Pro" panose="020B0503030403020204" pitchFamily="34" charset="0"/>
-            </a:endParaRPr>
-          </a:p>
         </p:txBody>
       </p:sp>
     </p:spTree>
     <p:extLst>
       <p:ext uri="{BB962C8B-B14F-4D97-AF65-F5344CB8AC3E}">
-        <p14:creationId xmlns:p14="http://schemas.microsoft.com/office/powerpoint/2010/main" val="4093467134"/>
+        <p14:creationId xmlns:p14="http://schemas.microsoft.com/office/powerpoint/2010/main" val="536638005"/>
       </p:ext>
     </p:extLst>
   </p:cSld>
@@ -22891,7 +22758,7 @@
                 <a:latin typeface="Source Sans Pro" panose="020B0503030403020204" pitchFamily="34" charset="0"/>
                 <a:ea typeface="Source Sans Pro" panose="020B0503030403020204" pitchFamily="34" charset="0"/>
               </a:rPr>
-              <a:t>STATIC SITE GENERATORS</a:t>
+              <a:t>GIT</a:t>
             </a:r>
           </a:p>
         </p:txBody>
@@ -23148,459 +23015,6 @@
                 <a:ea typeface="Source Sans Pro" panose="020B0503030403020204" pitchFamily="34" charset="0"/>
                 <a:hlinkClick r:id="rId4"/>
               </a:rPr>
-              <a:t>https://jekyllrb.com/</a:t>
-            </a:r>
-            <a:endParaRPr lang="en-US" sz="2400" b="1" dirty="0">
-              <a:solidFill>
-                <a:srgbClr val="F3BE60"/>
-              </a:solidFill>
-              <a:latin typeface="Source Sans Pro" panose="020B0503030403020204" pitchFamily="34" charset="0"/>
-              <a:ea typeface="Source Sans Pro" panose="020B0503030403020204" pitchFamily="34" charset="0"/>
-            </a:endParaRPr>
-          </a:p>
-          <a:p>
-            <a:r>
-              <a:rPr lang="en-US" sz="2400" b="1" dirty="0">
-                <a:solidFill>
-                  <a:srgbClr val="F3BE60"/>
-                </a:solidFill>
-                <a:latin typeface="Source Sans Pro" panose="020B0503030403020204" pitchFamily="34" charset="0"/>
-                <a:ea typeface="Source Sans Pro" panose="020B0503030403020204" pitchFamily="34" charset="0"/>
-                <a:hlinkClick r:id="rId5"/>
-              </a:rPr>
-              <a:t>https://gohugo.io/</a:t>
-            </a:r>
-            <a:endParaRPr lang="en-US" sz="2400" b="1" dirty="0">
-              <a:solidFill>
-                <a:srgbClr val="F3BE60"/>
-              </a:solidFill>
-              <a:latin typeface="Source Sans Pro" panose="020B0503030403020204" pitchFamily="34" charset="0"/>
-              <a:ea typeface="Source Sans Pro" panose="020B0503030403020204" pitchFamily="34" charset="0"/>
-            </a:endParaRPr>
-          </a:p>
-          <a:p>
-            <a:r>
-              <a:rPr lang="en-US" sz="2400" b="1" dirty="0">
-                <a:solidFill>
-                  <a:srgbClr val="F3BE60"/>
-                </a:solidFill>
-                <a:latin typeface="Source Sans Pro" panose="020B0503030403020204" pitchFamily="34" charset="0"/>
-                <a:ea typeface="Source Sans Pro" panose="020B0503030403020204" pitchFamily="34" charset="0"/>
-                <a:hlinkClick r:id="rId6"/>
-              </a:rPr>
-              <a:t>https://www.creativebloq.com/features/10-best-static-site-generators</a:t>
-            </a:r>
-            <a:endParaRPr lang="en-US" sz="2400" b="1" dirty="0">
-              <a:solidFill>
-                <a:srgbClr val="F3BE60"/>
-              </a:solidFill>
-              <a:latin typeface="Source Sans Pro" panose="020B0503030403020204" pitchFamily="34" charset="0"/>
-              <a:ea typeface="Source Sans Pro" panose="020B0503030403020204" pitchFamily="34" charset="0"/>
-            </a:endParaRPr>
-          </a:p>
-          <a:p>
-            <a:endParaRPr lang="en-US" sz="2400" dirty="0">
-              <a:solidFill>
-                <a:schemeClr val="accent1">
-                  <a:lumMod val="50000"/>
-                </a:schemeClr>
-              </a:solidFill>
-              <a:latin typeface="Source Sans Pro" panose="020B0503030403020204" pitchFamily="34" charset="0"/>
-              <a:ea typeface="Source Sans Pro" panose="020B0503030403020204" pitchFamily="34" charset="0"/>
-            </a:endParaRPr>
-          </a:p>
-        </p:txBody>
-      </p:sp>
-    </p:spTree>
-    <p:extLst>
-      <p:ext uri="{BB962C8B-B14F-4D97-AF65-F5344CB8AC3E}">
-        <p14:creationId xmlns:p14="http://schemas.microsoft.com/office/powerpoint/2010/main" val="536638005"/>
-      </p:ext>
-    </p:extLst>
-  </p:cSld>
-  <p:clrMapOvr>
-    <a:masterClrMapping/>
-  </p:clrMapOvr>
-</p:sld>
-</file>
-
-<file path=ppt/slides/slide71.xml><?xml version="1.0" encoding="utf-8"?>
-<p:sld xmlns:a="http://schemas.openxmlformats.org/drawingml/2006/main" xmlns:r="http://schemas.openxmlformats.org/officeDocument/2006/relationships" xmlns:p="http://schemas.openxmlformats.org/presentationml/2006/main">
-  <p:cSld>
-    <p:bg>
-      <p:bgPr>
-        <a:blipFill dpi="0" rotWithShape="1">
-          <a:blip r:embed="rId2">
-            <a:lum/>
-          </a:blip>
-          <a:srcRect/>
-          <a:stretch>
-            <a:fillRect/>
-          </a:stretch>
-        </a:blipFill>
-        <a:effectLst/>
-      </p:bgPr>
-    </p:bg>
-    <p:spTree>
-      <p:nvGrpSpPr>
-        <p:cNvPr id="1" name=""/>
-        <p:cNvGrpSpPr/>
-        <p:nvPr/>
-      </p:nvGrpSpPr>
-      <p:grpSpPr>
-        <a:xfrm>
-          <a:off x="0" y="0"/>
-          <a:ext cx="0" cy="0"/>
-          <a:chOff x="0" y="0"/>
-          <a:chExt cx="0" cy="0"/>
-        </a:xfrm>
-      </p:grpSpPr>
-      <p:pic>
-        <p:nvPicPr>
-          <p:cNvPr id="5" name="Picture 4">
-            <a:extLst>
-              <a:ext uri="{FF2B5EF4-FFF2-40B4-BE49-F238E27FC236}">
-                <a16:creationId xmlns:a16="http://schemas.microsoft.com/office/drawing/2014/main" id="{6B43DD41-0F21-4B91-B777-A89F8D2DF255}"/>
-              </a:ext>
-            </a:extLst>
-          </p:cNvPr>
-          <p:cNvPicPr>
-            <a:picLocks noChangeAspect="1"/>
-          </p:cNvPicPr>
-          <p:nvPr/>
-        </p:nvPicPr>
-        <p:blipFill>
-          <a:blip r:embed="rId3">
-            <a:extLst>
-              <a:ext uri="{28A0092B-C50C-407E-A947-70E740481C1C}">
-                <a14:useLocalDpi xmlns:a14="http://schemas.microsoft.com/office/drawing/2010/main" val="0"/>
-              </a:ext>
-            </a:extLst>
-          </a:blip>
-          <a:stretch>
-            <a:fillRect/>
-          </a:stretch>
-        </p:blipFill>
-        <p:spPr>
-          <a:xfrm>
-            <a:off x="272336" y="197666"/>
-            <a:ext cx="1251664" cy="1402534"/>
-          </a:xfrm>
-          <a:prstGeom prst="rect">
-            <a:avLst/>
-          </a:prstGeom>
-        </p:spPr>
-      </p:pic>
-      <p:sp>
-        <p:nvSpPr>
-          <p:cNvPr id="6" name="Title 3">
-            <a:extLst>
-              <a:ext uri="{FF2B5EF4-FFF2-40B4-BE49-F238E27FC236}">
-                <a16:creationId xmlns:a16="http://schemas.microsoft.com/office/drawing/2014/main" id="{6AF371E5-6025-4DD6-B3D9-1EA1AF6B36AB}"/>
-              </a:ext>
-            </a:extLst>
-          </p:cNvPr>
-          <p:cNvSpPr>
-            <a:spLocks noGrp="1"/>
-          </p:cNvSpPr>
-          <p:nvPr/>
-        </p:nvSpPr>
-        <p:spPr>
-          <a:xfrm>
-            <a:off x="1524000" y="489420"/>
-            <a:ext cx="10040471" cy="1110780"/>
-          </a:xfrm>
-          <a:prstGeom prst="rect">
-            <a:avLst/>
-          </a:prstGeom>
-        </p:spPr>
-        <p:txBody>
-          <a:bodyPr vert="horz" lIns="108000" tIns="36000" rIns="108000" bIns="36000" rtlCol="0" anchor="ctr" anchorCtr="0">
-            <a:normAutofit/>
-          </a:bodyPr>
-          <a:lstStyle>
-            <a:lvl1pPr algn="l" defTabSz="1218987" rtl="0" eaLnBrk="1" latinLnBrk="0" hangingPunct="1">
-              <a:lnSpc>
-                <a:spcPct val="90000"/>
-              </a:lnSpc>
-              <a:spcBef>
-                <a:spcPct val="0"/>
-              </a:spcBef>
-              <a:buNone/>
-              <a:defRPr sz="4000" b="1" kern="1200">
-                <a:solidFill>
-                  <a:srgbClr val="F3BE60"/>
-                </a:solidFill>
-                <a:effectLst/>
-                <a:latin typeface="+mj-lt"/>
-                <a:ea typeface="+mj-ea"/>
-                <a:cs typeface="+mj-cs"/>
-              </a:defRPr>
-            </a:lvl1pPr>
-          </a:lstStyle>
-          <a:p>
-            <a:r>
-              <a:rPr lang="en-US" dirty="0">
-                <a:latin typeface="Source Sans Pro" panose="020B0503030403020204" pitchFamily="34" charset="0"/>
-                <a:ea typeface="Source Sans Pro" panose="020B0503030403020204" pitchFamily="34" charset="0"/>
-              </a:rPr>
-              <a:t>GIT</a:t>
-            </a:r>
-          </a:p>
-        </p:txBody>
-      </p:sp>
-      <p:sp>
-        <p:nvSpPr>
-          <p:cNvPr id="9" name="Content Placeholder 4">
-            <a:extLst>
-              <a:ext uri="{FF2B5EF4-FFF2-40B4-BE49-F238E27FC236}">
-                <a16:creationId xmlns:a16="http://schemas.microsoft.com/office/drawing/2014/main" id="{B6C27FC4-82C8-4925-9BDD-7219055F9256}"/>
-              </a:ext>
-            </a:extLst>
-          </p:cNvPr>
-          <p:cNvSpPr>
-            <a:spLocks noGrp="1"/>
-          </p:cNvSpPr>
-          <p:nvPr/>
-        </p:nvSpPr>
-        <p:spPr>
-          <a:xfrm>
-            <a:off x="1523999" y="1600200"/>
-            <a:ext cx="10058401" cy="4613978"/>
-          </a:xfrm>
-          <a:prstGeom prst="rect">
-            <a:avLst/>
-          </a:prstGeom>
-        </p:spPr>
-        <p:txBody>
-          <a:bodyPr vert="horz" lIns="108000" tIns="36000" rIns="108000" bIns="36000" rtlCol="0">
-            <a:normAutofit/>
-          </a:bodyPr>
-          <a:lstStyle>
-            <a:lvl1pPr marL="304747" indent="-304747" algn="l" defTabSz="1218987" rtl="0" eaLnBrk="1" latinLnBrk="0" hangingPunct="1">
-              <a:lnSpc>
-                <a:spcPct val="105000"/>
-              </a:lnSpc>
-              <a:spcBef>
-                <a:spcPts val="600"/>
-              </a:spcBef>
-              <a:spcAft>
-                <a:spcPts val="600"/>
-              </a:spcAft>
-              <a:buClr>
-                <a:srgbClr val="F2B254"/>
-              </a:buClr>
-              <a:buSzPct val="100000"/>
-              <a:buFont typeface="Wingdings" panose="05000000000000000000" pitchFamily="2" charset="2"/>
-              <a:buChar char="§"/>
-              <a:defRPr sz="3400" b="0" kern="1200">
-                <a:solidFill>
-                  <a:schemeClr val="tx1"/>
-                </a:solidFill>
-                <a:latin typeface="+mn-lt"/>
-                <a:ea typeface="+mn-ea"/>
-                <a:cs typeface="+mn-cs"/>
-              </a:defRPr>
-            </a:lvl1pPr>
-            <a:lvl2pPr marL="609493" indent="-231606" algn="l" defTabSz="1218987" rtl="0" eaLnBrk="1" latinLnBrk="0" hangingPunct="1">
-              <a:lnSpc>
-                <a:spcPct val="105000"/>
-              </a:lnSpc>
-              <a:spcBef>
-                <a:spcPts val="600"/>
-              </a:spcBef>
-              <a:spcAft>
-                <a:spcPts val="600"/>
-              </a:spcAft>
-              <a:buClr>
-                <a:schemeClr val="accent1"/>
-              </a:buClr>
-              <a:buSzPct val="80000"/>
-              <a:buFont typeface="Wingdings" panose="05000000000000000000" pitchFamily="2" charset="2"/>
-              <a:buChar char="§"/>
-              <a:defRPr sz="3200" b="0" kern="1200">
-                <a:solidFill>
-                  <a:schemeClr val="tx1"/>
-                </a:solidFill>
-                <a:latin typeface="+mn-lt"/>
-                <a:ea typeface="+mn-ea"/>
-                <a:cs typeface="+mn-cs"/>
-              </a:defRPr>
-            </a:lvl2pPr>
-            <a:lvl3pPr marL="914240" indent="-231606" algn="l" defTabSz="1218987" rtl="0" eaLnBrk="1" latinLnBrk="0" hangingPunct="1">
-              <a:lnSpc>
-                <a:spcPct val="105000"/>
-              </a:lnSpc>
-              <a:spcBef>
-                <a:spcPts val="600"/>
-              </a:spcBef>
-              <a:spcAft>
-                <a:spcPts val="600"/>
-              </a:spcAft>
-              <a:buClr>
-                <a:srgbClr val="EF9A1D"/>
-              </a:buClr>
-              <a:buSzPct val="80000"/>
-              <a:buFont typeface="Wingdings" panose="05000000000000000000" pitchFamily="2" charset="2"/>
-              <a:buChar char="§"/>
-              <a:defRPr sz="3000" b="0" kern="1200">
-                <a:solidFill>
-                  <a:schemeClr val="tx1"/>
-                </a:solidFill>
-                <a:latin typeface="+mn-lt"/>
-                <a:ea typeface="+mn-ea"/>
-                <a:cs typeface="+mn-cs"/>
-              </a:defRPr>
-            </a:lvl3pPr>
-            <a:lvl4pPr marL="1218987" indent="-231606" algn="l" defTabSz="1218987" rtl="0" eaLnBrk="1" latinLnBrk="0" hangingPunct="1">
-              <a:lnSpc>
-                <a:spcPct val="105000"/>
-              </a:lnSpc>
-              <a:spcBef>
-                <a:spcPts val="600"/>
-              </a:spcBef>
-              <a:spcAft>
-                <a:spcPts val="600"/>
-              </a:spcAft>
-              <a:buClr>
-                <a:srgbClr val="ED9411"/>
-              </a:buClr>
-              <a:buSzPct val="80000"/>
-              <a:buFont typeface="Wingdings" panose="05000000000000000000" pitchFamily="2" charset="2"/>
-              <a:buChar char="§"/>
-              <a:defRPr sz="2800" b="0" kern="1200">
-                <a:solidFill>
-                  <a:schemeClr val="tx1"/>
-                </a:solidFill>
-                <a:latin typeface="+mn-lt"/>
-                <a:ea typeface="+mn-ea"/>
-                <a:cs typeface="+mn-cs"/>
-              </a:defRPr>
-            </a:lvl4pPr>
-            <a:lvl5pPr marL="1523733" indent="-231606" algn="l" defTabSz="1218987" rtl="0" eaLnBrk="1" latinLnBrk="0" hangingPunct="1">
-              <a:lnSpc>
-                <a:spcPct val="105000"/>
-              </a:lnSpc>
-              <a:spcBef>
-                <a:spcPts val="600"/>
-              </a:spcBef>
-              <a:spcAft>
-                <a:spcPts val="600"/>
-              </a:spcAft>
-              <a:buClr>
-                <a:srgbClr val="E28D10"/>
-              </a:buClr>
-              <a:buSzPct val="80000"/>
-              <a:buFont typeface="Wingdings" panose="05000000000000000000" pitchFamily="2" charset="2"/>
-              <a:buChar char="§"/>
-              <a:defRPr sz="2600" b="0" kern="1200">
-                <a:solidFill>
-                  <a:schemeClr val="tx1"/>
-                </a:solidFill>
-                <a:latin typeface="+mn-lt"/>
-                <a:ea typeface="+mn-ea"/>
-                <a:cs typeface="+mn-cs"/>
-              </a:defRPr>
-            </a:lvl5pPr>
-            <a:lvl6pPr marL="1828480" indent="-231606" algn="l" defTabSz="1218987" rtl="0" eaLnBrk="1" latinLnBrk="0" hangingPunct="1">
-              <a:lnSpc>
-                <a:spcPct val="90000"/>
-              </a:lnSpc>
-              <a:spcBef>
-                <a:spcPts val="800"/>
-              </a:spcBef>
-              <a:buClr>
-                <a:schemeClr val="accent1"/>
-              </a:buClr>
-              <a:buSzPct val="80000"/>
-              <a:buFont typeface="Arial" pitchFamily="34" charset="0"/>
-              <a:buChar char="•"/>
-              <a:defRPr sz="2000" kern="1200">
-                <a:solidFill>
-                  <a:schemeClr val="tx1"/>
-                </a:solidFill>
-                <a:latin typeface="+mn-lt"/>
-                <a:ea typeface="+mn-ea"/>
-                <a:cs typeface="+mn-cs"/>
-              </a:defRPr>
-            </a:lvl6pPr>
-            <a:lvl7pPr marL="2133227" indent="-231606" algn="l" defTabSz="1218987" rtl="0" eaLnBrk="1" latinLnBrk="0" hangingPunct="1">
-              <a:lnSpc>
-                <a:spcPct val="90000"/>
-              </a:lnSpc>
-              <a:spcBef>
-                <a:spcPts val="800"/>
-              </a:spcBef>
-              <a:buClr>
-                <a:schemeClr val="accent1"/>
-              </a:buClr>
-              <a:buSzPct val="80000"/>
-              <a:buFont typeface="Arial" pitchFamily="34" charset="0"/>
-              <a:buChar char="•"/>
-              <a:defRPr sz="2000" kern="1200">
-                <a:solidFill>
-                  <a:schemeClr val="tx1"/>
-                </a:solidFill>
-                <a:latin typeface="+mn-lt"/>
-                <a:ea typeface="+mn-ea"/>
-                <a:cs typeface="+mn-cs"/>
-              </a:defRPr>
-            </a:lvl7pPr>
-            <a:lvl8pPr marL="2437972" indent="-231606" algn="l" defTabSz="1218987" rtl="0" eaLnBrk="1" latinLnBrk="0" hangingPunct="1">
-              <a:lnSpc>
-                <a:spcPct val="90000"/>
-              </a:lnSpc>
-              <a:spcBef>
-                <a:spcPts val="800"/>
-              </a:spcBef>
-              <a:buClr>
-                <a:schemeClr val="accent1"/>
-              </a:buClr>
-              <a:buSzPct val="80000"/>
-              <a:buFont typeface="Arial" pitchFamily="34" charset="0"/>
-              <a:buChar char="•"/>
-              <a:defRPr sz="2000" kern="1200" baseline="0">
-                <a:solidFill>
-                  <a:schemeClr val="tx1"/>
-                </a:solidFill>
-                <a:latin typeface="+mn-lt"/>
-                <a:ea typeface="+mn-ea"/>
-                <a:cs typeface="+mn-cs"/>
-              </a:defRPr>
-            </a:lvl8pPr>
-            <a:lvl9pPr marL="2742720" indent="-231606" algn="l" defTabSz="1218987" rtl="0" eaLnBrk="1" latinLnBrk="0" hangingPunct="1">
-              <a:lnSpc>
-                <a:spcPct val="90000"/>
-              </a:lnSpc>
-              <a:spcBef>
-                <a:spcPts val="800"/>
-              </a:spcBef>
-              <a:buClr>
-                <a:schemeClr val="accent1"/>
-              </a:buClr>
-              <a:buSzPct val="80000"/>
-              <a:buFont typeface="Arial" pitchFamily="34" charset="0"/>
-              <a:buChar char="•"/>
-              <a:defRPr sz="2000" kern="1200" baseline="0">
-                <a:solidFill>
-                  <a:schemeClr val="tx1"/>
-                </a:solidFill>
-                <a:latin typeface="+mn-lt"/>
-                <a:ea typeface="+mn-ea"/>
-                <a:cs typeface="+mn-cs"/>
-              </a:defRPr>
-            </a:lvl9pPr>
-          </a:lstStyle>
-          <a:p>
-            <a:r>
-              <a:rPr lang="en-US" sz="2400" b="1" dirty="0">
-                <a:solidFill>
-                  <a:srgbClr val="F3BE60"/>
-                </a:solidFill>
-                <a:latin typeface="Source Sans Pro" panose="020B0503030403020204" pitchFamily="34" charset="0"/>
-                <a:ea typeface="Source Sans Pro" panose="020B0503030403020204" pitchFamily="34" charset="0"/>
-                <a:hlinkClick r:id="rId4"/>
-              </a:rPr>
               <a:t>http://git-scm.com</a:t>
             </a:r>
             <a:endParaRPr lang="en-US" sz="2400" b="1" dirty="0">
@@ -23680,7 +23094,7 @@
 </p:sld>
 </file>
 
-<file path=ppt/slides/slide72.xml><?xml version="1.0" encoding="utf-8"?>
+<file path=ppt/slides/slide71.xml><?xml version="1.0" encoding="utf-8"?>
 <p:sld xmlns:a="http://schemas.openxmlformats.org/drawingml/2006/main" xmlns:r="http://schemas.openxmlformats.org/officeDocument/2006/relationships" xmlns:p="http://schemas.openxmlformats.org/presentationml/2006/main">
   <p:cSld>
     <p:bg>
